--- a/Session2/content/OrganisingADataLake.pptx
+++ b/Session2/content/OrganisingADataLake.pptx
@@ -265,7 +265,7 @@
               <a:rPr lang="en-US" smtClean="0">
                 <a:latin typeface="Segoe UI" pitchFamily="34" charset="0"/>
               </a:rPr>
-              <a:t>6/19/2019 9:14 AM</a:t>
+              <a:t>7/3/2019 8:35 AM</a:t>
             </a:fld>
             <a:endParaRPr lang="en-US" dirty="0">
               <a:latin typeface="Segoe UI" pitchFamily="34" charset="0"/>
@@ -543,7 +543,7 @@
           <a:p>
             <a:fld id="{386CE63F-9E7F-4C04-9D0D-FCA25A8E9E86}" type="datetime8">
               <a:rPr lang="en-US" smtClean="0"/>
-              <a:t>6/19/2019 9:14 AM</a:t>
+              <a:t>7/3/2019 8:35 AM</a:t>
             </a:fld>
             <a:endParaRPr lang="en-US" dirty="0"/>
           </a:p>
@@ -910,7 +910,7 @@
           <a:p>
             <a:fld id="{3619146B-24F9-441E-A368-DB3B5A84C1D4}" type="datetime8">
               <a:rPr lang="en-US" smtClean="0"/>
-              <a:t>6/19/2019 9:14 AM</a:t>
+              <a:t>7/3/2019 8:35 AM</a:t>
             </a:fld>
             <a:endParaRPr lang="en-US" dirty="0"/>
           </a:p>
@@ -15007,7 +15007,7 @@
           <a:lstStyle/>
           <a:p>
             <a:r>
-              <a:rPr lang="en-US" dirty="0" err="1"/>
+              <a:rPr lang="en-GB" dirty="0"/>
               <a:t>Organising</a:t>
             </a:r>
             <a:r>
@@ -16617,21 +16617,6 @@
 </file>
 
 <file path=customXml/item1.xml><?xml version="1.0" encoding="utf-8"?>
-<?mso-contentType ?>
-<FormTemplates xmlns="http://schemas.microsoft.com/sharepoint/v3/contenttype/forms">
-  <Display>DocumentLibraryForm</Display>
-  <Edit>DocumentLibraryForm</Edit>
-  <New>DocumentLibraryForm</New>
-</FormTemplates>
-</file>
-
-<file path=customXml/item2.xml><?xml version="1.0" encoding="utf-8"?>
-<p:properties xmlns:p="http://schemas.microsoft.com/office/2006/metadata/properties" xmlns:xsi="http://www.w3.org/2001/XMLSchema-instance" xmlns:pc="http://schemas.microsoft.com/office/infopath/2007/PartnerControls">
-  <documentManagement/>
-</p:properties>
-</file>
-
-<file path=customXml/item3.xml><?xml version="1.0" encoding="utf-8"?>
 <ct:contentTypeSchema xmlns:ct="http://schemas.microsoft.com/office/2006/metadata/contentType" xmlns:ma="http://schemas.microsoft.com/office/2006/metadata/properties/metaAttributes" ct:_="" ma:_="" ma:contentTypeName="Document" ma:contentTypeID="0x010100A2B0BB5962AB3C45A9A1CE1EC4C4F647" ma:contentTypeVersion="3" ma:contentTypeDescription="Create a new document." ma:contentTypeScope="" ma:versionID="f0876370c90de824ab54c09b0bd2a056">
   <xsd:schema xmlns:xsd="http://www.w3.org/2001/XMLSchema" xmlns:xs="http://www.w3.org/2001/XMLSchema" xmlns:p="http://schemas.microsoft.com/office/2006/metadata/properties" xmlns:ns3="630a2e83-186a-4a0f-ab27-bee8a8096abc" targetNamespace="http://schemas.microsoft.com/office/2006/metadata/properties" ma:root="true" ma:fieldsID="a2a3b5ed8b4accd7c8a398d0cb075271" ns3:_="">
     <xsd:import namespace="630a2e83-186a-4a0f-ab27-bee8a8096abc"/>
@@ -16785,10 +16770,35 @@
 </ct:contentTypeSchema>
 </file>
 
+<file path=customXml/item2.xml><?xml version="1.0" encoding="utf-8"?>
+<p:properties xmlns:p="http://schemas.microsoft.com/office/2006/metadata/properties" xmlns:xsi="http://www.w3.org/2001/XMLSchema-instance" xmlns:pc="http://schemas.microsoft.com/office/infopath/2007/PartnerControls">
+  <documentManagement/>
+</p:properties>
+</file>
+
+<file path=customXml/item3.xml><?xml version="1.0" encoding="utf-8"?>
+<?mso-contentType ?>
+<FormTemplates xmlns="http://schemas.microsoft.com/sharepoint/v3/contenttype/forms">
+  <Display>DocumentLibraryForm</Display>
+  <Edit>DocumentLibraryForm</Edit>
+  <New>DocumentLibraryForm</New>
+</FormTemplates>
+</file>
+
 <file path=customXml/itemProps1.xml><?xml version="1.0" encoding="utf-8"?>
-<ds:datastoreItem xmlns:ds="http://schemas.openxmlformats.org/officeDocument/2006/customXml" ds:itemID="{758FDAC0-319D-4A54-8D8E-1D42CB1F8004}">
+<ds:datastoreItem xmlns:ds="http://schemas.openxmlformats.org/officeDocument/2006/customXml" ds:itemID="{F330841A-A209-44E7-824E-9DDB4DE0DC3C}">
   <ds:schemaRefs>
-    <ds:schemaRef ds:uri="http://schemas.microsoft.com/sharepoint/v3/contenttype/forms"/>
+    <ds:schemaRef ds:uri="http://schemas.microsoft.com/office/2006/metadata/contentType"/>
+    <ds:schemaRef ds:uri="http://schemas.microsoft.com/office/2006/metadata/properties/metaAttributes"/>
+    <ds:schemaRef ds:uri="http://www.w3.org/2001/XMLSchema"/>
+    <ds:schemaRef ds:uri="http://schemas.microsoft.com/office/2006/metadata/properties"/>
+    <ds:schemaRef ds:uri="630a2e83-186a-4a0f-ab27-bee8a8096abc"/>
+    <ds:schemaRef ds:uri="http://schemas.microsoft.com/office/2006/documentManagement/types"/>
+    <ds:schemaRef ds:uri="http://schemas.microsoft.com/office/infopath/2007/PartnerControls"/>
+    <ds:schemaRef ds:uri="http://schemas.openxmlformats.org/package/2006/metadata/core-properties"/>
+    <ds:schemaRef ds:uri="http://purl.org/dc/elements/1.1/"/>
+    <ds:schemaRef ds:uri="http://purl.org/dc/terms/"/>
+    <ds:schemaRef ds:uri="http://schemas.microsoft.com/internal/obd"/>
   </ds:schemaRefs>
 </ds:datastoreItem>
 </file>
@@ -16810,19 +16820,9 @@
 </file>
 
 <file path=customXml/itemProps3.xml><?xml version="1.0" encoding="utf-8"?>
-<ds:datastoreItem xmlns:ds="http://schemas.openxmlformats.org/officeDocument/2006/customXml" ds:itemID="{F330841A-A209-44E7-824E-9DDB4DE0DC3C}">
+<ds:datastoreItem xmlns:ds="http://schemas.openxmlformats.org/officeDocument/2006/customXml" ds:itemID="{758FDAC0-319D-4A54-8D8E-1D42CB1F8004}">
   <ds:schemaRefs>
-    <ds:schemaRef ds:uri="http://schemas.microsoft.com/office/2006/metadata/contentType"/>
-    <ds:schemaRef ds:uri="http://schemas.microsoft.com/office/2006/metadata/properties/metaAttributes"/>
-    <ds:schemaRef ds:uri="http://www.w3.org/2001/XMLSchema"/>
-    <ds:schemaRef ds:uri="http://schemas.microsoft.com/office/2006/metadata/properties"/>
-    <ds:schemaRef ds:uri="630a2e83-186a-4a0f-ab27-bee8a8096abc"/>
-    <ds:schemaRef ds:uri="http://schemas.microsoft.com/office/2006/documentManagement/types"/>
-    <ds:schemaRef ds:uri="http://schemas.microsoft.com/office/infopath/2007/PartnerControls"/>
-    <ds:schemaRef ds:uri="http://schemas.openxmlformats.org/package/2006/metadata/core-properties"/>
-    <ds:schemaRef ds:uri="http://purl.org/dc/elements/1.1/"/>
-    <ds:schemaRef ds:uri="http://purl.org/dc/terms/"/>
-    <ds:schemaRef ds:uri="http://schemas.microsoft.com/internal/obd"/>
+    <ds:schemaRef ds:uri="http://schemas.microsoft.com/sharepoint/v3/contenttype/forms"/>
   </ds:schemaRefs>
 </ds:datastoreItem>
 </file>
--- a/Session2/content/OrganisingADataLake.pptx
+++ b/Session2/content/OrganisingADataLake.pptx
@@ -6,17 +6,18 @@
     <p:sldMasterId id="2147484642" r:id="rId5"/>
   </p:sldMasterIdLst>
   <p:notesMasterIdLst>
-    <p:notesMasterId r:id="rId11"/>
+    <p:notesMasterId r:id="rId12"/>
   </p:notesMasterIdLst>
   <p:handoutMasterIdLst>
-    <p:handoutMasterId r:id="rId12"/>
+    <p:handoutMasterId r:id="rId13"/>
   </p:handoutMasterIdLst>
   <p:sldIdLst>
     <p:sldId id="1719" r:id="rId6"/>
-    <p:sldId id="1720" r:id="rId7"/>
-    <p:sldId id="1722" r:id="rId8"/>
-    <p:sldId id="1723" r:id="rId9"/>
-    <p:sldId id="1721" r:id="rId10"/>
+    <p:sldId id="1724" r:id="rId7"/>
+    <p:sldId id="1720" r:id="rId8"/>
+    <p:sldId id="1722" r:id="rId9"/>
+    <p:sldId id="1723" r:id="rId10"/>
+    <p:sldId id="1721" r:id="rId11"/>
   </p:sldIdLst>
   <p:sldSz cx="12192000" cy="6858000"/>
   <p:notesSz cx="6858000" cy="9144000"/>
@@ -125,6 +126,7 @@
         </p14:section>
         <p14:section name="Organisation" id="{0CBECA37-59C2-4831-92AF-DBCAC36E9891}">
           <p14:sldIdLst>
+            <p14:sldId id="1724"/>
             <p14:sldId id="1720"/>
             <p14:sldId id="1722"/>
             <p14:sldId id="1723"/>
@@ -177,6 +179,4211 @@
     </p:extLst>
   </p:cmAuthor>
 </p:cmAuthorLst>
+</file>
+
+<file path=ppt/diagrams/colors1.xml><?xml version="1.0" encoding="utf-8"?>
+<dgm:colorsDef xmlns:dgm="http://schemas.openxmlformats.org/drawingml/2006/diagram" xmlns:a="http://schemas.openxmlformats.org/drawingml/2006/main" uniqueId="urn:microsoft.com/office/officeart/2005/8/colors/accent1_2">
+  <dgm:title val=""/>
+  <dgm:desc val=""/>
+  <dgm:catLst>
+    <dgm:cat type="accent1" pri="11200"/>
+  </dgm:catLst>
+  <dgm:styleLbl name="node0">
+    <dgm:fillClrLst meth="repeat">
+      <a:schemeClr val="accent1"/>
+    </dgm:fillClrLst>
+    <dgm:linClrLst meth="repeat">
+      <a:schemeClr val="lt1"/>
+    </dgm:linClrLst>
+    <dgm:effectClrLst/>
+    <dgm:txLinClrLst/>
+    <dgm:txFillClrLst/>
+    <dgm:txEffectClrLst/>
+  </dgm:styleLbl>
+  <dgm:styleLbl name="alignNode1">
+    <dgm:fillClrLst meth="repeat">
+      <a:schemeClr val="accent1"/>
+    </dgm:fillClrLst>
+    <dgm:linClrLst meth="repeat">
+      <a:schemeClr val="accent1"/>
+    </dgm:linClrLst>
+    <dgm:effectClrLst/>
+    <dgm:txLinClrLst/>
+    <dgm:txFillClrLst/>
+    <dgm:txEffectClrLst/>
+  </dgm:styleLbl>
+  <dgm:styleLbl name="node1">
+    <dgm:fillClrLst meth="repeat">
+      <a:schemeClr val="accent1"/>
+    </dgm:fillClrLst>
+    <dgm:linClrLst meth="repeat">
+      <a:schemeClr val="lt1"/>
+    </dgm:linClrLst>
+    <dgm:effectClrLst/>
+    <dgm:txLinClrLst/>
+    <dgm:txFillClrLst/>
+    <dgm:txEffectClrLst/>
+  </dgm:styleLbl>
+  <dgm:styleLbl name="lnNode1">
+    <dgm:fillClrLst meth="repeat">
+      <a:schemeClr val="accent1"/>
+    </dgm:fillClrLst>
+    <dgm:linClrLst meth="repeat">
+      <a:schemeClr val="lt1"/>
+    </dgm:linClrLst>
+    <dgm:effectClrLst/>
+    <dgm:txLinClrLst/>
+    <dgm:txFillClrLst/>
+    <dgm:txEffectClrLst/>
+  </dgm:styleLbl>
+  <dgm:styleLbl name="vennNode1">
+    <dgm:fillClrLst meth="repeat">
+      <a:schemeClr val="accent1">
+        <a:alpha val="50000"/>
+      </a:schemeClr>
+    </dgm:fillClrLst>
+    <dgm:linClrLst meth="repeat">
+      <a:schemeClr val="lt1"/>
+    </dgm:linClrLst>
+    <dgm:effectClrLst/>
+    <dgm:txLinClrLst/>
+    <dgm:txFillClrLst/>
+    <dgm:txEffectClrLst/>
+  </dgm:styleLbl>
+  <dgm:styleLbl name="node2">
+    <dgm:fillClrLst meth="repeat">
+      <a:schemeClr val="accent1"/>
+    </dgm:fillClrLst>
+    <dgm:linClrLst meth="repeat">
+      <a:schemeClr val="lt1"/>
+    </dgm:linClrLst>
+    <dgm:effectClrLst/>
+    <dgm:txLinClrLst/>
+    <dgm:txFillClrLst/>
+    <dgm:txEffectClrLst/>
+  </dgm:styleLbl>
+  <dgm:styleLbl name="node3">
+    <dgm:fillClrLst meth="repeat">
+      <a:schemeClr val="accent1"/>
+    </dgm:fillClrLst>
+    <dgm:linClrLst meth="repeat">
+      <a:schemeClr val="lt1"/>
+    </dgm:linClrLst>
+    <dgm:effectClrLst/>
+    <dgm:txLinClrLst/>
+    <dgm:txFillClrLst/>
+    <dgm:txEffectClrLst/>
+  </dgm:styleLbl>
+  <dgm:styleLbl name="node4">
+    <dgm:fillClrLst meth="repeat">
+      <a:schemeClr val="accent1"/>
+    </dgm:fillClrLst>
+    <dgm:linClrLst meth="repeat">
+      <a:schemeClr val="lt1"/>
+    </dgm:linClrLst>
+    <dgm:effectClrLst/>
+    <dgm:txLinClrLst/>
+    <dgm:txFillClrLst/>
+    <dgm:txEffectClrLst/>
+  </dgm:styleLbl>
+  <dgm:styleLbl name="fgImgPlace1">
+    <dgm:fillClrLst meth="repeat">
+      <a:schemeClr val="accent1">
+        <a:tint val="50000"/>
+      </a:schemeClr>
+    </dgm:fillClrLst>
+    <dgm:linClrLst meth="repeat">
+      <a:schemeClr val="lt1"/>
+    </dgm:linClrLst>
+    <dgm:effectClrLst/>
+    <dgm:txLinClrLst/>
+    <dgm:txFillClrLst meth="repeat">
+      <a:schemeClr val="lt1"/>
+    </dgm:txFillClrLst>
+    <dgm:txEffectClrLst/>
+  </dgm:styleLbl>
+  <dgm:styleLbl name="alignImgPlace1">
+    <dgm:fillClrLst meth="repeat">
+      <a:schemeClr val="accent1">
+        <a:tint val="50000"/>
+      </a:schemeClr>
+    </dgm:fillClrLst>
+    <dgm:linClrLst meth="repeat">
+      <a:schemeClr val="lt1"/>
+    </dgm:linClrLst>
+    <dgm:effectClrLst/>
+    <dgm:txLinClrLst/>
+    <dgm:txFillClrLst meth="repeat">
+      <a:schemeClr val="lt1"/>
+    </dgm:txFillClrLst>
+    <dgm:txEffectClrLst/>
+  </dgm:styleLbl>
+  <dgm:styleLbl name="bgImgPlace1">
+    <dgm:fillClrLst meth="repeat">
+      <a:schemeClr val="accent1">
+        <a:tint val="50000"/>
+      </a:schemeClr>
+    </dgm:fillClrLst>
+    <dgm:linClrLst meth="repeat">
+      <a:schemeClr val="lt1"/>
+    </dgm:linClrLst>
+    <dgm:effectClrLst/>
+    <dgm:txLinClrLst/>
+    <dgm:txFillClrLst meth="repeat">
+      <a:schemeClr val="lt1"/>
+    </dgm:txFillClrLst>
+    <dgm:txEffectClrLst/>
+  </dgm:styleLbl>
+  <dgm:styleLbl name="sibTrans2D1">
+    <dgm:fillClrLst meth="repeat">
+      <a:schemeClr val="accent1">
+        <a:tint val="60000"/>
+      </a:schemeClr>
+    </dgm:fillClrLst>
+    <dgm:linClrLst meth="repeat">
+      <a:schemeClr val="accent1">
+        <a:tint val="60000"/>
+      </a:schemeClr>
+    </dgm:linClrLst>
+    <dgm:effectClrLst/>
+    <dgm:txLinClrLst/>
+    <dgm:txFillClrLst/>
+    <dgm:txEffectClrLst/>
+  </dgm:styleLbl>
+  <dgm:styleLbl name="fgSibTrans2D1">
+    <dgm:fillClrLst meth="repeat">
+      <a:schemeClr val="accent1">
+        <a:tint val="60000"/>
+      </a:schemeClr>
+    </dgm:fillClrLst>
+    <dgm:linClrLst meth="repeat">
+      <a:schemeClr val="accent1">
+        <a:tint val="60000"/>
+      </a:schemeClr>
+    </dgm:linClrLst>
+    <dgm:effectClrLst/>
+    <dgm:txLinClrLst/>
+    <dgm:txFillClrLst/>
+    <dgm:txEffectClrLst/>
+  </dgm:styleLbl>
+  <dgm:styleLbl name="bgSibTrans2D1">
+    <dgm:fillClrLst meth="repeat">
+      <a:schemeClr val="accent1">
+        <a:tint val="60000"/>
+      </a:schemeClr>
+    </dgm:fillClrLst>
+    <dgm:linClrLst meth="repeat">
+      <a:schemeClr val="accent1">
+        <a:tint val="60000"/>
+      </a:schemeClr>
+    </dgm:linClrLst>
+    <dgm:effectClrLst/>
+    <dgm:txLinClrLst/>
+    <dgm:txFillClrLst/>
+    <dgm:txEffectClrLst/>
+  </dgm:styleLbl>
+  <dgm:styleLbl name="sibTrans1D1">
+    <dgm:fillClrLst meth="repeat">
+      <a:schemeClr val="accent1"/>
+    </dgm:fillClrLst>
+    <dgm:linClrLst meth="repeat">
+      <a:schemeClr val="accent1"/>
+    </dgm:linClrLst>
+    <dgm:effectClrLst/>
+    <dgm:txLinClrLst/>
+    <dgm:txFillClrLst meth="repeat">
+      <a:schemeClr val="tx1"/>
+    </dgm:txFillClrLst>
+    <dgm:txEffectClrLst/>
+  </dgm:styleLbl>
+  <dgm:styleLbl name="callout">
+    <dgm:fillClrLst meth="repeat">
+      <a:schemeClr val="accent1"/>
+    </dgm:fillClrLst>
+    <dgm:linClrLst meth="repeat">
+      <a:schemeClr val="accent1">
+        <a:tint val="50000"/>
+      </a:schemeClr>
+    </dgm:linClrLst>
+    <dgm:effectClrLst/>
+    <dgm:txLinClrLst/>
+    <dgm:txFillClrLst meth="repeat">
+      <a:schemeClr val="tx1"/>
+    </dgm:txFillClrLst>
+    <dgm:txEffectClrLst/>
+  </dgm:styleLbl>
+  <dgm:styleLbl name="asst0">
+    <dgm:fillClrLst meth="repeat">
+      <a:schemeClr val="accent1"/>
+    </dgm:fillClrLst>
+    <dgm:linClrLst meth="repeat">
+      <a:schemeClr val="lt1"/>
+    </dgm:linClrLst>
+    <dgm:effectClrLst/>
+    <dgm:txLinClrLst/>
+    <dgm:txFillClrLst/>
+    <dgm:txEffectClrLst/>
+  </dgm:styleLbl>
+  <dgm:styleLbl name="asst1">
+    <dgm:fillClrLst meth="repeat">
+      <a:schemeClr val="accent1"/>
+    </dgm:fillClrLst>
+    <dgm:linClrLst meth="repeat">
+      <a:schemeClr val="lt1"/>
+    </dgm:linClrLst>
+    <dgm:effectClrLst/>
+    <dgm:txLinClrLst/>
+    <dgm:txFillClrLst/>
+    <dgm:txEffectClrLst/>
+  </dgm:styleLbl>
+  <dgm:styleLbl name="asst2">
+    <dgm:fillClrLst meth="repeat">
+      <a:schemeClr val="accent1"/>
+    </dgm:fillClrLst>
+    <dgm:linClrLst meth="repeat">
+      <a:schemeClr val="lt1"/>
+    </dgm:linClrLst>
+    <dgm:effectClrLst/>
+    <dgm:txLinClrLst/>
+    <dgm:txFillClrLst/>
+    <dgm:txEffectClrLst/>
+  </dgm:styleLbl>
+  <dgm:styleLbl name="asst3">
+    <dgm:fillClrLst meth="repeat">
+      <a:schemeClr val="accent1"/>
+    </dgm:fillClrLst>
+    <dgm:linClrLst meth="repeat">
+      <a:schemeClr val="lt1"/>
+    </dgm:linClrLst>
+    <dgm:effectClrLst/>
+    <dgm:txLinClrLst/>
+    <dgm:txFillClrLst/>
+    <dgm:txEffectClrLst/>
+  </dgm:styleLbl>
+  <dgm:styleLbl name="asst4">
+    <dgm:fillClrLst meth="repeat">
+      <a:schemeClr val="accent1"/>
+    </dgm:fillClrLst>
+    <dgm:linClrLst meth="repeat">
+      <a:schemeClr val="lt1"/>
+    </dgm:linClrLst>
+    <dgm:effectClrLst/>
+    <dgm:txLinClrLst/>
+    <dgm:txFillClrLst/>
+    <dgm:txEffectClrLst/>
+  </dgm:styleLbl>
+  <dgm:styleLbl name="parChTrans2D1">
+    <dgm:fillClrLst meth="repeat">
+      <a:schemeClr val="accent1">
+        <a:tint val="60000"/>
+      </a:schemeClr>
+    </dgm:fillClrLst>
+    <dgm:linClrLst meth="repeat">
+      <a:schemeClr val="accent1">
+        <a:tint val="60000"/>
+      </a:schemeClr>
+    </dgm:linClrLst>
+    <dgm:effectClrLst/>
+    <dgm:txLinClrLst/>
+    <dgm:txFillClrLst meth="repeat">
+      <a:schemeClr val="lt1"/>
+    </dgm:txFillClrLst>
+    <dgm:txEffectClrLst/>
+  </dgm:styleLbl>
+  <dgm:styleLbl name="parChTrans2D2">
+    <dgm:fillClrLst meth="repeat">
+      <a:schemeClr val="accent1"/>
+    </dgm:fillClrLst>
+    <dgm:linClrLst meth="repeat">
+      <a:schemeClr val="accent1"/>
+    </dgm:linClrLst>
+    <dgm:effectClrLst/>
+    <dgm:txLinClrLst/>
+    <dgm:txFillClrLst meth="repeat">
+      <a:schemeClr val="lt1"/>
+    </dgm:txFillClrLst>
+    <dgm:txEffectClrLst/>
+  </dgm:styleLbl>
+  <dgm:styleLbl name="parChTrans2D3">
+    <dgm:fillClrLst meth="repeat">
+      <a:schemeClr val="accent1"/>
+    </dgm:fillClrLst>
+    <dgm:linClrLst meth="repeat">
+      <a:schemeClr val="accent1"/>
+    </dgm:linClrLst>
+    <dgm:effectClrLst/>
+    <dgm:txLinClrLst/>
+    <dgm:txFillClrLst meth="repeat">
+      <a:schemeClr val="lt1"/>
+    </dgm:txFillClrLst>
+    <dgm:txEffectClrLst/>
+  </dgm:styleLbl>
+  <dgm:styleLbl name="parChTrans2D4">
+    <dgm:fillClrLst meth="repeat">
+      <a:schemeClr val="accent1"/>
+    </dgm:fillClrLst>
+    <dgm:linClrLst meth="repeat">
+      <a:schemeClr val="accent1"/>
+    </dgm:linClrLst>
+    <dgm:effectClrLst/>
+    <dgm:txLinClrLst/>
+    <dgm:txFillClrLst meth="repeat">
+      <a:schemeClr val="lt1"/>
+    </dgm:txFillClrLst>
+    <dgm:txEffectClrLst/>
+  </dgm:styleLbl>
+  <dgm:styleLbl name="parChTrans1D1">
+    <dgm:fillClrLst meth="repeat">
+      <a:schemeClr val="accent1"/>
+    </dgm:fillClrLst>
+    <dgm:linClrLst meth="repeat">
+      <a:schemeClr val="accent1">
+        <a:shade val="60000"/>
+      </a:schemeClr>
+    </dgm:linClrLst>
+    <dgm:effectClrLst/>
+    <dgm:txLinClrLst/>
+    <dgm:txFillClrLst meth="repeat">
+      <a:schemeClr val="tx1"/>
+    </dgm:txFillClrLst>
+    <dgm:txEffectClrLst/>
+  </dgm:styleLbl>
+  <dgm:styleLbl name="parChTrans1D2">
+    <dgm:fillClrLst meth="repeat">
+      <a:schemeClr val="accent1"/>
+    </dgm:fillClrLst>
+    <dgm:linClrLst meth="repeat">
+      <a:schemeClr val="accent1">
+        <a:shade val="60000"/>
+      </a:schemeClr>
+    </dgm:linClrLst>
+    <dgm:effectClrLst/>
+    <dgm:txLinClrLst/>
+    <dgm:txFillClrLst meth="repeat">
+      <a:schemeClr val="tx1"/>
+    </dgm:txFillClrLst>
+    <dgm:txEffectClrLst/>
+  </dgm:styleLbl>
+  <dgm:styleLbl name="parChTrans1D3">
+    <dgm:fillClrLst meth="repeat">
+      <a:schemeClr val="accent1"/>
+    </dgm:fillClrLst>
+    <dgm:linClrLst meth="repeat">
+      <a:schemeClr val="accent1">
+        <a:shade val="80000"/>
+      </a:schemeClr>
+    </dgm:linClrLst>
+    <dgm:effectClrLst/>
+    <dgm:txLinClrLst/>
+    <dgm:txFillClrLst meth="repeat">
+      <a:schemeClr val="tx1"/>
+    </dgm:txFillClrLst>
+    <dgm:txEffectClrLst/>
+  </dgm:styleLbl>
+  <dgm:styleLbl name="parChTrans1D4">
+    <dgm:fillClrLst meth="repeat">
+      <a:schemeClr val="accent1"/>
+    </dgm:fillClrLst>
+    <dgm:linClrLst meth="repeat">
+      <a:schemeClr val="accent1">
+        <a:shade val="80000"/>
+      </a:schemeClr>
+    </dgm:linClrLst>
+    <dgm:effectClrLst/>
+    <dgm:txLinClrLst/>
+    <dgm:txFillClrLst meth="repeat">
+      <a:schemeClr val="tx1"/>
+    </dgm:txFillClrLst>
+    <dgm:txEffectClrLst/>
+  </dgm:styleLbl>
+  <dgm:styleLbl name="fgAcc1">
+    <dgm:fillClrLst meth="repeat">
+      <a:schemeClr val="lt1">
+        <a:alpha val="90000"/>
+      </a:schemeClr>
+    </dgm:fillClrLst>
+    <dgm:linClrLst meth="repeat">
+      <a:schemeClr val="accent1"/>
+    </dgm:linClrLst>
+    <dgm:effectClrLst/>
+    <dgm:txLinClrLst/>
+    <dgm:txFillClrLst meth="repeat">
+      <a:schemeClr val="dk1"/>
+    </dgm:txFillClrLst>
+    <dgm:txEffectClrLst/>
+  </dgm:styleLbl>
+  <dgm:styleLbl name="conFgAcc1">
+    <dgm:fillClrLst meth="repeat">
+      <a:schemeClr val="lt1">
+        <a:alpha val="90000"/>
+      </a:schemeClr>
+    </dgm:fillClrLst>
+    <dgm:linClrLst meth="repeat">
+      <a:schemeClr val="accent1"/>
+    </dgm:linClrLst>
+    <dgm:effectClrLst/>
+    <dgm:txLinClrLst/>
+    <dgm:txFillClrLst meth="repeat">
+      <a:schemeClr val="dk1"/>
+    </dgm:txFillClrLst>
+    <dgm:txEffectClrLst/>
+  </dgm:styleLbl>
+  <dgm:styleLbl name="alignAcc1">
+    <dgm:fillClrLst meth="repeat">
+      <a:schemeClr val="lt1">
+        <a:alpha val="90000"/>
+      </a:schemeClr>
+    </dgm:fillClrLst>
+    <dgm:linClrLst meth="repeat">
+      <a:schemeClr val="accent1"/>
+    </dgm:linClrLst>
+    <dgm:effectClrLst/>
+    <dgm:txLinClrLst/>
+    <dgm:txFillClrLst meth="repeat">
+      <a:schemeClr val="dk1"/>
+    </dgm:txFillClrLst>
+    <dgm:txEffectClrLst/>
+  </dgm:styleLbl>
+  <dgm:styleLbl name="trAlignAcc1">
+    <dgm:fillClrLst meth="repeat">
+      <a:schemeClr val="lt1">
+        <a:alpha val="40000"/>
+      </a:schemeClr>
+    </dgm:fillClrLst>
+    <dgm:linClrLst meth="repeat">
+      <a:schemeClr val="accent1"/>
+    </dgm:linClrLst>
+    <dgm:effectClrLst/>
+    <dgm:txLinClrLst/>
+    <dgm:txFillClrLst meth="repeat">
+      <a:schemeClr val="dk1"/>
+    </dgm:txFillClrLst>
+    <dgm:txEffectClrLst/>
+  </dgm:styleLbl>
+  <dgm:styleLbl name="bgAcc1">
+    <dgm:fillClrLst meth="repeat">
+      <a:schemeClr val="lt1">
+        <a:alpha val="90000"/>
+      </a:schemeClr>
+    </dgm:fillClrLst>
+    <dgm:linClrLst meth="repeat">
+      <a:schemeClr val="accent1"/>
+    </dgm:linClrLst>
+    <dgm:effectClrLst/>
+    <dgm:txLinClrLst/>
+    <dgm:txFillClrLst meth="repeat">
+      <a:schemeClr val="dk1"/>
+    </dgm:txFillClrLst>
+    <dgm:txEffectClrLst/>
+  </dgm:styleLbl>
+  <dgm:styleLbl name="solidFgAcc1">
+    <dgm:fillClrLst meth="repeat">
+      <a:schemeClr val="lt1"/>
+    </dgm:fillClrLst>
+    <dgm:linClrLst meth="repeat">
+      <a:schemeClr val="accent1"/>
+    </dgm:linClrLst>
+    <dgm:effectClrLst/>
+    <dgm:txLinClrLst/>
+    <dgm:txFillClrLst meth="repeat">
+      <a:schemeClr val="dk1"/>
+    </dgm:txFillClrLst>
+    <dgm:txEffectClrLst/>
+  </dgm:styleLbl>
+  <dgm:styleLbl name="solidAlignAcc1">
+    <dgm:fillClrLst meth="repeat">
+      <a:schemeClr val="lt1"/>
+    </dgm:fillClrLst>
+    <dgm:linClrLst meth="repeat">
+      <a:schemeClr val="accent1"/>
+    </dgm:linClrLst>
+    <dgm:effectClrLst/>
+    <dgm:txLinClrLst/>
+    <dgm:txFillClrLst meth="repeat">
+      <a:schemeClr val="dk1"/>
+    </dgm:txFillClrLst>
+    <dgm:txEffectClrLst/>
+  </dgm:styleLbl>
+  <dgm:styleLbl name="solidBgAcc1">
+    <dgm:fillClrLst meth="repeat">
+      <a:schemeClr val="lt1"/>
+    </dgm:fillClrLst>
+    <dgm:linClrLst meth="repeat">
+      <a:schemeClr val="accent1"/>
+    </dgm:linClrLst>
+    <dgm:effectClrLst/>
+    <dgm:txLinClrLst/>
+    <dgm:txFillClrLst meth="repeat">
+      <a:schemeClr val="dk1"/>
+    </dgm:txFillClrLst>
+    <dgm:txEffectClrLst/>
+  </dgm:styleLbl>
+  <dgm:styleLbl name="fgAccFollowNode1">
+    <dgm:fillClrLst meth="repeat">
+      <a:schemeClr val="accent1">
+        <a:alpha val="90000"/>
+        <a:tint val="40000"/>
+      </a:schemeClr>
+    </dgm:fillClrLst>
+    <dgm:linClrLst meth="repeat">
+      <a:schemeClr val="accent1">
+        <a:alpha val="90000"/>
+        <a:tint val="40000"/>
+      </a:schemeClr>
+    </dgm:linClrLst>
+    <dgm:effectClrLst/>
+    <dgm:txLinClrLst/>
+    <dgm:txFillClrLst meth="repeat">
+      <a:schemeClr val="dk1"/>
+    </dgm:txFillClrLst>
+    <dgm:txEffectClrLst/>
+  </dgm:styleLbl>
+  <dgm:styleLbl name="alignAccFollowNode1">
+    <dgm:fillClrLst meth="repeat">
+      <a:schemeClr val="accent1">
+        <a:alpha val="90000"/>
+        <a:tint val="40000"/>
+      </a:schemeClr>
+    </dgm:fillClrLst>
+    <dgm:linClrLst meth="repeat">
+      <a:schemeClr val="accent1">
+        <a:alpha val="90000"/>
+        <a:tint val="40000"/>
+      </a:schemeClr>
+    </dgm:linClrLst>
+    <dgm:effectClrLst/>
+    <dgm:txLinClrLst/>
+    <dgm:txFillClrLst meth="repeat">
+      <a:schemeClr val="dk1"/>
+    </dgm:txFillClrLst>
+    <dgm:txEffectClrLst/>
+  </dgm:styleLbl>
+  <dgm:styleLbl name="bgAccFollowNode1">
+    <dgm:fillClrLst meth="repeat">
+      <a:schemeClr val="accent1">
+        <a:alpha val="90000"/>
+        <a:tint val="40000"/>
+      </a:schemeClr>
+    </dgm:fillClrLst>
+    <dgm:linClrLst meth="repeat">
+      <a:schemeClr val="accent1">
+        <a:alpha val="90000"/>
+        <a:tint val="40000"/>
+      </a:schemeClr>
+    </dgm:linClrLst>
+    <dgm:effectClrLst/>
+    <dgm:txLinClrLst/>
+    <dgm:txFillClrLst meth="repeat">
+      <a:schemeClr val="dk1"/>
+    </dgm:txFillClrLst>
+    <dgm:txEffectClrLst/>
+  </dgm:styleLbl>
+  <dgm:styleLbl name="fgAcc0">
+    <dgm:fillClrLst meth="repeat">
+      <a:schemeClr val="lt1">
+        <a:alpha val="90000"/>
+      </a:schemeClr>
+    </dgm:fillClrLst>
+    <dgm:linClrLst meth="repeat">
+      <a:schemeClr val="accent1"/>
+    </dgm:linClrLst>
+    <dgm:effectClrLst/>
+    <dgm:txLinClrLst/>
+    <dgm:txFillClrLst meth="repeat">
+      <a:schemeClr val="dk1"/>
+    </dgm:txFillClrLst>
+    <dgm:txEffectClrLst/>
+  </dgm:styleLbl>
+  <dgm:styleLbl name="fgAcc2">
+    <dgm:fillClrLst meth="repeat">
+      <a:schemeClr val="lt1">
+        <a:alpha val="90000"/>
+      </a:schemeClr>
+    </dgm:fillClrLst>
+    <dgm:linClrLst meth="repeat">
+      <a:schemeClr val="accent1"/>
+    </dgm:linClrLst>
+    <dgm:effectClrLst/>
+    <dgm:txLinClrLst/>
+    <dgm:txFillClrLst meth="repeat">
+      <a:schemeClr val="dk1"/>
+    </dgm:txFillClrLst>
+    <dgm:txEffectClrLst/>
+  </dgm:styleLbl>
+  <dgm:styleLbl name="fgAcc3">
+    <dgm:fillClrLst meth="repeat">
+      <a:schemeClr val="lt1">
+        <a:alpha val="90000"/>
+      </a:schemeClr>
+    </dgm:fillClrLst>
+    <dgm:linClrLst meth="repeat">
+      <a:schemeClr val="accent1"/>
+    </dgm:linClrLst>
+    <dgm:effectClrLst/>
+    <dgm:txLinClrLst/>
+    <dgm:txFillClrLst meth="repeat">
+      <a:schemeClr val="dk1"/>
+    </dgm:txFillClrLst>
+    <dgm:txEffectClrLst/>
+  </dgm:styleLbl>
+  <dgm:styleLbl name="fgAcc4">
+    <dgm:fillClrLst meth="repeat">
+      <a:schemeClr val="lt1">
+        <a:alpha val="90000"/>
+      </a:schemeClr>
+    </dgm:fillClrLst>
+    <dgm:linClrLst meth="repeat">
+      <a:schemeClr val="accent1"/>
+    </dgm:linClrLst>
+    <dgm:effectClrLst/>
+    <dgm:txLinClrLst/>
+    <dgm:txFillClrLst meth="repeat">
+      <a:schemeClr val="dk1"/>
+    </dgm:txFillClrLst>
+    <dgm:txEffectClrLst/>
+  </dgm:styleLbl>
+  <dgm:styleLbl name="bgShp">
+    <dgm:fillClrLst meth="repeat">
+      <a:schemeClr val="accent1">
+        <a:tint val="40000"/>
+      </a:schemeClr>
+    </dgm:fillClrLst>
+    <dgm:linClrLst meth="repeat">
+      <a:schemeClr val="accent1"/>
+    </dgm:linClrLst>
+    <dgm:effectClrLst/>
+    <dgm:txLinClrLst/>
+    <dgm:txFillClrLst meth="repeat">
+      <a:schemeClr val="dk1"/>
+    </dgm:txFillClrLst>
+    <dgm:txEffectClrLst/>
+  </dgm:styleLbl>
+  <dgm:styleLbl name="dkBgShp">
+    <dgm:fillClrLst meth="repeat">
+      <a:schemeClr val="accent1">
+        <a:shade val="80000"/>
+      </a:schemeClr>
+    </dgm:fillClrLst>
+    <dgm:linClrLst meth="repeat">
+      <a:schemeClr val="accent1"/>
+    </dgm:linClrLst>
+    <dgm:effectClrLst/>
+    <dgm:txLinClrLst/>
+    <dgm:txFillClrLst meth="repeat">
+      <a:schemeClr val="lt1"/>
+    </dgm:txFillClrLst>
+    <dgm:txEffectClrLst/>
+  </dgm:styleLbl>
+  <dgm:styleLbl name="trBgShp">
+    <dgm:fillClrLst meth="repeat">
+      <a:schemeClr val="accent1">
+        <a:tint val="50000"/>
+        <a:alpha val="40000"/>
+      </a:schemeClr>
+    </dgm:fillClrLst>
+    <dgm:linClrLst meth="repeat">
+      <a:schemeClr val="accent1"/>
+    </dgm:linClrLst>
+    <dgm:effectClrLst/>
+    <dgm:txLinClrLst/>
+    <dgm:txFillClrLst meth="repeat">
+      <a:schemeClr val="lt1"/>
+    </dgm:txFillClrLst>
+    <dgm:txEffectClrLst/>
+  </dgm:styleLbl>
+  <dgm:styleLbl name="fgShp">
+    <dgm:fillClrLst meth="repeat">
+      <a:schemeClr val="accent1">
+        <a:tint val="60000"/>
+      </a:schemeClr>
+    </dgm:fillClrLst>
+    <dgm:linClrLst meth="repeat">
+      <a:schemeClr val="lt1"/>
+    </dgm:linClrLst>
+    <dgm:effectClrLst/>
+    <dgm:txLinClrLst/>
+    <dgm:txFillClrLst meth="repeat">
+      <a:schemeClr val="dk1"/>
+    </dgm:txFillClrLst>
+    <dgm:txEffectClrLst/>
+  </dgm:styleLbl>
+  <dgm:styleLbl name="revTx">
+    <dgm:fillClrLst meth="repeat">
+      <a:schemeClr val="lt1">
+        <a:alpha val="0"/>
+      </a:schemeClr>
+    </dgm:fillClrLst>
+    <dgm:linClrLst meth="repeat">
+      <a:schemeClr val="dk1">
+        <a:alpha val="0"/>
+      </a:schemeClr>
+    </dgm:linClrLst>
+    <dgm:effectClrLst/>
+    <dgm:txLinClrLst/>
+    <dgm:txFillClrLst meth="repeat">
+      <a:schemeClr val="tx1"/>
+    </dgm:txFillClrLst>
+    <dgm:txEffectClrLst/>
+  </dgm:styleLbl>
+</dgm:colorsDef>
+</file>
+
+<file path=ppt/diagrams/data1.xml><?xml version="1.0" encoding="utf-8"?>
+<dgm:dataModel xmlns:dgm="http://schemas.openxmlformats.org/drawingml/2006/diagram" xmlns:a="http://schemas.openxmlformats.org/drawingml/2006/main">
+  <dgm:ptLst>
+    <dgm:pt modelId="{50C55E48-5B25-4CA3-A5D5-84F2EA976818}" type="doc">
+      <dgm:prSet loTypeId="urn:microsoft.com/office/officeart/2005/8/layout/hierarchy3" loCatId="hierarchy" qsTypeId="urn:microsoft.com/office/officeart/2005/8/quickstyle/simple1" qsCatId="simple" csTypeId="urn:microsoft.com/office/officeart/2005/8/colors/accent1_2" csCatId="accent1" phldr="1"/>
+      <dgm:spPr/>
+      <dgm:t>
+        <a:bodyPr/>
+        <a:lstStyle/>
+        <a:p>
+          <a:endParaRPr lang="en-GB"/>
+        </a:p>
+      </dgm:t>
+    </dgm:pt>
+    <dgm:pt modelId="{F589132C-BC5A-4723-AE81-EC1E0B34B044}">
+      <dgm:prSet phldrT="[Text]"/>
+      <dgm:spPr/>
+      <dgm:t>
+        <a:bodyPr/>
+        <a:lstStyle/>
+        <a:p>
+          <a:r>
+            <a:rPr lang="en-GB" dirty="0"/>
+            <a:t>Raw/Source</a:t>
+          </a:r>
+        </a:p>
+      </dgm:t>
+    </dgm:pt>
+    <dgm:pt modelId="{64D5ED36-5662-424A-B4C4-4C26BE89508A}" type="parTrans" cxnId="{C9FFBC27-FD4F-4C66-8427-48BD3B3A7195}">
+      <dgm:prSet/>
+      <dgm:spPr/>
+      <dgm:t>
+        <a:bodyPr/>
+        <a:lstStyle/>
+        <a:p>
+          <a:endParaRPr lang="en-GB"/>
+        </a:p>
+      </dgm:t>
+    </dgm:pt>
+    <dgm:pt modelId="{6E2B517C-4AB9-4FB1-A976-B04DC64CECE3}" type="sibTrans" cxnId="{C9FFBC27-FD4F-4C66-8427-48BD3B3A7195}">
+      <dgm:prSet/>
+      <dgm:spPr/>
+      <dgm:t>
+        <a:bodyPr/>
+        <a:lstStyle/>
+        <a:p>
+          <a:endParaRPr lang="en-GB"/>
+        </a:p>
+      </dgm:t>
+    </dgm:pt>
+    <dgm:pt modelId="{69A4F7CD-082E-4CE9-A420-E2C66A1CA166}">
+      <dgm:prSet/>
+      <dgm:spPr/>
+      <dgm:t>
+        <a:bodyPr/>
+        <a:lstStyle/>
+        <a:p>
+          <a:r>
+            <a:rPr lang="en-GB" dirty="0"/>
+            <a:t>Cleansed</a:t>
+          </a:r>
+        </a:p>
+      </dgm:t>
+    </dgm:pt>
+    <dgm:pt modelId="{DF8636E8-2A1B-4811-94E4-7BD697156D9A}" type="parTrans" cxnId="{5E0733F5-EBA6-4023-8F3D-803EB293A475}">
+      <dgm:prSet/>
+      <dgm:spPr/>
+      <dgm:t>
+        <a:bodyPr/>
+        <a:lstStyle/>
+        <a:p>
+          <a:endParaRPr lang="en-GB"/>
+        </a:p>
+      </dgm:t>
+    </dgm:pt>
+    <dgm:pt modelId="{CAE59784-C693-44BA-9BF1-B701DF17D94B}" type="sibTrans" cxnId="{5E0733F5-EBA6-4023-8F3D-803EB293A475}">
+      <dgm:prSet/>
+      <dgm:spPr/>
+      <dgm:t>
+        <a:bodyPr/>
+        <a:lstStyle/>
+        <a:p>
+          <a:endParaRPr lang="en-GB"/>
+        </a:p>
+      </dgm:t>
+    </dgm:pt>
+    <dgm:pt modelId="{06408375-0344-4C9C-8311-151C54455365}">
+      <dgm:prSet/>
+      <dgm:spPr/>
+      <dgm:t>
+        <a:bodyPr/>
+        <a:lstStyle/>
+        <a:p>
+          <a:r>
+            <a:rPr lang="en-GB" dirty="0"/>
+            <a:t>Curated/Modelled</a:t>
+          </a:r>
+        </a:p>
+      </dgm:t>
+    </dgm:pt>
+    <dgm:pt modelId="{9390E678-6D68-4C25-998D-2C673B76CE51}" type="parTrans" cxnId="{F37EDD20-9372-4C8D-9B3C-0D1AAAF13778}">
+      <dgm:prSet/>
+      <dgm:spPr/>
+      <dgm:t>
+        <a:bodyPr/>
+        <a:lstStyle/>
+        <a:p>
+          <a:endParaRPr lang="en-GB"/>
+        </a:p>
+      </dgm:t>
+    </dgm:pt>
+    <dgm:pt modelId="{07DC8A6B-7DDF-44B6-A146-CBEC63E07DC0}" type="sibTrans" cxnId="{F37EDD20-9372-4C8D-9B3C-0D1AAAF13778}">
+      <dgm:prSet/>
+      <dgm:spPr/>
+      <dgm:t>
+        <a:bodyPr/>
+        <a:lstStyle/>
+        <a:p>
+          <a:endParaRPr lang="en-GB"/>
+        </a:p>
+      </dgm:t>
+    </dgm:pt>
+    <dgm:pt modelId="{6491FAFB-8B04-49E4-8630-58BE54019012}">
+      <dgm:prSet/>
+      <dgm:spPr/>
+      <dgm:t>
+        <a:bodyPr/>
+        <a:lstStyle/>
+        <a:p>
+          <a:r>
+            <a:rPr lang="en-GB"/>
+            <a:t>Sandbox/Experimental</a:t>
+          </a:r>
+          <a:endParaRPr lang="en-GB" dirty="0"/>
+        </a:p>
+      </dgm:t>
+    </dgm:pt>
+    <dgm:pt modelId="{9FB38885-5262-4B46-8CE8-49E7121AA6F1}" type="parTrans" cxnId="{175CAF81-6B8A-4E16-8573-3C3743EB4E0A}">
+      <dgm:prSet/>
+      <dgm:spPr/>
+      <dgm:t>
+        <a:bodyPr/>
+        <a:lstStyle/>
+        <a:p>
+          <a:endParaRPr lang="en-GB"/>
+        </a:p>
+      </dgm:t>
+    </dgm:pt>
+    <dgm:pt modelId="{C5D880F3-9502-44D4-9222-5445EDDB2699}" type="sibTrans" cxnId="{175CAF81-6B8A-4E16-8573-3C3743EB4E0A}">
+      <dgm:prSet/>
+      <dgm:spPr/>
+      <dgm:t>
+        <a:bodyPr/>
+        <a:lstStyle/>
+        <a:p>
+          <a:endParaRPr lang="en-GB"/>
+        </a:p>
+      </dgm:t>
+    </dgm:pt>
+    <dgm:pt modelId="{B1A1A260-E955-44FA-BAC5-987AAF0FA8A9}">
+      <dgm:prSet phldrT="[Text]"/>
+      <dgm:spPr/>
+      <dgm:t>
+        <a:bodyPr/>
+        <a:lstStyle/>
+        <a:p>
+          <a:r>
+            <a:rPr lang="en-GB" dirty="0"/>
+            <a:t>Incoming Data</a:t>
+          </a:r>
+        </a:p>
+      </dgm:t>
+    </dgm:pt>
+    <dgm:pt modelId="{7D6E31C9-7A22-459B-8796-35CB5FF028B3}" type="parTrans" cxnId="{F88103F0-AD1A-4400-818A-34D7E40597C7}">
+      <dgm:prSet/>
+      <dgm:spPr/>
+      <dgm:t>
+        <a:bodyPr/>
+        <a:lstStyle/>
+        <a:p>
+          <a:endParaRPr lang="en-GB"/>
+        </a:p>
+      </dgm:t>
+    </dgm:pt>
+    <dgm:pt modelId="{F3F17B13-449C-4312-8F13-17BBC1BEEBC6}" type="sibTrans" cxnId="{F88103F0-AD1A-4400-818A-34D7E40597C7}">
+      <dgm:prSet/>
+      <dgm:spPr/>
+      <dgm:t>
+        <a:bodyPr/>
+        <a:lstStyle/>
+        <a:p>
+          <a:endParaRPr lang="en-GB"/>
+        </a:p>
+      </dgm:t>
+    </dgm:pt>
+    <dgm:pt modelId="{D87A2B29-25CD-40B3-B5D4-5BC0852BEF51}">
+      <dgm:prSet phldrT="[Text]"/>
+      <dgm:spPr/>
+      <dgm:t>
+        <a:bodyPr/>
+        <a:lstStyle/>
+        <a:p>
+          <a:r>
+            <a:rPr lang="en-GB" dirty="0"/>
+            <a:t>Original Source</a:t>
+          </a:r>
+        </a:p>
+      </dgm:t>
+    </dgm:pt>
+    <dgm:pt modelId="{83822347-204A-4798-9E4E-AE5EF6D84052}" type="parTrans" cxnId="{9D0DD35A-D8FA-4B31-9272-CF2E9906854F}">
+      <dgm:prSet/>
+      <dgm:spPr/>
+      <dgm:t>
+        <a:bodyPr/>
+        <a:lstStyle/>
+        <a:p>
+          <a:endParaRPr lang="en-GB"/>
+        </a:p>
+      </dgm:t>
+    </dgm:pt>
+    <dgm:pt modelId="{BD01414A-3605-4122-8074-287484DFA643}" type="sibTrans" cxnId="{9D0DD35A-D8FA-4B31-9272-CF2E9906854F}">
+      <dgm:prSet/>
+      <dgm:spPr/>
+      <dgm:t>
+        <a:bodyPr/>
+        <a:lstStyle/>
+        <a:p>
+          <a:endParaRPr lang="en-GB"/>
+        </a:p>
+      </dgm:t>
+    </dgm:pt>
+    <dgm:pt modelId="{1ABE2311-5D15-45DE-93DF-85E7564FFD2C}">
+      <dgm:prSet phldrT="[Text]"/>
+      <dgm:spPr/>
+      <dgm:t>
+        <a:bodyPr/>
+        <a:lstStyle/>
+        <a:p>
+          <a:r>
+            <a:rPr lang="en-GB" dirty="0"/>
+            <a:t>Historical</a:t>
+          </a:r>
+        </a:p>
+      </dgm:t>
+    </dgm:pt>
+    <dgm:pt modelId="{598FE45E-2206-42EA-8106-D53581B3D16D}" type="parTrans" cxnId="{C5C8B682-A875-472A-87D5-8F88AA330197}">
+      <dgm:prSet/>
+      <dgm:spPr/>
+      <dgm:t>
+        <a:bodyPr/>
+        <a:lstStyle/>
+        <a:p>
+          <a:endParaRPr lang="en-GB"/>
+        </a:p>
+      </dgm:t>
+    </dgm:pt>
+    <dgm:pt modelId="{AF70516B-00F1-48DA-93CB-4F1636CC5BC4}" type="sibTrans" cxnId="{C5C8B682-A875-472A-87D5-8F88AA330197}">
+      <dgm:prSet/>
+      <dgm:spPr/>
+      <dgm:t>
+        <a:bodyPr/>
+        <a:lstStyle/>
+        <a:p>
+          <a:endParaRPr lang="en-GB"/>
+        </a:p>
+      </dgm:t>
+    </dgm:pt>
+    <dgm:pt modelId="{54C36273-EA52-4303-86E3-77D78985B105}">
+      <dgm:prSet phldrT="[Text]"/>
+      <dgm:spPr/>
+      <dgm:t>
+        <a:bodyPr/>
+        <a:lstStyle/>
+        <a:p>
+          <a:r>
+            <a:rPr lang="en-GB" dirty="0"/>
+            <a:t>Changed format only</a:t>
+          </a:r>
+        </a:p>
+      </dgm:t>
+    </dgm:pt>
+    <dgm:pt modelId="{68C57611-2C6C-4BB8-9DD1-B21E592F2D18}" type="parTrans" cxnId="{5C38CDD8-073A-45AA-88BE-C1B013F97737}">
+      <dgm:prSet/>
+      <dgm:spPr/>
+      <dgm:t>
+        <a:bodyPr/>
+        <a:lstStyle/>
+        <a:p>
+          <a:endParaRPr lang="en-GB"/>
+        </a:p>
+      </dgm:t>
+    </dgm:pt>
+    <dgm:pt modelId="{1D691758-90C6-4CBA-90E0-1404C8A122CF}" type="sibTrans" cxnId="{5C38CDD8-073A-45AA-88BE-C1B013F97737}">
+      <dgm:prSet/>
+      <dgm:spPr/>
+      <dgm:t>
+        <a:bodyPr/>
+        <a:lstStyle/>
+        <a:p>
+          <a:endParaRPr lang="en-GB"/>
+        </a:p>
+      </dgm:t>
+    </dgm:pt>
+    <dgm:pt modelId="{C0E65A0D-2B46-43AE-85F7-3C864070FD5F}">
+      <dgm:prSet/>
+      <dgm:spPr/>
+      <dgm:t>
+        <a:bodyPr/>
+        <a:lstStyle/>
+        <a:p>
+          <a:r>
+            <a:rPr lang="en-GB" dirty="0"/>
+            <a:t>Tidy up data</a:t>
+          </a:r>
+        </a:p>
+      </dgm:t>
+    </dgm:pt>
+    <dgm:pt modelId="{876E5AD1-2217-4FBC-BDF5-943B6EB0BB82}" type="parTrans" cxnId="{E9FE803A-262C-4158-8282-42DDE4C6DE8D}">
+      <dgm:prSet/>
+      <dgm:spPr/>
+      <dgm:t>
+        <a:bodyPr/>
+        <a:lstStyle/>
+        <a:p>
+          <a:endParaRPr lang="en-GB"/>
+        </a:p>
+      </dgm:t>
+    </dgm:pt>
+    <dgm:pt modelId="{2F22D9F2-AF41-46F5-9D1B-8EF02FFB8027}" type="sibTrans" cxnId="{E9FE803A-262C-4158-8282-42DDE4C6DE8D}">
+      <dgm:prSet/>
+      <dgm:spPr/>
+      <dgm:t>
+        <a:bodyPr/>
+        <a:lstStyle/>
+        <a:p>
+          <a:endParaRPr lang="en-GB"/>
+        </a:p>
+      </dgm:t>
+    </dgm:pt>
+    <dgm:pt modelId="{03D28F52-2756-447B-8072-DB42F50FA8A3}">
+      <dgm:prSet/>
+      <dgm:spPr/>
+      <dgm:t>
+        <a:bodyPr/>
+        <a:lstStyle/>
+        <a:p>
+          <a:r>
+            <a:rPr lang="en-GB" dirty="0"/>
+            <a:t>Correct format</a:t>
+          </a:r>
+        </a:p>
+      </dgm:t>
+    </dgm:pt>
+    <dgm:pt modelId="{76A26618-9499-451B-A065-9D478E9125A5}" type="parTrans" cxnId="{2F1F977C-203C-410C-9F9C-0FF4C9E3F575}">
+      <dgm:prSet/>
+      <dgm:spPr/>
+      <dgm:t>
+        <a:bodyPr/>
+        <a:lstStyle/>
+        <a:p>
+          <a:endParaRPr lang="en-GB"/>
+        </a:p>
+      </dgm:t>
+    </dgm:pt>
+    <dgm:pt modelId="{E937D280-6C40-461D-8D28-B5AC17E1E285}" type="sibTrans" cxnId="{2F1F977C-203C-410C-9F9C-0FF4C9E3F575}">
+      <dgm:prSet/>
+      <dgm:spPr/>
+      <dgm:t>
+        <a:bodyPr/>
+        <a:lstStyle/>
+        <a:p>
+          <a:endParaRPr lang="en-GB"/>
+        </a:p>
+      </dgm:t>
+    </dgm:pt>
+    <dgm:pt modelId="{B88A3EF6-2D7F-4772-9A55-A6CFCCE6C573}">
+      <dgm:prSet/>
+      <dgm:spPr/>
+      <dgm:t>
+        <a:bodyPr/>
+        <a:lstStyle/>
+        <a:p>
+          <a:endParaRPr lang="en-GB" dirty="0"/>
+        </a:p>
+      </dgm:t>
+    </dgm:pt>
+    <dgm:pt modelId="{91E15E63-2374-452B-A65B-3AA63DD65D68}" type="parTrans" cxnId="{35656DAB-8B78-4EF2-A5F8-BB0C25860766}">
+      <dgm:prSet/>
+      <dgm:spPr/>
+      <dgm:t>
+        <a:bodyPr/>
+        <a:lstStyle/>
+        <a:p>
+          <a:endParaRPr lang="en-GB"/>
+        </a:p>
+      </dgm:t>
+    </dgm:pt>
+    <dgm:pt modelId="{D8050349-39A2-49CC-BAFD-B708DE3A35BD}" type="sibTrans" cxnId="{35656DAB-8B78-4EF2-A5F8-BB0C25860766}">
+      <dgm:prSet/>
+      <dgm:spPr/>
+      <dgm:t>
+        <a:bodyPr/>
+        <a:lstStyle/>
+        <a:p>
+          <a:endParaRPr lang="en-GB"/>
+        </a:p>
+      </dgm:t>
+    </dgm:pt>
+    <dgm:pt modelId="{0FD13A56-E0DD-46F0-9039-DC64D86DE1C8}">
+      <dgm:prSet/>
+      <dgm:spPr/>
+      <dgm:t>
+        <a:bodyPr/>
+        <a:lstStyle/>
+        <a:p>
+          <a:r>
+            <a:rPr lang="en-GB" dirty="0"/>
+            <a:t>Standardising</a:t>
+          </a:r>
+        </a:p>
+      </dgm:t>
+    </dgm:pt>
+    <dgm:pt modelId="{6A7E4662-B155-4102-9097-1D530AE9E006}" type="parTrans" cxnId="{FCC0036D-D9C0-4A98-B07F-23EEFE29296E}">
+      <dgm:prSet/>
+      <dgm:spPr/>
+      <dgm:t>
+        <a:bodyPr/>
+        <a:lstStyle/>
+        <a:p>
+          <a:endParaRPr lang="en-GB"/>
+        </a:p>
+      </dgm:t>
+    </dgm:pt>
+    <dgm:pt modelId="{A9817112-6A7D-452D-8945-9A9265FF77F6}" type="sibTrans" cxnId="{FCC0036D-D9C0-4A98-B07F-23EEFE29296E}">
+      <dgm:prSet/>
+      <dgm:spPr/>
+      <dgm:t>
+        <a:bodyPr/>
+        <a:lstStyle/>
+        <a:p>
+          <a:endParaRPr lang="en-GB"/>
+        </a:p>
+      </dgm:t>
+    </dgm:pt>
+    <dgm:pt modelId="{3239BEF8-FBF5-42A1-B80B-D6AAE0AC62F6}" type="pres">
+      <dgm:prSet presAssocID="{50C55E48-5B25-4CA3-A5D5-84F2EA976818}" presName="diagram" presStyleCnt="0">
+        <dgm:presLayoutVars>
+          <dgm:chPref val="1"/>
+          <dgm:dir/>
+          <dgm:animOne val="branch"/>
+          <dgm:animLvl val="lvl"/>
+          <dgm:resizeHandles/>
+        </dgm:presLayoutVars>
+      </dgm:prSet>
+      <dgm:spPr/>
+    </dgm:pt>
+    <dgm:pt modelId="{AAE5A4F5-44DA-447A-B194-38CFAACD405D}" type="pres">
+      <dgm:prSet presAssocID="{F589132C-BC5A-4723-AE81-EC1E0B34B044}" presName="root" presStyleCnt="0"/>
+      <dgm:spPr/>
+    </dgm:pt>
+    <dgm:pt modelId="{DE4D1344-6FA8-4005-9E0E-BF8CCC4C0B51}" type="pres">
+      <dgm:prSet presAssocID="{F589132C-BC5A-4723-AE81-EC1E0B34B044}" presName="rootComposite" presStyleCnt="0"/>
+      <dgm:spPr/>
+    </dgm:pt>
+    <dgm:pt modelId="{E500A31B-F5EA-48ED-BAA6-CC44878CC02A}" type="pres">
+      <dgm:prSet presAssocID="{F589132C-BC5A-4723-AE81-EC1E0B34B044}" presName="rootText" presStyleLbl="node1" presStyleIdx="0" presStyleCnt="4"/>
+      <dgm:spPr/>
+    </dgm:pt>
+    <dgm:pt modelId="{EB903D2E-37F1-4670-83BB-E2DEB8CAD8F7}" type="pres">
+      <dgm:prSet presAssocID="{F589132C-BC5A-4723-AE81-EC1E0B34B044}" presName="rootConnector" presStyleLbl="node1" presStyleIdx="0" presStyleCnt="4"/>
+      <dgm:spPr/>
+    </dgm:pt>
+    <dgm:pt modelId="{5B809B0A-6F24-4C5F-86D0-31CD16CDD3BE}" type="pres">
+      <dgm:prSet presAssocID="{F589132C-BC5A-4723-AE81-EC1E0B34B044}" presName="childShape" presStyleCnt="0"/>
+      <dgm:spPr/>
+    </dgm:pt>
+    <dgm:pt modelId="{56DCEF0C-87C8-4802-AB6A-511A76F73CC1}" type="pres">
+      <dgm:prSet presAssocID="{7D6E31C9-7A22-459B-8796-35CB5FF028B3}" presName="Name13" presStyleLbl="parChTrans1D2" presStyleIdx="0" presStyleCnt="8"/>
+      <dgm:spPr/>
+    </dgm:pt>
+    <dgm:pt modelId="{AD831916-9FA0-4889-92D0-FB49827D596C}" type="pres">
+      <dgm:prSet presAssocID="{B1A1A260-E955-44FA-BAC5-987AAF0FA8A9}" presName="childText" presStyleLbl="bgAcc1" presStyleIdx="0" presStyleCnt="8">
+        <dgm:presLayoutVars>
+          <dgm:bulletEnabled val="1"/>
+        </dgm:presLayoutVars>
+      </dgm:prSet>
+      <dgm:spPr/>
+    </dgm:pt>
+    <dgm:pt modelId="{2CB8AB19-3CA5-4390-991B-A0465EFC61A8}" type="pres">
+      <dgm:prSet presAssocID="{83822347-204A-4798-9E4E-AE5EF6D84052}" presName="Name13" presStyleLbl="parChTrans1D2" presStyleIdx="1" presStyleCnt="8"/>
+      <dgm:spPr/>
+    </dgm:pt>
+    <dgm:pt modelId="{0FA359BE-373E-49F3-84FC-910387996DF1}" type="pres">
+      <dgm:prSet presAssocID="{D87A2B29-25CD-40B3-B5D4-5BC0852BEF51}" presName="childText" presStyleLbl="bgAcc1" presStyleIdx="1" presStyleCnt="8">
+        <dgm:presLayoutVars>
+          <dgm:bulletEnabled val="1"/>
+        </dgm:presLayoutVars>
+      </dgm:prSet>
+      <dgm:spPr/>
+    </dgm:pt>
+    <dgm:pt modelId="{1682A186-C74F-4FF0-82E3-D5F806D91ACE}" type="pres">
+      <dgm:prSet presAssocID="{598FE45E-2206-42EA-8106-D53581B3D16D}" presName="Name13" presStyleLbl="parChTrans1D2" presStyleIdx="2" presStyleCnt="8"/>
+      <dgm:spPr/>
+    </dgm:pt>
+    <dgm:pt modelId="{57F9FD23-AEA8-486F-BE5A-820615AFF3CC}" type="pres">
+      <dgm:prSet presAssocID="{1ABE2311-5D15-45DE-93DF-85E7564FFD2C}" presName="childText" presStyleLbl="bgAcc1" presStyleIdx="2" presStyleCnt="8">
+        <dgm:presLayoutVars>
+          <dgm:bulletEnabled val="1"/>
+        </dgm:presLayoutVars>
+      </dgm:prSet>
+      <dgm:spPr/>
+    </dgm:pt>
+    <dgm:pt modelId="{40EED50E-9342-450D-8FD4-E29037C7A7C7}" type="pres">
+      <dgm:prSet presAssocID="{68C57611-2C6C-4BB8-9DD1-B21E592F2D18}" presName="Name13" presStyleLbl="parChTrans1D2" presStyleIdx="3" presStyleCnt="8"/>
+      <dgm:spPr/>
+    </dgm:pt>
+    <dgm:pt modelId="{0D293A8B-193E-4359-A5C9-363147DCFDA8}" type="pres">
+      <dgm:prSet presAssocID="{54C36273-EA52-4303-86E3-77D78985B105}" presName="childText" presStyleLbl="bgAcc1" presStyleIdx="3" presStyleCnt="8">
+        <dgm:presLayoutVars>
+          <dgm:bulletEnabled val="1"/>
+        </dgm:presLayoutVars>
+      </dgm:prSet>
+      <dgm:spPr/>
+    </dgm:pt>
+    <dgm:pt modelId="{DC0D0B8F-6F26-410B-B4F8-6A6AC6FA349B}" type="pres">
+      <dgm:prSet presAssocID="{69A4F7CD-082E-4CE9-A420-E2C66A1CA166}" presName="root" presStyleCnt="0"/>
+      <dgm:spPr/>
+    </dgm:pt>
+    <dgm:pt modelId="{6EF3EB67-77B7-477B-B16D-1537E700187F}" type="pres">
+      <dgm:prSet presAssocID="{69A4F7CD-082E-4CE9-A420-E2C66A1CA166}" presName="rootComposite" presStyleCnt="0"/>
+      <dgm:spPr/>
+    </dgm:pt>
+    <dgm:pt modelId="{19583657-4B8A-4813-8E4C-D0A916FB2565}" type="pres">
+      <dgm:prSet presAssocID="{69A4F7CD-082E-4CE9-A420-E2C66A1CA166}" presName="rootText" presStyleLbl="node1" presStyleIdx="1" presStyleCnt="4"/>
+      <dgm:spPr/>
+    </dgm:pt>
+    <dgm:pt modelId="{0A9A7F30-C7EA-4F3B-8DF0-33B93AA1535E}" type="pres">
+      <dgm:prSet presAssocID="{69A4F7CD-082E-4CE9-A420-E2C66A1CA166}" presName="rootConnector" presStyleLbl="node1" presStyleIdx="1" presStyleCnt="4"/>
+      <dgm:spPr/>
+    </dgm:pt>
+    <dgm:pt modelId="{D27E8052-1A6A-40C5-8B3F-9B31FB53F9A3}" type="pres">
+      <dgm:prSet presAssocID="{69A4F7CD-082E-4CE9-A420-E2C66A1CA166}" presName="childShape" presStyleCnt="0"/>
+      <dgm:spPr/>
+    </dgm:pt>
+    <dgm:pt modelId="{81278BEA-46BB-4791-A590-089863E45C7C}" type="pres">
+      <dgm:prSet presAssocID="{876E5AD1-2217-4FBC-BDF5-943B6EB0BB82}" presName="Name13" presStyleLbl="parChTrans1D2" presStyleIdx="4" presStyleCnt="8"/>
+      <dgm:spPr/>
+    </dgm:pt>
+    <dgm:pt modelId="{FD1DE1D5-730C-45D6-8E20-70BF05B278A4}" type="pres">
+      <dgm:prSet presAssocID="{C0E65A0D-2B46-43AE-85F7-3C864070FD5F}" presName="childText" presStyleLbl="bgAcc1" presStyleIdx="4" presStyleCnt="8">
+        <dgm:presLayoutVars>
+          <dgm:bulletEnabled val="1"/>
+        </dgm:presLayoutVars>
+      </dgm:prSet>
+      <dgm:spPr/>
+    </dgm:pt>
+    <dgm:pt modelId="{E95F896A-C34F-4116-96BF-1E5AF1F5731D}" type="pres">
+      <dgm:prSet presAssocID="{76A26618-9499-451B-A065-9D478E9125A5}" presName="Name13" presStyleLbl="parChTrans1D2" presStyleIdx="5" presStyleCnt="8"/>
+      <dgm:spPr/>
+    </dgm:pt>
+    <dgm:pt modelId="{766ABCF8-8D80-4B21-9E4F-F7E5B6BAA160}" type="pres">
+      <dgm:prSet presAssocID="{03D28F52-2756-447B-8072-DB42F50FA8A3}" presName="childText" presStyleLbl="bgAcc1" presStyleIdx="5" presStyleCnt="8">
+        <dgm:presLayoutVars>
+          <dgm:bulletEnabled val="1"/>
+        </dgm:presLayoutVars>
+      </dgm:prSet>
+      <dgm:spPr/>
+    </dgm:pt>
+    <dgm:pt modelId="{7252658C-35D0-41FD-8C40-E3A8D228F664}" type="pres">
+      <dgm:prSet presAssocID="{6A7E4662-B155-4102-9097-1D530AE9E006}" presName="Name13" presStyleLbl="parChTrans1D2" presStyleIdx="6" presStyleCnt="8"/>
+      <dgm:spPr/>
+    </dgm:pt>
+    <dgm:pt modelId="{A853A8CB-4DAD-4C0D-8EBA-EBFF99A049E7}" type="pres">
+      <dgm:prSet presAssocID="{0FD13A56-E0DD-46F0-9039-DC64D86DE1C8}" presName="childText" presStyleLbl="bgAcc1" presStyleIdx="6" presStyleCnt="8">
+        <dgm:presLayoutVars>
+          <dgm:bulletEnabled val="1"/>
+        </dgm:presLayoutVars>
+      </dgm:prSet>
+      <dgm:spPr/>
+    </dgm:pt>
+    <dgm:pt modelId="{50065274-F2F5-4A0E-9512-6C23233A5A99}" type="pres">
+      <dgm:prSet presAssocID="{06408375-0344-4C9C-8311-151C54455365}" presName="root" presStyleCnt="0"/>
+      <dgm:spPr/>
+    </dgm:pt>
+    <dgm:pt modelId="{E3E983DE-31B1-4C77-998E-DEAFBEB37B9A}" type="pres">
+      <dgm:prSet presAssocID="{06408375-0344-4C9C-8311-151C54455365}" presName="rootComposite" presStyleCnt="0"/>
+      <dgm:spPr/>
+    </dgm:pt>
+    <dgm:pt modelId="{193297B0-D1C9-44FE-84D5-C936BBBB0DB3}" type="pres">
+      <dgm:prSet presAssocID="{06408375-0344-4C9C-8311-151C54455365}" presName="rootText" presStyleLbl="node1" presStyleIdx="2" presStyleCnt="4"/>
+      <dgm:spPr/>
+    </dgm:pt>
+    <dgm:pt modelId="{354F38E4-A8E2-4063-94EE-AED35139D981}" type="pres">
+      <dgm:prSet presAssocID="{06408375-0344-4C9C-8311-151C54455365}" presName="rootConnector" presStyleLbl="node1" presStyleIdx="2" presStyleCnt="4"/>
+      <dgm:spPr/>
+    </dgm:pt>
+    <dgm:pt modelId="{52B2229D-DEA8-4121-8739-24C48E958AC7}" type="pres">
+      <dgm:prSet presAssocID="{06408375-0344-4C9C-8311-151C54455365}" presName="childShape" presStyleCnt="0"/>
+      <dgm:spPr/>
+    </dgm:pt>
+    <dgm:pt modelId="{6E2513A5-A5ED-43D0-A5C2-9FD2839328D9}" type="pres">
+      <dgm:prSet presAssocID="{91E15E63-2374-452B-A65B-3AA63DD65D68}" presName="Name13" presStyleLbl="parChTrans1D2" presStyleIdx="7" presStyleCnt="8"/>
+      <dgm:spPr/>
+    </dgm:pt>
+    <dgm:pt modelId="{E5B4AD6A-9D18-4788-A713-E88A49DE3A4E}" type="pres">
+      <dgm:prSet presAssocID="{B88A3EF6-2D7F-4772-9A55-A6CFCCE6C573}" presName="childText" presStyleLbl="bgAcc1" presStyleIdx="7" presStyleCnt="8">
+        <dgm:presLayoutVars>
+          <dgm:bulletEnabled val="1"/>
+        </dgm:presLayoutVars>
+      </dgm:prSet>
+      <dgm:spPr/>
+    </dgm:pt>
+    <dgm:pt modelId="{4DBE6FD3-E0AF-4D4C-9CB1-A8CAA7941230}" type="pres">
+      <dgm:prSet presAssocID="{6491FAFB-8B04-49E4-8630-58BE54019012}" presName="root" presStyleCnt="0"/>
+      <dgm:spPr/>
+    </dgm:pt>
+    <dgm:pt modelId="{DDFF451D-8C05-4123-8FBD-745E2DB1C978}" type="pres">
+      <dgm:prSet presAssocID="{6491FAFB-8B04-49E4-8630-58BE54019012}" presName="rootComposite" presStyleCnt="0"/>
+      <dgm:spPr/>
+    </dgm:pt>
+    <dgm:pt modelId="{D148E7AE-977C-41E6-8665-F8C8C51DC11B}" type="pres">
+      <dgm:prSet presAssocID="{6491FAFB-8B04-49E4-8630-58BE54019012}" presName="rootText" presStyleLbl="node1" presStyleIdx="3" presStyleCnt="4"/>
+      <dgm:spPr/>
+    </dgm:pt>
+    <dgm:pt modelId="{31020E41-07A5-4A7A-978D-99A6B0A8E96A}" type="pres">
+      <dgm:prSet presAssocID="{6491FAFB-8B04-49E4-8630-58BE54019012}" presName="rootConnector" presStyleLbl="node1" presStyleIdx="3" presStyleCnt="4"/>
+      <dgm:spPr/>
+    </dgm:pt>
+    <dgm:pt modelId="{97B6F6A4-2F28-4E2B-95F8-8DB162ECE16D}" type="pres">
+      <dgm:prSet presAssocID="{6491FAFB-8B04-49E4-8630-58BE54019012}" presName="childShape" presStyleCnt="0"/>
+      <dgm:spPr/>
+    </dgm:pt>
+  </dgm:ptLst>
+  <dgm:cxnLst>
+    <dgm:cxn modelId="{31D20B01-672E-4A5B-9D27-A54A63C81DA8}" type="presOf" srcId="{83822347-204A-4798-9E4E-AE5EF6D84052}" destId="{2CB8AB19-3CA5-4390-991B-A0465EFC61A8}" srcOrd="0" destOrd="0" presId="urn:microsoft.com/office/officeart/2005/8/layout/hierarchy3"/>
+    <dgm:cxn modelId="{FFE0921A-AA5F-4EC1-A25A-377210E86268}" type="presOf" srcId="{91E15E63-2374-452B-A65B-3AA63DD65D68}" destId="{6E2513A5-A5ED-43D0-A5C2-9FD2839328D9}" srcOrd="0" destOrd="0" presId="urn:microsoft.com/office/officeart/2005/8/layout/hierarchy3"/>
+    <dgm:cxn modelId="{F37EDD20-9372-4C8D-9B3C-0D1AAAF13778}" srcId="{50C55E48-5B25-4CA3-A5D5-84F2EA976818}" destId="{06408375-0344-4C9C-8311-151C54455365}" srcOrd="2" destOrd="0" parTransId="{9390E678-6D68-4C25-998D-2C673B76CE51}" sibTransId="{07DC8A6B-7DDF-44B6-A146-CBEC63E07DC0}"/>
+    <dgm:cxn modelId="{C9FFBC27-FD4F-4C66-8427-48BD3B3A7195}" srcId="{50C55E48-5B25-4CA3-A5D5-84F2EA976818}" destId="{F589132C-BC5A-4723-AE81-EC1E0B34B044}" srcOrd="0" destOrd="0" parTransId="{64D5ED36-5662-424A-B4C4-4C26BE89508A}" sibTransId="{6E2B517C-4AB9-4FB1-A976-B04DC64CECE3}"/>
+    <dgm:cxn modelId="{7762272B-709D-4231-B290-D8CDE6FBA128}" type="presOf" srcId="{69A4F7CD-082E-4CE9-A420-E2C66A1CA166}" destId="{0A9A7F30-C7EA-4F3B-8DF0-33B93AA1535E}" srcOrd="1" destOrd="0" presId="urn:microsoft.com/office/officeart/2005/8/layout/hierarchy3"/>
+    <dgm:cxn modelId="{78610733-E03C-42CA-91B0-C28BE430D098}" type="presOf" srcId="{B1A1A260-E955-44FA-BAC5-987AAF0FA8A9}" destId="{AD831916-9FA0-4889-92D0-FB49827D596C}" srcOrd="0" destOrd="0" presId="urn:microsoft.com/office/officeart/2005/8/layout/hierarchy3"/>
+    <dgm:cxn modelId="{6CE60D33-2B88-4864-B7CF-4570CC1D2059}" type="presOf" srcId="{598FE45E-2206-42EA-8106-D53581B3D16D}" destId="{1682A186-C74F-4FF0-82E3-D5F806D91ACE}" srcOrd="0" destOrd="0" presId="urn:microsoft.com/office/officeart/2005/8/layout/hierarchy3"/>
+    <dgm:cxn modelId="{7AEC0834-FEEC-4EA7-AA40-43BD0863A100}" type="presOf" srcId="{69A4F7CD-082E-4CE9-A420-E2C66A1CA166}" destId="{19583657-4B8A-4813-8E4C-D0A916FB2565}" srcOrd="0" destOrd="0" presId="urn:microsoft.com/office/officeart/2005/8/layout/hierarchy3"/>
+    <dgm:cxn modelId="{E9FE803A-262C-4158-8282-42DDE4C6DE8D}" srcId="{69A4F7CD-082E-4CE9-A420-E2C66A1CA166}" destId="{C0E65A0D-2B46-43AE-85F7-3C864070FD5F}" srcOrd="0" destOrd="0" parTransId="{876E5AD1-2217-4FBC-BDF5-943B6EB0BB82}" sibTransId="{2F22D9F2-AF41-46F5-9D1B-8EF02FFB8027}"/>
+    <dgm:cxn modelId="{82BBAF3D-15FB-4FA3-B999-766562A7E495}" type="presOf" srcId="{1ABE2311-5D15-45DE-93DF-85E7564FFD2C}" destId="{57F9FD23-AEA8-486F-BE5A-820615AFF3CC}" srcOrd="0" destOrd="0" presId="urn:microsoft.com/office/officeart/2005/8/layout/hierarchy3"/>
+    <dgm:cxn modelId="{82C6163F-C98B-4AD0-99C5-B2A4C9E025AA}" type="presOf" srcId="{D87A2B29-25CD-40B3-B5D4-5BC0852BEF51}" destId="{0FA359BE-373E-49F3-84FC-910387996DF1}" srcOrd="0" destOrd="0" presId="urn:microsoft.com/office/officeart/2005/8/layout/hierarchy3"/>
+    <dgm:cxn modelId="{49B21260-2FDA-4481-B815-0B5384203B8E}" type="presOf" srcId="{6491FAFB-8B04-49E4-8630-58BE54019012}" destId="{D148E7AE-977C-41E6-8665-F8C8C51DC11B}" srcOrd="0" destOrd="0" presId="urn:microsoft.com/office/officeart/2005/8/layout/hierarchy3"/>
+    <dgm:cxn modelId="{D500DC61-E343-412D-8C05-83712B7827CF}" type="presOf" srcId="{6A7E4662-B155-4102-9097-1D530AE9E006}" destId="{7252658C-35D0-41FD-8C40-E3A8D228F664}" srcOrd="0" destOrd="0" presId="urn:microsoft.com/office/officeart/2005/8/layout/hierarchy3"/>
+    <dgm:cxn modelId="{70EF0946-C68D-4D34-8C9C-9E272D9E5865}" type="presOf" srcId="{F589132C-BC5A-4723-AE81-EC1E0B34B044}" destId="{E500A31B-F5EA-48ED-BAA6-CC44878CC02A}" srcOrd="0" destOrd="0" presId="urn:microsoft.com/office/officeart/2005/8/layout/hierarchy3"/>
+    <dgm:cxn modelId="{FD85C369-718A-4C71-BEF0-FEE6CBB03670}" type="presOf" srcId="{76A26618-9499-451B-A065-9D478E9125A5}" destId="{E95F896A-C34F-4116-96BF-1E5AF1F5731D}" srcOrd="0" destOrd="0" presId="urn:microsoft.com/office/officeart/2005/8/layout/hierarchy3"/>
+    <dgm:cxn modelId="{FEA9ED6B-5385-481E-A210-81EA0261E277}" type="presOf" srcId="{7D6E31C9-7A22-459B-8796-35CB5FF028B3}" destId="{56DCEF0C-87C8-4802-AB6A-511A76F73CC1}" srcOrd="0" destOrd="0" presId="urn:microsoft.com/office/officeart/2005/8/layout/hierarchy3"/>
+    <dgm:cxn modelId="{FCC0036D-D9C0-4A98-B07F-23EEFE29296E}" srcId="{69A4F7CD-082E-4CE9-A420-E2C66A1CA166}" destId="{0FD13A56-E0DD-46F0-9039-DC64D86DE1C8}" srcOrd="2" destOrd="0" parTransId="{6A7E4662-B155-4102-9097-1D530AE9E006}" sibTransId="{A9817112-6A7D-452D-8945-9A9265FF77F6}"/>
+    <dgm:cxn modelId="{32B3266E-A23F-4CF5-AA2B-AEC81F9B0CF7}" type="presOf" srcId="{6491FAFB-8B04-49E4-8630-58BE54019012}" destId="{31020E41-07A5-4A7A-978D-99A6B0A8E96A}" srcOrd="1" destOrd="0" presId="urn:microsoft.com/office/officeart/2005/8/layout/hierarchy3"/>
+    <dgm:cxn modelId="{4980B959-99A4-4E7B-9246-BD2940DBF292}" type="presOf" srcId="{F589132C-BC5A-4723-AE81-EC1E0B34B044}" destId="{EB903D2E-37F1-4670-83BB-E2DEB8CAD8F7}" srcOrd="1" destOrd="0" presId="urn:microsoft.com/office/officeart/2005/8/layout/hierarchy3"/>
+    <dgm:cxn modelId="{9D0DD35A-D8FA-4B31-9272-CF2E9906854F}" srcId="{F589132C-BC5A-4723-AE81-EC1E0B34B044}" destId="{D87A2B29-25CD-40B3-B5D4-5BC0852BEF51}" srcOrd="1" destOrd="0" parTransId="{83822347-204A-4798-9E4E-AE5EF6D84052}" sibTransId="{BD01414A-3605-4122-8074-287484DFA643}"/>
+    <dgm:cxn modelId="{DABF417B-01CF-40E5-85C7-0A51824EE903}" type="presOf" srcId="{B88A3EF6-2D7F-4772-9A55-A6CFCCE6C573}" destId="{E5B4AD6A-9D18-4788-A713-E88A49DE3A4E}" srcOrd="0" destOrd="0" presId="urn:microsoft.com/office/officeart/2005/8/layout/hierarchy3"/>
+    <dgm:cxn modelId="{2F1F977C-203C-410C-9F9C-0FF4C9E3F575}" srcId="{69A4F7CD-082E-4CE9-A420-E2C66A1CA166}" destId="{03D28F52-2756-447B-8072-DB42F50FA8A3}" srcOrd="1" destOrd="0" parTransId="{76A26618-9499-451B-A065-9D478E9125A5}" sibTransId="{E937D280-6C40-461D-8D28-B5AC17E1E285}"/>
+    <dgm:cxn modelId="{175CAF81-6B8A-4E16-8573-3C3743EB4E0A}" srcId="{50C55E48-5B25-4CA3-A5D5-84F2EA976818}" destId="{6491FAFB-8B04-49E4-8630-58BE54019012}" srcOrd="3" destOrd="0" parTransId="{9FB38885-5262-4B46-8CE8-49E7121AA6F1}" sibTransId="{C5D880F3-9502-44D4-9222-5445EDDB2699}"/>
+    <dgm:cxn modelId="{C5C8B682-A875-472A-87D5-8F88AA330197}" srcId="{F589132C-BC5A-4723-AE81-EC1E0B34B044}" destId="{1ABE2311-5D15-45DE-93DF-85E7564FFD2C}" srcOrd="2" destOrd="0" parTransId="{598FE45E-2206-42EA-8106-D53581B3D16D}" sibTransId="{AF70516B-00F1-48DA-93CB-4F1636CC5BC4}"/>
+    <dgm:cxn modelId="{AA253D92-D28C-4CCF-82EA-68BB02731D34}" type="presOf" srcId="{54C36273-EA52-4303-86E3-77D78985B105}" destId="{0D293A8B-193E-4359-A5C9-363147DCFDA8}" srcOrd="0" destOrd="0" presId="urn:microsoft.com/office/officeart/2005/8/layout/hierarchy3"/>
+    <dgm:cxn modelId="{2D09BEAA-363B-4EFA-8561-A675CDCBC52E}" type="presOf" srcId="{03D28F52-2756-447B-8072-DB42F50FA8A3}" destId="{766ABCF8-8D80-4B21-9E4F-F7E5B6BAA160}" srcOrd="0" destOrd="0" presId="urn:microsoft.com/office/officeart/2005/8/layout/hierarchy3"/>
+    <dgm:cxn modelId="{35656DAB-8B78-4EF2-A5F8-BB0C25860766}" srcId="{06408375-0344-4C9C-8311-151C54455365}" destId="{B88A3EF6-2D7F-4772-9A55-A6CFCCE6C573}" srcOrd="0" destOrd="0" parTransId="{91E15E63-2374-452B-A65B-3AA63DD65D68}" sibTransId="{D8050349-39A2-49CC-BAFD-B708DE3A35BD}"/>
+    <dgm:cxn modelId="{B675C7AD-1045-448B-877E-BCDF49727507}" type="presOf" srcId="{06408375-0344-4C9C-8311-151C54455365}" destId="{193297B0-D1C9-44FE-84D5-C936BBBB0DB3}" srcOrd="0" destOrd="0" presId="urn:microsoft.com/office/officeart/2005/8/layout/hierarchy3"/>
+    <dgm:cxn modelId="{520242C1-31FF-4320-A9A8-341207B15879}" type="presOf" srcId="{C0E65A0D-2B46-43AE-85F7-3C864070FD5F}" destId="{FD1DE1D5-730C-45D6-8E20-70BF05B278A4}" srcOrd="0" destOrd="0" presId="urn:microsoft.com/office/officeart/2005/8/layout/hierarchy3"/>
+    <dgm:cxn modelId="{AC91DACA-3C63-4782-AE68-C5AC9834185B}" type="presOf" srcId="{50C55E48-5B25-4CA3-A5D5-84F2EA976818}" destId="{3239BEF8-FBF5-42A1-B80B-D6AAE0AC62F6}" srcOrd="0" destOrd="0" presId="urn:microsoft.com/office/officeart/2005/8/layout/hierarchy3"/>
+    <dgm:cxn modelId="{5C38CDD8-073A-45AA-88BE-C1B013F97737}" srcId="{F589132C-BC5A-4723-AE81-EC1E0B34B044}" destId="{54C36273-EA52-4303-86E3-77D78985B105}" srcOrd="3" destOrd="0" parTransId="{68C57611-2C6C-4BB8-9DD1-B21E592F2D18}" sibTransId="{1D691758-90C6-4CBA-90E0-1404C8A122CF}"/>
+    <dgm:cxn modelId="{0F7BA0E8-A298-4AF3-BDBD-3788CCFE60EC}" type="presOf" srcId="{0FD13A56-E0DD-46F0-9039-DC64D86DE1C8}" destId="{A853A8CB-4DAD-4C0D-8EBA-EBFF99A049E7}" srcOrd="0" destOrd="0" presId="urn:microsoft.com/office/officeart/2005/8/layout/hierarchy3"/>
+    <dgm:cxn modelId="{F88103F0-AD1A-4400-818A-34D7E40597C7}" srcId="{F589132C-BC5A-4723-AE81-EC1E0B34B044}" destId="{B1A1A260-E955-44FA-BAC5-987AAF0FA8A9}" srcOrd="0" destOrd="0" parTransId="{7D6E31C9-7A22-459B-8796-35CB5FF028B3}" sibTransId="{F3F17B13-449C-4312-8F13-17BBC1BEEBC6}"/>
+    <dgm:cxn modelId="{2160D3F4-1BD6-40EA-85E2-7FCE9C95813B}" type="presOf" srcId="{876E5AD1-2217-4FBC-BDF5-943B6EB0BB82}" destId="{81278BEA-46BB-4791-A590-089863E45C7C}" srcOrd="0" destOrd="0" presId="urn:microsoft.com/office/officeart/2005/8/layout/hierarchy3"/>
+    <dgm:cxn modelId="{5E0733F5-EBA6-4023-8F3D-803EB293A475}" srcId="{50C55E48-5B25-4CA3-A5D5-84F2EA976818}" destId="{69A4F7CD-082E-4CE9-A420-E2C66A1CA166}" srcOrd="1" destOrd="0" parTransId="{DF8636E8-2A1B-4811-94E4-7BD697156D9A}" sibTransId="{CAE59784-C693-44BA-9BF1-B701DF17D94B}"/>
+    <dgm:cxn modelId="{E97A95F6-2D63-4AF7-868D-8A1DD041AC40}" type="presOf" srcId="{06408375-0344-4C9C-8311-151C54455365}" destId="{354F38E4-A8E2-4063-94EE-AED35139D981}" srcOrd="1" destOrd="0" presId="urn:microsoft.com/office/officeart/2005/8/layout/hierarchy3"/>
+    <dgm:cxn modelId="{F29B6EF9-4098-4865-B9B5-A61303F3FB75}" type="presOf" srcId="{68C57611-2C6C-4BB8-9DD1-B21E592F2D18}" destId="{40EED50E-9342-450D-8FD4-E29037C7A7C7}" srcOrd="0" destOrd="0" presId="urn:microsoft.com/office/officeart/2005/8/layout/hierarchy3"/>
+    <dgm:cxn modelId="{444A6A4E-5D65-4BE2-9CC2-F5C724FDC80F}" type="presParOf" srcId="{3239BEF8-FBF5-42A1-B80B-D6AAE0AC62F6}" destId="{AAE5A4F5-44DA-447A-B194-38CFAACD405D}" srcOrd="0" destOrd="0" presId="urn:microsoft.com/office/officeart/2005/8/layout/hierarchy3"/>
+    <dgm:cxn modelId="{26DA8841-6459-400A-B624-FC3B6F653B91}" type="presParOf" srcId="{AAE5A4F5-44DA-447A-B194-38CFAACD405D}" destId="{DE4D1344-6FA8-4005-9E0E-BF8CCC4C0B51}" srcOrd="0" destOrd="0" presId="urn:microsoft.com/office/officeart/2005/8/layout/hierarchy3"/>
+    <dgm:cxn modelId="{58292CD0-341B-463D-94BC-BC29578AB981}" type="presParOf" srcId="{DE4D1344-6FA8-4005-9E0E-BF8CCC4C0B51}" destId="{E500A31B-F5EA-48ED-BAA6-CC44878CC02A}" srcOrd="0" destOrd="0" presId="urn:microsoft.com/office/officeart/2005/8/layout/hierarchy3"/>
+    <dgm:cxn modelId="{C4EE4B9F-472C-4B7D-BF2C-400C8E1EAA35}" type="presParOf" srcId="{DE4D1344-6FA8-4005-9E0E-BF8CCC4C0B51}" destId="{EB903D2E-37F1-4670-83BB-E2DEB8CAD8F7}" srcOrd="1" destOrd="0" presId="urn:microsoft.com/office/officeart/2005/8/layout/hierarchy3"/>
+    <dgm:cxn modelId="{41052C97-C954-4895-BC98-505376AC86D2}" type="presParOf" srcId="{AAE5A4F5-44DA-447A-B194-38CFAACD405D}" destId="{5B809B0A-6F24-4C5F-86D0-31CD16CDD3BE}" srcOrd="1" destOrd="0" presId="urn:microsoft.com/office/officeart/2005/8/layout/hierarchy3"/>
+    <dgm:cxn modelId="{2B06D5D2-BB4F-4F05-BF52-E51D86291B7E}" type="presParOf" srcId="{5B809B0A-6F24-4C5F-86D0-31CD16CDD3BE}" destId="{56DCEF0C-87C8-4802-AB6A-511A76F73CC1}" srcOrd="0" destOrd="0" presId="urn:microsoft.com/office/officeart/2005/8/layout/hierarchy3"/>
+    <dgm:cxn modelId="{747E650E-B758-4083-A7D0-E7D5D08C5145}" type="presParOf" srcId="{5B809B0A-6F24-4C5F-86D0-31CD16CDD3BE}" destId="{AD831916-9FA0-4889-92D0-FB49827D596C}" srcOrd="1" destOrd="0" presId="urn:microsoft.com/office/officeart/2005/8/layout/hierarchy3"/>
+    <dgm:cxn modelId="{CD508104-D861-4DDB-9DAB-CCCCF731EBCF}" type="presParOf" srcId="{5B809B0A-6F24-4C5F-86D0-31CD16CDD3BE}" destId="{2CB8AB19-3CA5-4390-991B-A0465EFC61A8}" srcOrd="2" destOrd="0" presId="urn:microsoft.com/office/officeart/2005/8/layout/hierarchy3"/>
+    <dgm:cxn modelId="{47AB3F50-DC15-4511-826F-8EA29F90A2C7}" type="presParOf" srcId="{5B809B0A-6F24-4C5F-86D0-31CD16CDD3BE}" destId="{0FA359BE-373E-49F3-84FC-910387996DF1}" srcOrd="3" destOrd="0" presId="urn:microsoft.com/office/officeart/2005/8/layout/hierarchy3"/>
+    <dgm:cxn modelId="{A9903632-F7C3-41DF-B195-3F8D694A1C23}" type="presParOf" srcId="{5B809B0A-6F24-4C5F-86D0-31CD16CDD3BE}" destId="{1682A186-C74F-4FF0-82E3-D5F806D91ACE}" srcOrd="4" destOrd="0" presId="urn:microsoft.com/office/officeart/2005/8/layout/hierarchy3"/>
+    <dgm:cxn modelId="{5594D848-826F-43A5-B2AF-E41FE56DECC1}" type="presParOf" srcId="{5B809B0A-6F24-4C5F-86D0-31CD16CDD3BE}" destId="{57F9FD23-AEA8-486F-BE5A-820615AFF3CC}" srcOrd="5" destOrd="0" presId="urn:microsoft.com/office/officeart/2005/8/layout/hierarchy3"/>
+    <dgm:cxn modelId="{F1111026-367B-40E0-B410-E0ADA7902E26}" type="presParOf" srcId="{5B809B0A-6F24-4C5F-86D0-31CD16CDD3BE}" destId="{40EED50E-9342-450D-8FD4-E29037C7A7C7}" srcOrd="6" destOrd="0" presId="urn:microsoft.com/office/officeart/2005/8/layout/hierarchy3"/>
+    <dgm:cxn modelId="{128E679D-B150-4E1C-9E7D-3B60F5C935D2}" type="presParOf" srcId="{5B809B0A-6F24-4C5F-86D0-31CD16CDD3BE}" destId="{0D293A8B-193E-4359-A5C9-363147DCFDA8}" srcOrd="7" destOrd="0" presId="urn:microsoft.com/office/officeart/2005/8/layout/hierarchy3"/>
+    <dgm:cxn modelId="{8F17BBB9-4B5A-43AE-8E3E-727A99D1563D}" type="presParOf" srcId="{3239BEF8-FBF5-42A1-B80B-D6AAE0AC62F6}" destId="{DC0D0B8F-6F26-410B-B4F8-6A6AC6FA349B}" srcOrd="1" destOrd="0" presId="urn:microsoft.com/office/officeart/2005/8/layout/hierarchy3"/>
+    <dgm:cxn modelId="{8D1AF78F-CCF4-4AEB-8A59-FCB6E2ED352F}" type="presParOf" srcId="{DC0D0B8F-6F26-410B-B4F8-6A6AC6FA349B}" destId="{6EF3EB67-77B7-477B-B16D-1537E700187F}" srcOrd="0" destOrd="0" presId="urn:microsoft.com/office/officeart/2005/8/layout/hierarchy3"/>
+    <dgm:cxn modelId="{0DD75ABC-1A90-420D-BE30-265C2226C98F}" type="presParOf" srcId="{6EF3EB67-77B7-477B-B16D-1537E700187F}" destId="{19583657-4B8A-4813-8E4C-D0A916FB2565}" srcOrd="0" destOrd="0" presId="urn:microsoft.com/office/officeart/2005/8/layout/hierarchy3"/>
+    <dgm:cxn modelId="{54F4DF69-7394-4342-A85A-67E411AC07A3}" type="presParOf" srcId="{6EF3EB67-77B7-477B-B16D-1537E700187F}" destId="{0A9A7F30-C7EA-4F3B-8DF0-33B93AA1535E}" srcOrd="1" destOrd="0" presId="urn:microsoft.com/office/officeart/2005/8/layout/hierarchy3"/>
+    <dgm:cxn modelId="{ADEEB0FE-D5EF-49A6-AA16-AB88EC2069BF}" type="presParOf" srcId="{DC0D0B8F-6F26-410B-B4F8-6A6AC6FA349B}" destId="{D27E8052-1A6A-40C5-8B3F-9B31FB53F9A3}" srcOrd="1" destOrd="0" presId="urn:microsoft.com/office/officeart/2005/8/layout/hierarchy3"/>
+    <dgm:cxn modelId="{B0561251-9B36-4CF1-AC03-BEE619845A17}" type="presParOf" srcId="{D27E8052-1A6A-40C5-8B3F-9B31FB53F9A3}" destId="{81278BEA-46BB-4791-A590-089863E45C7C}" srcOrd="0" destOrd="0" presId="urn:microsoft.com/office/officeart/2005/8/layout/hierarchy3"/>
+    <dgm:cxn modelId="{33D53532-869C-4404-B0E6-6B56AD07BABE}" type="presParOf" srcId="{D27E8052-1A6A-40C5-8B3F-9B31FB53F9A3}" destId="{FD1DE1D5-730C-45D6-8E20-70BF05B278A4}" srcOrd="1" destOrd="0" presId="urn:microsoft.com/office/officeart/2005/8/layout/hierarchy3"/>
+    <dgm:cxn modelId="{119D6842-C126-492D-8139-DE8076F8863B}" type="presParOf" srcId="{D27E8052-1A6A-40C5-8B3F-9B31FB53F9A3}" destId="{E95F896A-C34F-4116-96BF-1E5AF1F5731D}" srcOrd="2" destOrd="0" presId="urn:microsoft.com/office/officeart/2005/8/layout/hierarchy3"/>
+    <dgm:cxn modelId="{53B4C95E-E6CE-4892-9822-871C8A589844}" type="presParOf" srcId="{D27E8052-1A6A-40C5-8B3F-9B31FB53F9A3}" destId="{766ABCF8-8D80-4B21-9E4F-F7E5B6BAA160}" srcOrd="3" destOrd="0" presId="urn:microsoft.com/office/officeart/2005/8/layout/hierarchy3"/>
+    <dgm:cxn modelId="{9C977177-2156-48F1-BCAB-395210D7234B}" type="presParOf" srcId="{D27E8052-1A6A-40C5-8B3F-9B31FB53F9A3}" destId="{7252658C-35D0-41FD-8C40-E3A8D228F664}" srcOrd="4" destOrd="0" presId="urn:microsoft.com/office/officeart/2005/8/layout/hierarchy3"/>
+    <dgm:cxn modelId="{54DE5D52-1A8F-4414-B853-65A0C5E3B452}" type="presParOf" srcId="{D27E8052-1A6A-40C5-8B3F-9B31FB53F9A3}" destId="{A853A8CB-4DAD-4C0D-8EBA-EBFF99A049E7}" srcOrd="5" destOrd="0" presId="urn:microsoft.com/office/officeart/2005/8/layout/hierarchy3"/>
+    <dgm:cxn modelId="{A7291DD1-B724-49F7-A3E2-99551DAA7463}" type="presParOf" srcId="{3239BEF8-FBF5-42A1-B80B-D6AAE0AC62F6}" destId="{50065274-F2F5-4A0E-9512-6C23233A5A99}" srcOrd="2" destOrd="0" presId="urn:microsoft.com/office/officeart/2005/8/layout/hierarchy3"/>
+    <dgm:cxn modelId="{7E6C75B8-C000-4C7D-84EA-EBEDFF9FA93A}" type="presParOf" srcId="{50065274-F2F5-4A0E-9512-6C23233A5A99}" destId="{E3E983DE-31B1-4C77-998E-DEAFBEB37B9A}" srcOrd="0" destOrd="0" presId="urn:microsoft.com/office/officeart/2005/8/layout/hierarchy3"/>
+    <dgm:cxn modelId="{78B8BB10-009E-4EA8-816A-C7EC1EA4035D}" type="presParOf" srcId="{E3E983DE-31B1-4C77-998E-DEAFBEB37B9A}" destId="{193297B0-D1C9-44FE-84D5-C936BBBB0DB3}" srcOrd="0" destOrd="0" presId="urn:microsoft.com/office/officeart/2005/8/layout/hierarchy3"/>
+    <dgm:cxn modelId="{295C239B-FF4C-4AAF-BA18-F57DA2FCD60B}" type="presParOf" srcId="{E3E983DE-31B1-4C77-998E-DEAFBEB37B9A}" destId="{354F38E4-A8E2-4063-94EE-AED35139D981}" srcOrd="1" destOrd="0" presId="urn:microsoft.com/office/officeart/2005/8/layout/hierarchy3"/>
+    <dgm:cxn modelId="{61AAF0C3-8B62-4B2B-AF8A-72D2E4002769}" type="presParOf" srcId="{50065274-F2F5-4A0E-9512-6C23233A5A99}" destId="{52B2229D-DEA8-4121-8739-24C48E958AC7}" srcOrd="1" destOrd="0" presId="urn:microsoft.com/office/officeart/2005/8/layout/hierarchy3"/>
+    <dgm:cxn modelId="{CFA1BF53-A4D5-4D8E-B970-0882A0F8C5D8}" type="presParOf" srcId="{52B2229D-DEA8-4121-8739-24C48E958AC7}" destId="{6E2513A5-A5ED-43D0-A5C2-9FD2839328D9}" srcOrd="0" destOrd="0" presId="urn:microsoft.com/office/officeart/2005/8/layout/hierarchy3"/>
+    <dgm:cxn modelId="{FB55600D-92DD-4D22-9E8B-49672DE380BD}" type="presParOf" srcId="{52B2229D-DEA8-4121-8739-24C48E958AC7}" destId="{E5B4AD6A-9D18-4788-A713-E88A49DE3A4E}" srcOrd="1" destOrd="0" presId="urn:microsoft.com/office/officeart/2005/8/layout/hierarchy3"/>
+    <dgm:cxn modelId="{5B0B63E4-A55A-4313-A5C3-C613C164C05B}" type="presParOf" srcId="{3239BEF8-FBF5-42A1-B80B-D6AAE0AC62F6}" destId="{4DBE6FD3-E0AF-4D4C-9CB1-A8CAA7941230}" srcOrd="3" destOrd="0" presId="urn:microsoft.com/office/officeart/2005/8/layout/hierarchy3"/>
+    <dgm:cxn modelId="{5965BE7D-02B9-4727-AE56-EBA9D16737BC}" type="presParOf" srcId="{4DBE6FD3-E0AF-4D4C-9CB1-A8CAA7941230}" destId="{DDFF451D-8C05-4123-8FBD-745E2DB1C978}" srcOrd="0" destOrd="0" presId="urn:microsoft.com/office/officeart/2005/8/layout/hierarchy3"/>
+    <dgm:cxn modelId="{DED74289-76D7-4375-A1B5-61D3388255F9}" type="presParOf" srcId="{DDFF451D-8C05-4123-8FBD-745E2DB1C978}" destId="{D148E7AE-977C-41E6-8665-F8C8C51DC11B}" srcOrd="0" destOrd="0" presId="urn:microsoft.com/office/officeart/2005/8/layout/hierarchy3"/>
+    <dgm:cxn modelId="{E3B36183-5363-4268-9AF1-26DDB83ED4DC}" type="presParOf" srcId="{DDFF451D-8C05-4123-8FBD-745E2DB1C978}" destId="{31020E41-07A5-4A7A-978D-99A6B0A8E96A}" srcOrd="1" destOrd="0" presId="urn:microsoft.com/office/officeart/2005/8/layout/hierarchy3"/>
+    <dgm:cxn modelId="{34BE49AC-6265-4186-9ADB-26F8F9E045BF}" type="presParOf" srcId="{4DBE6FD3-E0AF-4D4C-9CB1-A8CAA7941230}" destId="{97B6F6A4-2F28-4E2B-95F8-8DB162ECE16D}" srcOrd="1" destOrd="0" presId="urn:microsoft.com/office/officeart/2005/8/layout/hierarchy3"/>
+  </dgm:cxnLst>
+  <dgm:bg/>
+  <dgm:whole/>
+  <dgm:extLst>
+    <a:ext uri="http://schemas.microsoft.com/office/drawing/2008/diagram">
+      <dsp:dataModelExt xmlns:dsp="http://schemas.microsoft.com/office/drawing/2008/diagram" relId="rId6" minVer="http://schemas.openxmlformats.org/drawingml/2006/diagram"/>
+    </a:ext>
+  </dgm:extLst>
+</dgm:dataModel>
+</file>
+
+<file path=ppt/diagrams/drawing1.xml><?xml version="1.0" encoding="utf-8"?>
+<dsp:drawing xmlns:dgm="http://schemas.openxmlformats.org/drawingml/2006/diagram" xmlns:dsp="http://schemas.microsoft.com/office/drawing/2008/diagram" xmlns:a="http://schemas.openxmlformats.org/drawingml/2006/main">
+  <dsp:spTree>
+    <dsp:nvGrpSpPr>
+      <dsp:cNvPr id="0" name=""/>
+      <dsp:cNvGrpSpPr/>
+    </dsp:nvGrpSpPr>
+    <dsp:grpSpPr/>
+    <dsp:sp modelId="{E500A31B-F5EA-48ED-BAA6-CC44878CC02A}">
+      <dsp:nvSpPr>
+        <dsp:cNvPr id="0" name=""/>
+        <dsp:cNvSpPr/>
+      </dsp:nvSpPr>
+      <dsp:spPr>
+        <a:xfrm>
+          <a:off x="1106088" y="1809"/>
+          <a:ext cx="1549166" cy="774583"/>
+        </a:xfrm>
+        <a:prstGeom prst="roundRect">
+          <a:avLst>
+            <a:gd name="adj" fmla="val 10000"/>
+          </a:avLst>
+        </a:prstGeom>
+        <a:solidFill>
+          <a:schemeClr val="accent1">
+            <a:hueOff val="0"/>
+            <a:satOff val="0"/>
+            <a:lumOff val="0"/>
+            <a:alphaOff val="0"/>
+          </a:schemeClr>
+        </a:solidFill>
+        <a:ln w="10795" cap="flat" cmpd="sng" algn="ctr">
+          <a:solidFill>
+            <a:schemeClr val="lt1">
+              <a:hueOff val="0"/>
+              <a:satOff val="0"/>
+              <a:lumOff val="0"/>
+              <a:alphaOff val="0"/>
+            </a:schemeClr>
+          </a:solidFill>
+          <a:prstDash val="solid"/>
+        </a:ln>
+        <a:effectLst/>
+      </dsp:spPr>
+      <dsp:style>
+        <a:lnRef idx="2">
+          <a:scrgbClr r="0" g="0" b="0"/>
+        </a:lnRef>
+        <a:fillRef idx="1">
+          <a:scrgbClr r="0" g="0" b="0"/>
+        </a:fillRef>
+        <a:effectRef idx="0">
+          <a:scrgbClr r="0" g="0" b="0"/>
+        </a:effectRef>
+        <a:fontRef idx="minor">
+          <a:schemeClr val="lt1"/>
+        </a:fontRef>
+      </dsp:style>
+      <dsp:txBody>
+        <a:bodyPr spcFirstLastPara="0" vert="horz" wrap="square" lIns="20955" tIns="13970" rIns="20955" bIns="13970" numCol="1" spcCol="1270" anchor="ctr" anchorCtr="0">
+          <a:noAutofit/>
+        </a:bodyPr>
+        <a:lstStyle/>
+        <a:p>
+          <a:pPr marL="0" lvl="0" indent="0" algn="ctr" defTabSz="488950">
+            <a:lnSpc>
+              <a:spcPct val="90000"/>
+            </a:lnSpc>
+            <a:spcBef>
+              <a:spcPct val="0"/>
+            </a:spcBef>
+            <a:spcAft>
+              <a:spcPct val="35000"/>
+            </a:spcAft>
+            <a:buNone/>
+          </a:pPr>
+          <a:r>
+            <a:rPr lang="en-GB" sz="1100" kern="1200" dirty="0"/>
+            <a:t>Raw/Source</a:t>
+          </a:r>
+        </a:p>
+      </dsp:txBody>
+      <dsp:txXfrm>
+        <a:off x="1128775" y="24496"/>
+        <a:ext cx="1503792" cy="729209"/>
+      </dsp:txXfrm>
+    </dsp:sp>
+    <dsp:sp modelId="{56DCEF0C-87C8-4802-AB6A-511A76F73CC1}">
+      <dsp:nvSpPr>
+        <dsp:cNvPr id="0" name=""/>
+        <dsp:cNvSpPr/>
+      </dsp:nvSpPr>
+      <dsp:spPr>
+        <a:xfrm>
+          <a:off x="1261005" y="776392"/>
+          <a:ext cx="154916" cy="580937"/>
+        </a:xfrm>
+        <a:custGeom>
+          <a:avLst/>
+          <a:gdLst/>
+          <a:ahLst/>
+          <a:cxnLst/>
+          <a:rect l="0" t="0" r="0" b="0"/>
+          <a:pathLst>
+            <a:path>
+              <a:moveTo>
+                <a:pt x="0" y="0"/>
+              </a:moveTo>
+              <a:lnTo>
+                <a:pt x="0" y="580937"/>
+              </a:lnTo>
+              <a:lnTo>
+                <a:pt x="154916" y="580937"/>
+              </a:lnTo>
+            </a:path>
+          </a:pathLst>
+        </a:custGeom>
+        <a:noFill/>
+        <a:ln w="10795" cap="flat" cmpd="sng" algn="ctr">
+          <a:solidFill>
+            <a:schemeClr val="accent1">
+              <a:shade val="60000"/>
+              <a:hueOff val="0"/>
+              <a:satOff val="0"/>
+              <a:lumOff val="0"/>
+              <a:alphaOff val="0"/>
+            </a:schemeClr>
+          </a:solidFill>
+          <a:prstDash val="solid"/>
+        </a:ln>
+        <a:effectLst/>
+      </dsp:spPr>
+      <dsp:style>
+        <a:lnRef idx="2">
+          <a:scrgbClr r="0" g="0" b="0"/>
+        </a:lnRef>
+        <a:fillRef idx="0">
+          <a:scrgbClr r="0" g="0" b="0"/>
+        </a:fillRef>
+        <a:effectRef idx="0">
+          <a:scrgbClr r="0" g="0" b="0"/>
+        </a:effectRef>
+        <a:fontRef idx="minor"/>
+      </dsp:style>
+    </dsp:sp>
+    <dsp:sp modelId="{AD831916-9FA0-4889-92D0-FB49827D596C}">
+      <dsp:nvSpPr>
+        <dsp:cNvPr id="0" name=""/>
+        <dsp:cNvSpPr/>
+      </dsp:nvSpPr>
+      <dsp:spPr>
+        <a:xfrm>
+          <a:off x="1415922" y="970038"/>
+          <a:ext cx="1239333" cy="774583"/>
+        </a:xfrm>
+        <a:prstGeom prst="roundRect">
+          <a:avLst>
+            <a:gd name="adj" fmla="val 10000"/>
+          </a:avLst>
+        </a:prstGeom>
+        <a:solidFill>
+          <a:schemeClr val="lt1">
+            <a:alpha val="90000"/>
+            <a:hueOff val="0"/>
+            <a:satOff val="0"/>
+            <a:lumOff val="0"/>
+            <a:alphaOff val="0"/>
+          </a:schemeClr>
+        </a:solidFill>
+        <a:ln w="10795" cap="flat" cmpd="sng" algn="ctr">
+          <a:solidFill>
+            <a:schemeClr val="accent1">
+              <a:hueOff val="0"/>
+              <a:satOff val="0"/>
+              <a:lumOff val="0"/>
+              <a:alphaOff val="0"/>
+            </a:schemeClr>
+          </a:solidFill>
+          <a:prstDash val="solid"/>
+        </a:ln>
+        <a:effectLst/>
+      </dsp:spPr>
+      <dsp:style>
+        <a:lnRef idx="2">
+          <a:scrgbClr r="0" g="0" b="0"/>
+        </a:lnRef>
+        <a:fillRef idx="1">
+          <a:scrgbClr r="0" g="0" b="0"/>
+        </a:fillRef>
+        <a:effectRef idx="0">
+          <a:scrgbClr r="0" g="0" b="0"/>
+        </a:effectRef>
+        <a:fontRef idx="minor"/>
+      </dsp:style>
+      <dsp:txBody>
+        <a:bodyPr spcFirstLastPara="0" vert="horz" wrap="square" lIns="26670" tIns="17780" rIns="26670" bIns="17780" numCol="1" spcCol="1270" anchor="ctr" anchorCtr="0">
+          <a:noAutofit/>
+        </a:bodyPr>
+        <a:lstStyle/>
+        <a:p>
+          <a:pPr marL="0" lvl="0" indent="0" algn="ctr" defTabSz="622300">
+            <a:lnSpc>
+              <a:spcPct val="90000"/>
+            </a:lnSpc>
+            <a:spcBef>
+              <a:spcPct val="0"/>
+            </a:spcBef>
+            <a:spcAft>
+              <a:spcPct val="35000"/>
+            </a:spcAft>
+            <a:buNone/>
+          </a:pPr>
+          <a:r>
+            <a:rPr lang="en-GB" sz="1400" kern="1200" dirty="0"/>
+            <a:t>Incoming Data</a:t>
+          </a:r>
+        </a:p>
+      </dsp:txBody>
+      <dsp:txXfrm>
+        <a:off x="1438609" y="992725"/>
+        <a:ext cx="1193959" cy="729209"/>
+      </dsp:txXfrm>
+    </dsp:sp>
+    <dsp:sp modelId="{2CB8AB19-3CA5-4390-991B-A0465EFC61A8}">
+      <dsp:nvSpPr>
+        <dsp:cNvPr id="0" name=""/>
+        <dsp:cNvSpPr/>
+      </dsp:nvSpPr>
+      <dsp:spPr>
+        <a:xfrm>
+          <a:off x="1261005" y="776392"/>
+          <a:ext cx="154916" cy="1549166"/>
+        </a:xfrm>
+        <a:custGeom>
+          <a:avLst/>
+          <a:gdLst/>
+          <a:ahLst/>
+          <a:cxnLst/>
+          <a:rect l="0" t="0" r="0" b="0"/>
+          <a:pathLst>
+            <a:path>
+              <a:moveTo>
+                <a:pt x="0" y="0"/>
+              </a:moveTo>
+              <a:lnTo>
+                <a:pt x="0" y="1549166"/>
+              </a:lnTo>
+              <a:lnTo>
+                <a:pt x="154916" y="1549166"/>
+              </a:lnTo>
+            </a:path>
+          </a:pathLst>
+        </a:custGeom>
+        <a:noFill/>
+        <a:ln w="10795" cap="flat" cmpd="sng" algn="ctr">
+          <a:solidFill>
+            <a:schemeClr val="accent1">
+              <a:shade val="60000"/>
+              <a:hueOff val="0"/>
+              <a:satOff val="0"/>
+              <a:lumOff val="0"/>
+              <a:alphaOff val="0"/>
+            </a:schemeClr>
+          </a:solidFill>
+          <a:prstDash val="solid"/>
+        </a:ln>
+        <a:effectLst/>
+      </dsp:spPr>
+      <dsp:style>
+        <a:lnRef idx="2">
+          <a:scrgbClr r="0" g="0" b="0"/>
+        </a:lnRef>
+        <a:fillRef idx="0">
+          <a:scrgbClr r="0" g="0" b="0"/>
+        </a:fillRef>
+        <a:effectRef idx="0">
+          <a:scrgbClr r="0" g="0" b="0"/>
+        </a:effectRef>
+        <a:fontRef idx="minor"/>
+      </dsp:style>
+    </dsp:sp>
+    <dsp:sp modelId="{0FA359BE-373E-49F3-84FC-910387996DF1}">
+      <dsp:nvSpPr>
+        <dsp:cNvPr id="0" name=""/>
+        <dsp:cNvSpPr/>
+      </dsp:nvSpPr>
+      <dsp:spPr>
+        <a:xfrm>
+          <a:off x="1415922" y="1938267"/>
+          <a:ext cx="1239333" cy="774583"/>
+        </a:xfrm>
+        <a:prstGeom prst="roundRect">
+          <a:avLst>
+            <a:gd name="adj" fmla="val 10000"/>
+          </a:avLst>
+        </a:prstGeom>
+        <a:solidFill>
+          <a:schemeClr val="lt1">
+            <a:alpha val="90000"/>
+            <a:hueOff val="0"/>
+            <a:satOff val="0"/>
+            <a:lumOff val="0"/>
+            <a:alphaOff val="0"/>
+          </a:schemeClr>
+        </a:solidFill>
+        <a:ln w="10795" cap="flat" cmpd="sng" algn="ctr">
+          <a:solidFill>
+            <a:schemeClr val="accent1">
+              <a:hueOff val="0"/>
+              <a:satOff val="0"/>
+              <a:lumOff val="0"/>
+              <a:alphaOff val="0"/>
+            </a:schemeClr>
+          </a:solidFill>
+          <a:prstDash val="solid"/>
+        </a:ln>
+        <a:effectLst/>
+      </dsp:spPr>
+      <dsp:style>
+        <a:lnRef idx="2">
+          <a:scrgbClr r="0" g="0" b="0"/>
+        </a:lnRef>
+        <a:fillRef idx="1">
+          <a:scrgbClr r="0" g="0" b="0"/>
+        </a:fillRef>
+        <a:effectRef idx="0">
+          <a:scrgbClr r="0" g="0" b="0"/>
+        </a:effectRef>
+        <a:fontRef idx="minor"/>
+      </dsp:style>
+      <dsp:txBody>
+        <a:bodyPr spcFirstLastPara="0" vert="horz" wrap="square" lIns="26670" tIns="17780" rIns="26670" bIns="17780" numCol="1" spcCol="1270" anchor="ctr" anchorCtr="0">
+          <a:noAutofit/>
+        </a:bodyPr>
+        <a:lstStyle/>
+        <a:p>
+          <a:pPr marL="0" lvl="0" indent="0" algn="ctr" defTabSz="622300">
+            <a:lnSpc>
+              <a:spcPct val="90000"/>
+            </a:lnSpc>
+            <a:spcBef>
+              <a:spcPct val="0"/>
+            </a:spcBef>
+            <a:spcAft>
+              <a:spcPct val="35000"/>
+            </a:spcAft>
+            <a:buNone/>
+          </a:pPr>
+          <a:r>
+            <a:rPr lang="en-GB" sz="1400" kern="1200" dirty="0"/>
+            <a:t>Original Source</a:t>
+          </a:r>
+        </a:p>
+      </dsp:txBody>
+      <dsp:txXfrm>
+        <a:off x="1438609" y="1960954"/>
+        <a:ext cx="1193959" cy="729209"/>
+      </dsp:txXfrm>
+    </dsp:sp>
+    <dsp:sp modelId="{1682A186-C74F-4FF0-82E3-D5F806D91ACE}">
+      <dsp:nvSpPr>
+        <dsp:cNvPr id="0" name=""/>
+        <dsp:cNvSpPr/>
+      </dsp:nvSpPr>
+      <dsp:spPr>
+        <a:xfrm>
+          <a:off x="1261005" y="776392"/>
+          <a:ext cx="154916" cy="2517396"/>
+        </a:xfrm>
+        <a:custGeom>
+          <a:avLst/>
+          <a:gdLst/>
+          <a:ahLst/>
+          <a:cxnLst/>
+          <a:rect l="0" t="0" r="0" b="0"/>
+          <a:pathLst>
+            <a:path>
+              <a:moveTo>
+                <a:pt x="0" y="0"/>
+              </a:moveTo>
+              <a:lnTo>
+                <a:pt x="0" y="2517396"/>
+              </a:lnTo>
+              <a:lnTo>
+                <a:pt x="154916" y="2517396"/>
+              </a:lnTo>
+            </a:path>
+          </a:pathLst>
+        </a:custGeom>
+        <a:noFill/>
+        <a:ln w="10795" cap="flat" cmpd="sng" algn="ctr">
+          <a:solidFill>
+            <a:schemeClr val="accent1">
+              <a:shade val="60000"/>
+              <a:hueOff val="0"/>
+              <a:satOff val="0"/>
+              <a:lumOff val="0"/>
+              <a:alphaOff val="0"/>
+            </a:schemeClr>
+          </a:solidFill>
+          <a:prstDash val="solid"/>
+        </a:ln>
+        <a:effectLst/>
+      </dsp:spPr>
+      <dsp:style>
+        <a:lnRef idx="2">
+          <a:scrgbClr r="0" g="0" b="0"/>
+        </a:lnRef>
+        <a:fillRef idx="0">
+          <a:scrgbClr r="0" g="0" b="0"/>
+        </a:fillRef>
+        <a:effectRef idx="0">
+          <a:scrgbClr r="0" g="0" b="0"/>
+        </a:effectRef>
+        <a:fontRef idx="minor"/>
+      </dsp:style>
+    </dsp:sp>
+    <dsp:sp modelId="{57F9FD23-AEA8-486F-BE5A-820615AFF3CC}">
+      <dsp:nvSpPr>
+        <dsp:cNvPr id="0" name=""/>
+        <dsp:cNvSpPr/>
+      </dsp:nvSpPr>
+      <dsp:spPr>
+        <a:xfrm>
+          <a:off x="1415922" y="2906497"/>
+          <a:ext cx="1239333" cy="774583"/>
+        </a:xfrm>
+        <a:prstGeom prst="roundRect">
+          <a:avLst>
+            <a:gd name="adj" fmla="val 10000"/>
+          </a:avLst>
+        </a:prstGeom>
+        <a:solidFill>
+          <a:schemeClr val="lt1">
+            <a:alpha val="90000"/>
+            <a:hueOff val="0"/>
+            <a:satOff val="0"/>
+            <a:lumOff val="0"/>
+            <a:alphaOff val="0"/>
+          </a:schemeClr>
+        </a:solidFill>
+        <a:ln w="10795" cap="flat" cmpd="sng" algn="ctr">
+          <a:solidFill>
+            <a:schemeClr val="accent1">
+              <a:hueOff val="0"/>
+              <a:satOff val="0"/>
+              <a:lumOff val="0"/>
+              <a:alphaOff val="0"/>
+            </a:schemeClr>
+          </a:solidFill>
+          <a:prstDash val="solid"/>
+        </a:ln>
+        <a:effectLst/>
+      </dsp:spPr>
+      <dsp:style>
+        <a:lnRef idx="2">
+          <a:scrgbClr r="0" g="0" b="0"/>
+        </a:lnRef>
+        <a:fillRef idx="1">
+          <a:scrgbClr r="0" g="0" b="0"/>
+        </a:fillRef>
+        <a:effectRef idx="0">
+          <a:scrgbClr r="0" g="0" b="0"/>
+        </a:effectRef>
+        <a:fontRef idx="minor"/>
+      </dsp:style>
+      <dsp:txBody>
+        <a:bodyPr spcFirstLastPara="0" vert="horz" wrap="square" lIns="26670" tIns="17780" rIns="26670" bIns="17780" numCol="1" spcCol="1270" anchor="ctr" anchorCtr="0">
+          <a:noAutofit/>
+        </a:bodyPr>
+        <a:lstStyle/>
+        <a:p>
+          <a:pPr marL="0" lvl="0" indent="0" algn="ctr" defTabSz="622300">
+            <a:lnSpc>
+              <a:spcPct val="90000"/>
+            </a:lnSpc>
+            <a:spcBef>
+              <a:spcPct val="0"/>
+            </a:spcBef>
+            <a:spcAft>
+              <a:spcPct val="35000"/>
+            </a:spcAft>
+            <a:buNone/>
+          </a:pPr>
+          <a:r>
+            <a:rPr lang="en-GB" sz="1400" kern="1200" dirty="0"/>
+            <a:t>Historical</a:t>
+          </a:r>
+        </a:p>
+      </dsp:txBody>
+      <dsp:txXfrm>
+        <a:off x="1438609" y="2929184"/>
+        <a:ext cx="1193959" cy="729209"/>
+      </dsp:txXfrm>
+    </dsp:sp>
+    <dsp:sp modelId="{40EED50E-9342-450D-8FD4-E29037C7A7C7}">
+      <dsp:nvSpPr>
+        <dsp:cNvPr id="0" name=""/>
+        <dsp:cNvSpPr/>
+      </dsp:nvSpPr>
+      <dsp:spPr>
+        <a:xfrm>
+          <a:off x="1261005" y="776392"/>
+          <a:ext cx="154916" cy="3485625"/>
+        </a:xfrm>
+        <a:custGeom>
+          <a:avLst/>
+          <a:gdLst/>
+          <a:ahLst/>
+          <a:cxnLst/>
+          <a:rect l="0" t="0" r="0" b="0"/>
+          <a:pathLst>
+            <a:path>
+              <a:moveTo>
+                <a:pt x="0" y="0"/>
+              </a:moveTo>
+              <a:lnTo>
+                <a:pt x="0" y="3485625"/>
+              </a:lnTo>
+              <a:lnTo>
+                <a:pt x="154916" y="3485625"/>
+              </a:lnTo>
+            </a:path>
+          </a:pathLst>
+        </a:custGeom>
+        <a:noFill/>
+        <a:ln w="10795" cap="flat" cmpd="sng" algn="ctr">
+          <a:solidFill>
+            <a:schemeClr val="accent1">
+              <a:shade val="60000"/>
+              <a:hueOff val="0"/>
+              <a:satOff val="0"/>
+              <a:lumOff val="0"/>
+              <a:alphaOff val="0"/>
+            </a:schemeClr>
+          </a:solidFill>
+          <a:prstDash val="solid"/>
+        </a:ln>
+        <a:effectLst/>
+      </dsp:spPr>
+      <dsp:style>
+        <a:lnRef idx="2">
+          <a:scrgbClr r="0" g="0" b="0"/>
+        </a:lnRef>
+        <a:fillRef idx="0">
+          <a:scrgbClr r="0" g="0" b="0"/>
+        </a:fillRef>
+        <a:effectRef idx="0">
+          <a:scrgbClr r="0" g="0" b="0"/>
+        </a:effectRef>
+        <a:fontRef idx="minor"/>
+      </dsp:style>
+    </dsp:sp>
+    <dsp:sp modelId="{0D293A8B-193E-4359-A5C9-363147DCFDA8}">
+      <dsp:nvSpPr>
+        <dsp:cNvPr id="0" name=""/>
+        <dsp:cNvSpPr/>
+      </dsp:nvSpPr>
+      <dsp:spPr>
+        <a:xfrm>
+          <a:off x="1415922" y="3874726"/>
+          <a:ext cx="1239333" cy="774583"/>
+        </a:xfrm>
+        <a:prstGeom prst="roundRect">
+          <a:avLst>
+            <a:gd name="adj" fmla="val 10000"/>
+          </a:avLst>
+        </a:prstGeom>
+        <a:solidFill>
+          <a:schemeClr val="lt1">
+            <a:alpha val="90000"/>
+            <a:hueOff val="0"/>
+            <a:satOff val="0"/>
+            <a:lumOff val="0"/>
+            <a:alphaOff val="0"/>
+          </a:schemeClr>
+        </a:solidFill>
+        <a:ln w="10795" cap="flat" cmpd="sng" algn="ctr">
+          <a:solidFill>
+            <a:schemeClr val="accent1">
+              <a:hueOff val="0"/>
+              <a:satOff val="0"/>
+              <a:lumOff val="0"/>
+              <a:alphaOff val="0"/>
+            </a:schemeClr>
+          </a:solidFill>
+          <a:prstDash val="solid"/>
+        </a:ln>
+        <a:effectLst/>
+      </dsp:spPr>
+      <dsp:style>
+        <a:lnRef idx="2">
+          <a:scrgbClr r="0" g="0" b="0"/>
+        </a:lnRef>
+        <a:fillRef idx="1">
+          <a:scrgbClr r="0" g="0" b="0"/>
+        </a:fillRef>
+        <a:effectRef idx="0">
+          <a:scrgbClr r="0" g="0" b="0"/>
+        </a:effectRef>
+        <a:fontRef idx="minor"/>
+      </dsp:style>
+      <dsp:txBody>
+        <a:bodyPr spcFirstLastPara="0" vert="horz" wrap="square" lIns="26670" tIns="17780" rIns="26670" bIns="17780" numCol="1" spcCol="1270" anchor="ctr" anchorCtr="0">
+          <a:noAutofit/>
+        </a:bodyPr>
+        <a:lstStyle/>
+        <a:p>
+          <a:pPr marL="0" lvl="0" indent="0" algn="ctr" defTabSz="622300">
+            <a:lnSpc>
+              <a:spcPct val="90000"/>
+            </a:lnSpc>
+            <a:spcBef>
+              <a:spcPct val="0"/>
+            </a:spcBef>
+            <a:spcAft>
+              <a:spcPct val="35000"/>
+            </a:spcAft>
+            <a:buNone/>
+          </a:pPr>
+          <a:r>
+            <a:rPr lang="en-GB" sz="1400" kern="1200" dirty="0"/>
+            <a:t>Changed format only</a:t>
+          </a:r>
+        </a:p>
+      </dsp:txBody>
+      <dsp:txXfrm>
+        <a:off x="1438609" y="3897413"/>
+        <a:ext cx="1193959" cy="729209"/>
+      </dsp:txXfrm>
+    </dsp:sp>
+    <dsp:sp modelId="{19583657-4B8A-4813-8E4C-D0A916FB2565}">
+      <dsp:nvSpPr>
+        <dsp:cNvPr id="0" name=""/>
+        <dsp:cNvSpPr/>
+      </dsp:nvSpPr>
+      <dsp:spPr>
+        <a:xfrm>
+          <a:off x="3042547" y="1809"/>
+          <a:ext cx="1549166" cy="774583"/>
+        </a:xfrm>
+        <a:prstGeom prst="roundRect">
+          <a:avLst>
+            <a:gd name="adj" fmla="val 10000"/>
+          </a:avLst>
+        </a:prstGeom>
+        <a:solidFill>
+          <a:schemeClr val="accent1">
+            <a:hueOff val="0"/>
+            <a:satOff val="0"/>
+            <a:lumOff val="0"/>
+            <a:alphaOff val="0"/>
+          </a:schemeClr>
+        </a:solidFill>
+        <a:ln w="10795" cap="flat" cmpd="sng" algn="ctr">
+          <a:solidFill>
+            <a:schemeClr val="lt1">
+              <a:hueOff val="0"/>
+              <a:satOff val="0"/>
+              <a:lumOff val="0"/>
+              <a:alphaOff val="0"/>
+            </a:schemeClr>
+          </a:solidFill>
+          <a:prstDash val="solid"/>
+        </a:ln>
+        <a:effectLst/>
+      </dsp:spPr>
+      <dsp:style>
+        <a:lnRef idx="2">
+          <a:scrgbClr r="0" g="0" b="0"/>
+        </a:lnRef>
+        <a:fillRef idx="1">
+          <a:scrgbClr r="0" g="0" b="0"/>
+        </a:fillRef>
+        <a:effectRef idx="0">
+          <a:scrgbClr r="0" g="0" b="0"/>
+        </a:effectRef>
+        <a:fontRef idx="minor">
+          <a:schemeClr val="lt1"/>
+        </a:fontRef>
+      </dsp:style>
+      <dsp:txBody>
+        <a:bodyPr spcFirstLastPara="0" vert="horz" wrap="square" lIns="20955" tIns="13970" rIns="20955" bIns="13970" numCol="1" spcCol="1270" anchor="ctr" anchorCtr="0">
+          <a:noAutofit/>
+        </a:bodyPr>
+        <a:lstStyle/>
+        <a:p>
+          <a:pPr marL="0" lvl="0" indent="0" algn="ctr" defTabSz="488950">
+            <a:lnSpc>
+              <a:spcPct val="90000"/>
+            </a:lnSpc>
+            <a:spcBef>
+              <a:spcPct val="0"/>
+            </a:spcBef>
+            <a:spcAft>
+              <a:spcPct val="35000"/>
+            </a:spcAft>
+            <a:buNone/>
+          </a:pPr>
+          <a:r>
+            <a:rPr lang="en-GB" sz="1100" kern="1200" dirty="0"/>
+            <a:t>Cleansed</a:t>
+          </a:r>
+        </a:p>
+      </dsp:txBody>
+      <dsp:txXfrm>
+        <a:off x="3065234" y="24496"/>
+        <a:ext cx="1503792" cy="729209"/>
+      </dsp:txXfrm>
+    </dsp:sp>
+    <dsp:sp modelId="{81278BEA-46BB-4791-A590-089863E45C7C}">
+      <dsp:nvSpPr>
+        <dsp:cNvPr id="0" name=""/>
+        <dsp:cNvSpPr/>
+      </dsp:nvSpPr>
+      <dsp:spPr>
+        <a:xfrm>
+          <a:off x="3197463" y="776392"/>
+          <a:ext cx="154916" cy="580937"/>
+        </a:xfrm>
+        <a:custGeom>
+          <a:avLst/>
+          <a:gdLst/>
+          <a:ahLst/>
+          <a:cxnLst/>
+          <a:rect l="0" t="0" r="0" b="0"/>
+          <a:pathLst>
+            <a:path>
+              <a:moveTo>
+                <a:pt x="0" y="0"/>
+              </a:moveTo>
+              <a:lnTo>
+                <a:pt x="0" y="580937"/>
+              </a:lnTo>
+              <a:lnTo>
+                <a:pt x="154916" y="580937"/>
+              </a:lnTo>
+            </a:path>
+          </a:pathLst>
+        </a:custGeom>
+        <a:noFill/>
+        <a:ln w="10795" cap="flat" cmpd="sng" algn="ctr">
+          <a:solidFill>
+            <a:schemeClr val="accent1">
+              <a:shade val="60000"/>
+              <a:hueOff val="0"/>
+              <a:satOff val="0"/>
+              <a:lumOff val="0"/>
+              <a:alphaOff val="0"/>
+            </a:schemeClr>
+          </a:solidFill>
+          <a:prstDash val="solid"/>
+        </a:ln>
+        <a:effectLst/>
+      </dsp:spPr>
+      <dsp:style>
+        <a:lnRef idx="2">
+          <a:scrgbClr r="0" g="0" b="0"/>
+        </a:lnRef>
+        <a:fillRef idx="0">
+          <a:scrgbClr r="0" g="0" b="0"/>
+        </a:fillRef>
+        <a:effectRef idx="0">
+          <a:scrgbClr r="0" g="0" b="0"/>
+        </a:effectRef>
+        <a:fontRef idx="minor"/>
+      </dsp:style>
+    </dsp:sp>
+    <dsp:sp modelId="{FD1DE1D5-730C-45D6-8E20-70BF05B278A4}">
+      <dsp:nvSpPr>
+        <dsp:cNvPr id="0" name=""/>
+        <dsp:cNvSpPr/>
+      </dsp:nvSpPr>
+      <dsp:spPr>
+        <a:xfrm>
+          <a:off x="3352380" y="970038"/>
+          <a:ext cx="1239333" cy="774583"/>
+        </a:xfrm>
+        <a:prstGeom prst="roundRect">
+          <a:avLst>
+            <a:gd name="adj" fmla="val 10000"/>
+          </a:avLst>
+        </a:prstGeom>
+        <a:solidFill>
+          <a:schemeClr val="lt1">
+            <a:alpha val="90000"/>
+            <a:hueOff val="0"/>
+            <a:satOff val="0"/>
+            <a:lumOff val="0"/>
+            <a:alphaOff val="0"/>
+          </a:schemeClr>
+        </a:solidFill>
+        <a:ln w="10795" cap="flat" cmpd="sng" algn="ctr">
+          <a:solidFill>
+            <a:schemeClr val="accent1">
+              <a:hueOff val="0"/>
+              <a:satOff val="0"/>
+              <a:lumOff val="0"/>
+              <a:alphaOff val="0"/>
+            </a:schemeClr>
+          </a:solidFill>
+          <a:prstDash val="solid"/>
+        </a:ln>
+        <a:effectLst/>
+      </dsp:spPr>
+      <dsp:style>
+        <a:lnRef idx="2">
+          <a:scrgbClr r="0" g="0" b="0"/>
+        </a:lnRef>
+        <a:fillRef idx="1">
+          <a:scrgbClr r="0" g="0" b="0"/>
+        </a:fillRef>
+        <a:effectRef idx="0">
+          <a:scrgbClr r="0" g="0" b="0"/>
+        </a:effectRef>
+        <a:fontRef idx="minor"/>
+      </dsp:style>
+      <dsp:txBody>
+        <a:bodyPr spcFirstLastPara="0" vert="horz" wrap="square" lIns="26670" tIns="17780" rIns="26670" bIns="17780" numCol="1" spcCol="1270" anchor="ctr" anchorCtr="0">
+          <a:noAutofit/>
+        </a:bodyPr>
+        <a:lstStyle/>
+        <a:p>
+          <a:pPr marL="0" lvl="0" indent="0" algn="ctr" defTabSz="622300">
+            <a:lnSpc>
+              <a:spcPct val="90000"/>
+            </a:lnSpc>
+            <a:spcBef>
+              <a:spcPct val="0"/>
+            </a:spcBef>
+            <a:spcAft>
+              <a:spcPct val="35000"/>
+            </a:spcAft>
+            <a:buNone/>
+          </a:pPr>
+          <a:r>
+            <a:rPr lang="en-GB" sz="1400" kern="1200" dirty="0"/>
+            <a:t>Tidy up data</a:t>
+          </a:r>
+        </a:p>
+      </dsp:txBody>
+      <dsp:txXfrm>
+        <a:off x="3375067" y="992725"/>
+        <a:ext cx="1193959" cy="729209"/>
+      </dsp:txXfrm>
+    </dsp:sp>
+    <dsp:sp modelId="{E95F896A-C34F-4116-96BF-1E5AF1F5731D}">
+      <dsp:nvSpPr>
+        <dsp:cNvPr id="0" name=""/>
+        <dsp:cNvSpPr/>
+      </dsp:nvSpPr>
+      <dsp:spPr>
+        <a:xfrm>
+          <a:off x="3197463" y="776392"/>
+          <a:ext cx="154916" cy="1549166"/>
+        </a:xfrm>
+        <a:custGeom>
+          <a:avLst/>
+          <a:gdLst/>
+          <a:ahLst/>
+          <a:cxnLst/>
+          <a:rect l="0" t="0" r="0" b="0"/>
+          <a:pathLst>
+            <a:path>
+              <a:moveTo>
+                <a:pt x="0" y="0"/>
+              </a:moveTo>
+              <a:lnTo>
+                <a:pt x="0" y="1549166"/>
+              </a:lnTo>
+              <a:lnTo>
+                <a:pt x="154916" y="1549166"/>
+              </a:lnTo>
+            </a:path>
+          </a:pathLst>
+        </a:custGeom>
+        <a:noFill/>
+        <a:ln w="10795" cap="flat" cmpd="sng" algn="ctr">
+          <a:solidFill>
+            <a:schemeClr val="accent1">
+              <a:shade val="60000"/>
+              <a:hueOff val="0"/>
+              <a:satOff val="0"/>
+              <a:lumOff val="0"/>
+              <a:alphaOff val="0"/>
+            </a:schemeClr>
+          </a:solidFill>
+          <a:prstDash val="solid"/>
+        </a:ln>
+        <a:effectLst/>
+      </dsp:spPr>
+      <dsp:style>
+        <a:lnRef idx="2">
+          <a:scrgbClr r="0" g="0" b="0"/>
+        </a:lnRef>
+        <a:fillRef idx="0">
+          <a:scrgbClr r="0" g="0" b="0"/>
+        </a:fillRef>
+        <a:effectRef idx="0">
+          <a:scrgbClr r="0" g="0" b="0"/>
+        </a:effectRef>
+        <a:fontRef idx="minor"/>
+      </dsp:style>
+    </dsp:sp>
+    <dsp:sp modelId="{766ABCF8-8D80-4B21-9E4F-F7E5B6BAA160}">
+      <dsp:nvSpPr>
+        <dsp:cNvPr id="0" name=""/>
+        <dsp:cNvSpPr/>
+      </dsp:nvSpPr>
+      <dsp:spPr>
+        <a:xfrm>
+          <a:off x="3352380" y="1938267"/>
+          <a:ext cx="1239333" cy="774583"/>
+        </a:xfrm>
+        <a:prstGeom prst="roundRect">
+          <a:avLst>
+            <a:gd name="adj" fmla="val 10000"/>
+          </a:avLst>
+        </a:prstGeom>
+        <a:solidFill>
+          <a:schemeClr val="lt1">
+            <a:alpha val="90000"/>
+            <a:hueOff val="0"/>
+            <a:satOff val="0"/>
+            <a:lumOff val="0"/>
+            <a:alphaOff val="0"/>
+          </a:schemeClr>
+        </a:solidFill>
+        <a:ln w="10795" cap="flat" cmpd="sng" algn="ctr">
+          <a:solidFill>
+            <a:schemeClr val="accent1">
+              <a:hueOff val="0"/>
+              <a:satOff val="0"/>
+              <a:lumOff val="0"/>
+              <a:alphaOff val="0"/>
+            </a:schemeClr>
+          </a:solidFill>
+          <a:prstDash val="solid"/>
+        </a:ln>
+        <a:effectLst/>
+      </dsp:spPr>
+      <dsp:style>
+        <a:lnRef idx="2">
+          <a:scrgbClr r="0" g="0" b="0"/>
+        </a:lnRef>
+        <a:fillRef idx="1">
+          <a:scrgbClr r="0" g="0" b="0"/>
+        </a:fillRef>
+        <a:effectRef idx="0">
+          <a:scrgbClr r="0" g="0" b="0"/>
+        </a:effectRef>
+        <a:fontRef idx="minor"/>
+      </dsp:style>
+      <dsp:txBody>
+        <a:bodyPr spcFirstLastPara="0" vert="horz" wrap="square" lIns="26670" tIns="17780" rIns="26670" bIns="17780" numCol="1" spcCol="1270" anchor="ctr" anchorCtr="0">
+          <a:noAutofit/>
+        </a:bodyPr>
+        <a:lstStyle/>
+        <a:p>
+          <a:pPr marL="0" lvl="0" indent="0" algn="ctr" defTabSz="622300">
+            <a:lnSpc>
+              <a:spcPct val="90000"/>
+            </a:lnSpc>
+            <a:spcBef>
+              <a:spcPct val="0"/>
+            </a:spcBef>
+            <a:spcAft>
+              <a:spcPct val="35000"/>
+            </a:spcAft>
+            <a:buNone/>
+          </a:pPr>
+          <a:r>
+            <a:rPr lang="en-GB" sz="1400" kern="1200" dirty="0"/>
+            <a:t>Correct format</a:t>
+          </a:r>
+        </a:p>
+      </dsp:txBody>
+      <dsp:txXfrm>
+        <a:off x="3375067" y="1960954"/>
+        <a:ext cx="1193959" cy="729209"/>
+      </dsp:txXfrm>
+    </dsp:sp>
+    <dsp:sp modelId="{7252658C-35D0-41FD-8C40-E3A8D228F664}">
+      <dsp:nvSpPr>
+        <dsp:cNvPr id="0" name=""/>
+        <dsp:cNvSpPr/>
+      </dsp:nvSpPr>
+      <dsp:spPr>
+        <a:xfrm>
+          <a:off x="3197463" y="776392"/>
+          <a:ext cx="154916" cy="2517396"/>
+        </a:xfrm>
+        <a:custGeom>
+          <a:avLst/>
+          <a:gdLst/>
+          <a:ahLst/>
+          <a:cxnLst/>
+          <a:rect l="0" t="0" r="0" b="0"/>
+          <a:pathLst>
+            <a:path>
+              <a:moveTo>
+                <a:pt x="0" y="0"/>
+              </a:moveTo>
+              <a:lnTo>
+                <a:pt x="0" y="2517396"/>
+              </a:lnTo>
+              <a:lnTo>
+                <a:pt x="154916" y="2517396"/>
+              </a:lnTo>
+            </a:path>
+          </a:pathLst>
+        </a:custGeom>
+        <a:noFill/>
+        <a:ln w="10795" cap="flat" cmpd="sng" algn="ctr">
+          <a:solidFill>
+            <a:schemeClr val="accent1">
+              <a:shade val="60000"/>
+              <a:hueOff val="0"/>
+              <a:satOff val="0"/>
+              <a:lumOff val="0"/>
+              <a:alphaOff val="0"/>
+            </a:schemeClr>
+          </a:solidFill>
+          <a:prstDash val="solid"/>
+        </a:ln>
+        <a:effectLst/>
+      </dsp:spPr>
+      <dsp:style>
+        <a:lnRef idx="2">
+          <a:scrgbClr r="0" g="0" b="0"/>
+        </a:lnRef>
+        <a:fillRef idx="0">
+          <a:scrgbClr r="0" g="0" b="0"/>
+        </a:fillRef>
+        <a:effectRef idx="0">
+          <a:scrgbClr r="0" g="0" b="0"/>
+        </a:effectRef>
+        <a:fontRef idx="minor"/>
+      </dsp:style>
+    </dsp:sp>
+    <dsp:sp modelId="{A853A8CB-4DAD-4C0D-8EBA-EBFF99A049E7}">
+      <dsp:nvSpPr>
+        <dsp:cNvPr id="0" name=""/>
+        <dsp:cNvSpPr/>
+      </dsp:nvSpPr>
+      <dsp:spPr>
+        <a:xfrm>
+          <a:off x="3352380" y="2906497"/>
+          <a:ext cx="1239333" cy="774583"/>
+        </a:xfrm>
+        <a:prstGeom prst="roundRect">
+          <a:avLst>
+            <a:gd name="adj" fmla="val 10000"/>
+          </a:avLst>
+        </a:prstGeom>
+        <a:solidFill>
+          <a:schemeClr val="lt1">
+            <a:alpha val="90000"/>
+            <a:hueOff val="0"/>
+            <a:satOff val="0"/>
+            <a:lumOff val="0"/>
+            <a:alphaOff val="0"/>
+          </a:schemeClr>
+        </a:solidFill>
+        <a:ln w="10795" cap="flat" cmpd="sng" algn="ctr">
+          <a:solidFill>
+            <a:schemeClr val="accent1">
+              <a:hueOff val="0"/>
+              <a:satOff val="0"/>
+              <a:lumOff val="0"/>
+              <a:alphaOff val="0"/>
+            </a:schemeClr>
+          </a:solidFill>
+          <a:prstDash val="solid"/>
+        </a:ln>
+        <a:effectLst/>
+      </dsp:spPr>
+      <dsp:style>
+        <a:lnRef idx="2">
+          <a:scrgbClr r="0" g="0" b="0"/>
+        </a:lnRef>
+        <a:fillRef idx="1">
+          <a:scrgbClr r="0" g="0" b="0"/>
+        </a:fillRef>
+        <a:effectRef idx="0">
+          <a:scrgbClr r="0" g="0" b="0"/>
+        </a:effectRef>
+        <a:fontRef idx="minor"/>
+      </dsp:style>
+      <dsp:txBody>
+        <a:bodyPr spcFirstLastPara="0" vert="horz" wrap="square" lIns="26670" tIns="17780" rIns="26670" bIns="17780" numCol="1" spcCol="1270" anchor="ctr" anchorCtr="0">
+          <a:noAutofit/>
+        </a:bodyPr>
+        <a:lstStyle/>
+        <a:p>
+          <a:pPr marL="0" lvl="0" indent="0" algn="ctr" defTabSz="622300">
+            <a:lnSpc>
+              <a:spcPct val="90000"/>
+            </a:lnSpc>
+            <a:spcBef>
+              <a:spcPct val="0"/>
+            </a:spcBef>
+            <a:spcAft>
+              <a:spcPct val="35000"/>
+            </a:spcAft>
+            <a:buNone/>
+          </a:pPr>
+          <a:r>
+            <a:rPr lang="en-GB" sz="1400" kern="1200" dirty="0"/>
+            <a:t>Standardising</a:t>
+          </a:r>
+        </a:p>
+      </dsp:txBody>
+      <dsp:txXfrm>
+        <a:off x="3375067" y="2929184"/>
+        <a:ext cx="1193959" cy="729209"/>
+      </dsp:txXfrm>
+    </dsp:sp>
+    <dsp:sp modelId="{193297B0-D1C9-44FE-84D5-C936BBBB0DB3}">
+      <dsp:nvSpPr>
+        <dsp:cNvPr id="0" name=""/>
+        <dsp:cNvSpPr/>
+      </dsp:nvSpPr>
+      <dsp:spPr>
+        <a:xfrm>
+          <a:off x="4979005" y="1809"/>
+          <a:ext cx="1549166" cy="774583"/>
+        </a:xfrm>
+        <a:prstGeom prst="roundRect">
+          <a:avLst>
+            <a:gd name="adj" fmla="val 10000"/>
+          </a:avLst>
+        </a:prstGeom>
+        <a:solidFill>
+          <a:schemeClr val="accent1">
+            <a:hueOff val="0"/>
+            <a:satOff val="0"/>
+            <a:lumOff val="0"/>
+            <a:alphaOff val="0"/>
+          </a:schemeClr>
+        </a:solidFill>
+        <a:ln w="10795" cap="flat" cmpd="sng" algn="ctr">
+          <a:solidFill>
+            <a:schemeClr val="lt1">
+              <a:hueOff val="0"/>
+              <a:satOff val="0"/>
+              <a:lumOff val="0"/>
+              <a:alphaOff val="0"/>
+            </a:schemeClr>
+          </a:solidFill>
+          <a:prstDash val="solid"/>
+        </a:ln>
+        <a:effectLst/>
+      </dsp:spPr>
+      <dsp:style>
+        <a:lnRef idx="2">
+          <a:scrgbClr r="0" g="0" b="0"/>
+        </a:lnRef>
+        <a:fillRef idx="1">
+          <a:scrgbClr r="0" g="0" b="0"/>
+        </a:fillRef>
+        <a:effectRef idx="0">
+          <a:scrgbClr r="0" g="0" b="0"/>
+        </a:effectRef>
+        <a:fontRef idx="minor">
+          <a:schemeClr val="lt1"/>
+        </a:fontRef>
+      </dsp:style>
+      <dsp:txBody>
+        <a:bodyPr spcFirstLastPara="0" vert="horz" wrap="square" lIns="20955" tIns="13970" rIns="20955" bIns="13970" numCol="1" spcCol="1270" anchor="ctr" anchorCtr="0">
+          <a:noAutofit/>
+        </a:bodyPr>
+        <a:lstStyle/>
+        <a:p>
+          <a:pPr marL="0" lvl="0" indent="0" algn="ctr" defTabSz="488950">
+            <a:lnSpc>
+              <a:spcPct val="90000"/>
+            </a:lnSpc>
+            <a:spcBef>
+              <a:spcPct val="0"/>
+            </a:spcBef>
+            <a:spcAft>
+              <a:spcPct val="35000"/>
+            </a:spcAft>
+            <a:buNone/>
+          </a:pPr>
+          <a:r>
+            <a:rPr lang="en-GB" sz="1100" kern="1200" dirty="0"/>
+            <a:t>Curated/Modelled</a:t>
+          </a:r>
+        </a:p>
+      </dsp:txBody>
+      <dsp:txXfrm>
+        <a:off x="5001692" y="24496"/>
+        <a:ext cx="1503792" cy="729209"/>
+      </dsp:txXfrm>
+    </dsp:sp>
+    <dsp:sp modelId="{6E2513A5-A5ED-43D0-A5C2-9FD2839328D9}">
+      <dsp:nvSpPr>
+        <dsp:cNvPr id="0" name=""/>
+        <dsp:cNvSpPr/>
+      </dsp:nvSpPr>
+      <dsp:spPr>
+        <a:xfrm>
+          <a:off x="5133922" y="776392"/>
+          <a:ext cx="154916" cy="580937"/>
+        </a:xfrm>
+        <a:custGeom>
+          <a:avLst/>
+          <a:gdLst/>
+          <a:ahLst/>
+          <a:cxnLst/>
+          <a:rect l="0" t="0" r="0" b="0"/>
+          <a:pathLst>
+            <a:path>
+              <a:moveTo>
+                <a:pt x="0" y="0"/>
+              </a:moveTo>
+              <a:lnTo>
+                <a:pt x="0" y="580937"/>
+              </a:lnTo>
+              <a:lnTo>
+                <a:pt x="154916" y="580937"/>
+              </a:lnTo>
+            </a:path>
+          </a:pathLst>
+        </a:custGeom>
+        <a:noFill/>
+        <a:ln w="10795" cap="flat" cmpd="sng" algn="ctr">
+          <a:solidFill>
+            <a:schemeClr val="accent1">
+              <a:shade val="60000"/>
+              <a:hueOff val="0"/>
+              <a:satOff val="0"/>
+              <a:lumOff val="0"/>
+              <a:alphaOff val="0"/>
+            </a:schemeClr>
+          </a:solidFill>
+          <a:prstDash val="solid"/>
+        </a:ln>
+        <a:effectLst/>
+      </dsp:spPr>
+      <dsp:style>
+        <a:lnRef idx="2">
+          <a:scrgbClr r="0" g="0" b="0"/>
+        </a:lnRef>
+        <a:fillRef idx="0">
+          <a:scrgbClr r="0" g="0" b="0"/>
+        </a:fillRef>
+        <a:effectRef idx="0">
+          <a:scrgbClr r="0" g="0" b="0"/>
+        </a:effectRef>
+        <a:fontRef idx="minor"/>
+      </dsp:style>
+    </dsp:sp>
+    <dsp:sp modelId="{E5B4AD6A-9D18-4788-A713-E88A49DE3A4E}">
+      <dsp:nvSpPr>
+        <dsp:cNvPr id="0" name=""/>
+        <dsp:cNvSpPr/>
+      </dsp:nvSpPr>
+      <dsp:spPr>
+        <a:xfrm>
+          <a:off x="5288839" y="970038"/>
+          <a:ext cx="1239333" cy="774583"/>
+        </a:xfrm>
+        <a:prstGeom prst="roundRect">
+          <a:avLst>
+            <a:gd name="adj" fmla="val 10000"/>
+          </a:avLst>
+        </a:prstGeom>
+        <a:solidFill>
+          <a:schemeClr val="lt1">
+            <a:alpha val="90000"/>
+            <a:hueOff val="0"/>
+            <a:satOff val="0"/>
+            <a:lumOff val="0"/>
+            <a:alphaOff val="0"/>
+          </a:schemeClr>
+        </a:solidFill>
+        <a:ln w="10795" cap="flat" cmpd="sng" algn="ctr">
+          <a:solidFill>
+            <a:schemeClr val="accent1">
+              <a:hueOff val="0"/>
+              <a:satOff val="0"/>
+              <a:lumOff val="0"/>
+              <a:alphaOff val="0"/>
+            </a:schemeClr>
+          </a:solidFill>
+          <a:prstDash val="solid"/>
+        </a:ln>
+        <a:effectLst/>
+      </dsp:spPr>
+      <dsp:style>
+        <a:lnRef idx="2">
+          <a:scrgbClr r="0" g="0" b="0"/>
+        </a:lnRef>
+        <a:fillRef idx="1">
+          <a:scrgbClr r="0" g="0" b="0"/>
+        </a:fillRef>
+        <a:effectRef idx="0">
+          <a:scrgbClr r="0" g="0" b="0"/>
+        </a:effectRef>
+        <a:fontRef idx="minor"/>
+      </dsp:style>
+      <dsp:txBody>
+        <a:bodyPr spcFirstLastPara="0" vert="horz" wrap="square" lIns="26670" tIns="17780" rIns="26670" bIns="17780" numCol="1" spcCol="1270" anchor="ctr" anchorCtr="0">
+          <a:noAutofit/>
+        </a:bodyPr>
+        <a:lstStyle/>
+        <a:p>
+          <a:pPr marL="0" lvl="0" indent="0" algn="ctr" defTabSz="622300">
+            <a:lnSpc>
+              <a:spcPct val="90000"/>
+            </a:lnSpc>
+            <a:spcBef>
+              <a:spcPct val="0"/>
+            </a:spcBef>
+            <a:spcAft>
+              <a:spcPct val="35000"/>
+            </a:spcAft>
+            <a:buNone/>
+          </a:pPr>
+          <a:endParaRPr lang="en-GB" sz="1400" kern="1200" dirty="0"/>
+        </a:p>
+      </dsp:txBody>
+      <dsp:txXfrm>
+        <a:off x="5311526" y="992725"/>
+        <a:ext cx="1193959" cy="729209"/>
+      </dsp:txXfrm>
+    </dsp:sp>
+    <dsp:sp modelId="{D148E7AE-977C-41E6-8665-F8C8C51DC11B}">
+      <dsp:nvSpPr>
+        <dsp:cNvPr id="0" name=""/>
+        <dsp:cNvSpPr/>
+      </dsp:nvSpPr>
+      <dsp:spPr>
+        <a:xfrm>
+          <a:off x="6915464" y="1809"/>
+          <a:ext cx="1549166" cy="774583"/>
+        </a:xfrm>
+        <a:prstGeom prst="roundRect">
+          <a:avLst>
+            <a:gd name="adj" fmla="val 10000"/>
+          </a:avLst>
+        </a:prstGeom>
+        <a:solidFill>
+          <a:schemeClr val="accent1">
+            <a:hueOff val="0"/>
+            <a:satOff val="0"/>
+            <a:lumOff val="0"/>
+            <a:alphaOff val="0"/>
+          </a:schemeClr>
+        </a:solidFill>
+        <a:ln w="10795" cap="flat" cmpd="sng" algn="ctr">
+          <a:solidFill>
+            <a:schemeClr val="lt1">
+              <a:hueOff val="0"/>
+              <a:satOff val="0"/>
+              <a:lumOff val="0"/>
+              <a:alphaOff val="0"/>
+            </a:schemeClr>
+          </a:solidFill>
+          <a:prstDash val="solid"/>
+        </a:ln>
+        <a:effectLst/>
+      </dsp:spPr>
+      <dsp:style>
+        <a:lnRef idx="2">
+          <a:scrgbClr r="0" g="0" b="0"/>
+        </a:lnRef>
+        <a:fillRef idx="1">
+          <a:scrgbClr r="0" g="0" b="0"/>
+        </a:fillRef>
+        <a:effectRef idx="0">
+          <a:scrgbClr r="0" g="0" b="0"/>
+        </a:effectRef>
+        <a:fontRef idx="minor">
+          <a:schemeClr val="lt1"/>
+        </a:fontRef>
+      </dsp:style>
+      <dsp:txBody>
+        <a:bodyPr spcFirstLastPara="0" vert="horz" wrap="square" lIns="20955" tIns="13970" rIns="20955" bIns="13970" numCol="1" spcCol="1270" anchor="ctr" anchorCtr="0">
+          <a:noAutofit/>
+        </a:bodyPr>
+        <a:lstStyle/>
+        <a:p>
+          <a:pPr marL="0" lvl="0" indent="0" algn="ctr" defTabSz="488950">
+            <a:lnSpc>
+              <a:spcPct val="90000"/>
+            </a:lnSpc>
+            <a:spcBef>
+              <a:spcPct val="0"/>
+            </a:spcBef>
+            <a:spcAft>
+              <a:spcPct val="35000"/>
+            </a:spcAft>
+            <a:buNone/>
+          </a:pPr>
+          <a:r>
+            <a:rPr lang="en-GB" sz="1100" kern="1200"/>
+            <a:t>Sandbox/Experimental</a:t>
+          </a:r>
+          <a:endParaRPr lang="en-GB" sz="1100" kern="1200" dirty="0"/>
+        </a:p>
+      </dsp:txBody>
+      <dsp:txXfrm>
+        <a:off x="6938151" y="24496"/>
+        <a:ext cx="1503792" cy="729209"/>
+      </dsp:txXfrm>
+    </dsp:sp>
+  </dsp:spTree>
+</dsp:drawing>
+</file>
+
+<file path=ppt/diagrams/layout1.xml><?xml version="1.0" encoding="utf-8"?>
+<dgm:layoutDef xmlns:dgm="http://schemas.openxmlformats.org/drawingml/2006/diagram" xmlns:a="http://schemas.openxmlformats.org/drawingml/2006/main" uniqueId="urn:microsoft.com/office/officeart/2005/8/layout/hierarchy3">
+  <dgm:title val=""/>
+  <dgm:desc val=""/>
+  <dgm:catLst>
+    <dgm:cat type="hierarchy" pri="7000"/>
+    <dgm:cat type="list" pri="23000"/>
+    <dgm:cat type="relationship" pri="15000"/>
+    <dgm:cat type="convert" pri="7000"/>
+  </dgm:catLst>
+  <dgm:sampData>
+    <dgm:dataModel>
+      <dgm:ptLst>
+        <dgm:pt modelId="0" type="doc"/>
+        <dgm:pt modelId="1">
+          <dgm:prSet phldr="1"/>
+        </dgm:pt>
+        <dgm:pt modelId="11">
+          <dgm:prSet phldr="1"/>
+        </dgm:pt>
+        <dgm:pt modelId="12">
+          <dgm:prSet phldr="1"/>
+        </dgm:pt>
+        <dgm:pt modelId="2">
+          <dgm:prSet phldr="1"/>
+        </dgm:pt>
+        <dgm:pt modelId="21">
+          <dgm:prSet phldr="1"/>
+        </dgm:pt>
+        <dgm:pt modelId="22">
+          <dgm:prSet phldr="1"/>
+        </dgm:pt>
+      </dgm:ptLst>
+      <dgm:cxnLst>
+        <dgm:cxn modelId="4" srcId="0" destId="1" srcOrd="0" destOrd="0"/>
+        <dgm:cxn modelId="5" srcId="1" destId="11" srcOrd="0" destOrd="0"/>
+        <dgm:cxn modelId="6" srcId="1" destId="12" srcOrd="1" destOrd="0"/>
+        <dgm:cxn modelId="7" srcId="0" destId="2" srcOrd="1" destOrd="0"/>
+        <dgm:cxn modelId="8" srcId="2" destId="21" srcOrd="0" destOrd="0"/>
+        <dgm:cxn modelId="9" srcId="2" destId="22" srcOrd="1" destOrd="0"/>
+      </dgm:cxnLst>
+      <dgm:bg/>
+      <dgm:whole/>
+    </dgm:dataModel>
+  </dgm:sampData>
+  <dgm:styleData>
+    <dgm:dataModel>
+      <dgm:ptLst>
+        <dgm:pt modelId="0" type="doc"/>
+        <dgm:pt modelId="1"/>
+        <dgm:pt modelId="11"/>
+        <dgm:pt modelId="2"/>
+        <dgm:pt modelId="21"/>
+      </dgm:ptLst>
+      <dgm:cxnLst>
+        <dgm:cxn modelId="4" srcId="0" destId="1" srcOrd="0" destOrd="0"/>
+        <dgm:cxn modelId="5" srcId="0" destId="2" srcOrd="1" destOrd="0"/>
+        <dgm:cxn modelId="13" srcId="1" destId="11" srcOrd="0" destOrd="0"/>
+        <dgm:cxn modelId="23" srcId="2" destId="21" srcOrd="0" destOrd="0"/>
+      </dgm:cxnLst>
+      <dgm:bg/>
+      <dgm:whole/>
+    </dgm:dataModel>
+  </dgm:styleData>
+  <dgm:clrData>
+    <dgm:dataModel>
+      <dgm:ptLst>
+        <dgm:pt modelId="0" type="doc"/>
+        <dgm:pt modelId="1"/>
+        <dgm:pt modelId="11"/>
+        <dgm:pt modelId="2"/>
+        <dgm:pt modelId="21"/>
+        <dgm:pt modelId="3"/>
+        <dgm:pt modelId="31"/>
+        <dgm:pt modelId="4"/>
+        <dgm:pt modelId="41"/>
+      </dgm:ptLst>
+      <dgm:cxnLst>
+        <dgm:cxn modelId="5" srcId="0" destId="1" srcOrd="0" destOrd="0"/>
+        <dgm:cxn modelId="6" srcId="0" destId="2" srcOrd="1" destOrd="0"/>
+        <dgm:cxn modelId="7" srcId="0" destId="3" srcOrd="2" destOrd="0"/>
+        <dgm:cxn modelId="8" srcId="0" destId="4" srcOrd="3" destOrd="0"/>
+        <dgm:cxn modelId="13" srcId="1" destId="11" srcOrd="0" destOrd="0"/>
+        <dgm:cxn modelId="23" srcId="2" destId="21" srcOrd="0" destOrd="0"/>
+        <dgm:cxn modelId="33" srcId="3" destId="31" srcOrd="0" destOrd="0"/>
+        <dgm:cxn modelId="43" srcId="4" destId="41" srcOrd="0" destOrd="0"/>
+      </dgm:cxnLst>
+      <dgm:bg/>
+      <dgm:whole/>
+    </dgm:dataModel>
+  </dgm:clrData>
+  <dgm:layoutNode name="diagram">
+    <dgm:varLst>
+      <dgm:chPref val="1"/>
+      <dgm:dir/>
+      <dgm:animOne val="branch"/>
+      <dgm:animLvl val="lvl"/>
+      <dgm:resizeHandles/>
+    </dgm:varLst>
+    <dgm:choose name="Name0">
+      <dgm:if name="Name1" func="var" arg="dir" op="equ" val="norm">
+        <dgm:alg type="hierChild">
+          <dgm:param type="linDir" val="fromL"/>
+        </dgm:alg>
+      </dgm:if>
+      <dgm:else name="Name2">
+        <dgm:alg type="hierChild">
+          <dgm:param type="linDir" val="fromR"/>
+        </dgm:alg>
+      </dgm:else>
+    </dgm:choose>
+    <dgm:shape xmlns:r="http://schemas.openxmlformats.org/officeDocument/2006/relationships" r:blip="">
+      <dgm:adjLst/>
+    </dgm:shape>
+    <dgm:presOf/>
+    <dgm:constrLst>
+      <dgm:constr type="primFontSz" for="des" forName="rootText" op="equ" val="65"/>
+      <dgm:constr type="primFontSz" for="des" forName="childText" op="equ" val="65"/>
+      <dgm:constr type="w" for="des" forName="rootComposite" refType="w"/>
+      <dgm:constr type="h" for="des" forName="rootComposite" refType="w" fact="0.5"/>
+      <dgm:constr type="w" for="des" forName="childText" refType="w" refFor="des" refForName="rootComposite" fact="0.8"/>
+      <dgm:constr type="h" for="des" forName="childText" refType="h" refFor="des" refForName="rootComposite"/>
+      <dgm:constr type="sibSp" refType="w" refFor="des" refForName="rootComposite" fact="0.25"/>
+      <dgm:constr type="sibSp" for="des" forName="childShape" refType="h" refFor="des" refForName="childText" fact="0.25"/>
+      <dgm:constr type="sp" for="des" forName="root" refType="h" refFor="des" refForName="childText" fact="0.25"/>
+    </dgm:constrLst>
+    <dgm:ruleLst/>
+    <dgm:forEach name="Name3" axis="ch">
+      <dgm:forEach name="Name4" axis="self" ptType="node" cnt="1">
+        <dgm:layoutNode name="root">
+          <dgm:choose name="Name5">
+            <dgm:if name="Name6" func="var" arg="dir" op="equ" val="norm">
+              <dgm:alg type="hierRoot">
+                <dgm:param type="hierAlign" val="tL"/>
+              </dgm:alg>
+            </dgm:if>
+            <dgm:else name="Name7">
+              <dgm:alg type="hierRoot">
+                <dgm:param type="hierAlign" val="tR"/>
+              </dgm:alg>
+            </dgm:else>
+          </dgm:choose>
+          <dgm:shape xmlns:r="http://schemas.openxmlformats.org/officeDocument/2006/relationships" r:blip="">
+            <dgm:adjLst/>
+          </dgm:shape>
+          <dgm:presOf/>
+          <dgm:constrLst>
+            <dgm:constr type="alignOff" val="0.2"/>
+          </dgm:constrLst>
+          <dgm:ruleLst/>
+          <dgm:layoutNode name="rootComposite">
+            <dgm:alg type="composite"/>
+            <dgm:shape xmlns:r="http://schemas.openxmlformats.org/officeDocument/2006/relationships" r:blip="">
+              <dgm:adjLst/>
+            </dgm:shape>
+            <dgm:presOf axis="self" ptType="node" cnt="1"/>
+            <dgm:choose name="Name8">
+              <dgm:if name="Name9" func="var" arg="dir" op="equ" val="norm">
+                <dgm:constrLst>
+                  <dgm:constr type="l" for="ch" forName="rootText"/>
+                  <dgm:constr type="t" for="ch" forName="rootText"/>
+                  <dgm:constr type="w" for="ch" forName="rootText" refType="w"/>
+                  <dgm:constr type="h" for="ch" forName="rootText" refType="h"/>
+                  <dgm:constr type="l" for="ch" forName="rootConnector"/>
+                  <dgm:constr type="t" for="ch" forName="rootConnector"/>
+                  <dgm:constr type="w" for="ch" forName="rootConnector" refType="w" refFor="ch" refForName="rootText" fact="0.2"/>
+                  <dgm:constr type="h" for="ch" forName="rootConnector" refType="h" refFor="ch" refForName="rootText"/>
+                </dgm:constrLst>
+              </dgm:if>
+              <dgm:else name="Name10">
+                <dgm:constrLst>
+                  <dgm:constr type="l" for="ch" forName="rootText"/>
+                  <dgm:constr type="t" for="ch" forName="rootText"/>
+                  <dgm:constr type="w" for="ch" forName="rootText" refType="w"/>
+                  <dgm:constr type="h" for="ch" forName="rootText" refType="h"/>
+                  <dgm:constr type="r" for="ch" forName="rootConnector" refType="w"/>
+                  <dgm:constr type="t" for="ch" forName="rootConnector"/>
+                  <dgm:constr type="w" for="ch" forName="rootConnector" refType="w" refFor="ch" refForName="rootText" fact="0.2"/>
+                  <dgm:constr type="h" for="ch" forName="rootConnector" refType="h" refFor="ch" refForName="rootText"/>
+                </dgm:constrLst>
+              </dgm:else>
+            </dgm:choose>
+            <dgm:ruleLst/>
+            <dgm:layoutNode name="rootText" styleLbl="node1">
+              <dgm:alg type="tx"/>
+              <dgm:shape xmlns:r="http://schemas.openxmlformats.org/officeDocument/2006/relationships" type="roundRect" r:blip="">
+                <dgm:adjLst>
+                  <dgm:adj idx="1" val="0.1"/>
+                </dgm:adjLst>
+              </dgm:shape>
+              <dgm:presOf axis="self" ptType="node" cnt="1"/>
+              <dgm:constrLst>
+                <dgm:constr type="tMarg" refType="primFontSz" fact="0.1"/>
+                <dgm:constr type="bMarg" refType="primFontSz" fact="0.1"/>
+                <dgm:constr type="lMarg" refType="primFontSz" fact="0.15"/>
+                <dgm:constr type="rMarg" refType="primFontSz" fact="0.15"/>
+              </dgm:constrLst>
+              <dgm:ruleLst>
+                <dgm:rule type="primFontSz" val="5" fact="NaN" max="NaN"/>
+              </dgm:ruleLst>
+            </dgm:layoutNode>
+            <dgm:layoutNode name="rootConnector" moveWith="rootText">
+              <dgm:alg type="sp"/>
+              <dgm:shape xmlns:r="http://schemas.openxmlformats.org/officeDocument/2006/relationships" type="roundRect" r:blip="" hideGeom="1">
+                <dgm:adjLst>
+                  <dgm:adj idx="1" val="0.1"/>
+                </dgm:adjLst>
+              </dgm:shape>
+              <dgm:presOf axis="self" ptType="node" cnt="1"/>
+              <dgm:constrLst/>
+              <dgm:ruleLst/>
+            </dgm:layoutNode>
+          </dgm:layoutNode>
+          <dgm:layoutNode name="childShape">
+            <dgm:alg type="hierChild">
+              <dgm:param type="chAlign" val="l"/>
+              <dgm:param type="linDir" val="fromT"/>
+            </dgm:alg>
+            <dgm:shape xmlns:r="http://schemas.openxmlformats.org/officeDocument/2006/relationships" r:blip="">
+              <dgm:adjLst/>
+            </dgm:shape>
+            <dgm:presOf/>
+            <dgm:constrLst/>
+            <dgm:ruleLst/>
+            <dgm:forEach name="Name11" axis="ch">
+              <dgm:forEach name="Name12" axis="self" ptType="parTrans" cnt="1">
+                <dgm:layoutNode name="Name13">
+                  <dgm:choose name="Name14">
+                    <dgm:if name="Name15" func="var" arg="dir" op="equ" val="norm">
+                      <dgm:alg type="conn">
+                        <dgm:param type="dim" val="1D"/>
+                        <dgm:param type="endSty" val="noArr"/>
+                        <dgm:param type="connRout" val="bend"/>
+                        <dgm:param type="srcNode" val="rootConnector"/>
+                        <dgm:param type="begPts" val="bCtr"/>
+                        <dgm:param type="endPts" val="midL"/>
+                      </dgm:alg>
+                    </dgm:if>
+                    <dgm:else name="Name16">
+                      <dgm:alg type="conn">
+                        <dgm:param type="dim" val="1D"/>
+                        <dgm:param type="endSty" val="noArr"/>
+                        <dgm:param type="connRout" val="bend"/>
+                        <dgm:param type="srcNode" val="rootConnector"/>
+                        <dgm:param type="begPts" val="bCtr"/>
+                        <dgm:param type="endPts" val="midR"/>
+                      </dgm:alg>
+                    </dgm:else>
+                  </dgm:choose>
+                  <dgm:shape xmlns:r="http://schemas.openxmlformats.org/officeDocument/2006/relationships" type="conn" r:blip="">
+                    <dgm:adjLst/>
+                  </dgm:shape>
+                  <dgm:presOf axis="self"/>
+                  <dgm:constrLst>
+                    <dgm:constr type="begPad"/>
+                    <dgm:constr type="endPad"/>
+                  </dgm:constrLst>
+                  <dgm:ruleLst/>
+                </dgm:layoutNode>
+              </dgm:forEach>
+              <dgm:forEach name="Name17" axis="self" ptType="node">
+                <dgm:layoutNode name="childText" styleLbl="bgAcc1">
+                  <dgm:varLst>
+                    <dgm:bulletEnabled val="1"/>
+                  </dgm:varLst>
+                  <dgm:alg type="tx"/>
+                  <dgm:shape xmlns:r="http://schemas.openxmlformats.org/officeDocument/2006/relationships" type="roundRect" r:blip="">
+                    <dgm:adjLst>
+                      <dgm:adj idx="1" val="0.1"/>
+                    </dgm:adjLst>
+                  </dgm:shape>
+                  <dgm:presOf axis="self desOrSelf" ptType="node node" st="1 1" cnt="1 0"/>
+                  <dgm:constrLst>
+                    <dgm:constr type="tMarg" refType="primFontSz" fact="0.1"/>
+                    <dgm:constr type="bMarg" refType="primFontSz" fact="0.1"/>
+                    <dgm:constr type="lMarg" refType="primFontSz" fact="0.15"/>
+                    <dgm:constr type="rMarg" refType="primFontSz" fact="0.15"/>
+                  </dgm:constrLst>
+                  <dgm:ruleLst>
+                    <dgm:rule type="primFontSz" val="5" fact="NaN" max="NaN"/>
+                  </dgm:ruleLst>
+                </dgm:layoutNode>
+              </dgm:forEach>
+            </dgm:forEach>
+          </dgm:layoutNode>
+        </dgm:layoutNode>
+      </dgm:forEach>
+    </dgm:forEach>
+  </dgm:layoutNode>
+</dgm:layoutDef>
+</file>
+
+<file path=ppt/diagrams/quickStyle1.xml><?xml version="1.0" encoding="utf-8"?>
+<dgm:styleDef xmlns:dgm="http://schemas.openxmlformats.org/drawingml/2006/diagram" xmlns:a="http://schemas.openxmlformats.org/drawingml/2006/main" uniqueId="urn:microsoft.com/office/officeart/2005/8/quickstyle/simple1">
+  <dgm:title val=""/>
+  <dgm:desc val=""/>
+  <dgm:catLst>
+    <dgm:cat type="simple" pri="10100"/>
+  </dgm:catLst>
+  <dgm:scene3d>
+    <a:camera prst="orthographicFront"/>
+    <a:lightRig rig="threePt" dir="t"/>
+  </dgm:scene3d>
+  <dgm:styleLbl name="node0">
+    <dgm:scene3d>
+      <a:camera prst="orthographicFront"/>
+      <a:lightRig rig="threePt" dir="t"/>
+    </dgm:scene3d>
+    <dgm:sp3d/>
+    <dgm:txPr/>
+    <dgm:style>
+      <a:lnRef idx="2">
+        <a:scrgbClr r="0" g="0" b="0"/>
+      </a:lnRef>
+      <a:fillRef idx="1">
+        <a:scrgbClr r="0" g="0" b="0"/>
+      </a:fillRef>
+      <a:effectRef idx="0">
+        <a:scrgbClr r="0" g="0" b="0"/>
+      </a:effectRef>
+      <a:fontRef idx="minor">
+        <a:schemeClr val="lt1"/>
+      </a:fontRef>
+    </dgm:style>
+  </dgm:styleLbl>
+  <dgm:styleLbl name="lnNode1">
+    <dgm:scene3d>
+      <a:camera prst="orthographicFront"/>
+      <a:lightRig rig="threePt" dir="t"/>
+    </dgm:scene3d>
+    <dgm:sp3d/>
+    <dgm:txPr/>
+    <dgm:style>
+      <a:lnRef idx="2">
+        <a:scrgbClr r="0" g="0" b="0"/>
+      </a:lnRef>
+      <a:fillRef idx="1">
+        <a:scrgbClr r="0" g="0" b="0"/>
+      </a:fillRef>
+      <a:effectRef idx="0">
+        <a:scrgbClr r="0" g="0" b="0"/>
+      </a:effectRef>
+      <a:fontRef idx="minor">
+        <a:schemeClr val="lt1"/>
+      </a:fontRef>
+    </dgm:style>
+  </dgm:styleLbl>
+  <dgm:styleLbl name="vennNode1">
+    <dgm:scene3d>
+      <a:camera prst="orthographicFront"/>
+      <a:lightRig rig="threePt" dir="t"/>
+    </dgm:scene3d>
+    <dgm:sp3d/>
+    <dgm:txPr/>
+    <dgm:style>
+      <a:lnRef idx="2">
+        <a:scrgbClr r="0" g="0" b="0"/>
+      </a:lnRef>
+      <a:fillRef idx="1">
+        <a:scrgbClr r="0" g="0" b="0"/>
+      </a:fillRef>
+      <a:effectRef idx="0">
+        <a:scrgbClr r="0" g="0" b="0"/>
+      </a:effectRef>
+      <a:fontRef idx="minor">
+        <a:schemeClr val="tx1"/>
+      </a:fontRef>
+    </dgm:style>
+  </dgm:styleLbl>
+  <dgm:styleLbl name="alignNode1">
+    <dgm:scene3d>
+      <a:camera prst="orthographicFront"/>
+      <a:lightRig rig="threePt" dir="t"/>
+    </dgm:scene3d>
+    <dgm:sp3d/>
+    <dgm:txPr/>
+    <dgm:style>
+      <a:lnRef idx="2">
+        <a:scrgbClr r="0" g="0" b="0"/>
+      </a:lnRef>
+      <a:fillRef idx="1">
+        <a:scrgbClr r="0" g="0" b="0"/>
+      </a:fillRef>
+      <a:effectRef idx="0">
+        <a:scrgbClr r="0" g="0" b="0"/>
+      </a:effectRef>
+      <a:fontRef idx="minor">
+        <a:schemeClr val="lt1"/>
+      </a:fontRef>
+    </dgm:style>
+  </dgm:styleLbl>
+  <dgm:styleLbl name="node1">
+    <dgm:scene3d>
+      <a:camera prst="orthographicFront"/>
+      <a:lightRig rig="threePt" dir="t"/>
+    </dgm:scene3d>
+    <dgm:sp3d/>
+    <dgm:txPr/>
+    <dgm:style>
+      <a:lnRef idx="2">
+        <a:scrgbClr r="0" g="0" b="0"/>
+      </a:lnRef>
+      <a:fillRef idx="1">
+        <a:scrgbClr r="0" g="0" b="0"/>
+      </a:fillRef>
+      <a:effectRef idx="0">
+        <a:scrgbClr r="0" g="0" b="0"/>
+      </a:effectRef>
+      <a:fontRef idx="minor">
+        <a:schemeClr val="lt1"/>
+      </a:fontRef>
+    </dgm:style>
+  </dgm:styleLbl>
+  <dgm:styleLbl name="node2">
+    <dgm:scene3d>
+      <a:camera prst="orthographicFront"/>
+      <a:lightRig rig="threePt" dir="t"/>
+    </dgm:scene3d>
+    <dgm:sp3d/>
+    <dgm:txPr/>
+    <dgm:style>
+      <a:lnRef idx="2">
+        <a:scrgbClr r="0" g="0" b="0"/>
+      </a:lnRef>
+      <a:fillRef idx="1">
+        <a:scrgbClr r="0" g="0" b="0"/>
+      </a:fillRef>
+      <a:effectRef idx="0">
+        <a:scrgbClr r="0" g="0" b="0"/>
+      </a:effectRef>
+      <a:fontRef idx="minor">
+        <a:schemeClr val="lt1"/>
+      </a:fontRef>
+    </dgm:style>
+  </dgm:styleLbl>
+  <dgm:styleLbl name="node3">
+    <dgm:scene3d>
+      <a:camera prst="orthographicFront"/>
+      <a:lightRig rig="threePt" dir="t"/>
+    </dgm:scene3d>
+    <dgm:sp3d/>
+    <dgm:txPr/>
+    <dgm:style>
+      <a:lnRef idx="2">
+        <a:scrgbClr r="0" g="0" b="0"/>
+      </a:lnRef>
+      <a:fillRef idx="1">
+        <a:scrgbClr r="0" g="0" b="0"/>
+      </a:fillRef>
+      <a:effectRef idx="0">
+        <a:scrgbClr r="0" g="0" b="0"/>
+      </a:effectRef>
+      <a:fontRef idx="minor">
+        <a:schemeClr val="lt1"/>
+      </a:fontRef>
+    </dgm:style>
+  </dgm:styleLbl>
+  <dgm:styleLbl name="node4">
+    <dgm:scene3d>
+      <a:camera prst="orthographicFront"/>
+      <a:lightRig rig="threePt" dir="t"/>
+    </dgm:scene3d>
+    <dgm:sp3d/>
+    <dgm:txPr/>
+    <dgm:style>
+      <a:lnRef idx="2">
+        <a:scrgbClr r="0" g="0" b="0"/>
+      </a:lnRef>
+      <a:fillRef idx="1">
+        <a:scrgbClr r="0" g="0" b="0"/>
+      </a:fillRef>
+      <a:effectRef idx="0">
+        <a:scrgbClr r="0" g="0" b="0"/>
+      </a:effectRef>
+      <a:fontRef idx="minor">
+        <a:schemeClr val="lt1"/>
+      </a:fontRef>
+    </dgm:style>
+  </dgm:styleLbl>
+  <dgm:styleLbl name="fgImgPlace1">
+    <dgm:scene3d>
+      <a:camera prst="orthographicFront"/>
+      <a:lightRig rig="threePt" dir="t"/>
+    </dgm:scene3d>
+    <dgm:sp3d/>
+    <dgm:txPr/>
+    <dgm:style>
+      <a:lnRef idx="2">
+        <a:scrgbClr r="0" g="0" b="0"/>
+      </a:lnRef>
+      <a:fillRef idx="1">
+        <a:scrgbClr r="0" g="0" b="0"/>
+      </a:fillRef>
+      <a:effectRef idx="0">
+        <a:scrgbClr r="0" g="0" b="0"/>
+      </a:effectRef>
+      <a:fontRef idx="minor"/>
+    </dgm:style>
+  </dgm:styleLbl>
+  <dgm:styleLbl name="alignImgPlace1">
+    <dgm:scene3d>
+      <a:camera prst="orthographicFront"/>
+      <a:lightRig rig="threePt" dir="t"/>
+    </dgm:scene3d>
+    <dgm:sp3d/>
+    <dgm:txPr/>
+    <dgm:style>
+      <a:lnRef idx="2">
+        <a:scrgbClr r="0" g="0" b="0"/>
+      </a:lnRef>
+      <a:fillRef idx="1">
+        <a:scrgbClr r="0" g="0" b="0"/>
+      </a:fillRef>
+      <a:effectRef idx="0">
+        <a:scrgbClr r="0" g="0" b="0"/>
+      </a:effectRef>
+      <a:fontRef idx="minor"/>
+    </dgm:style>
+  </dgm:styleLbl>
+  <dgm:styleLbl name="bgImgPlace1">
+    <dgm:scene3d>
+      <a:camera prst="orthographicFront"/>
+      <a:lightRig rig="threePt" dir="t"/>
+    </dgm:scene3d>
+    <dgm:sp3d/>
+    <dgm:txPr/>
+    <dgm:style>
+      <a:lnRef idx="2">
+        <a:scrgbClr r="0" g="0" b="0"/>
+      </a:lnRef>
+      <a:fillRef idx="1">
+        <a:scrgbClr r="0" g="0" b="0"/>
+      </a:fillRef>
+      <a:effectRef idx="0">
+        <a:scrgbClr r="0" g="0" b="0"/>
+      </a:effectRef>
+      <a:fontRef idx="minor"/>
+    </dgm:style>
+  </dgm:styleLbl>
+  <dgm:styleLbl name="sibTrans2D1">
+    <dgm:scene3d>
+      <a:camera prst="orthographicFront"/>
+      <a:lightRig rig="threePt" dir="t"/>
+    </dgm:scene3d>
+    <dgm:sp3d/>
+    <dgm:txPr/>
+    <dgm:style>
+      <a:lnRef idx="0">
+        <a:scrgbClr r="0" g="0" b="0"/>
+      </a:lnRef>
+      <a:fillRef idx="1">
+        <a:scrgbClr r="0" g="0" b="0"/>
+      </a:fillRef>
+      <a:effectRef idx="0">
+        <a:scrgbClr r="0" g="0" b="0"/>
+      </a:effectRef>
+      <a:fontRef idx="minor">
+        <a:schemeClr val="lt1"/>
+      </a:fontRef>
+    </dgm:style>
+  </dgm:styleLbl>
+  <dgm:styleLbl name="fgSibTrans2D1">
+    <dgm:scene3d>
+      <a:camera prst="orthographicFront"/>
+      <a:lightRig rig="threePt" dir="t"/>
+    </dgm:scene3d>
+    <dgm:sp3d/>
+    <dgm:txPr/>
+    <dgm:style>
+      <a:lnRef idx="0">
+        <a:scrgbClr r="0" g="0" b="0"/>
+      </a:lnRef>
+      <a:fillRef idx="1">
+        <a:scrgbClr r="0" g="0" b="0"/>
+      </a:fillRef>
+      <a:effectRef idx="0">
+        <a:scrgbClr r="0" g="0" b="0"/>
+      </a:effectRef>
+      <a:fontRef idx="minor">
+        <a:schemeClr val="lt1"/>
+      </a:fontRef>
+    </dgm:style>
+  </dgm:styleLbl>
+  <dgm:styleLbl name="bgSibTrans2D1">
+    <dgm:scene3d>
+      <a:camera prst="orthographicFront"/>
+      <a:lightRig rig="threePt" dir="t"/>
+    </dgm:scene3d>
+    <dgm:sp3d/>
+    <dgm:txPr/>
+    <dgm:style>
+      <a:lnRef idx="0">
+        <a:scrgbClr r="0" g="0" b="0"/>
+      </a:lnRef>
+      <a:fillRef idx="1">
+        <a:scrgbClr r="0" g="0" b="0"/>
+      </a:fillRef>
+      <a:effectRef idx="0">
+        <a:scrgbClr r="0" g="0" b="0"/>
+      </a:effectRef>
+      <a:fontRef idx="minor">
+        <a:schemeClr val="lt1"/>
+      </a:fontRef>
+    </dgm:style>
+  </dgm:styleLbl>
+  <dgm:styleLbl name="sibTrans1D1">
+    <dgm:scene3d>
+      <a:camera prst="orthographicFront"/>
+      <a:lightRig rig="threePt" dir="t"/>
+    </dgm:scene3d>
+    <dgm:sp3d/>
+    <dgm:txPr/>
+    <dgm:style>
+      <a:lnRef idx="1">
+        <a:scrgbClr r="0" g="0" b="0"/>
+      </a:lnRef>
+      <a:fillRef idx="0">
+        <a:scrgbClr r="0" g="0" b="0"/>
+      </a:fillRef>
+      <a:effectRef idx="0">
+        <a:scrgbClr r="0" g="0" b="0"/>
+      </a:effectRef>
+      <a:fontRef idx="minor"/>
+    </dgm:style>
+  </dgm:styleLbl>
+  <dgm:styleLbl name="callout">
+    <dgm:scene3d>
+      <a:camera prst="orthographicFront"/>
+      <a:lightRig rig="threePt" dir="t"/>
+    </dgm:scene3d>
+    <dgm:sp3d/>
+    <dgm:txPr/>
+    <dgm:style>
+      <a:lnRef idx="2">
+        <a:scrgbClr r="0" g="0" b="0"/>
+      </a:lnRef>
+      <a:fillRef idx="1">
+        <a:scrgbClr r="0" g="0" b="0"/>
+      </a:fillRef>
+      <a:effectRef idx="0">
+        <a:scrgbClr r="0" g="0" b="0"/>
+      </a:effectRef>
+      <a:fontRef idx="minor"/>
+    </dgm:style>
+  </dgm:styleLbl>
+  <dgm:styleLbl name="asst0">
+    <dgm:scene3d>
+      <a:camera prst="orthographicFront"/>
+      <a:lightRig rig="threePt" dir="t"/>
+    </dgm:scene3d>
+    <dgm:sp3d/>
+    <dgm:txPr/>
+    <dgm:style>
+      <a:lnRef idx="2">
+        <a:scrgbClr r="0" g="0" b="0"/>
+      </a:lnRef>
+      <a:fillRef idx="1">
+        <a:scrgbClr r="0" g="0" b="0"/>
+      </a:fillRef>
+      <a:effectRef idx="0">
+        <a:scrgbClr r="0" g="0" b="0"/>
+      </a:effectRef>
+      <a:fontRef idx="minor">
+        <a:schemeClr val="lt1"/>
+      </a:fontRef>
+    </dgm:style>
+  </dgm:styleLbl>
+  <dgm:styleLbl name="asst1">
+    <dgm:scene3d>
+      <a:camera prst="orthographicFront"/>
+      <a:lightRig rig="threePt" dir="t"/>
+    </dgm:scene3d>
+    <dgm:sp3d/>
+    <dgm:txPr/>
+    <dgm:style>
+      <a:lnRef idx="2">
+        <a:scrgbClr r="0" g="0" b="0"/>
+      </a:lnRef>
+      <a:fillRef idx="1">
+        <a:scrgbClr r="0" g="0" b="0"/>
+      </a:fillRef>
+      <a:effectRef idx="0">
+        <a:scrgbClr r="0" g="0" b="0"/>
+      </a:effectRef>
+      <a:fontRef idx="minor">
+        <a:schemeClr val="lt1"/>
+      </a:fontRef>
+    </dgm:style>
+  </dgm:styleLbl>
+  <dgm:styleLbl name="asst2">
+    <dgm:scene3d>
+      <a:camera prst="orthographicFront"/>
+      <a:lightRig rig="threePt" dir="t"/>
+    </dgm:scene3d>
+    <dgm:sp3d/>
+    <dgm:txPr/>
+    <dgm:style>
+      <a:lnRef idx="2">
+        <a:scrgbClr r="0" g="0" b="0"/>
+      </a:lnRef>
+      <a:fillRef idx="1">
+        <a:scrgbClr r="0" g="0" b="0"/>
+      </a:fillRef>
+      <a:effectRef idx="0">
+        <a:scrgbClr r="0" g="0" b="0"/>
+      </a:effectRef>
+      <a:fontRef idx="minor">
+        <a:schemeClr val="lt1"/>
+      </a:fontRef>
+    </dgm:style>
+  </dgm:styleLbl>
+  <dgm:styleLbl name="asst3">
+    <dgm:scene3d>
+      <a:camera prst="orthographicFront"/>
+      <a:lightRig rig="threePt" dir="t"/>
+    </dgm:scene3d>
+    <dgm:sp3d/>
+    <dgm:txPr/>
+    <dgm:style>
+      <a:lnRef idx="2">
+        <a:scrgbClr r="0" g="0" b="0"/>
+      </a:lnRef>
+      <a:fillRef idx="1">
+        <a:scrgbClr r="0" g="0" b="0"/>
+      </a:fillRef>
+      <a:effectRef idx="0">
+        <a:scrgbClr r="0" g="0" b="0"/>
+      </a:effectRef>
+      <a:fontRef idx="minor">
+        <a:schemeClr val="lt1"/>
+      </a:fontRef>
+    </dgm:style>
+  </dgm:styleLbl>
+  <dgm:styleLbl name="asst4">
+    <dgm:scene3d>
+      <a:camera prst="orthographicFront"/>
+      <a:lightRig rig="threePt" dir="t"/>
+    </dgm:scene3d>
+    <dgm:sp3d/>
+    <dgm:txPr/>
+    <dgm:style>
+      <a:lnRef idx="2">
+        <a:scrgbClr r="0" g="0" b="0"/>
+      </a:lnRef>
+      <a:fillRef idx="1">
+        <a:scrgbClr r="0" g="0" b="0"/>
+      </a:fillRef>
+      <a:effectRef idx="0">
+        <a:scrgbClr r="0" g="0" b="0"/>
+      </a:effectRef>
+      <a:fontRef idx="minor">
+        <a:schemeClr val="lt1"/>
+      </a:fontRef>
+    </dgm:style>
+  </dgm:styleLbl>
+  <dgm:styleLbl name="parChTrans2D1">
+    <dgm:scene3d>
+      <a:camera prst="orthographicFront"/>
+      <a:lightRig rig="threePt" dir="t"/>
+    </dgm:scene3d>
+    <dgm:sp3d/>
+    <dgm:txPr/>
+    <dgm:style>
+      <a:lnRef idx="2">
+        <a:scrgbClr r="0" g="0" b="0"/>
+      </a:lnRef>
+      <a:fillRef idx="1">
+        <a:scrgbClr r="0" g="0" b="0"/>
+      </a:fillRef>
+      <a:effectRef idx="0">
+        <a:scrgbClr r="0" g="0" b="0"/>
+      </a:effectRef>
+      <a:fontRef idx="minor">
+        <a:schemeClr val="lt1"/>
+      </a:fontRef>
+    </dgm:style>
+  </dgm:styleLbl>
+  <dgm:styleLbl name="parChTrans2D2">
+    <dgm:scene3d>
+      <a:camera prst="orthographicFront"/>
+      <a:lightRig rig="threePt" dir="t"/>
+    </dgm:scene3d>
+    <dgm:sp3d/>
+    <dgm:txPr/>
+    <dgm:style>
+      <a:lnRef idx="2">
+        <a:scrgbClr r="0" g="0" b="0"/>
+      </a:lnRef>
+      <a:fillRef idx="1">
+        <a:scrgbClr r="0" g="0" b="0"/>
+      </a:fillRef>
+      <a:effectRef idx="0">
+        <a:scrgbClr r="0" g="0" b="0"/>
+      </a:effectRef>
+      <a:fontRef idx="minor">
+        <a:schemeClr val="lt1"/>
+      </a:fontRef>
+    </dgm:style>
+  </dgm:styleLbl>
+  <dgm:styleLbl name="parChTrans2D3">
+    <dgm:scene3d>
+      <a:camera prst="orthographicFront"/>
+      <a:lightRig rig="threePt" dir="t"/>
+    </dgm:scene3d>
+    <dgm:sp3d/>
+    <dgm:txPr/>
+    <dgm:style>
+      <a:lnRef idx="2">
+        <a:scrgbClr r="0" g="0" b="0"/>
+      </a:lnRef>
+      <a:fillRef idx="1">
+        <a:scrgbClr r="0" g="0" b="0"/>
+      </a:fillRef>
+      <a:effectRef idx="0">
+        <a:scrgbClr r="0" g="0" b="0"/>
+      </a:effectRef>
+      <a:fontRef idx="minor">
+        <a:schemeClr val="lt1"/>
+      </a:fontRef>
+    </dgm:style>
+  </dgm:styleLbl>
+  <dgm:styleLbl name="parChTrans2D4">
+    <dgm:scene3d>
+      <a:camera prst="orthographicFront"/>
+      <a:lightRig rig="threePt" dir="t"/>
+    </dgm:scene3d>
+    <dgm:sp3d/>
+    <dgm:txPr/>
+    <dgm:style>
+      <a:lnRef idx="2">
+        <a:scrgbClr r="0" g="0" b="0"/>
+      </a:lnRef>
+      <a:fillRef idx="1">
+        <a:scrgbClr r="0" g="0" b="0"/>
+      </a:fillRef>
+      <a:effectRef idx="0">
+        <a:scrgbClr r="0" g="0" b="0"/>
+      </a:effectRef>
+      <a:fontRef idx="minor">
+        <a:schemeClr val="lt1"/>
+      </a:fontRef>
+    </dgm:style>
+  </dgm:styleLbl>
+  <dgm:styleLbl name="parChTrans1D1">
+    <dgm:scene3d>
+      <a:camera prst="orthographicFront"/>
+      <a:lightRig rig="threePt" dir="t"/>
+    </dgm:scene3d>
+    <dgm:sp3d/>
+    <dgm:txPr/>
+    <dgm:style>
+      <a:lnRef idx="2">
+        <a:scrgbClr r="0" g="0" b="0"/>
+      </a:lnRef>
+      <a:fillRef idx="0">
+        <a:scrgbClr r="0" g="0" b="0"/>
+      </a:fillRef>
+      <a:effectRef idx="0">
+        <a:scrgbClr r="0" g="0" b="0"/>
+      </a:effectRef>
+      <a:fontRef idx="minor"/>
+    </dgm:style>
+  </dgm:styleLbl>
+  <dgm:styleLbl name="parChTrans1D2">
+    <dgm:scene3d>
+      <a:camera prst="orthographicFront"/>
+      <a:lightRig rig="threePt" dir="t"/>
+    </dgm:scene3d>
+    <dgm:sp3d/>
+    <dgm:txPr/>
+    <dgm:style>
+      <a:lnRef idx="2">
+        <a:scrgbClr r="0" g="0" b="0"/>
+      </a:lnRef>
+      <a:fillRef idx="0">
+        <a:scrgbClr r="0" g="0" b="0"/>
+      </a:fillRef>
+      <a:effectRef idx="0">
+        <a:scrgbClr r="0" g="0" b="0"/>
+      </a:effectRef>
+      <a:fontRef idx="minor"/>
+    </dgm:style>
+  </dgm:styleLbl>
+  <dgm:styleLbl name="parChTrans1D3">
+    <dgm:scene3d>
+      <a:camera prst="orthographicFront"/>
+      <a:lightRig rig="threePt" dir="t"/>
+    </dgm:scene3d>
+    <dgm:sp3d/>
+    <dgm:txPr/>
+    <dgm:style>
+      <a:lnRef idx="2">
+        <a:scrgbClr r="0" g="0" b="0"/>
+      </a:lnRef>
+      <a:fillRef idx="0">
+        <a:scrgbClr r="0" g="0" b="0"/>
+      </a:fillRef>
+      <a:effectRef idx="0">
+        <a:scrgbClr r="0" g="0" b="0"/>
+      </a:effectRef>
+      <a:fontRef idx="minor"/>
+    </dgm:style>
+  </dgm:styleLbl>
+  <dgm:styleLbl name="parChTrans1D4">
+    <dgm:scene3d>
+      <a:camera prst="orthographicFront"/>
+      <a:lightRig rig="threePt" dir="t"/>
+    </dgm:scene3d>
+    <dgm:sp3d/>
+    <dgm:txPr/>
+    <dgm:style>
+      <a:lnRef idx="2">
+        <a:scrgbClr r="0" g="0" b="0"/>
+      </a:lnRef>
+      <a:fillRef idx="0">
+        <a:scrgbClr r="0" g="0" b="0"/>
+      </a:fillRef>
+      <a:effectRef idx="0">
+        <a:scrgbClr r="0" g="0" b="0"/>
+      </a:effectRef>
+      <a:fontRef idx="minor"/>
+    </dgm:style>
+  </dgm:styleLbl>
+  <dgm:styleLbl name="fgAcc1">
+    <dgm:scene3d>
+      <a:camera prst="orthographicFront"/>
+      <a:lightRig rig="threePt" dir="t"/>
+    </dgm:scene3d>
+    <dgm:sp3d/>
+    <dgm:txPr/>
+    <dgm:style>
+      <a:lnRef idx="2">
+        <a:scrgbClr r="0" g="0" b="0"/>
+      </a:lnRef>
+      <a:fillRef idx="1">
+        <a:scrgbClr r="0" g="0" b="0"/>
+      </a:fillRef>
+      <a:effectRef idx="0">
+        <a:scrgbClr r="0" g="0" b="0"/>
+      </a:effectRef>
+      <a:fontRef idx="minor"/>
+    </dgm:style>
+  </dgm:styleLbl>
+  <dgm:styleLbl name="conFgAcc1">
+    <dgm:scene3d>
+      <a:camera prst="orthographicFront"/>
+      <a:lightRig rig="threePt" dir="t"/>
+    </dgm:scene3d>
+    <dgm:sp3d/>
+    <dgm:txPr/>
+    <dgm:style>
+      <a:lnRef idx="2">
+        <a:scrgbClr r="0" g="0" b="0"/>
+      </a:lnRef>
+      <a:fillRef idx="1">
+        <a:scrgbClr r="0" g="0" b="0"/>
+      </a:fillRef>
+      <a:effectRef idx="0">
+        <a:scrgbClr r="0" g="0" b="0"/>
+      </a:effectRef>
+      <a:fontRef idx="minor"/>
+    </dgm:style>
+  </dgm:styleLbl>
+  <dgm:styleLbl name="alignAcc1">
+    <dgm:scene3d>
+      <a:camera prst="orthographicFront"/>
+      <a:lightRig rig="threePt" dir="t"/>
+    </dgm:scene3d>
+    <dgm:sp3d/>
+    <dgm:txPr/>
+    <dgm:style>
+      <a:lnRef idx="2">
+        <a:scrgbClr r="0" g="0" b="0"/>
+      </a:lnRef>
+      <a:fillRef idx="1">
+        <a:scrgbClr r="0" g="0" b="0"/>
+      </a:fillRef>
+      <a:effectRef idx="0">
+        <a:scrgbClr r="0" g="0" b="0"/>
+      </a:effectRef>
+      <a:fontRef idx="minor"/>
+    </dgm:style>
+  </dgm:styleLbl>
+  <dgm:styleLbl name="trAlignAcc1">
+    <dgm:scene3d>
+      <a:camera prst="orthographicFront"/>
+      <a:lightRig rig="threePt" dir="t"/>
+    </dgm:scene3d>
+    <dgm:sp3d/>
+    <dgm:txPr/>
+    <dgm:style>
+      <a:lnRef idx="1">
+        <a:scrgbClr r="0" g="0" b="0"/>
+      </a:lnRef>
+      <a:fillRef idx="1">
+        <a:scrgbClr r="0" g="0" b="0"/>
+      </a:fillRef>
+      <a:effectRef idx="0">
+        <a:scrgbClr r="0" g="0" b="0"/>
+      </a:effectRef>
+      <a:fontRef idx="minor"/>
+    </dgm:style>
+  </dgm:styleLbl>
+  <dgm:styleLbl name="bgAcc1">
+    <dgm:scene3d>
+      <a:camera prst="orthographicFront"/>
+      <a:lightRig rig="threePt" dir="t"/>
+    </dgm:scene3d>
+    <dgm:sp3d/>
+    <dgm:txPr/>
+    <dgm:style>
+      <a:lnRef idx="2">
+        <a:scrgbClr r="0" g="0" b="0"/>
+      </a:lnRef>
+      <a:fillRef idx="1">
+        <a:scrgbClr r="0" g="0" b="0"/>
+      </a:fillRef>
+      <a:effectRef idx="0">
+        <a:scrgbClr r="0" g="0" b="0"/>
+      </a:effectRef>
+      <a:fontRef idx="minor"/>
+    </dgm:style>
+  </dgm:styleLbl>
+  <dgm:styleLbl name="solidFgAcc1">
+    <dgm:scene3d>
+      <a:camera prst="orthographicFront"/>
+      <a:lightRig rig="threePt" dir="t"/>
+    </dgm:scene3d>
+    <dgm:sp3d/>
+    <dgm:txPr/>
+    <dgm:style>
+      <a:lnRef idx="2">
+        <a:scrgbClr r="0" g="0" b="0"/>
+      </a:lnRef>
+      <a:fillRef idx="1">
+        <a:scrgbClr r="0" g="0" b="0"/>
+      </a:fillRef>
+      <a:effectRef idx="0">
+        <a:scrgbClr r="0" g="0" b="0"/>
+      </a:effectRef>
+      <a:fontRef idx="minor"/>
+    </dgm:style>
+  </dgm:styleLbl>
+  <dgm:styleLbl name="solidAlignAcc1">
+    <dgm:scene3d>
+      <a:camera prst="orthographicFront"/>
+      <a:lightRig rig="threePt" dir="t"/>
+    </dgm:scene3d>
+    <dgm:sp3d/>
+    <dgm:txPr/>
+    <dgm:style>
+      <a:lnRef idx="2">
+        <a:scrgbClr r="0" g="0" b="0"/>
+      </a:lnRef>
+      <a:fillRef idx="1">
+        <a:scrgbClr r="0" g="0" b="0"/>
+      </a:fillRef>
+      <a:effectRef idx="0">
+        <a:scrgbClr r="0" g="0" b="0"/>
+      </a:effectRef>
+      <a:fontRef idx="minor"/>
+    </dgm:style>
+  </dgm:styleLbl>
+  <dgm:styleLbl name="solidBgAcc1">
+    <dgm:scene3d>
+      <a:camera prst="orthographicFront"/>
+      <a:lightRig rig="threePt" dir="t"/>
+    </dgm:scene3d>
+    <dgm:sp3d/>
+    <dgm:txPr/>
+    <dgm:style>
+      <a:lnRef idx="2">
+        <a:scrgbClr r="0" g="0" b="0"/>
+      </a:lnRef>
+      <a:fillRef idx="1">
+        <a:scrgbClr r="0" g="0" b="0"/>
+      </a:fillRef>
+      <a:effectRef idx="0">
+        <a:scrgbClr r="0" g="0" b="0"/>
+      </a:effectRef>
+      <a:fontRef idx="minor"/>
+    </dgm:style>
+  </dgm:styleLbl>
+  <dgm:styleLbl name="fgAccFollowNode1">
+    <dgm:scene3d>
+      <a:camera prst="orthographicFront"/>
+      <a:lightRig rig="threePt" dir="t"/>
+    </dgm:scene3d>
+    <dgm:sp3d/>
+    <dgm:txPr/>
+    <dgm:style>
+      <a:lnRef idx="2">
+        <a:scrgbClr r="0" g="0" b="0"/>
+      </a:lnRef>
+      <a:fillRef idx="1">
+        <a:scrgbClr r="0" g="0" b="0"/>
+      </a:fillRef>
+      <a:effectRef idx="0">
+        <a:scrgbClr r="0" g="0" b="0"/>
+      </a:effectRef>
+      <a:fontRef idx="minor"/>
+    </dgm:style>
+  </dgm:styleLbl>
+  <dgm:styleLbl name="alignAccFollowNode1">
+    <dgm:scene3d>
+      <a:camera prst="orthographicFront"/>
+      <a:lightRig rig="threePt" dir="t"/>
+    </dgm:scene3d>
+    <dgm:sp3d/>
+    <dgm:txPr/>
+    <dgm:style>
+      <a:lnRef idx="2">
+        <a:scrgbClr r="0" g="0" b="0"/>
+      </a:lnRef>
+      <a:fillRef idx="1">
+        <a:scrgbClr r="0" g="0" b="0"/>
+      </a:fillRef>
+      <a:effectRef idx="0">
+        <a:scrgbClr r="0" g="0" b="0"/>
+      </a:effectRef>
+      <a:fontRef idx="minor"/>
+    </dgm:style>
+  </dgm:styleLbl>
+  <dgm:styleLbl name="bgAccFollowNode1">
+    <dgm:scene3d>
+      <a:camera prst="orthographicFront"/>
+      <a:lightRig rig="threePt" dir="t"/>
+    </dgm:scene3d>
+    <dgm:sp3d/>
+    <dgm:txPr/>
+    <dgm:style>
+      <a:lnRef idx="2">
+        <a:scrgbClr r="0" g="0" b="0"/>
+      </a:lnRef>
+      <a:fillRef idx="1">
+        <a:scrgbClr r="0" g="0" b="0"/>
+      </a:fillRef>
+      <a:effectRef idx="0">
+        <a:scrgbClr r="0" g="0" b="0"/>
+      </a:effectRef>
+      <a:fontRef idx="minor"/>
+    </dgm:style>
+  </dgm:styleLbl>
+  <dgm:styleLbl name="fgAcc0">
+    <dgm:scene3d>
+      <a:camera prst="orthographicFront"/>
+      <a:lightRig rig="threePt" dir="t"/>
+    </dgm:scene3d>
+    <dgm:sp3d/>
+    <dgm:txPr/>
+    <dgm:style>
+      <a:lnRef idx="2">
+        <a:scrgbClr r="0" g="0" b="0"/>
+      </a:lnRef>
+      <a:fillRef idx="1">
+        <a:scrgbClr r="0" g="0" b="0"/>
+      </a:fillRef>
+      <a:effectRef idx="0">
+        <a:scrgbClr r="0" g="0" b="0"/>
+      </a:effectRef>
+      <a:fontRef idx="minor"/>
+    </dgm:style>
+  </dgm:styleLbl>
+  <dgm:styleLbl name="fgAcc2">
+    <dgm:scene3d>
+      <a:camera prst="orthographicFront"/>
+      <a:lightRig rig="threePt" dir="t"/>
+    </dgm:scene3d>
+    <dgm:sp3d/>
+    <dgm:txPr/>
+    <dgm:style>
+      <a:lnRef idx="2">
+        <a:scrgbClr r="0" g="0" b="0"/>
+      </a:lnRef>
+      <a:fillRef idx="1">
+        <a:scrgbClr r="0" g="0" b="0"/>
+      </a:fillRef>
+      <a:effectRef idx="0">
+        <a:scrgbClr r="0" g="0" b="0"/>
+      </a:effectRef>
+      <a:fontRef idx="minor"/>
+    </dgm:style>
+  </dgm:styleLbl>
+  <dgm:styleLbl name="fgAcc3">
+    <dgm:scene3d>
+      <a:camera prst="orthographicFront"/>
+      <a:lightRig rig="threePt" dir="t"/>
+    </dgm:scene3d>
+    <dgm:sp3d/>
+    <dgm:txPr/>
+    <dgm:style>
+      <a:lnRef idx="2">
+        <a:scrgbClr r="0" g="0" b="0"/>
+      </a:lnRef>
+      <a:fillRef idx="1">
+        <a:scrgbClr r="0" g="0" b="0"/>
+      </a:fillRef>
+      <a:effectRef idx="0">
+        <a:scrgbClr r="0" g="0" b="0"/>
+      </a:effectRef>
+      <a:fontRef idx="minor"/>
+    </dgm:style>
+  </dgm:styleLbl>
+  <dgm:styleLbl name="fgAcc4">
+    <dgm:scene3d>
+      <a:camera prst="orthographicFront"/>
+      <a:lightRig rig="threePt" dir="t"/>
+    </dgm:scene3d>
+    <dgm:sp3d/>
+    <dgm:txPr/>
+    <dgm:style>
+      <a:lnRef idx="2">
+        <a:scrgbClr r="0" g="0" b="0"/>
+      </a:lnRef>
+      <a:fillRef idx="1">
+        <a:scrgbClr r="0" g="0" b="0"/>
+      </a:fillRef>
+      <a:effectRef idx="0">
+        <a:scrgbClr r="0" g="0" b="0"/>
+      </a:effectRef>
+      <a:fontRef idx="minor"/>
+    </dgm:style>
+  </dgm:styleLbl>
+  <dgm:styleLbl name="bgShp">
+    <dgm:scene3d>
+      <a:camera prst="orthographicFront"/>
+      <a:lightRig rig="threePt" dir="t"/>
+    </dgm:scene3d>
+    <dgm:sp3d/>
+    <dgm:txPr/>
+    <dgm:style>
+      <a:lnRef idx="0">
+        <a:scrgbClr r="0" g="0" b="0"/>
+      </a:lnRef>
+      <a:fillRef idx="1">
+        <a:scrgbClr r="0" g="0" b="0"/>
+      </a:fillRef>
+      <a:effectRef idx="0">
+        <a:scrgbClr r="0" g="0" b="0"/>
+      </a:effectRef>
+      <a:fontRef idx="minor"/>
+    </dgm:style>
+  </dgm:styleLbl>
+  <dgm:styleLbl name="dkBgShp">
+    <dgm:scene3d>
+      <a:camera prst="orthographicFront"/>
+      <a:lightRig rig="threePt" dir="t"/>
+    </dgm:scene3d>
+    <dgm:sp3d/>
+    <dgm:txPr/>
+    <dgm:style>
+      <a:lnRef idx="0">
+        <a:scrgbClr r="0" g="0" b="0"/>
+      </a:lnRef>
+      <a:fillRef idx="1">
+        <a:scrgbClr r="0" g="0" b="0"/>
+      </a:fillRef>
+      <a:effectRef idx="0">
+        <a:scrgbClr r="0" g="0" b="0"/>
+      </a:effectRef>
+      <a:fontRef idx="minor"/>
+    </dgm:style>
+  </dgm:styleLbl>
+  <dgm:styleLbl name="trBgShp">
+    <dgm:scene3d>
+      <a:camera prst="orthographicFront"/>
+      <a:lightRig rig="threePt" dir="t"/>
+    </dgm:scene3d>
+    <dgm:sp3d/>
+    <dgm:txPr/>
+    <dgm:style>
+      <a:lnRef idx="0">
+        <a:scrgbClr r="0" g="0" b="0"/>
+      </a:lnRef>
+      <a:fillRef idx="1">
+        <a:scrgbClr r="0" g="0" b="0"/>
+      </a:fillRef>
+      <a:effectRef idx="0">
+        <a:scrgbClr r="0" g="0" b="0"/>
+      </a:effectRef>
+      <a:fontRef idx="minor"/>
+    </dgm:style>
+  </dgm:styleLbl>
+  <dgm:styleLbl name="fgShp">
+    <dgm:scene3d>
+      <a:camera prst="orthographicFront"/>
+      <a:lightRig rig="threePt" dir="t"/>
+    </dgm:scene3d>
+    <dgm:sp3d/>
+    <dgm:txPr/>
+    <dgm:style>
+      <a:lnRef idx="2">
+        <a:scrgbClr r="0" g="0" b="0"/>
+      </a:lnRef>
+      <a:fillRef idx="1">
+        <a:scrgbClr r="0" g="0" b="0"/>
+      </a:fillRef>
+      <a:effectRef idx="0">
+        <a:scrgbClr r="0" g="0" b="0"/>
+      </a:effectRef>
+      <a:fontRef idx="minor"/>
+    </dgm:style>
+  </dgm:styleLbl>
+  <dgm:styleLbl name="revTx">
+    <dgm:scene3d>
+      <a:camera prst="orthographicFront"/>
+      <a:lightRig rig="threePt" dir="t"/>
+    </dgm:scene3d>
+    <dgm:sp3d/>
+    <dgm:txPr/>
+    <dgm:style>
+      <a:lnRef idx="0">
+        <a:scrgbClr r="0" g="0" b="0"/>
+      </a:lnRef>
+      <a:fillRef idx="0">
+        <a:scrgbClr r="0" g="0" b="0"/>
+      </a:fillRef>
+      <a:effectRef idx="0">
+        <a:scrgbClr r="0" g="0" b="0"/>
+      </a:effectRef>
+      <a:fontRef idx="minor"/>
+    </dgm:style>
+  </dgm:styleLbl>
+</dgm:styleDef>
 </file>
 
 <file path=ppt/handoutMasters/handoutMaster1.xml><?xml version="1.0" encoding="utf-8"?>
@@ -265,7 +4472,7 @@
               <a:rPr lang="en-US" smtClean="0">
                 <a:latin typeface="Segoe UI" pitchFamily="34" charset="0"/>
               </a:rPr>
-              <a:t>7/3/2019 8:35 AM</a:t>
+              <a:t>7/9/2019 2:48 PM</a:t>
             </a:fld>
             <a:endParaRPr lang="en-US" dirty="0">
               <a:latin typeface="Segoe UI" pitchFamily="34" charset="0"/>
@@ -543,7 +4750,7 @@
           <a:p>
             <a:fld id="{386CE63F-9E7F-4C04-9D0D-FCA25A8E9E86}" type="datetime8">
               <a:rPr lang="en-US" smtClean="0"/>
-              <a:t>7/3/2019 8:35 AM</a:t>
+              <a:t>7/9/2019 2:10 PM</a:t>
             </a:fld>
             <a:endParaRPr lang="en-US" dirty="0"/>
           </a:p>
@@ -910,7 +5117,7 @@
           <a:p>
             <a:fld id="{3619146B-24F9-441E-A368-DB3B5A84C1D4}" type="datetime8">
               <a:rPr lang="en-US" smtClean="0"/>
-              <a:t>7/3/2019 8:35 AM</a:t>
+              <a:t>7/9/2019 2:10 PM</a:t>
             </a:fld>
             <a:endParaRPr lang="en-US" dirty="0"/>
           </a:p>
@@ -15084,6 +19291,125 @@
       </p:grpSpPr>
       <p:sp>
         <p:nvSpPr>
+          <p:cNvPr id="2" name="Title 1">
+            <a:extLst>
+              <a:ext uri="{FF2B5EF4-FFF2-40B4-BE49-F238E27FC236}">
+                <a16:creationId xmlns:a16="http://schemas.microsoft.com/office/drawing/2014/main" id="{7B94D9C4-A790-487D-A1D0-0E0F5D41BB51}"/>
+              </a:ext>
+            </a:extLst>
+          </p:cNvPr>
+          <p:cNvSpPr>
+            <a:spLocks noGrp="1"/>
+          </p:cNvSpPr>
+          <p:nvPr>
+            <p:ph type="title"/>
+          </p:nvPr>
+        </p:nvSpPr>
+        <p:spPr/>
+        <p:txBody>
+          <a:bodyPr/>
+          <a:lstStyle/>
+          <a:p>
+            <a:r>
+              <a:rPr lang="en-GB" dirty="0"/>
+              <a:t>Logical Structure</a:t>
+            </a:r>
+          </a:p>
+        </p:txBody>
+      </p:sp>
+      <p:sp>
+        <p:nvSpPr>
+          <p:cNvPr id="3" name="Text Placeholder 2">
+            <a:extLst>
+              <a:ext uri="{FF2B5EF4-FFF2-40B4-BE49-F238E27FC236}">
+                <a16:creationId xmlns:a16="http://schemas.microsoft.com/office/drawing/2014/main" id="{19C53844-DF99-4B41-84FD-1172A519C6F7}"/>
+              </a:ext>
+            </a:extLst>
+          </p:cNvPr>
+          <p:cNvSpPr>
+            <a:spLocks noGrp="1"/>
+          </p:cNvSpPr>
+          <p:nvPr>
+            <p:ph type="body" sz="quarter" idx="10"/>
+          </p:nvPr>
+        </p:nvSpPr>
+        <p:spPr>
+          <a:xfrm>
+            <a:off x="584200" y="1435497"/>
+            <a:ext cx="11018520" cy="430887"/>
+          </a:xfrm>
+        </p:spPr>
+        <p:txBody>
+          <a:bodyPr/>
+          <a:lstStyle/>
+          <a:p>
+            <a:endParaRPr lang="en-GB" dirty="0"/>
+          </a:p>
+        </p:txBody>
+      </p:sp>
+      <p:graphicFrame>
+        <p:nvGraphicFramePr>
+          <p:cNvPr id="4" name="Diagram 3">
+            <a:extLst>
+              <a:ext uri="{FF2B5EF4-FFF2-40B4-BE49-F238E27FC236}">
+                <a16:creationId xmlns:a16="http://schemas.microsoft.com/office/drawing/2014/main" id="{F1F1EA9C-BEC0-48C2-852A-81CC88F1CC11}"/>
+              </a:ext>
+            </a:extLst>
+          </p:cNvPr>
+          <p:cNvGraphicFramePr/>
+          <p:nvPr>
+            <p:extLst>
+              <p:ext uri="{D42A27DB-BD31-4B8C-83A1-F6EECF244321}">
+                <p14:modId xmlns:p14="http://schemas.microsoft.com/office/powerpoint/2010/main" val="1691312125"/>
+              </p:ext>
+            </p:extLst>
+          </p:nvPr>
+        </p:nvGraphicFramePr>
+        <p:xfrm>
+          <a:off x="2032000" y="1487213"/>
+          <a:ext cx="9570720" cy="4651119"/>
+        </p:xfrm>
+        <a:graphic>
+          <a:graphicData uri="http://schemas.openxmlformats.org/drawingml/2006/diagram">
+            <dgm:relIds xmlns:dgm="http://schemas.openxmlformats.org/drawingml/2006/diagram" xmlns:r="http://schemas.openxmlformats.org/officeDocument/2006/relationships" r:dm="rId2" r:lo="rId3" r:qs="rId4" r:cs="rId5"/>
+          </a:graphicData>
+        </a:graphic>
+      </p:graphicFrame>
+    </p:spTree>
+    <p:extLst>
+      <p:ext uri="{BB962C8B-B14F-4D97-AF65-F5344CB8AC3E}">
+        <p14:creationId xmlns:p14="http://schemas.microsoft.com/office/powerpoint/2010/main" val="4171186662"/>
+      </p:ext>
+    </p:extLst>
+  </p:cSld>
+  <p:clrMapOvr>
+    <a:masterClrMapping/>
+  </p:clrMapOvr>
+  <p:transition>
+    <p:fade/>
+  </p:transition>
+</p:sld>
+</file>
+
+<file path=ppt/slides/slide3.xml><?xml version="1.0" encoding="utf-8"?>
+<p:sld xmlns:a="http://schemas.openxmlformats.org/drawingml/2006/main" xmlns:r="http://schemas.openxmlformats.org/officeDocument/2006/relationships" xmlns:p="http://schemas.openxmlformats.org/presentationml/2006/main">
+  <p:cSld>
+    <p:spTree>
+      <p:nvGrpSpPr>
+        <p:cNvPr id="1" name=""/>
+        <p:cNvGrpSpPr/>
+        <p:nvPr/>
+      </p:nvGrpSpPr>
+      <p:grpSpPr>
+        <a:xfrm>
+          <a:off x="0" y="0"/>
+          <a:ext cx="0" cy="0"/>
+          <a:chOff x="0" y="0"/>
+          <a:chExt cx="0" cy="0"/>
+        </a:xfrm>
+      </p:grpSpPr>
+      <p:sp>
+        <p:nvSpPr>
           <p:cNvPr id="4" name="Title 3">
             <a:extLst>
               <a:ext uri="{FF2B5EF4-FFF2-40B4-BE49-F238E27FC236}">
@@ -15183,7 +19509,7 @@
 </p:sld>
 </file>
 
-<file path=ppt/slides/slide3.xml><?xml version="1.0" encoding="utf-8"?>
+<file path=ppt/slides/slide4.xml><?xml version="1.0" encoding="utf-8"?>
 <p:sld xmlns:a="http://schemas.openxmlformats.org/drawingml/2006/main" xmlns:r="http://schemas.openxmlformats.org/officeDocument/2006/relationships" xmlns:p="http://schemas.openxmlformats.org/presentationml/2006/main">
   <p:cSld>
     <p:spTree>
@@ -15269,7 +19595,7 @@
 </p:sld>
 </file>
 
-<file path=ppt/slides/slide4.xml><?xml version="1.0" encoding="utf-8"?>
+<file path=ppt/slides/slide5.xml><?xml version="1.0" encoding="utf-8"?>
 <p:sld xmlns:a="http://schemas.openxmlformats.org/drawingml/2006/main" xmlns:r="http://schemas.openxmlformats.org/officeDocument/2006/relationships" xmlns:p="http://schemas.openxmlformats.org/presentationml/2006/main">
   <p:cSld>
     <p:spTree>
@@ -15381,7 +19707,7 @@
 </p:sld>
 </file>
 
-<file path=ppt/slides/slide5.xml><?xml version="1.0" encoding="utf-8"?>
+<file path=ppt/slides/slide6.xml><?xml version="1.0" encoding="utf-8"?>
 <p:sld xmlns:a="http://schemas.openxmlformats.org/drawingml/2006/main" xmlns:r="http://schemas.openxmlformats.org/officeDocument/2006/relationships" xmlns:p="http://schemas.openxmlformats.org/presentationml/2006/main">
   <p:cSld>
     <p:spTree>
@@ -16617,6 +20943,12 @@
 </file>
 
 <file path=customXml/item1.xml><?xml version="1.0" encoding="utf-8"?>
+<p:properties xmlns:p="http://schemas.microsoft.com/office/2006/metadata/properties" xmlns:xsi="http://www.w3.org/2001/XMLSchema-instance" xmlns:pc="http://schemas.microsoft.com/office/infopath/2007/PartnerControls">
+  <documentManagement/>
+</p:properties>
+</file>
+
+<file path=customXml/item2.xml><?xml version="1.0" encoding="utf-8"?>
 <ct:contentTypeSchema xmlns:ct="http://schemas.microsoft.com/office/2006/metadata/contentType" xmlns:ma="http://schemas.microsoft.com/office/2006/metadata/properties/metaAttributes" ct:_="" ma:_="" ma:contentTypeName="Document" ma:contentTypeID="0x010100A2B0BB5962AB3C45A9A1CE1EC4C4F647" ma:contentTypeVersion="3" ma:contentTypeDescription="Create a new document." ma:contentTypeScope="" ma:versionID="f0876370c90de824ab54c09b0bd2a056">
   <xsd:schema xmlns:xsd="http://www.w3.org/2001/XMLSchema" xmlns:xs="http://www.w3.org/2001/XMLSchema" xmlns:p="http://schemas.microsoft.com/office/2006/metadata/properties" xmlns:ns3="630a2e83-186a-4a0f-ab27-bee8a8096abc" targetNamespace="http://schemas.microsoft.com/office/2006/metadata/properties" ma:root="true" ma:fieldsID="a2a3b5ed8b4accd7c8a398d0cb075271" ns3:_="">
     <xsd:import namespace="630a2e83-186a-4a0f-ab27-bee8a8096abc"/>
@@ -16770,12 +21102,6 @@
 </ct:contentTypeSchema>
 </file>
 
-<file path=customXml/item2.xml><?xml version="1.0" encoding="utf-8"?>
-<p:properties xmlns:p="http://schemas.microsoft.com/office/2006/metadata/properties" xmlns:xsi="http://www.w3.org/2001/XMLSchema-instance" xmlns:pc="http://schemas.microsoft.com/office/infopath/2007/PartnerControls">
-  <documentManagement/>
-</p:properties>
-</file>
-
 <file path=customXml/item3.xml><?xml version="1.0" encoding="utf-8"?>
 <?mso-contentType ?>
 <FormTemplates xmlns="http://schemas.microsoft.com/sharepoint/v3/contenttype/forms">
@@ -16786,6 +21112,22 @@
 </file>
 
 <file path=customXml/itemProps1.xml><?xml version="1.0" encoding="utf-8"?>
+<ds:datastoreItem xmlns:ds="http://schemas.openxmlformats.org/officeDocument/2006/customXml" ds:itemID="{F990F116-B58F-4255-B05B-DA3808E0E5C6}">
+  <ds:schemaRefs>
+    <ds:schemaRef ds:uri="http://purl.org/dc/elements/1.1/"/>
+    <ds:schemaRef ds:uri="http://schemas.microsoft.com/office/2006/metadata/properties"/>
+    <ds:schemaRef ds:uri="http://schemas.microsoft.com/office/2006/documentManagement/types"/>
+    <ds:schemaRef ds:uri="http://purl.org/dc/terms/"/>
+    <ds:schemaRef ds:uri="http://schemas.openxmlformats.org/package/2006/metadata/core-properties"/>
+    <ds:schemaRef ds:uri="630a2e83-186a-4a0f-ab27-bee8a8096abc"/>
+    <ds:schemaRef ds:uri="http://purl.org/dc/dcmitype/"/>
+    <ds:schemaRef ds:uri="http://schemas.microsoft.com/office/infopath/2007/PartnerControls"/>
+    <ds:schemaRef ds:uri="http://www.w3.org/XML/1998/namespace"/>
+  </ds:schemaRefs>
+</ds:datastoreItem>
+</file>
+
+<file path=customXml/itemProps2.xml><?xml version="1.0" encoding="utf-8"?>
 <ds:datastoreItem xmlns:ds="http://schemas.openxmlformats.org/officeDocument/2006/customXml" ds:itemID="{F330841A-A209-44E7-824E-9DDB4DE0DC3C}">
   <ds:schemaRefs>
     <ds:schemaRef ds:uri="http://schemas.microsoft.com/office/2006/metadata/contentType"/>
@@ -16803,22 +21145,6 @@
 </ds:datastoreItem>
 </file>
 
-<file path=customXml/itemProps2.xml><?xml version="1.0" encoding="utf-8"?>
-<ds:datastoreItem xmlns:ds="http://schemas.openxmlformats.org/officeDocument/2006/customXml" ds:itemID="{F990F116-B58F-4255-B05B-DA3808E0E5C6}">
-  <ds:schemaRefs>
-    <ds:schemaRef ds:uri="http://purl.org/dc/elements/1.1/"/>
-    <ds:schemaRef ds:uri="http://schemas.microsoft.com/office/2006/metadata/properties"/>
-    <ds:schemaRef ds:uri="http://schemas.microsoft.com/office/2006/documentManagement/types"/>
-    <ds:schemaRef ds:uri="http://purl.org/dc/terms/"/>
-    <ds:schemaRef ds:uri="http://schemas.openxmlformats.org/package/2006/metadata/core-properties"/>
-    <ds:schemaRef ds:uri="630a2e83-186a-4a0f-ab27-bee8a8096abc"/>
-    <ds:schemaRef ds:uri="http://purl.org/dc/dcmitype/"/>
-    <ds:schemaRef ds:uri="http://schemas.microsoft.com/office/infopath/2007/PartnerControls"/>
-    <ds:schemaRef ds:uri="http://www.w3.org/XML/1998/namespace"/>
-  </ds:schemaRefs>
-</ds:datastoreItem>
-</file>
-
 <file path=customXml/itemProps3.xml><?xml version="1.0" encoding="utf-8"?>
 <ds:datastoreItem xmlns:ds="http://schemas.openxmlformats.org/officeDocument/2006/customXml" ds:itemID="{758FDAC0-319D-4A54-8D8E-1D42CB1F8004}">
   <ds:schemaRefs>

--- a/Session2/content/OrganisingADataLake.pptx
+++ b/Session2/content/OrganisingADataLake.pptx
@@ -6,18 +6,20 @@
     <p:sldMasterId id="2147484642" r:id="rId5"/>
   </p:sldMasterIdLst>
   <p:notesMasterIdLst>
-    <p:notesMasterId r:id="rId12"/>
+    <p:notesMasterId r:id="rId14"/>
   </p:notesMasterIdLst>
   <p:handoutMasterIdLst>
-    <p:handoutMasterId r:id="rId13"/>
+    <p:handoutMasterId r:id="rId15"/>
   </p:handoutMasterIdLst>
   <p:sldIdLst>
     <p:sldId id="1719" r:id="rId6"/>
     <p:sldId id="1724" r:id="rId7"/>
     <p:sldId id="1720" r:id="rId8"/>
     <p:sldId id="1722" r:id="rId9"/>
-    <p:sldId id="1723" r:id="rId10"/>
-    <p:sldId id="1721" r:id="rId11"/>
+    <p:sldId id="1725" r:id="rId10"/>
+    <p:sldId id="1726" r:id="rId11"/>
+    <p:sldId id="1723" r:id="rId12"/>
+    <p:sldId id="1721" r:id="rId13"/>
   </p:sldIdLst>
   <p:sldSz cx="12192000" cy="6858000"/>
   <p:notesSz cx="6858000" cy="9144000"/>
@@ -129,6 +131,8 @@
             <p14:sldId id="1724"/>
             <p14:sldId id="1720"/>
             <p14:sldId id="1722"/>
+            <p14:sldId id="1725"/>
+            <p14:sldId id="1726"/>
             <p14:sldId id="1723"/>
           </p14:sldIdLst>
         </p14:section>
@@ -1058,10 +1062,9 @@
         <a:lstStyle/>
         <a:p>
           <a:r>
-            <a:rPr lang="en-GB"/>
+            <a:rPr lang="en-GB" dirty="0"/>
             <a:t>Sandbox/Experimental</a:t>
           </a:r>
-          <a:endParaRPr lang="en-GB" dirty="0"/>
         </a:p>
       </dgm:t>
     </dgm:pt>
@@ -1310,7 +1313,10 @@
         <a:bodyPr/>
         <a:lstStyle/>
         <a:p>
-          <a:endParaRPr lang="en-GB" dirty="0"/>
+          <a:r>
+            <a:rPr lang="en-GB" dirty="0"/>
+            <a:t>Create tables</a:t>
+          </a:r>
         </a:p>
       </dgm:t>
     </dgm:pt>
@@ -1372,6 +1378,186 @@
         </a:p>
       </dgm:t>
     </dgm:pt>
+    <dgm:pt modelId="{13797EC3-FE39-4DEA-AE6B-62165E803925}">
+      <dgm:prSet/>
+      <dgm:spPr/>
+      <dgm:t>
+        <a:bodyPr/>
+        <a:lstStyle/>
+        <a:p>
+          <a:r>
+            <a:rPr lang="en-GB" dirty="0"/>
+            <a:t>Model</a:t>
+          </a:r>
+        </a:p>
+      </dgm:t>
+    </dgm:pt>
+    <dgm:pt modelId="{1098CABE-5B8F-48AC-A299-2BAF5F694A89}" type="parTrans" cxnId="{96C2AABF-ABB1-4062-92B4-DB7FC284D1E7}">
+      <dgm:prSet/>
+      <dgm:spPr/>
+      <dgm:t>
+        <a:bodyPr/>
+        <a:lstStyle/>
+        <a:p>
+          <a:endParaRPr lang="en-GB"/>
+        </a:p>
+      </dgm:t>
+    </dgm:pt>
+    <dgm:pt modelId="{606A50CF-3270-4705-A0CF-E71C736D5499}" type="sibTrans" cxnId="{96C2AABF-ABB1-4062-92B4-DB7FC284D1E7}">
+      <dgm:prSet/>
+      <dgm:spPr/>
+      <dgm:t>
+        <a:bodyPr/>
+        <a:lstStyle/>
+        <a:p>
+          <a:endParaRPr lang="en-GB"/>
+        </a:p>
+      </dgm:t>
+    </dgm:pt>
+    <dgm:pt modelId="{34F741BA-913C-4604-817A-305DB387B5F1}">
+      <dgm:prSet/>
+      <dgm:spPr/>
+      <dgm:t>
+        <a:bodyPr/>
+        <a:lstStyle/>
+        <a:p>
+          <a:r>
+            <a:rPr lang="en-GB" dirty="0"/>
+            <a:t>Aggregates</a:t>
+          </a:r>
+        </a:p>
+      </dgm:t>
+    </dgm:pt>
+    <dgm:pt modelId="{916C09E0-DFA6-4A8C-B37A-826CFCB07C19}" type="parTrans" cxnId="{42EF9038-DD7D-48D6-AD74-1F80AD48B2B7}">
+      <dgm:prSet/>
+      <dgm:spPr/>
+      <dgm:t>
+        <a:bodyPr/>
+        <a:lstStyle/>
+        <a:p>
+          <a:endParaRPr lang="en-GB"/>
+        </a:p>
+      </dgm:t>
+    </dgm:pt>
+    <dgm:pt modelId="{BE29B641-8D3F-4854-A927-7A24837A1E50}" type="sibTrans" cxnId="{42EF9038-DD7D-48D6-AD74-1F80AD48B2B7}">
+      <dgm:prSet/>
+      <dgm:spPr/>
+      <dgm:t>
+        <a:bodyPr/>
+        <a:lstStyle/>
+        <a:p>
+          <a:endParaRPr lang="en-GB"/>
+        </a:p>
+      </dgm:t>
+    </dgm:pt>
+    <dgm:pt modelId="{B19222F7-696D-469E-B8AF-455F1A61A857}">
+      <dgm:prSet/>
+      <dgm:spPr/>
+      <dgm:t>
+        <a:bodyPr/>
+        <a:lstStyle/>
+        <a:p>
+          <a:r>
+            <a:rPr lang="en-GB" dirty="0"/>
+            <a:t>More freedom</a:t>
+          </a:r>
+        </a:p>
+      </dgm:t>
+    </dgm:pt>
+    <dgm:pt modelId="{246ACE81-2529-4F73-A3AB-6C8E58CD8F04}" type="parTrans" cxnId="{7CEB2C22-461E-49F8-94CE-2E72BD4076ED}">
+      <dgm:prSet/>
+      <dgm:spPr/>
+      <dgm:t>
+        <a:bodyPr/>
+        <a:lstStyle/>
+        <a:p>
+          <a:endParaRPr lang="en-GB"/>
+        </a:p>
+      </dgm:t>
+    </dgm:pt>
+    <dgm:pt modelId="{3B9D10BD-E1B1-460C-8051-6FADF39E21A8}" type="sibTrans" cxnId="{7CEB2C22-461E-49F8-94CE-2E72BD4076ED}">
+      <dgm:prSet/>
+      <dgm:spPr/>
+      <dgm:t>
+        <a:bodyPr/>
+        <a:lstStyle/>
+        <a:p>
+          <a:endParaRPr lang="en-GB"/>
+        </a:p>
+      </dgm:t>
+    </dgm:pt>
+    <dgm:pt modelId="{77FB8386-6E49-4E67-AE9F-8D80253EA2EF}">
+      <dgm:prSet/>
+      <dgm:spPr/>
+      <dgm:t>
+        <a:bodyPr/>
+        <a:lstStyle/>
+        <a:p>
+          <a:r>
+            <a:rPr lang="en-GB" dirty="0"/>
+            <a:t>ML Workloads</a:t>
+          </a:r>
+        </a:p>
+      </dgm:t>
+    </dgm:pt>
+    <dgm:pt modelId="{A9EFEF50-3E9B-4137-B67A-59256FC3FE28}" type="parTrans" cxnId="{F24B435E-5CD9-4931-90E2-F0898FC74FA7}">
+      <dgm:prSet/>
+      <dgm:spPr/>
+      <dgm:t>
+        <a:bodyPr/>
+        <a:lstStyle/>
+        <a:p>
+          <a:endParaRPr lang="en-GB"/>
+        </a:p>
+      </dgm:t>
+    </dgm:pt>
+    <dgm:pt modelId="{122154CB-1407-4351-9DC0-D8710AAFD8E2}" type="sibTrans" cxnId="{F24B435E-5CD9-4931-90E2-F0898FC74FA7}">
+      <dgm:prSet/>
+      <dgm:spPr/>
+      <dgm:t>
+        <a:bodyPr/>
+        <a:lstStyle/>
+        <a:p>
+          <a:endParaRPr lang="en-GB"/>
+        </a:p>
+      </dgm:t>
+    </dgm:pt>
+    <dgm:pt modelId="{5C0C5845-906C-43DF-8326-BF19883C1806}">
+      <dgm:prSet/>
+      <dgm:spPr/>
+      <dgm:t>
+        <a:bodyPr/>
+        <a:lstStyle/>
+        <a:p>
+          <a:r>
+            <a:rPr lang="en-GB" dirty="0"/>
+            <a:t>Agility</a:t>
+          </a:r>
+        </a:p>
+      </dgm:t>
+    </dgm:pt>
+    <dgm:pt modelId="{651921F4-9C1C-4928-848A-F88CC273C09D}" type="parTrans" cxnId="{3BEFDA13-43C5-44B1-9452-E1F07B6FF224}">
+      <dgm:prSet/>
+      <dgm:spPr/>
+      <dgm:t>
+        <a:bodyPr/>
+        <a:lstStyle/>
+        <a:p>
+          <a:endParaRPr lang="en-GB"/>
+        </a:p>
+      </dgm:t>
+    </dgm:pt>
+    <dgm:pt modelId="{5AC768A0-45E8-495B-880C-D4963E0FEC07}" type="sibTrans" cxnId="{3BEFDA13-43C5-44B1-9452-E1F07B6FF224}">
+      <dgm:prSet/>
+      <dgm:spPr/>
+      <dgm:t>
+        <a:bodyPr/>
+        <a:lstStyle/>
+        <a:p>
+          <a:endParaRPr lang="en-GB"/>
+        </a:p>
+      </dgm:t>
+    </dgm:pt>
     <dgm:pt modelId="{3239BEF8-FBF5-42A1-B80B-D6AAE0AC62F6}" type="pres">
       <dgm:prSet presAssocID="{50C55E48-5B25-4CA3-A5D5-84F2EA976818}" presName="diagram" presStyleCnt="0">
         <dgm:presLayoutVars>
@@ -1405,11 +1591,11 @@
       <dgm:spPr/>
     </dgm:pt>
     <dgm:pt modelId="{56DCEF0C-87C8-4802-AB6A-511A76F73CC1}" type="pres">
-      <dgm:prSet presAssocID="{7D6E31C9-7A22-459B-8796-35CB5FF028B3}" presName="Name13" presStyleLbl="parChTrans1D2" presStyleIdx="0" presStyleCnt="8"/>
+      <dgm:prSet presAssocID="{7D6E31C9-7A22-459B-8796-35CB5FF028B3}" presName="Name13" presStyleLbl="parChTrans1D2" presStyleIdx="0" presStyleCnt="13"/>
       <dgm:spPr/>
     </dgm:pt>
     <dgm:pt modelId="{AD831916-9FA0-4889-92D0-FB49827D596C}" type="pres">
-      <dgm:prSet presAssocID="{B1A1A260-E955-44FA-BAC5-987AAF0FA8A9}" presName="childText" presStyleLbl="bgAcc1" presStyleIdx="0" presStyleCnt="8">
+      <dgm:prSet presAssocID="{B1A1A260-E955-44FA-BAC5-987AAF0FA8A9}" presName="childText" presStyleLbl="bgAcc1" presStyleIdx="0" presStyleCnt="13">
         <dgm:presLayoutVars>
           <dgm:bulletEnabled val="1"/>
         </dgm:presLayoutVars>
@@ -1417,11 +1603,11 @@
       <dgm:spPr/>
     </dgm:pt>
     <dgm:pt modelId="{2CB8AB19-3CA5-4390-991B-A0465EFC61A8}" type="pres">
-      <dgm:prSet presAssocID="{83822347-204A-4798-9E4E-AE5EF6D84052}" presName="Name13" presStyleLbl="parChTrans1D2" presStyleIdx="1" presStyleCnt="8"/>
+      <dgm:prSet presAssocID="{83822347-204A-4798-9E4E-AE5EF6D84052}" presName="Name13" presStyleLbl="parChTrans1D2" presStyleIdx="1" presStyleCnt="13"/>
       <dgm:spPr/>
     </dgm:pt>
     <dgm:pt modelId="{0FA359BE-373E-49F3-84FC-910387996DF1}" type="pres">
-      <dgm:prSet presAssocID="{D87A2B29-25CD-40B3-B5D4-5BC0852BEF51}" presName="childText" presStyleLbl="bgAcc1" presStyleIdx="1" presStyleCnt="8">
+      <dgm:prSet presAssocID="{D87A2B29-25CD-40B3-B5D4-5BC0852BEF51}" presName="childText" presStyleLbl="bgAcc1" presStyleIdx="1" presStyleCnt="13">
         <dgm:presLayoutVars>
           <dgm:bulletEnabled val="1"/>
         </dgm:presLayoutVars>
@@ -1429,11 +1615,11 @@
       <dgm:spPr/>
     </dgm:pt>
     <dgm:pt modelId="{1682A186-C74F-4FF0-82E3-D5F806D91ACE}" type="pres">
-      <dgm:prSet presAssocID="{598FE45E-2206-42EA-8106-D53581B3D16D}" presName="Name13" presStyleLbl="parChTrans1D2" presStyleIdx="2" presStyleCnt="8"/>
+      <dgm:prSet presAssocID="{598FE45E-2206-42EA-8106-D53581B3D16D}" presName="Name13" presStyleLbl="parChTrans1D2" presStyleIdx="2" presStyleCnt="13"/>
       <dgm:spPr/>
     </dgm:pt>
     <dgm:pt modelId="{57F9FD23-AEA8-486F-BE5A-820615AFF3CC}" type="pres">
-      <dgm:prSet presAssocID="{1ABE2311-5D15-45DE-93DF-85E7564FFD2C}" presName="childText" presStyleLbl="bgAcc1" presStyleIdx="2" presStyleCnt="8">
+      <dgm:prSet presAssocID="{1ABE2311-5D15-45DE-93DF-85E7564FFD2C}" presName="childText" presStyleLbl="bgAcc1" presStyleIdx="2" presStyleCnt="13">
         <dgm:presLayoutVars>
           <dgm:bulletEnabled val="1"/>
         </dgm:presLayoutVars>
@@ -1441,11 +1627,11 @@
       <dgm:spPr/>
     </dgm:pt>
     <dgm:pt modelId="{40EED50E-9342-450D-8FD4-E29037C7A7C7}" type="pres">
-      <dgm:prSet presAssocID="{68C57611-2C6C-4BB8-9DD1-B21E592F2D18}" presName="Name13" presStyleLbl="parChTrans1D2" presStyleIdx="3" presStyleCnt="8"/>
+      <dgm:prSet presAssocID="{68C57611-2C6C-4BB8-9DD1-B21E592F2D18}" presName="Name13" presStyleLbl="parChTrans1D2" presStyleIdx="3" presStyleCnt="13"/>
       <dgm:spPr/>
     </dgm:pt>
     <dgm:pt modelId="{0D293A8B-193E-4359-A5C9-363147DCFDA8}" type="pres">
-      <dgm:prSet presAssocID="{54C36273-EA52-4303-86E3-77D78985B105}" presName="childText" presStyleLbl="bgAcc1" presStyleIdx="3" presStyleCnt="8">
+      <dgm:prSet presAssocID="{54C36273-EA52-4303-86E3-77D78985B105}" presName="childText" presStyleLbl="bgAcc1" presStyleIdx="3" presStyleCnt="13">
         <dgm:presLayoutVars>
           <dgm:bulletEnabled val="1"/>
         </dgm:presLayoutVars>
@@ -1473,11 +1659,11 @@
       <dgm:spPr/>
     </dgm:pt>
     <dgm:pt modelId="{81278BEA-46BB-4791-A590-089863E45C7C}" type="pres">
-      <dgm:prSet presAssocID="{876E5AD1-2217-4FBC-BDF5-943B6EB0BB82}" presName="Name13" presStyleLbl="parChTrans1D2" presStyleIdx="4" presStyleCnt="8"/>
+      <dgm:prSet presAssocID="{876E5AD1-2217-4FBC-BDF5-943B6EB0BB82}" presName="Name13" presStyleLbl="parChTrans1D2" presStyleIdx="4" presStyleCnt="13"/>
       <dgm:spPr/>
     </dgm:pt>
     <dgm:pt modelId="{FD1DE1D5-730C-45D6-8E20-70BF05B278A4}" type="pres">
-      <dgm:prSet presAssocID="{C0E65A0D-2B46-43AE-85F7-3C864070FD5F}" presName="childText" presStyleLbl="bgAcc1" presStyleIdx="4" presStyleCnt="8">
+      <dgm:prSet presAssocID="{C0E65A0D-2B46-43AE-85F7-3C864070FD5F}" presName="childText" presStyleLbl="bgAcc1" presStyleIdx="4" presStyleCnt="13">
         <dgm:presLayoutVars>
           <dgm:bulletEnabled val="1"/>
         </dgm:presLayoutVars>
@@ -1485,11 +1671,11 @@
       <dgm:spPr/>
     </dgm:pt>
     <dgm:pt modelId="{E95F896A-C34F-4116-96BF-1E5AF1F5731D}" type="pres">
-      <dgm:prSet presAssocID="{76A26618-9499-451B-A065-9D478E9125A5}" presName="Name13" presStyleLbl="parChTrans1D2" presStyleIdx="5" presStyleCnt="8"/>
+      <dgm:prSet presAssocID="{76A26618-9499-451B-A065-9D478E9125A5}" presName="Name13" presStyleLbl="parChTrans1D2" presStyleIdx="5" presStyleCnt="13"/>
       <dgm:spPr/>
     </dgm:pt>
     <dgm:pt modelId="{766ABCF8-8D80-4B21-9E4F-F7E5B6BAA160}" type="pres">
-      <dgm:prSet presAssocID="{03D28F52-2756-447B-8072-DB42F50FA8A3}" presName="childText" presStyleLbl="bgAcc1" presStyleIdx="5" presStyleCnt="8">
+      <dgm:prSet presAssocID="{03D28F52-2756-447B-8072-DB42F50FA8A3}" presName="childText" presStyleLbl="bgAcc1" presStyleIdx="5" presStyleCnt="13">
         <dgm:presLayoutVars>
           <dgm:bulletEnabled val="1"/>
         </dgm:presLayoutVars>
@@ -1497,11 +1683,11 @@
       <dgm:spPr/>
     </dgm:pt>
     <dgm:pt modelId="{7252658C-35D0-41FD-8C40-E3A8D228F664}" type="pres">
-      <dgm:prSet presAssocID="{6A7E4662-B155-4102-9097-1D530AE9E006}" presName="Name13" presStyleLbl="parChTrans1D2" presStyleIdx="6" presStyleCnt="8"/>
+      <dgm:prSet presAssocID="{6A7E4662-B155-4102-9097-1D530AE9E006}" presName="Name13" presStyleLbl="parChTrans1D2" presStyleIdx="6" presStyleCnt="13"/>
       <dgm:spPr/>
     </dgm:pt>
     <dgm:pt modelId="{A853A8CB-4DAD-4C0D-8EBA-EBFF99A049E7}" type="pres">
-      <dgm:prSet presAssocID="{0FD13A56-E0DD-46F0-9039-DC64D86DE1C8}" presName="childText" presStyleLbl="bgAcc1" presStyleIdx="6" presStyleCnt="8">
+      <dgm:prSet presAssocID="{0FD13A56-E0DD-46F0-9039-DC64D86DE1C8}" presName="childText" presStyleLbl="bgAcc1" presStyleIdx="6" presStyleCnt="13">
         <dgm:presLayoutVars>
           <dgm:bulletEnabled val="1"/>
         </dgm:presLayoutVars>
@@ -1529,11 +1715,35 @@
       <dgm:spPr/>
     </dgm:pt>
     <dgm:pt modelId="{6E2513A5-A5ED-43D0-A5C2-9FD2839328D9}" type="pres">
-      <dgm:prSet presAssocID="{91E15E63-2374-452B-A65B-3AA63DD65D68}" presName="Name13" presStyleLbl="parChTrans1D2" presStyleIdx="7" presStyleCnt="8"/>
+      <dgm:prSet presAssocID="{91E15E63-2374-452B-A65B-3AA63DD65D68}" presName="Name13" presStyleLbl="parChTrans1D2" presStyleIdx="7" presStyleCnt="13"/>
       <dgm:spPr/>
     </dgm:pt>
     <dgm:pt modelId="{E5B4AD6A-9D18-4788-A713-E88A49DE3A4E}" type="pres">
-      <dgm:prSet presAssocID="{B88A3EF6-2D7F-4772-9A55-A6CFCCE6C573}" presName="childText" presStyleLbl="bgAcc1" presStyleIdx="7" presStyleCnt="8">
+      <dgm:prSet presAssocID="{B88A3EF6-2D7F-4772-9A55-A6CFCCE6C573}" presName="childText" presStyleLbl="bgAcc1" presStyleIdx="7" presStyleCnt="13">
+        <dgm:presLayoutVars>
+          <dgm:bulletEnabled val="1"/>
+        </dgm:presLayoutVars>
+      </dgm:prSet>
+      <dgm:spPr/>
+    </dgm:pt>
+    <dgm:pt modelId="{61A7209B-A91D-4956-B5F6-8E7669C5876A}" type="pres">
+      <dgm:prSet presAssocID="{1098CABE-5B8F-48AC-A299-2BAF5F694A89}" presName="Name13" presStyleLbl="parChTrans1D2" presStyleIdx="8" presStyleCnt="13"/>
+      <dgm:spPr/>
+    </dgm:pt>
+    <dgm:pt modelId="{D3FCEACE-CAE8-412D-88D4-25CA3C4C9D8E}" type="pres">
+      <dgm:prSet presAssocID="{13797EC3-FE39-4DEA-AE6B-62165E803925}" presName="childText" presStyleLbl="bgAcc1" presStyleIdx="8" presStyleCnt="13">
+        <dgm:presLayoutVars>
+          <dgm:bulletEnabled val="1"/>
+        </dgm:presLayoutVars>
+      </dgm:prSet>
+      <dgm:spPr/>
+    </dgm:pt>
+    <dgm:pt modelId="{F6170E1A-3C50-4718-A033-DB51B881E555}" type="pres">
+      <dgm:prSet presAssocID="{916C09E0-DFA6-4A8C-B37A-826CFCB07C19}" presName="Name13" presStyleLbl="parChTrans1D2" presStyleIdx="9" presStyleCnt="13"/>
+      <dgm:spPr/>
+    </dgm:pt>
+    <dgm:pt modelId="{1675EF95-9D7C-41F9-A6D3-6A752DAF14E5}" type="pres">
+      <dgm:prSet presAssocID="{34F741BA-913C-4604-817A-305DB387B5F1}" presName="childText" presStyleLbl="bgAcc1" presStyleIdx="9" presStyleCnt="13">
         <dgm:presLayoutVars>
           <dgm:bulletEnabled val="1"/>
         </dgm:presLayoutVars>
@@ -1560,19 +1770,63 @@
       <dgm:prSet presAssocID="{6491FAFB-8B04-49E4-8630-58BE54019012}" presName="childShape" presStyleCnt="0"/>
       <dgm:spPr/>
     </dgm:pt>
+    <dgm:pt modelId="{F161F82D-7215-4EF2-B926-3CFE2022FC4D}" type="pres">
+      <dgm:prSet presAssocID="{246ACE81-2529-4F73-A3AB-6C8E58CD8F04}" presName="Name13" presStyleLbl="parChTrans1D2" presStyleIdx="10" presStyleCnt="13"/>
+      <dgm:spPr/>
+    </dgm:pt>
+    <dgm:pt modelId="{3D0D8708-1E4B-45F5-B627-96291F8D72B0}" type="pres">
+      <dgm:prSet presAssocID="{B19222F7-696D-469E-B8AF-455F1A61A857}" presName="childText" presStyleLbl="bgAcc1" presStyleIdx="10" presStyleCnt="13">
+        <dgm:presLayoutVars>
+          <dgm:bulletEnabled val="1"/>
+        </dgm:presLayoutVars>
+      </dgm:prSet>
+      <dgm:spPr/>
+    </dgm:pt>
+    <dgm:pt modelId="{800A695D-AD77-4C01-BB03-DB0890836D70}" type="pres">
+      <dgm:prSet presAssocID="{A9EFEF50-3E9B-4137-B67A-59256FC3FE28}" presName="Name13" presStyleLbl="parChTrans1D2" presStyleIdx="11" presStyleCnt="13"/>
+      <dgm:spPr/>
+    </dgm:pt>
+    <dgm:pt modelId="{95416406-5B0B-496F-BDDA-BC74FEB11D0B}" type="pres">
+      <dgm:prSet presAssocID="{77FB8386-6E49-4E67-AE9F-8D80253EA2EF}" presName="childText" presStyleLbl="bgAcc1" presStyleIdx="11" presStyleCnt="13">
+        <dgm:presLayoutVars>
+          <dgm:bulletEnabled val="1"/>
+        </dgm:presLayoutVars>
+      </dgm:prSet>
+      <dgm:spPr/>
+    </dgm:pt>
+    <dgm:pt modelId="{6D3D8D0F-1A96-4759-B3D5-0A4A8E32394B}" type="pres">
+      <dgm:prSet presAssocID="{651921F4-9C1C-4928-848A-F88CC273C09D}" presName="Name13" presStyleLbl="parChTrans1D2" presStyleIdx="12" presStyleCnt="13"/>
+      <dgm:spPr/>
+    </dgm:pt>
+    <dgm:pt modelId="{A07ACE12-D57E-4920-B489-904C0F0329D4}" type="pres">
+      <dgm:prSet presAssocID="{5C0C5845-906C-43DF-8326-BF19883C1806}" presName="childText" presStyleLbl="bgAcc1" presStyleIdx="12" presStyleCnt="13">
+        <dgm:presLayoutVars>
+          <dgm:bulletEnabled val="1"/>
+        </dgm:presLayoutVars>
+      </dgm:prSet>
+      <dgm:spPr/>
+    </dgm:pt>
   </dgm:ptLst>
   <dgm:cxnLst>
     <dgm:cxn modelId="{31D20B01-672E-4A5B-9D27-A54A63C81DA8}" type="presOf" srcId="{83822347-204A-4798-9E4E-AE5EF6D84052}" destId="{2CB8AB19-3CA5-4390-991B-A0465EFC61A8}" srcOrd="0" destOrd="0" presId="urn:microsoft.com/office/officeart/2005/8/layout/hierarchy3"/>
+    <dgm:cxn modelId="{E75D470B-2239-4C2E-85C6-AC6220F75364}" type="presOf" srcId="{5C0C5845-906C-43DF-8326-BF19883C1806}" destId="{A07ACE12-D57E-4920-B489-904C0F0329D4}" srcOrd="0" destOrd="0" presId="urn:microsoft.com/office/officeart/2005/8/layout/hierarchy3"/>
+    <dgm:cxn modelId="{3BEFDA13-43C5-44B1-9452-E1F07B6FF224}" srcId="{6491FAFB-8B04-49E4-8630-58BE54019012}" destId="{5C0C5845-906C-43DF-8326-BF19883C1806}" srcOrd="2" destOrd="0" parTransId="{651921F4-9C1C-4928-848A-F88CC273C09D}" sibTransId="{5AC768A0-45E8-495B-880C-D4963E0FEC07}"/>
     <dgm:cxn modelId="{FFE0921A-AA5F-4EC1-A25A-377210E86268}" type="presOf" srcId="{91E15E63-2374-452B-A65B-3AA63DD65D68}" destId="{6E2513A5-A5ED-43D0-A5C2-9FD2839328D9}" srcOrd="0" destOrd="0" presId="urn:microsoft.com/office/officeart/2005/8/layout/hierarchy3"/>
+    <dgm:cxn modelId="{AFF4241F-4645-401F-9680-E590D12A45D5}" type="presOf" srcId="{651921F4-9C1C-4928-848A-F88CC273C09D}" destId="{6D3D8D0F-1A96-4759-B3D5-0A4A8E32394B}" srcOrd="0" destOrd="0" presId="urn:microsoft.com/office/officeart/2005/8/layout/hierarchy3"/>
+    <dgm:cxn modelId="{3B0BD620-EB97-43B7-ABD3-8FADA0E30A10}" type="presOf" srcId="{77FB8386-6E49-4E67-AE9F-8D80253EA2EF}" destId="{95416406-5B0B-496F-BDDA-BC74FEB11D0B}" srcOrd="0" destOrd="0" presId="urn:microsoft.com/office/officeart/2005/8/layout/hierarchy3"/>
     <dgm:cxn modelId="{F37EDD20-9372-4C8D-9B3C-0D1AAAF13778}" srcId="{50C55E48-5B25-4CA3-A5D5-84F2EA976818}" destId="{06408375-0344-4C9C-8311-151C54455365}" srcOrd="2" destOrd="0" parTransId="{9390E678-6D68-4C25-998D-2C673B76CE51}" sibTransId="{07DC8A6B-7DDF-44B6-A146-CBEC63E07DC0}"/>
+    <dgm:cxn modelId="{7CEB2C22-461E-49F8-94CE-2E72BD4076ED}" srcId="{6491FAFB-8B04-49E4-8630-58BE54019012}" destId="{B19222F7-696D-469E-B8AF-455F1A61A857}" srcOrd="0" destOrd="0" parTransId="{246ACE81-2529-4F73-A3AB-6C8E58CD8F04}" sibTransId="{3B9D10BD-E1B1-460C-8051-6FADF39E21A8}"/>
     <dgm:cxn modelId="{C9FFBC27-FD4F-4C66-8427-48BD3B3A7195}" srcId="{50C55E48-5B25-4CA3-A5D5-84F2EA976818}" destId="{F589132C-BC5A-4723-AE81-EC1E0B34B044}" srcOrd="0" destOrd="0" parTransId="{64D5ED36-5662-424A-B4C4-4C26BE89508A}" sibTransId="{6E2B517C-4AB9-4FB1-A976-B04DC64CECE3}"/>
     <dgm:cxn modelId="{7762272B-709D-4231-B290-D8CDE6FBA128}" type="presOf" srcId="{69A4F7CD-082E-4CE9-A420-E2C66A1CA166}" destId="{0A9A7F30-C7EA-4F3B-8DF0-33B93AA1535E}" srcOrd="1" destOrd="0" presId="urn:microsoft.com/office/officeart/2005/8/layout/hierarchy3"/>
     <dgm:cxn modelId="{78610733-E03C-42CA-91B0-C28BE430D098}" type="presOf" srcId="{B1A1A260-E955-44FA-BAC5-987AAF0FA8A9}" destId="{AD831916-9FA0-4889-92D0-FB49827D596C}" srcOrd="0" destOrd="0" presId="urn:microsoft.com/office/officeart/2005/8/layout/hierarchy3"/>
     <dgm:cxn modelId="{6CE60D33-2B88-4864-B7CF-4570CC1D2059}" type="presOf" srcId="{598FE45E-2206-42EA-8106-D53581B3D16D}" destId="{1682A186-C74F-4FF0-82E3-D5F806D91ACE}" srcOrd="0" destOrd="0" presId="urn:microsoft.com/office/officeart/2005/8/layout/hierarchy3"/>
     <dgm:cxn modelId="{7AEC0834-FEEC-4EA7-AA40-43BD0863A100}" type="presOf" srcId="{69A4F7CD-082E-4CE9-A420-E2C66A1CA166}" destId="{19583657-4B8A-4813-8E4C-D0A916FB2565}" srcOrd="0" destOrd="0" presId="urn:microsoft.com/office/officeart/2005/8/layout/hierarchy3"/>
+    <dgm:cxn modelId="{42EF9038-DD7D-48D6-AD74-1F80AD48B2B7}" srcId="{06408375-0344-4C9C-8311-151C54455365}" destId="{34F741BA-913C-4604-817A-305DB387B5F1}" srcOrd="2" destOrd="0" parTransId="{916C09E0-DFA6-4A8C-B37A-826CFCB07C19}" sibTransId="{BE29B641-8D3F-4854-A927-7A24837A1E50}"/>
     <dgm:cxn modelId="{E9FE803A-262C-4158-8282-42DDE4C6DE8D}" srcId="{69A4F7CD-082E-4CE9-A420-E2C66A1CA166}" destId="{C0E65A0D-2B46-43AE-85F7-3C864070FD5F}" srcOrd="0" destOrd="0" parTransId="{876E5AD1-2217-4FBC-BDF5-943B6EB0BB82}" sibTransId="{2F22D9F2-AF41-46F5-9D1B-8EF02FFB8027}"/>
+    <dgm:cxn modelId="{53F9953A-95D4-4981-A291-1F30CE188BB3}" type="presOf" srcId="{B19222F7-696D-469E-B8AF-455F1A61A857}" destId="{3D0D8708-1E4B-45F5-B627-96291F8D72B0}" srcOrd="0" destOrd="0" presId="urn:microsoft.com/office/officeart/2005/8/layout/hierarchy3"/>
     <dgm:cxn modelId="{82BBAF3D-15FB-4FA3-B999-766562A7E495}" type="presOf" srcId="{1ABE2311-5D15-45DE-93DF-85E7564FFD2C}" destId="{57F9FD23-AEA8-486F-BE5A-820615AFF3CC}" srcOrd="0" destOrd="0" presId="urn:microsoft.com/office/officeart/2005/8/layout/hierarchy3"/>
     <dgm:cxn modelId="{82C6163F-C98B-4AD0-99C5-B2A4C9E025AA}" type="presOf" srcId="{D87A2B29-25CD-40B3-B5D4-5BC0852BEF51}" destId="{0FA359BE-373E-49F3-84FC-910387996DF1}" srcOrd="0" destOrd="0" presId="urn:microsoft.com/office/officeart/2005/8/layout/hierarchy3"/>
+    <dgm:cxn modelId="{F24B435E-5CD9-4931-90E2-F0898FC74FA7}" srcId="{6491FAFB-8B04-49E4-8630-58BE54019012}" destId="{77FB8386-6E49-4E67-AE9F-8D80253EA2EF}" srcOrd="1" destOrd="0" parTransId="{A9EFEF50-3E9B-4137-B67A-59256FC3FE28}" sibTransId="{122154CB-1407-4351-9DC0-D8710AAFD8E2}"/>
     <dgm:cxn modelId="{49B21260-2FDA-4481-B815-0B5384203B8E}" type="presOf" srcId="{6491FAFB-8B04-49E4-8630-58BE54019012}" destId="{D148E7AE-977C-41E6-8665-F8C8C51DC11B}" srcOrd="0" destOrd="0" presId="urn:microsoft.com/office/officeart/2005/8/layout/hierarchy3"/>
     <dgm:cxn modelId="{D500DC61-E343-412D-8C05-83712B7827CF}" type="presOf" srcId="{6A7E4662-B155-4102-9097-1D530AE9E006}" destId="{7252658C-35D0-41FD-8C40-E3A8D228F664}" srcOrd="0" destOrd="0" presId="urn:microsoft.com/office/officeart/2005/8/layout/hierarchy3"/>
     <dgm:cxn modelId="{70EF0946-C68D-4D34-8C9C-9E272D9E5865}" type="presOf" srcId="{F589132C-BC5A-4723-AE81-EC1E0B34B044}" destId="{E500A31B-F5EA-48ED-BAA6-CC44878CC02A}" srcOrd="0" destOrd="0" presId="urn:microsoft.com/office/officeart/2005/8/layout/hierarchy3"/>
@@ -1580,16 +1834,23 @@
     <dgm:cxn modelId="{FEA9ED6B-5385-481E-A210-81EA0261E277}" type="presOf" srcId="{7D6E31C9-7A22-459B-8796-35CB5FF028B3}" destId="{56DCEF0C-87C8-4802-AB6A-511A76F73CC1}" srcOrd="0" destOrd="0" presId="urn:microsoft.com/office/officeart/2005/8/layout/hierarchy3"/>
     <dgm:cxn modelId="{FCC0036D-D9C0-4A98-B07F-23EEFE29296E}" srcId="{69A4F7CD-082E-4CE9-A420-E2C66A1CA166}" destId="{0FD13A56-E0DD-46F0-9039-DC64D86DE1C8}" srcOrd="2" destOrd="0" parTransId="{6A7E4662-B155-4102-9097-1D530AE9E006}" sibTransId="{A9817112-6A7D-452D-8945-9A9265FF77F6}"/>
     <dgm:cxn modelId="{32B3266E-A23F-4CF5-AA2B-AEC81F9B0CF7}" type="presOf" srcId="{6491FAFB-8B04-49E4-8630-58BE54019012}" destId="{31020E41-07A5-4A7A-978D-99A6B0A8E96A}" srcOrd="1" destOrd="0" presId="urn:microsoft.com/office/officeart/2005/8/layout/hierarchy3"/>
+    <dgm:cxn modelId="{D6335458-86A3-4CF3-8268-B96FC3B8635C}" type="presOf" srcId="{A9EFEF50-3E9B-4137-B67A-59256FC3FE28}" destId="{800A695D-AD77-4C01-BB03-DB0890836D70}" srcOrd="0" destOrd="0" presId="urn:microsoft.com/office/officeart/2005/8/layout/hierarchy3"/>
     <dgm:cxn modelId="{4980B959-99A4-4E7B-9246-BD2940DBF292}" type="presOf" srcId="{F589132C-BC5A-4723-AE81-EC1E0B34B044}" destId="{EB903D2E-37F1-4670-83BB-E2DEB8CAD8F7}" srcOrd="1" destOrd="0" presId="urn:microsoft.com/office/officeart/2005/8/layout/hierarchy3"/>
     <dgm:cxn modelId="{9D0DD35A-D8FA-4B31-9272-CF2E9906854F}" srcId="{F589132C-BC5A-4723-AE81-EC1E0B34B044}" destId="{D87A2B29-25CD-40B3-B5D4-5BC0852BEF51}" srcOrd="1" destOrd="0" parTransId="{83822347-204A-4798-9E4E-AE5EF6D84052}" sibTransId="{BD01414A-3605-4122-8074-287484DFA643}"/>
     <dgm:cxn modelId="{DABF417B-01CF-40E5-85C7-0A51824EE903}" type="presOf" srcId="{B88A3EF6-2D7F-4772-9A55-A6CFCCE6C573}" destId="{E5B4AD6A-9D18-4788-A713-E88A49DE3A4E}" srcOrd="0" destOrd="0" presId="urn:microsoft.com/office/officeart/2005/8/layout/hierarchy3"/>
+    <dgm:cxn modelId="{DC880D7C-A069-4017-8B1B-A90B1F65D7D9}" type="presOf" srcId="{246ACE81-2529-4F73-A3AB-6C8E58CD8F04}" destId="{F161F82D-7215-4EF2-B926-3CFE2022FC4D}" srcOrd="0" destOrd="0" presId="urn:microsoft.com/office/officeart/2005/8/layout/hierarchy3"/>
     <dgm:cxn modelId="{2F1F977C-203C-410C-9F9C-0FF4C9E3F575}" srcId="{69A4F7CD-082E-4CE9-A420-E2C66A1CA166}" destId="{03D28F52-2756-447B-8072-DB42F50FA8A3}" srcOrd="1" destOrd="0" parTransId="{76A26618-9499-451B-A065-9D478E9125A5}" sibTransId="{E937D280-6C40-461D-8D28-B5AC17E1E285}"/>
     <dgm:cxn modelId="{175CAF81-6B8A-4E16-8573-3C3743EB4E0A}" srcId="{50C55E48-5B25-4CA3-A5D5-84F2EA976818}" destId="{6491FAFB-8B04-49E4-8630-58BE54019012}" srcOrd="3" destOrd="0" parTransId="{9FB38885-5262-4B46-8CE8-49E7121AA6F1}" sibTransId="{C5D880F3-9502-44D4-9222-5445EDDB2699}"/>
     <dgm:cxn modelId="{C5C8B682-A875-472A-87D5-8F88AA330197}" srcId="{F589132C-BC5A-4723-AE81-EC1E0B34B044}" destId="{1ABE2311-5D15-45DE-93DF-85E7564FFD2C}" srcOrd="2" destOrd="0" parTransId="{598FE45E-2206-42EA-8106-D53581B3D16D}" sibTransId="{AF70516B-00F1-48DA-93CB-4F1636CC5BC4}"/>
     <dgm:cxn modelId="{AA253D92-D28C-4CCF-82EA-68BB02731D34}" type="presOf" srcId="{54C36273-EA52-4303-86E3-77D78985B105}" destId="{0D293A8B-193E-4359-A5C9-363147DCFDA8}" srcOrd="0" destOrd="0" presId="urn:microsoft.com/office/officeart/2005/8/layout/hierarchy3"/>
+    <dgm:cxn modelId="{411FB392-76AD-4841-A055-B360B845EEEC}" type="presOf" srcId="{13797EC3-FE39-4DEA-AE6B-62165E803925}" destId="{D3FCEACE-CAE8-412D-88D4-25CA3C4C9D8E}" srcOrd="0" destOrd="0" presId="urn:microsoft.com/office/officeart/2005/8/layout/hierarchy3"/>
+    <dgm:cxn modelId="{F80E6E95-4ECA-45DB-BF12-F70DFAD0C823}" type="presOf" srcId="{1098CABE-5B8F-48AC-A299-2BAF5F694A89}" destId="{61A7209B-A91D-4956-B5F6-8E7669C5876A}" srcOrd="0" destOrd="0" presId="urn:microsoft.com/office/officeart/2005/8/layout/hierarchy3"/>
     <dgm:cxn modelId="{2D09BEAA-363B-4EFA-8561-A675CDCBC52E}" type="presOf" srcId="{03D28F52-2756-447B-8072-DB42F50FA8A3}" destId="{766ABCF8-8D80-4B21-9E4F-F7E5B6BAA160}" srcOrd="0" destOrd="0" presId="urn:microsoft.com/office/officeart/2005/8/layout/hierarchy3"/>
     <dgm:cxn modelId="{35656DAB-8B78-4EF2-A5F8-BB0C25860766}" srcId="{06408375-0344-4C9C-8311-151C54455365}" destId="{B88A3EF6-2D7F-4772-9A55-A6CFCCE6C573}" srcOrd="0" destOrd="0" parTransId="{91E15E63-2374-452B-A65B-3AA63DD65D68}" sibTransId="{D8050349-39A2-49CC-BAFD-B708DE3A35BD}"/>
     <dgm:cxn modelId="{B675C7AD-1045-448B-877E-BCDF49727507}" type="presOf" srcId="{06408375-0344-4C9C-8311-151C54455365}" destId="{193297B0-D1C9-44FE-84D5-C936BBBB0DB3}" srcOrd="0" destOrd="0" presId="urn:microsoft.com/office/officeart/2005/8/layout/hierarchy3"/>
+    <dgm:cxn modelId="{D4C7D1AF-714B-42F5-ABE9-9C931231B873}" type="presOf" srcId="{34F741BA-913C-4604-817A-305DB387B5F1}" destId="{1675EF95-9D7C-41F9-A6D3-6A752DAF14E5}" srcOrd="0" destOrd="0" presId="urn:microsoft.com/office/officeart/2005/8/layout/hierarchy3"/>
+    <dgm:cxn modelId="{1F5DD6B8-31C8-455B-B27A-B494462A1D32}" type="presOf" srcId="{916C09E0-DFA6-4A8C-B37A-826CFCB07C19}" destId="{F6170E1A-3C50-4718-A033-DB51B881E555}" srcOrd="0" destOrd="0" presId="urn:microsoft.com/office/officeart/2005/8/layout/hierarchy3"/>
+    <dgm:cxn modelId="{96C2AABF-ABB1-4062-92B4-DB7FC284D1E7}" srcId="{06408375-0344-4C9C-8311-151C54455365}" destId="{13797EC3-FE39-4DEA-AE6B-62165E803925}" srcOrd="1" destOrd="0" parTransId="{1098CABE-5B8F-48AC-A299-2BAF5F694A89}" sibTransId="{606A50CF-3270-4705-A0CF-E71C736D5499}"/>
     <dgm:cxn modelId="{520242C1-31FF-4320-A9A8-341207B15879}" type="presOf" srcId="{C0E65A0D-2B46-43AE-85F7-3C864070FD5F}" destId="{FD1DE1D5-730C-45D6-8E20-70BF05B278A4}" srcOrd="0" destOrd="0" presId="urn:microsoft.com/office/officeart/2005/8/layout/hierarchy3"/>
     <dgm:cxn modelId="{AC91DACA-3C63-4782-AE68-C5AC9834185B}" type="presOf" srcId="{50C55E48-5B25-4CA3-A5D5-84F2EA976818}" destId="{3239BEF8-FBF5-42A1-B80B-D6AAE0AC62F6}" srcOrd="0" destOrd="0" presId="urn:microsoft.com/office/officeart/2005/8/layout/hierarchy3"/>
     <dgm:cxn modelId="{5C38CDD8-073A-45AA-88BE-C1B013F97737}" srcId="{F589132C-BC5A-4723-AE81-EC1E0B34B044}" destId="{54C36273-EA52-4303-86E3-77D78985B105}" srcOrd="3" destOrd="0" parTransId="{68C57611-2C6C-4BB8-9DD1-B21E592F2D18}" sibTransId="{1D691758-90C6-4CBA-90E0-1404C8A122CF}"/>
@@ -1630,11 +1891,21 @@
     <dgm:cxn modelId="{61AAF0C3-8B62-4B2B-AF8A-72D2E4002769}" type="presParOf" srcId="{50065274-F2F5-4A0E-9512-6C23233A5A99}" destId="{52B2229D-DEA8-4121-8739-24C48E958AC7}" srcOrd="1" destOrd="0" presId="urn:microsoft.com/office/officeart/2005/8/layout/hierarchy3"/>
     <dgm:cxn modelId="{CFA1BF53-A4D5-4D8E-B970-0882A0F8C5D8}" type="presParOf" srcId="{52B2229D-DEA8-4121-8739-24C48E958AC7}" destId="{6E2513A5-A5ED-43D0-A5C2-9FD2839328D9}" srcOrd="0" destOrd="0" presId="urn:microsoft.com/office/officeart/2005/8/layout/hierarchy3"/>
     <dgm:cxn modelId="{FB55600D-92DD-4D22-9E8B-49672DE380BD}" type="presParOf" srcId="{52B2229D-DEA8-4121-8739-24C48E958AC7}" destId="{E5B4AD6A-9D18-4788-A713-E88A49DE3A4E}" srcOrd="1" destOrd="0" presId="urn:microsoft.com/office/officeart/2005/8/layout/hierarchy3"/>
+    <dgm:cxn modelId="{024182A3-2F0A-43BD-8127-762A4480B674}" type="presParOf" srcId="{52B2229D-DEA8-4121-8739-24C48E958AC7}" destId="{61A7209B-A91D-4956-B5F6-8E7669C5876A}" srcOrd="2" destOrd="0" presId="urn:microsoft.com/office/officeart/2005/8/layout/hierarchy3"/>
+    <dgm:cxn modelId="{6E20668D-8962-46AA-B870-16860D134A79}" type="presParOf" srcId="{52B2229D-DEA8-4121-8739-24C48E958AC7}" destId="{D3FCEACE-CAE8-412D-88D4-25CA3C4C9D8E}" srcOrd="3" destOrd="0" presId="urn:microsoft.com/office/officeart/2005/8/layout/hierarchy3"/>
+    <dgm:cxn modelId="{F77A0561-E4A6-487B-9553-AB626F331C44}" type="presParOf" srcId="{52B2229D-DEA8-4121-8739-24C48E958AC7}" destId="{F6170E1A-3C50-4718-A033-DB51B881E555}" srcOrd="4" destOrd="0" presId="urn:microsoft.com/office/officeart/2005/8/layout/hierarchy3"/>
+    <dgm:cxn modelId="{000E0893-160E-42CD-9C0A-7067A8FF17F2}" type="presParOf" srcId="{52B2229D-DEA8-4121-8739-24C48E958AC7}" destId="{1675EF95-9D7C-41F9-A6D3-6A752DAF14E5}" srcOrd="5" destOrd="0" presId="urn:microsoft.com/office/officeart/2005/8/layout/hierarchy3"/>
     <dgm:cxn modelId="{5B0B63E4-A55A-4313-A5C3-C613C164C05B}" type="presParOf" srcId="{3239BEF8-FBF5-42A1-B80B-D6AAE0AC62F6}" destId="{4DBE6FD3-E0AF-4D4C-9CB1-A8CAA7941230}" srcOrd="3" destOrd="0" presId="urn:microsoft.com/office/officeart/2005/8/layout/hierarchy3"/>
     <dgm:cxn modelId="{5965BE7D-02B9-4727-AE56-EBA9D16737BC}" type="presParOf" srcId="{4DBE6FD3-E0AF-4D4C-9CB1-A8CAA7941230}" destId="{DDFF451D-8C05-4123-8FBD-745E2DB1C978}" srcOrd="0" destOrd="0" presId="urn:microsoft.com/office/officeart/2005/8/layout/hierarchy3"/>
     <dgm:cxn modelId="{DED74289-76D7-4375-A1B5-61D3388255F9}" type="presParOf" srcId="{DDFF451D-8C05-4123-8FBD-745E2DB1C978}" destId="{D148E7AE-977C-41E6-8665-F8C8C51DC11B}" srcOrd="0" destOrd="0" presId="urn:microsoft.com/office/officeart/2005/8/layout/hierarchy3"/>
     <dgm:cxn modelId="{E3B36183-5363-4268-9AF1-26DDB83ED4DC}" type="presParOf" srcId="{DDFF451D-8C05-4123-8FBD-745E2DB1C978}" destId="{31020E41-07A5-4A7A-978D-99A6B0A8E96A}" srcOrd="1" destOrd="0" presId="urn:microsoft.com/office/officeart/2005/8/layout/hierarchy3"/>
     <dgm:cxn modelId="{34BE49AC-6265-4186-9ADB-26F8F9E045BF}" type="presParOf" srcId="{4DBE6FD3-E0AF-4D4C-9CB1-A8CAA7941230}" destId="{97B6F6A4-2F28-4E2B-95F8-8DB162ECE16D}" srcOrd="1" destOrd="0" presId="urn:microsoft.com/office/officeart/2005/8/layout/hierarchy3"/>
+    <dgm:cxn modelId="{FC47882B-63B5-421A-B048-DD82F1C1B843}" type="presParOf" srcId="{97B6F6A4-2F28-4E2B-95F8-8DB162ECE16D}" destId="{F161F82D-7215-4EF2-B926-3CFE2022FC4D}" srcOrd="0" destOrd="0" presId="urn:microsoft.com/office/officeart/2005/8/layout/hierarchy3"/>
+    <dgm:cxn modelId="{7EDE90C5-A996-4469-B735-AF35D2C1E2BE}" type="presParOf" srcId="{97B6F6A4-2F28-4E2B-95F8-8DB162ECE16D}" destId="{3D0D8708-1E4B-45F5-B627-96291F8D72B0}" srcOrd="1" destOrd="0" presId="urn:microsoft.com/office/officeart/2005/8/layout/hierarchy3"/>
+    <dgm:cxn modelId="{E73D3D29-6B03-4031-93AB-93B11E84C6C1}" type="presParOf" srcId="{97B6F6A4-2F28-4E2B-95F8-8DB162ECE16D}" destId="{800A695D-AD77-4C01-BB03-DB0890836D70}" srcOrd="2" destOrd="0" presId="urn:microsoft.com/office/officeart/2005/8/layout/hierarchy3"/>
+    <dgm:cxn modelId="{FF140FAC-1E6B-4712-B923-840C357C9928}" type="presParOf" srcId="{97B6F6A4-2F28-4E2B-95F8-8DB162ECE16D}" destId="{95416406-5B0B-496F-BDDA-BC74FEB11D0B}" srcOrd="3" destOrd="0" presId="urn:microsoft.com/office/officeart/2005/8/layout/hierarchy3"/>
+    <dgm:cxn modelId="{8DA42937-E01E-44F7-9B71-7092C83077D0}" type="presParOf" srcId="{97B6F6A4-2F28-4E2B-95F8-8DB162ECE16D}" destId="{6D3D8D0F-1A96-4759-B3D5-0A4A8E32394B}" srcOrd="4" destOrd="0" presId="urn:microsoft.com/office/officeart/2005/8/layout/hierarchy3"/>
+    <dgm:cxn modelId="{EF20375A-89F7-4653-870C-C743C636876D}" type="presParOf" srcId="{97B6F6A4-2F28-4E2B-95F8-8DB162ECE16D}" destId="{A07ACE12-D57E-4920-B489-904C0F0329D4}" srcOrd="5" destOrd="0" presId="urn:microsoft.com/office/officeart/2005/8/layout/hierarchy3"/>
   </dgm:cxnLst>
   <dgm:bg/>
   <dgm:whole/>
@@ -2968,11 +3239,286 @@
             </a:spcAft>
             <a:buNone/>
           </a:pPr>
-          <a:endParaRPr lang="en-GB" sz="1400" kern="1200" dirty="0"/>
+          <a:r>
+            <a:rPr lang="en-GB" sz="1400" kern="1200" dirty="0"/>
+            <a:t>Create tables</a:t>
+          </a:r>
         </a:p>
       </dsp:txBody>
       <dsp:txXfrm>
         <a:off x="5311526" y="992725"/>
+        <a:ext cx="1193959" cy="729209"/>
+      </dsp:txXfrm>
+    </dsp:sp>
+    <dsp:sp modelId="{61A7209B-A91D-4956-B5F6-8E7669C5876A}">
+      <dsp:nvSpPr>
+        <dsp:cNvPr id="0" name=""/>
+        <dsp:cNvSpPr/>
+      </dsp:nvSpPr>
+      <dsp:spPr>
+        <a:xfrm>
+          <a:off x="5133922" y="776392"/>
+          <a:ext cx="154916" cy="1549166"/>
+        </a:xfrm>
+        <a:custGeom>
+          <a:avLst/>
+          <a:gdLst/>
+          <a:ahLst/>
+          <a:cxnLst/>
+          <a:rect l="0" t="0" r="0" b="0"/>
+          <a:pathLst>
+            <a:path>
+              <a:moveTo>
+                <a:pt x="0" y="0"/>
+              </a:moveTo>
+              <a:lnTo>
+                <a:pt x="0" y="1549166"/>
+              </a:lnTo>
+              <a:lnTo>
+                <a:pt x="154916" y="1549166"/>
+              </a:lnTo>
+            </a:path>
+          </a:pathLst>
+        </a:custGeom>
+        <a:noFill/>
+        <a:ln w="10795" cap="flat" cmpd="sng" algn="ctr">
+          <a:solidFill>
+            <a:schemeClr val="accent1">
+              <a:shade val="60000"/>
+              <a:hueOff val="0"/>
+              <a:satOff val="0"/>
+              <a:lumOff val="0"/>
+              <a:alphaOff val="0"/>
+            </a:schemeClr>
+          </a:solidFill>
+          <a:prstDash val="solid"/>
+        </a:ln>
+        <a:effectLst/>
+      </dsp:spPr>
+      <dsp:style>
+        <a:lnRef idx="2">
+          <a:scrgbClr r="0" g="0" b="0"/>
+        </a:lnRef>
+        <a:fillRef idx="0">
+          <a:scrgbClr r="0" g="0" b="0"/>
+        </a:fillRef>
+        <a:effectRef idx="0">
+          <a:scrgbClr r="0" g="0" b="0"/>
+        </a:effectRef>
+        <a:fontRef idx="minor"/>
+      </dsp:style>
+    </dsp:sp>
+    <dsp:sp modelId="{D3FCEACE-CAE8-412D-88D4-25CA3C4C9D8E}">
+      <dsp:nvSpPr>
+        <dsp:cNvPr id="0" name=""/>
+        <dsp:cNvSpPr/>
+      </dsp:nvSpPr>
+      <dsp:spPr>
+        <a:xfrm>
+          <a:off x="5288839" y="1938267"/>
+          <a:ext cx="1239333" cy="774583"/>
+        </a:xfrm>
+        <a:prstGeom prst="roundRect">
+          <a:avLst>
+            <a:gd name="adj" fmla="val 10000"/>
+          </a:avLst>
+        </a:prstGeom>
+        <a:solidFill>
+          <a:schemeClr val="lt1">
+            <a:alpha val="90000"/>
+            <a:hueOff val="0"/>
+            <a:satOff val="0"/>
+            <a:lumOff val="0"/>
+            <a:alphaOff val="0"/>
+          </a:schemeClr>
+        </a:solidFill>
+        <a:ln w="10795" cap="flat" cmpd="sng" algn="ctr">
+          <a:solidFill>
+            <a:schemeClr val="accent1">
+              <a:hueOff val="0"/>
+              <a:satOff val="0"/>
+              <a:lumOff val="0"/>
+              <a:alphaOff val="0"/>
+            </a:schemeClr>
+          </a:solidFill>
+          <a:prstDash val="solid"/>
+        </a:ln>
+        <a:effectLst/>
+      </dsp:spPr>
+      <dsp:style>
+        <a:lnRef idx="2">
+          <a:scrgbClr r="0" g="0" b="0"/>
+        </a:lnRef>
+        <a:fillRef idx="1">
+          <a:scrgbClr r="0" g="0" b="0"/>
+        </a:fillRef>
+        <a:effectRef idx="0">
+          <a:scrgbClr r="0" g="0" b="0"/>
+        </a:effectRef>
+        <a:fontRef idx="minor"/>
+      </dsp:style>
+      <dsp:txBody>
+        <a:bodyPr spcFirstLastPara="0" vert="horz" wrap="square" lIns="26670" tIns="17780" rIns="26670" bIns="17780" numCol="1" spcCol="1270" anchor="ctr" anchorCtr="0">
+          <a:noAutofit/>
+        </a:bodyPr>
+        <a:lstStyle/>
+        <a:p>
+          <a:pPr marL="0" lvl="0" indent="0" algn="ctr" defTabSz="622300">
+            <a:lnSpc>
+              <a:spcPct val="90000"/>
+            </a:lnSpc>
+            <a:spcBef>
+              <a:spcPct val="0"/>
+            </a:spcBef>
+            <a:spcAft>
+              <a:spcPct val="35000"/>
+            </a:spcAft>
+            <a:buNone/>
+          </a:pPr>
+          <a:r>
+            <a:rPr lang="en-GB" sz="1400" kern="1200" dirty="0"/>
+            <a:t>Model</a:t>
+          </a:r>
+        </a:p>
+      </dsp:txBody>
+      <dsp:txXfrm>
+        <a:off x="5311526" y="1960954"/>
+        <a:ext cx="1193959" cy="729209"/>
+      </dsp:txXfrm>
+    </dsp:sp>
+    <dsp:sp modelId="{F6170E1A-3C50-4718-A033-DB51B881E555}">
+      <dsp:nvSpPr>
+        <dsp:cNvPr id="0" name=""/>
+        <dsp:cNvSpPr/>
+      </dsp:nvSpPr>
+      <dsp:spPr>
+        <a:xfrm>
+          <a:off x="5133922" y="776392"/>
+          <a:ext cx="154916" cy="2517396"/>
+        </a:xfrm>
+        <a:custGeom>
+          <a:avLst/>
+          <a:gdLst/>
+          <a:ahLst/>
+          <a:cxnLst/>
+          <a:rect l="0" t="0" r="0" b="0"/>
+          <a:pathLst>
+            <a:path>
+              <a:moveTo>
+                <a:pt x="0" y="0"/>
+              </a:moveTo>
+              <a:lnTo>
+                <a:pt x="0" y="2517396"/>
+              </a:lnTo>
+              <a:lnTo>
+                <a:pt x="154916" y="2517396"/>
+              </a:lnTo>
+            </a:path>
+          </a:pathLst>
+        </a:custGeom>
+        <a:noFill/>
+        <a:ln w="10795" cap="flat" cmpd="sng" algn="ctr">
+          <a:solidFill>
+            <a:schemeClr val="accent1">
+              <a:shade val="60000"/>
+              <a:hueOff val="0"/>
+              <a:satOff val="0"/>
+              <a:lumOff val="0"/>
+              <a:alphaOff val="0"/>
+            </a:schemeClr>
+          </a:solidFill>
+          <a:prstDash val="solid"/>
+        </a:ln>
+        <a:effectLst/>
+      </dsp:spPr>
+      <dsp:style>
+        <a:lnRef idx="2">
+          <a:scrgbClr r="0" g="0" b="0"/>
+        </a:lnRef>
+        <a:fillRef idx="0">
+          <a:scrgbClr r="0" g="0" b="0"/>
+        </a:fillRef>
+        <a:effectRef idx="0">
+          <a:scrgbClr r="0" g="0" b="0"/>
+        </a:effectRef>
+        <a:fontRef idx="minor"/>
+      </dsp:style>
+    </dsp:sp>
+    <dsp:sp modelId="{1675EF95-9D7C-41F9-A6D3-6A752DAF14E5}">
+      <dsp:nvSpPr>
+        <dsp:cNvPr id="0" name=""/>
+        <dsp:cNvSpPr/>
+      </dsp:nvSpPr>
+      <dsp:spPr>
+        <a:xfrm>
+          <a:off x="5288839" y="2906497"/>
+          <a:ext cx="1239333" cy="774583"/>
+        </a:xfrm>
+        <a:prstGeom prst="roundRect">
+          <a:avLst>
+            <a:gd name="adj" fmla="val 10000"/>
+          </a:avLst>
+        </a:prstGeom>
+        <a:solidFill>
+          <a:schemeClr val="lt1">
+            <a:alpha val="90000"/>
+            <a:hueOff val="0"/>
+            <a:satOff val="0"/>
+            <a:lumOff val="0"/>
+            <a:alphaOff val="0"/>
+          </a:schemeClr>
+        </a:solidFill>
+        <a:ln w="10795" cap="flat" cmpd="sng" algn="ctr">
+          <a:solidFill>
+            <a:schemeClr val="accent1">
+              <a:hueOff val="0"/>
+              <a:satOff val="0"/>
+              <a:lumOff val="0"/>
+              <a:alphaOff val="0"/>
+            </a:schemeClr>
+          </a:solidFill>
+          <a:prstDash val="solid"/>
+        </a:ln>
+        <a:effectLst/>
+      </dsp:spPr>
+      <dsp:style>
+        <a:lnRef idx="2">
+          <a:scrgbClr r="0" g="0" b="0"/>
+        </a:lnRef>
+        <a:fillRef idx="1">
+          <a:scrgbClr r="0" g="0" b="0"/>
+        </a:fillRef>
+        <a:effectRef idx="0">
+          <a:scrgbClr r="0" g="0" b="0"/>
+        </a:effectRef>
+        <a:fontRef idx="minor"/>
+      </dsp:style>
+      <dsp:txBody>
+        <a:bodyPr spcFirstLastPara="0" vert="horz" wrap="square" lIns="26670" tIns="17780" rIns="26670" bIns="17780" numCol="1" spcCol="1270" anchor="ctr" anchorCtr="0">
+          <a:noAutofit/>
+        </a:bodyPr>
+        <a:lstStyle/>
+        <a:p>
+          <a:pPr marL="0" lvl="0" indent="0" algn="ctr" defTabSz="622300">
+            <a:lnSpc>
+              <a:spcPct val="90000"/>
+            </a:lnSpc>
+            <a:spcBef>
+              <a:spcPct val="0"/>
+            </a:spcBef>
+            <a:spcAft>
+              <a:spcPct val="35000"/>
+            </a:spcAft>
+            <a:buNone/>
+          </a:pPr>
+          <a:r>
+            <a:rPr lang="en-GB" sz="1400" kern="1200" dirty="0"/>
+            <a:t>Aggregates</a:t>
+          </a:r>
+        </a:p>
+      </dsp:txBody>
+      <dsp:txXfrm>
+        <a:off x="5311526" y="2929184"/>
         <a:ext cx="1193959" cy="729209"/>
       </dsp:txXfrm>
     </dsp:sp>
@@ -3045,15 +3591,422 @@
             <a:buNone/>
           </a:pPr>
           <a:r>
-            <a:rPr lang="en-GB" sz="1100" kern="1200"/>
+            <a:rPr lang="en-GB" sz="1100" kern="1200" dirty="0"/>
             <a:t>Sandbox/Experimental</a:t>
           </a:r>
-          <a:endParaRPr lang="en-GB" sz="1100" kern="1200" dirty="0"/>
         </a:p>
       </dsp:txBody>
       <dsp:txXfrm>
         <a:off x="6938151" y="24496"/>
         <a:ext cx="1503792" cy="729209"/>
+      </dsp:txXfrm>
+    </dsp:sp>
+    <dsp:sp modelId="{F161F82D-7215-4EF2-B926-3CFE2022FC4D}">
+      <dsp:nvSpPr>
+        <dsp:cNvPr id="0" name=""/>
+        <dsp:cNvSpPr/>
+      </dsp:nvSpPr>
+      <dsp:spPr>
+        <a:xfrm>
+          <a:off x="7070381" y="776392"/>
+          <a:ext cx="154916" cy="580937"/>
+        </a:xfrm>
+        <a:custGeom>
+          <a:avLst/>
+          <a:gdLst/>
+          <a:ahLst/>
+          <a:cxnLst/>
+          <a:rect l="0" t="0" r="0" b="0"/>
+          <a:pathLst>
+            <a:path>
+              <a:moveTo>
+                <a:pt x="0" y="0"/>
+              </a:moveTo>
+              <a:lnTo>
+                <a:pt x="0" y="580937"/>
+              </a:lnTo>
+              <a:lnTo>
+                <a:pt x="154916" y="580937"/>
+              </a:lnTo>
+            </a:path>
+          </a:pathLst>
+        </a:custGeom>
+        <a:noFill/>
+        <a:ln w="10795" cap="flat" cmpd="sng" algn="ctr">
+          <a:solidFill>
+            <a:schemeClr val="accent1">
+              <a:shade val="60000"/>
+              <a:hueOff val="0"/>
+              <a:satOff val="0"/>
+              <a:lumOff val="0"/>
+              <a:alphaOff val="0"/>
+            </a:schemeClr>
+          </a:solidFill>
+          <a:prstDash val="solid"/>
+        </a:ln>
+        <a:effectLst/>
+      </dsp:spPr>
+      <dsp:style>
+        <a:lnRef idx="2">
+          <a:scrgbClr r="0" g="0" b="0"/>
+        </a:lnRef>
+        <a:fillRef idx="0">
+          <a:scrgbClr r="0" g="0" b="0"/>
+        </a:fillRef>
+        <a:effectRef idx="0">
+          <a:scrgbClr r="0" g="0" b="0"/>
+        </a:effectRef>
+        <a:fontRef idx="minor"/>
+      </dsp:style>
+    </dsp:sp>
+    <dsp:sp modelId="{3D0D8708-1E4B-45F5-B627-96291F8D72B0}">
+      <dsp:nvSpPr>
+        <dsp:cNvPr id="0" name=""/>
+        <dsp:cNvSpPr/>
+      </dsp:nvSpPr>
+      <dsp:spPr>
+        <a:xfrm>
+          <a:off x="7225297" y="970038"/>
+          <a:ext cx="1239333" cy="774583"/>
+        </a:xfrm>
+        <a:prstGeom prst="roundRect">
+          <a:avLst>
+            <a:gd name="adj" fmla="val 10000"/>
+          </a:avLst>
+        </a:prstGeom>
+        <a:solidFill>
+          <a:schemeClr val="lt1">
+            <a:alpha val="90000"/>
+            <a:hueOff val="0"/>
+            <a:satOff val="0"/>
+            <a:lumOff val="0"/>
+            <a:alphaOff val="0"/>
+          </a:schemeClr>
+        </a:solidFill>
+        <a:ln w="10795" cap="flat" cmpd="sng" algn="ctr">
+          <a:solidFill>
+            <a:schemeClr val="accent1">
+              <a:hueOff val="0"/>
+              <a:satOff val="0"/>
+              <a:lumOff val="0"/>
+              <a:alphaOff val="0"/>
+            </a:schemeClr>
+          </a:solidFill>
+          <a:prstDash val="solid"/>
+        </a:ln>
+        <a:effectLst/>
+      </dsp:spPr>
+      <dsp:style>
+        <a:lnRef idx="2">
+          <a:scrgbClr r="0" g="0" b="0"/>
+        </a:lnRef>
+        <a:fillRef idx="1">
+          <a:scrgbClr r="0" g="0" b="0"/>
+        </a:fillRef>
+        <a:effectRef idx="0">
+          <a:scrgbClr r="0" g="0" b="0"/>
+        </a:effectRef>
+        <a:fontRef idx="minor"/>
+      </dsp:style>
+      <dsp:txBody>
+        <a:bodyPr spcFirstLastPara="0" vert="horz" wrap="square" lIns="26670" tIns="17780" rIns="26670" bIns="17780" numCol="1" spcCol="1270" anchor="ctr" anchorCtr="0">
+          <a:noAutofit/>
+        </a:bodyPr>
+        <a:lstStyle/>
+        <a:p>
+          <a:pPr marL="0" lvl="0" indent="0" algn="ctr" defTabSz="622300">
+            <a:lnSpc>
+              <a:spcPct val="90000"/>
+            </a:lnSpc>
+            <a:spcBef>
+              <a:spcPct val="0"/>
+            </a:spcBef>
+            <a:spcAft>
+              <a:spcPct val="35000"/>
+            </a:spcAft>
+            <a:buNone/>
+          </a:pPr>
+          <a:r>
+            <a:rPr lang="en-GB" sz="1400" kern="1200" dirty="0"/>
+            <a:t>More freedom</a:t>
+          </a:r>
+        </a:p>
+      </dsp:txBody>
+      <dsp:txXfrm>
+        <a:off x="7247984" y="992725"/>
+        <a:ext cx="1193959" cy="729209"/>
+      </dsp:txXfrm>
+    </dsp:sp>
+    <dsp:sp modelId="{800A695D-AD77-4C01-BB03-DB0890836D70}">
+      <dsp:nvSpPr>
+        <dsp:cNvPr id="0" name=""/>
+        <dsp:cNvSpPr/>
+      </dsp:nvSpPr>
+      <dsp:spPr>
+        <a:xfrm>
+          <a:off x="7070381" y="776392"/>
+          <a:ext cx="154916" cy="1549166"/>
+        </a:xfrm>
+        <a:custGeom>
+          <a:avLst/>
+          <a:gdLst/>
+          <a:ahLst/>
+          <a:cxnLst/>
+          <a:rect l="0" t="0" r="0" b="0"/>
+          <a:pathLst>
+            <a:path>
+              <a:moveTo>
+                <a:pt x="0" y="0"/>
+              </a:moveTo>
+              <a:lnTo>
+                <a:pt x="0" y="1549166"/>
+              </a:lnTo>
+              <a:lnTo>
+                <a:pt x="154916" y="1549166"/>
+              </a:lnTo>
+            </a:path>
+          </a:pathLst>
+        </a:custGeom>
+        <a:noFill/>
+        <a:ln w="10795" cap="flat" cmpd="sng" algn="ctr">
+          <a:solidFill>
+            <a:schemeClr val="accent1">
+              <a:shade val="60000"/>
+              <a:hueOff val="0"/>
+              <a:satOff val="0"/>
+              <a:lumOff val="0"/>
+              <a:alphaOff val="0"/>
+            </a:schemeClr>
+          </a:solidFill>
+          <a:prstDash val="solid"/>
+        </a:ln>
+        <a:effectLst/>
+      </dsp:spPr>
+      <dsp:style>
+        <a:lnRef idx="2">
+          <a:scrgbClr r="0" g="0" b="0"/>
+        </a:lnRef>
+        <a:fillRef idx="0">
+          <a:scrgbClr r="0" g="0" b="0"/>
+        </a:fillRef>
+        <a:effectRef idx="0">
+          <a:scrgbClr r="0" g="0" b="0"/>
+        </a:effectRef>
+        <a:fontRef idx="minor"/>
+      </dsp:style>
+    </dsp:sp>
+    <dsp:sp modelId="{95416406-5B0B-496F-BDDA-BC74FEB11D0B}">
+      <dsp:nvSpPr>
+        <dsp:cNvPr id="0" name=""/>
+        <dsp:cNvSpPr/>
+      </dsp:nvSpPr>
+      <dsp:spPr>
+        <a:xfrm>
+          <a:off x="7225297" y="1938267"/>
+          <a:ext cx="1239333" cy="774583"/>
+        </a:xfrm>
+        <a:prstGeom prst="roundRect">
+          <a:avLst>
+            <a:gd name="adj" fmla="val 10000"/>
+          </a:avLst>
+        </a:prstGeom>
+        <a:solidFill>
+          <a:schemeClr val="lt1">
+            <a:alpha val="90000"/>
+            <a:hueOff val="0"/>
+            <a:satOff val="0"/>
+            <a:lumOff val="0"/>
+            <a:alphaOff val="0"/>
+          </a:schemeClr>
+        </a:solidFill>
+        <a:ln w="10795" cap="flat" cmpd="sng" algn="ctr">
+          <a:solidFill>
+            <a:schemeClr val="accent1">
+              <a:hueOff val="0"/>
+              <a:satOff val="0"/>
+              <a:lumOff val="0"/>
+              <a:alphaOff val="0"/>
+            </a:schemeClr>
+          </a:solidFill>
+          <a:prstDash val="solid"/>
+        </a:ln>
+        <a:effectLst/>
+      </dsp:spPr>
+      <dsp:style>
+        <a:lnRef idx="2">
+          <a:scrgbClr r="0" g="0" b="0"/>
+        </a:lnRef>
+        <a:fillRef idx="1">
+          <a:scrgbClr r="0" g="0" b="0"/>
+        </a:fillRef>
+        <a:effectRef idx="0">
+          <a:scrgbClr r="0" g="0" b="0"/>
+        </a:effectRef>
+        <a:fontRef idx="minor"/>
+      </dsp:style>
+      <dsp:txBody>
+        <a:bodyPr spcFirstLastPara="0" vert="horz" wrap="square" lIns="26670" tIns="17780" rIns="26670" bIns="17780" numCol="1" spcCol="1270" anchor="ctr" anchorCtr="0">
+          <a:noAutofit/>
+        </a:bodyPr>
+        <a:lstStyle/>
+        <a:p>
+          <a:pPr marL="0" lvl="0" indent="0" algn="ctr" defTabSz="622300">
+            <a:lnSpc>
+              <a:spcPct val="90000"/>
+            </a:lnSpc>
+            <a:spcBef>
+              <a:spcPct val="0"/>
+            </a:spcBef>
+            <a:spcAft>
+              <a:spcPct val="35000"/>
+            </a:spcAft>
+            <a:buNone/>
+          </a:pPr>
+          <a:r>
+            <a:rPr lang="en-GB" sz="1400" kern="1200" dirty="0"/>
+            <a:t>ML Workloads</a:t>
+          </a:r>
+        </a:p>
+      </dsp:txBody>
+      <dsp:txXfrm>
+        <a:off x="7247984" y="1960954"/>
+        <a:ext cx="1193959" cy="729209"/>
+      </dsp:txXfrm>
+    </dsp:sp>
+    <dsp:sp modelId="{6D3D8D0F-1A96-4759-B3D5-0A4A8E32394B}">
+      <dsp:nvSpPr>
+        <dsp:cNvPr id="0" name=""/>
+        <dsp:cNvSpPr/>
+      </dsp:nvSpPr>
+      <dsp:spPr>
+        <a:xfrm>
+          <a:off x="7070381" y="776392"/>
+          <a:ext cx="154916" cy="2517396"/>
+        </a:xfrm>
+        <a:custGeom>
+          <a:avLst/>
+          <a:gdLst/>
+          <a:ahLst/>
+          <a:cxnLst/>
+          <a:rect l="0" t="0" r="0" b="0"/>
+          <a:pathLst>
+            <a:path>
+              <a:moveTo>
+                <a:pt x="0" y="0"/>
+              </a:moveTo>
+              <a:lnTo>
+                <a:pt x="0" y="2517396"/>
+              </a:lnTo>
+              <a:lnTo>
+                <a:pt x="154916" y="2517396"/>
+              </a:lnTo>
+            </a:path>
+          </a:pathLst>
+        </a:custGeom>
+        <a:noFill/>
+        <a:ln w="10795" cap="flat" cmpd="sng" algn="ctr">
+          <a:solidFill>
+            <a:schemeClr val="accent1">
+              <a:shade val="60000"/>
+              <a:hueOff val="0"/>
+              <a:satOff val="0"/>
+              <a:lumOff val="0"/>
+              <a:alphaOff val="0"/>
+            </a:schemeClr>
+          </a:solidFill>
+          <a:prstDash val="solid"/>
+        </a:ln>
+        <a:effectLst/>
+      </dsp:spPr>
+      <dsp:style>
+        <a:lnRef idx="2">
+          <a:scrgbClr r="0" g="0" b="0"/>
+        </a:lnRef>
+        <a:fillRef idx="0">
+          <a:scrgbClr r="0" g="0" b="0"/>
+        </a:fillRef>
+        <a:effectRef idx="0">
+          <a:scrgbClr r="0" g="0" b="0"/>
+        </a:effectRef>
+        <a:fontRef idx="minor"/>
+      </dsp:style>
+    </dsp:sp>
+    <dsp:sp modelId="{A07ACE12-D57E-4920-B489-904C0F0329D4}">
+      <dsp:nvSpPr>
+        <dsp:cNvPr id="0" name=""/>
+        <dsp:cNvSpPr/>
+      </dsp:nvSpPr>
+      <dsp:spPr>
+        <a:xfrm>
+          <a:off x="7225297" y="2906497"/>
+          <a:ext cx="1239333" cy="774583"/>
+        </a:xfrm>
+        <a:prstGeom prst="roundRect">
+          <a:avLst>
+            <a:gd name="adj" fmla="val 10000"/>
+          </a:avLst>
+        </a:prstGeom>
+        <a:solidFill>
+          <a:schemeClr val="lt1">
+            <a:alpha val="90000"/>
+            <a:hueOff val="0"/>
+            <a:satOff val="0"/>
+            <a:lumOff val="0"/>
+            <a:alphaOff val="0"/>
+          </a:schemeClr>
+        </a:solidFill>
+        <a:ln w="10795" cap="flat" cmpd="sng" algn="ctr">
+          <a:solidFill>
+            <a:schemeClr val="accent1">
+              <a:hueOff val="0"/>
+              <a:satOff val="0"/>
+              <a:lumOff val="0"/>
+              <a:alphaOff val="0"/>
+            </a:schemeClr>
+          </a:solidFill>
+          <a:prstDash val="solid"/>
+        </a:ln>
+        <a:effectLst/>
+      </dsp:spPr>
+      <dsp:style>
+        <a:lnRef idx="2">
+          <a:scrgbClr r="0" g="0" b="0"/>
+        </a:lnRef>
+        <a:fillRef idx="1">
+          <a:scrgbClr r="0" g="0" b="0"/>
+        </a:fillRef>
+        <a:effectRef idx="0">
+          <a:scrgbClr r="0" g="0" b="0"/>
+        </a:effectRef>
+        <a:fontRef idx="minor"/>
+      </dsp:style>
+      <dsp:txBody>
+        <a:bodyPr spcFirstLastPara="0" vert="horz" wrap="square" lIns="26670" tIns="17780" rIns="26670" bIns="17780" numCol="1" spcCol="1270" anchor="ctr" anchorCtr="0">
+          <a:noAutofit/>
+        </a:bodyPr>
+        <a:lstStyle/>
+        <a:p>
+          <a:pPr marL="0" lvl="0" indent="0" algn="ctr" defTabSz="622300">
+            <a:lnSpc>
+              <a:spcPct val="90000"/>
+            </a:lnSpc>
+            <a:spcBef>
+              <a:spcPct val="0"/>
+            </a:spcBef>
+            <a:spcAft>
+              <a:spcPct val="35000"/>
+            </a:spcAft>
+            <a:buNone/>
+          </a:pPr>
+          <a:r>
+            <a:rPr lang="en-GB" sz="1400" kern="1200" dirty="0"/>
+            <a:t>Agility</a:t>
+          </a:r>
+        </a:p>
+      </dsp:txBody>
+      <dsp:txXfrm>
+        <a:off x="7247984" y="2929184"/>
+        <a:ext cx="1193959" cy="729209"/>
       </dsp:txXfrm>
     </dsp:sp>
   </dsp:spTree>
@@ -4472,7 +5425,7 @@
               <a:rPr lang="en-US" smtClean="0">
                 <a:latin typeface="Segoe UI" pitchFamily="34" charset="0"/>
               </a:rPr>
-              <a:t>7/9/2019 2:48 PM</a:t>
+              <a:t>8/28/2019 11:39 AM</a:t>
             </a:fld>
             <a:endParaRPr lang="en-US" dirty="0">
               <a:latin typeface="Segoe UI" pitchFamily="34" charset="0"/>
@@ -4750,7 +5703,7 @@
           <a:p>
             <a:fld id="{386CE63F-9E7F-4C04-9D0D-FCA25A8E9E86}" type="datetime8">
               <a:rPr lang="en-US" smtClean="0"/>
-              <a:t>7/9/2019 2:10 PM</a:t>
+              <a:t>8/28/2019 11:38 AM</a:t>
             </a:fld>
             <a:endParaRPr lang="en-US" dirty="0"/>
           </a:p>
@@ -5117,7 +6070,7 @@
           <a:p>
             <a:fld id="{3619146B-24F9-441E-A368-DB3B5A84C1D4}" type="datetime8">
               <a:rPr lang="en-US" smtClean="0"/>
-              <a:t>7/9/2019 2:10 PM</a:t>
+              <a:t>8/28/2019 11:38 AM</a:t>
             </a:fld>
             <a:endParaRPr lang="en-US" dirty="0"/>
           </a:p>
@@ -19317,36 +20270,6 @@
           </a:p>
         </p:txBody>
       </p:sp>
-      <p:sp>
-        <p:nvSpPr>
-          <p:cNvPr id="3" name="Text Placeholder 2">
-            <a:extLst>
-              <a:ext uri="{FF2B5EF4-FFF2-40B4-BE49-F238E27FC236}">
-                <a16:creationId xmlns:a16="http://schemas.microsoft.com/office/drawing/2014/main" id="{19C53844-DF99-4B41-84FD-1172A519C6F7}"/>
-              </a:ext>
-            </a:extLst>
-          </p:cNvPr>
-          <p:cNvSpPr>
-            <a:spLocks noGrp="1"/>
-          </p:cNvSpPr>
-          <p:nvPr>
-            <p:ph type="body" sz="quarter" idx="10"/>
-          </p:nvPr>
-        </p:nvSpPr>
-        <p:spPr>
-          <a:xfrm>
-            <a:off x="584200" y="1435497"/>
-            <a:ext cx="11018520" cy="430887"/>
-          </a:xfrm>
-        </p:spPr>
-        <p:txBody>
-          <a:bodyPr/>
-          <a:lstStyle/>
-          <a:p>
-            <a:endParaRPr lang="en-GB" dirty="0"/>
-          </a:p>
-        </p:txBody>
-      </p:sp>
       <p:graphicFrame>
         <p:nvGraphicFramePr>
           <p:cNvPr id="4" name="Diagram 3">
@@ -19360,13 +20283,13 @@
           <p:nvPr>
             <p:extLst>
               <p:ext uri="{D42A27DB-BD31-4B8C-83A1-F6EECF244321}">
-                <p14:modId xmlns:p14="http://schemas.microsoft.com/office/powerpoint/2010/main" val="1691312125"/>
+                <p14:modId xmlns:p14="http://schemas.microsoft.com/office/powerpoint/2010/main" val="548557541"/>
               </p:ext>
             </p:extLst>
           </p:nvPr>
         </p:nvGraphicFramePr>
         <p:xfrm>
-          <a:off x="2032000" y="1487213"/>
+          <a:off x="1310640" y="1495165"/>
           <a:ext cx="9570720" cy="4651119"/>
         </p:xfrm>
         <a:graphic>
@@ -19464,7 +20387,7 @@
           <a:p>
             <a:r>
               <a:rPr lang="en-GB" dirty="0"/>
-              <a:t>Purpose</a:t>
+              <a:t>Purpose (Raw, Refined etc.)</a:t>
             </a:r>
           </a:p>
           <a:p>
@@ -19493,6 +20416,36 @@
           </a:p>
         </p:txBody>
       </p:sp>
+      <p:pic>
+        <p:nvPicPr>
+          <p:cNvPr id="2" name="Picture 1">
+            <a:extLst>
+              <a:ext uri="{FF2B5EF4-FFF2-40B4-BE49-F238E27FC236}">
+                <a16:creationId xmlns:a16="http://schemas.microsoft.com/office/drawing/2014/main" id="{4526A253-AC9A-48DE-BB2A-B919FA0213D8}"/>
+              </a:ext>
+            </a:extLst>
+          </p:cNvPr>
+          <p:cNvPicPr>
+            <a:picLocks noChangeAspect="1"/>
+          </p:cNvPicPr>
+          <p:nvPr/>
+        </p:nvPicPr>
+        <p:blipFill>
+          <a:blip r:embed="rId2"/>
+          <a:stretch>
+            <a:fillRect/>
+          </a:stretch>
+        </p:blipFill>
+        <p:spPr>
+          <a:xfrm>
+            <a:off x="5067300" y="1302109"/>
+            <a:ext cx="7124700" cy="4667250"/>
+          </a:xfrm>
+          <a:prstGeom prst="rect">
+            <a:avLst/>
+          </a:prstGeom>
+        </p:spPr>
+      </p:pic>
     </p:spTree>
     <p:extLst>
       <p:ext uri="{BB962C8B-B14F-4D97-AF65-F5344CB8AC3E}">
@@ -19570,12 +20523,56 @@
             <p:ph type="body" sz="quarter" idx="10"/>
           </p:nvPr>
         </p:nvSpPr>
-        <p:spPr/>
+        <p:spPr>
+          <a:xfrm>
+            <a:off x="584200" y="1435497"/>
+            <a:ext cx="11018520" cy="3533275"/>
+          </a:xfrm>
+        </p:spPr>
         <p:txBody>
           <a:bodyPr/>
           <a:lstStyle/>
           <a:p>
-            <a:endParaRPr lang="en-GB"/>
+            <a:r>
+              <a:rPr lang="en-GB" dirty="0"/>
+              <a:t>Date</a:t>
+            </a:r>
+          </a:p>
+          <a:p>
+            <a:r>
+              <a:rPr lang="en-GB" dirty="0"/>
+              <a:t>Time</a:t>
+            </a:r>
+          </a:p>
+          <a:p>
+            <a:r>
+              <a:rPr lang="en-GB" dirty="0"/>
+              <a:t>System</a:t>
+            </a:r>
+          </a:p>
+          <a:p>
+            <a:r>
+              <a:rPr lang="en-GB" dirty="0"/>
+              <a:t>Table</a:t>
+            </a:r>
+          </a:p>
+          <a:p>
+            <a:r>
+              <a:rPr lang="en-GB" dirty="0"/>
+              <a:t>Format</a:t>
+            </a:r>
+          </a:p>
+          <a:p>
+            <a:r>
+              <a:rPr lang="en-GB" dirty="0"/>
+              <a:t>Purpose</a:t>
+            </a:r>
+          </a:p>
+          <a:p>
+            <a:r>
+              <a:rPr lang="en-GB" dirty="0"/>
+              <a:t>Device Serial Number (IoT)</a:t>
+            </a:r>
           </a:p>
         </p:txBody>
       </p:sp>
@@ -19617,6 +20614,699 @@
           <p:cNvPr id="2" name="Title 1">
             <a:extLst>
               <a:ext uri="{FF2B5EF4-FFF2-40B4-BE49-F238E27FC236}">
+                <a16:creationId xmlns:a16="http://schemas.microsoft.com/office/drawing/2014/main" id="{C0F2078D-73DB-4608-9260-849AA84A04BF}"/>
+              </a:ext>
+            </a:extLst>
+          </p:cNvPr>
+          <p:cNvSpPr>
+            <a:spLocks noGrp="1"/>
+          </p:cNvSpPr>
+          <p:nvPr>
+            <p:ph type="title"/>
+          </p:nvPr>
+        </p:nvSpPr>
+        <p:spPr/>
+        <p:txBody>
+          <a:bodyPr/>
+          <a:lstStyle/>
+          <a:p>
+            <a:r>
+              <a:rPr lang="en-GB" dirty="0"/>
+              <a:t>Examples – Storage Accounts</a:t>
+            </a:r>
+          </a:p>
+        </p:txBody>
+      </p:sp>
+      <p:sp>
+        <p:nvSpPr>
+          <p:cNvPr id="3" name="Text Placeholder 2">
+            <a:extLst>
+              <a:ext uri="{FF2B5EF4-FFF2-40B4-BE49-F238E27FC236}">
+                <a16:creationId xmlns:a16="http://schemas.microsoft.com/office/drawing/2014/main" id="{3A342579-AE45-43FD-992B-766790334E5F}"/>
+              </a:ext>
+            </a:extLst>
+          </p:cNvPr>
+          <p:cNvSpPr>
+            <a:spLocks noGrp="1"/>
+          </p:cNvSpPr>
+          <p:nvPr>
+            <p:ph type="body" sz="quarter" idx="10"/>
+          </p:nvPr>
+        </p:nvSpPr>
+        <p:spPr>
+          <a:xfrm>
+            <a:off x="584200" y="1435497"/>
+            <a:ext cx="11018520" cy="2499146"/>
+          </a:xfrm>
+        </p:spPr>
+        <p:txBody>
+          <a:bodyPr/>
+          <a:lstStyle/>
+          <a:p>
+            <a:r>
+              <a:rPr lang="en-GB" dirty="0">
+                <a:solidFill>
+                  <a:srgbClr val="00B0F0"/>
+                </a:solidFill>
+              </a:rPr>
+              <a:t>Group</a:t>
+            </a:r>
+            <a:r>
+              <a:rPr lang="en-GB" dirty="0"/>
+              <a:t>/Company/purpose/System/Date/File</a:t>
+            </a:r>
+          </a:p>
+          <a:p>
+            <a:endParaRPr lang="en-GB" dirty="0">
+              <a:solidFill>
+                <a:srgbClr val="00B0F0"/>
+              </a:solidFill>
+            </a:endParaRPr>
+          </a:p>
+          <a:p>
+            <a:endParaRPr lang="en-GB" dirty="0">
+              <a:solidFill>
+                <a:srgbClr val="00B0F0"/>
+              </a:solidFill>
+            </a:endParaRPr>
+          </a:p>
+          <a:p>
+            <a:r>
+              <a:rPr lang="en-GB" dirty="0">
+                <a:solidFill>
+                  <a:srgbClr val="00B0F0"/>
+                </a:solidFill>
+              </a:rPr>
+              <a:t>Group/Company</a:t>
+            </a:r>
+            <a:r>
+              <a:rPr lang="en-GB" dirty="0"/>
+              <a:t>/purpose/System/Date/File</a:t>
+            </a:r>
+          </a:p>
+          <a:p>
+            <a:endParaRPr lang="en-GB" dirty="0"/>
+          </a:p>
+        </p:txBody>
+      </p:sp>
+      <p:sp>
+        <p:nvSpPr>
+          <p:cNvPr id="4" name="Right Brace 3">
+            <a:extLst>
+              <a:ext uri="{FF2B5EF4-FFF2-40B4-BE49-F238E27FC236}">
+                <a16:creationId xmlns:a16="http://schemas.microsoft.com/office/drawing/2014/main" id="{504674FF-E1CF-4070-BD47-5A17A6D60C88}"/>
+              </a:ext>
+            </a:extLst>
+          </p:cNvPr>
+          <p:cNvSpPr/>
+          <p:nvPr/>
+        </p:nvSpPr>
+        <p:spPr>
+          <a:xfrm rot="5400000">
+            <a:off x="1156915" y="1553040"/>
+            <a:ext cx="246491" cy="910424"/>
+          </a:xfrm>
+          <a:prstGeom prst="rightBrace">
+            <a:avLst/>
+          </a:prstGeom>
+          <a:ln>
+            <a:solidFill>
+              <a:schemeClr val="tx1"/>
+            </a:solidFill>
+            <a:headEnd type="none" w="lg" len="med"/>
+            <a:tailEnd type="none" w="lg" len="med"/>
+          </a:ln>
+        </p:spPr>
+        <p:style>
+          <a:lnRef idx="1">
+            <a:schemeClr val="accent1"/>
+          </a:lnRef>
+          <a:fillRef idx="0">
+            <a:schemeClr val="accent1"/>
+          </a:fillRef>
+          <a:effectRef idx="0">
+            <a:schemeClr val="accent1"/>
+          </a:effectRef>
+          <a:fontRef idx="minor">
+            <a:schemeClr val="tx1"/>
+          </a:fontRef>
+        </p:style>
+        <p:txBody>
+          <a:bodyPr rtlCol="0" anchor="ctr"/>
+          <a:lstStyle/>
+          <a:p>
+            <a:pPr algn="ctr"/>
+            <a:endParaRPr lang="en-GB"/>
+          </a:p>
+        </p:txBody>
+      </p:sp>
+      <p:sp>
+        <p:nvSpPr>
+          <p:cNvPr id="5" name="Right Brace 4">
+            <a:extLst>
+              <a:ext uri="{FF2B5EF4-FFF2-40B4-BE49-F238E27FC236}">
+                <a16:creationId xmlns:a16="http://schemas.microsoft.com/office/drawing/2014/main" id="{E8490EAA-7E97-4C7B-87B1-982424559B2E}"/>
+              </a:ext>
+            </a:extLst>
+          </p:cNvPr>
+          <p:cNvSpPr/>
+          <p:nvPr/>
+        </p:nvSpPr>
+        <p:spPr>
+          <a:xfrm rot="5400000">
+            <a:off x="4315241" y="-598119"/>
+            <a:ext cx="246491" cy="5212743"/>
+          </a:xfrm>
+          <a:prstGeom prst="rightBrace">
+            <a:avLst/>
+          </a:prstGeom>
+          <a:ln>
+            <a:solidFill>
+              <a:schemeClr val="tx1"/>
+            </a:solidFill>
+            <a:headEnd type="none" w="lg" len="med"/>
+            <a:tailEnd type="none" w="lg" len="med"/>
+          </a:ln>
+        </p:spPr>
+        <p:style>
+          <a:lnRef idx="1">
+            <a:schemeClr val="accent1"/>
+          </a:lnRef>
+          <a:fillRef idx="0">
+            <a:schemeClr val="accent1"/>
+          </a:fillRef>
+          <a:effectRef idx="0">
+            <a:schemeClr val="accent1"/>
+          </a:effectRef>
+          <a:fontRef idx="minor">
+            <a:schemeClr val="tx1"/>
+          </a:fontRef>
+        </p:style>
+        <p:txBody>
+          <a:bodyPr rtlCol="0" anchor="ctr"/>
+          <a:lstStyle/>
+          <a:p>
+            <a:pPr algn="ctr"/>
+            <a:endParaRPr lang="en-GB"/>
+          </a:p>
+        </p:txBody>
+      </p:sp>
+      <p:sp>
+        <p:nvSpPr>
+          <p:cNvPr id="6" name="Right Brace 5">
+            <a:extLst>
+              <a:ext uri="{FF2B5EF4-FFF2-40B4-BE49-F238E27FC236}">
+                <a16:creationId xmlns:a16="http://schemas.microsoft.com/office/drawing/2014/main" id="{D41A37D2-6F59-4B13-91E1-5FE9A0BE6AB0}"/>
+              </a:ext>
+            </a:extLst>
+          </p:cNvPr>
+          <p:cNvSpPr/>
+          <p:nvPr/>
+        </p:nvSpPr>
+        <p:spPr>
+          <a:xfrm rot="5400000">
+            <a:off x="1966952" y="2330614"/>
+            <a:ext cx="246491" cy="2530503"/>
+          </a:xfrm>
+          <a:prstGeom prst="rightBrace">
+            <a:avLst/>
+          </a:prstGeom>
+          <a:ln>
+            <a:solidFill>
+              <a:schemeClr val="tx1"/>
+            </a:solidFill>
+            <a:headEnd type="none" w="lg" len="med"/>
+            <a:tailEnd type="none" w="lg" len="med"/>
+          </a:ln>
+        </p:spPr>
+        <p:style>
+          <a:lnRef idx="1">
+            <a:schemeClr val="accent1"/>
+          </a:lnRef>
+          <a:fillRef idx="0">
+            <a:schemeClr val="accent1"/>
+          </a:fillRef>
+          <a:effectRef idx="0">
+            <a:schemeClr val="accent1"/>
+          </a:effectRef>
+          <a:fontRef idx="minor">
+            <a:schemeClr val="tx1"/>
+          </a:fontRef>
+        </p:style>
+        <p:txBody>
+          <a:bodyPr rtlCol="0" anchor="ctr"/>
+          <a:lstStyle/>
+          <a:p>
+            <a:pPr algn="ctr"/>
+            <a:endParaRPr lang="en-GB"/>
+          </a:p>
+        </p:txBody>
+      </p:sp>
+      <p:sp>
+        <p:nvSpPr>
+          <p:cNvPr id="7" name="Right Brace 6">
+            <a:extLst>
+              <a:ext uri="{FF2B5EF4-FFF2-40B4-BE49-F238E27FC236}">
+                <a16:creationId xmlns:a16="http://schemas.microsoft.com/office/drawing/2014/main" id="{65A4DD42-CC56-445E-A944-3D400E9A5FB9}"/>
+              </a:ext>
+            </a:extLst>
+          </p:cNvPr>
+          <p:cNvSpPr/>
+          <p:nvPr/>
+        </p:nvSpPr>
+        <p:spPr>
+          <a:xfrm rot="5400000">
+            <a:off x="5076907" y="1751160"/>
+            <a:ext cx="246491" cy="3689408"/>
+          </a:xfrm>
+          <a:prstGeom prst="rightBrace">
+            <a:avLst/>
+          </a:prstGeom>
+          <a:ln>
+            <a:solidFill>
+              <a:schemeClr val="tx1"/>
+            </a:solidFill>
+            <a:headEnd type="none" w="lg" len="med"/>
+            <a:tailEnd type="none" w="lg" len="med"/>
+          </a:ln>
+        </p:spPr>
+        <p:style>
+          <a:lnRef idx="1">
+            <a:schemeClr val="accent1"/>
+          </a:lnRef>
+          <a:fillRef idx="0">
+            <a:schemeClr val="accent1"/>
+          </a:fillRef>
+          <a:effectRef idx="0">
+            <a:schemeClr val="accent1"/>
+          </a:effectRef>
+          <a:fontRef idx="minor">
+            <a:schemeClr val="tx1"/>
+          </a:fontRef>
+        </p:style>
+        <p:txBody>
+          <a:bodyPr rtlCol="0" anchor="ctr"/>
+          <a:lstStyle/>
+          <a:p>
+            <a:pPr algn="ctr"/>
+            <a:endParaRPr lang="en-GB"/>
+          </a:p>
+        </p:txBody>
+      </p:sp>
+      <p:sp>
+        <p:nvSpPr>
+          <p:cNvPr id="8" name="TextBox 7">
+            <a:extLst>
+              <a:ext uri="{FF2B5EF4-FFF2-40B4-BE49-F238E27FC236}">
+                <a16:creationId xmlns:a16="http://schemas.microsoft.com/office/drawing/2014/main" id="{14F464DC-A870-40EF-92B8-C8B804EA5F95}"/>
+              </a:ext>
+            </a:extLst>
+          </p:cNvPr>
+          <p:cNvSpPr txBox="1"/>
+          <p:nvPr/>
+        </p:nvSpPr>
+        <p:spPr>
+          <a:xfrm>
+            <a:off x="659959" y="2184683"/>
+            <a:ext cx="1335819" cy="215444"/>
+          </a:xfrm>
+          <a:prstGeom prst="rect">
+            <a:avLst/>
+          </a:prstGeom>
+          <a:noFill/>
+        </p:spPr>
+        <p:txBody>
+          <a:bodyPr wrap="square" lIns="0" tIns="0" rIns="0" bIns="0" rtlCol="0">
+            <a:spAutoFit/>
+          </a:bodyPr>
+          <a:lstStyle/>
+          <a:p>
+            <a:pPr algn="l"/>
+            <a:r>
+              <a:rPr lang="en-GB" sz="1400" dirty="0">
+                <a:gradFill>
+                  <a:gsLst>
+                    <a:gs pos="2917">
+                      <a:schemeClr val="tx1"/>
+                    </a:gs>
+                    <a:gs pos="30000">
+                      <a:schemeClr val="tx1"/>
+                    </a:gs>
+                  </a:gsLst>
+                  <a:lin ang="5400000" scaled="0"/>
+                </a:gradFill>
+              </a:rPr>
+              <a:t>Storage Account</a:t>
+            </a:r>
+          </a:p>
+        </p:txBody>
+      </p:sp>
+      <p:sp>
+        <p:nvSpPr>
+          <p:cNvPr id="9" name="TextBox 8">
+            <a:extLst>
+              <a:ext uri="{FF2B5EF4-FFF2-40B4-BE49-F238E27FC236}">
+                <a16:creationId xmlns:a16="http://schemas.microsoft.com/office/drawing/2014/main" id="{76308300-AC0C-4666-BB83-31A8DA816F15}"/>
+              </a:ext>
+            </a:extLst>
+          </p:cNvPr>
+          <p:cNvSpPr txBox="1"/>
+          <p:nvPr/>
+        </p:nvSpPr>
+        <p:spPr>
+          <a:xfrm>
+            <a:off x="4565372" y="3772384"/>
+            <a:ext cx="1335819" cy="215444"/>
+          </a:xfrm>
+          <a:prstGeom prst="rect">
+            <a:avLst/>
+          </a:prstGeom>
+          <a:noFill/>
+        </p:spPr>
+        <p:txBody>
+          <a:bodyPr wrap="square" lIns="0" tIns="0" rIns="0" bIns="0" rtlCol="0">
+            <a:spAutoFit/>
+          </a:bodyPr>
+          <a:lstStyle/>
+          <a:p>
+            <a:pPr algn="l"/>
+            <a:r>
+              <a:rPr lang="en-GB" sz="1400" dirty="0">
+                <a:gradFill>
+                  <a:gsLst>
+                    <a:gs pos="2917">
+                      <a:schemeClr val="tx1"/>
+                    </a:gs>
+                    <a:gs pos="30000">
+                      <a:schemeClr val="tx1"/>
+                    </a:gs>
+                  </a:gsLst>
+                  <a:lin ang="5400000" scaled="0"/>
+                </a:gradFill>
+              </a:rPr>
+              <a:t>Folder Structure</a:t>
+            </a:r>
+          </a:p>
+        </p:txBody>
+      </p:sp>
+      <p:sp>
+        <p:nvSpPr>
+          <p:cNvPr id="10" name="TextBox 9">
+            <a:extLst>
+              <a:ext uri="{FF2B5EF4-FFF2-40B4-BE49-F238E27FC236}">
+                <a16:creationId xmlns:a16="http://schemas.microsoft.com/office/drawing/2014/main" id="{FE2CC684-080D-409A-A32E-68A27FC5B65B}"/>
+              </a:ext>
+            </a:extLst>
+          </p:cNvPr>
+          <p:cNvSpPr txBox="1"/>
+          <p:nvPr/>
+        </p:nvSpPr>
+        <p:spPr>
+          <a:xfrm>
+            <a:off x="1468341" y="3772384"/>
+            <a:ext cx="1335819" cy="215444"/>
+          </a:xfrm>
+          <a:prstGeom prst="rect">
+            <a:avLst/>
+          </a:prstGeom>
+          <a:noFill/>
+        </p:spPr>
+        <p:txBody>
+          <a:bodyPr wrap="square" lIns="0" tIns="0" rIns="0" bIns="0" rtlCol="0">
+            <a:spAutoFit/>
+          </a:bodyPr>
+          <a:lstStyle/>
+          <a:p>
+            <a:pPr algn="l"/>
+            <a:r>
+              <a:rPr lang="en-GB" sz="1400" dirty="0">
+                <a:gradFill>
+                  <a:gsLst>
+                    <a:gs pos="2917">
+                      <a:schemeClr val="tx1"/>
+                    </a:gs>
+                    <a:gs pos="30000">
+                      <a:schemeClr val="tx1"/>
+                    </a:gs>
+                  </a:gsLst>
+                  <a:lin ang="5400000" scaled="0"/>
+                </a:gradFill>
+              </a:rPr>
+              <a:t>Storage Account</a:t>
+            </a:r>
+          </a:p>
+        </p:txBody>
+      </p:sp>
+      <p:sp>
+        <p:nvSpPr>
+          <p:cNvPr id="11" name="TextBox 10">
+            <a:extLst>
+              <a:ext uri="{FF2B5EF4-FFF2-40B4-BE49-F238E27FC236}">
+                <a16:creationId xmlns:a16="http://schemas.microsoft.com/office/drawing/2014/main" id="{D772EEAC-D0FB-487E-B30B-7718DE5A54B3}"/>
+              </a:ext>
+            </a:extLst>
+          </p:cNvPr>
+          <p:cNvSpPr txBox="1"/>
+          <p:nvPr/>
+        </p:nvSpPr>
+        <p:spPr>
+          <a:xfrm>
+            <a:off x="3864333" y="2184683"/>
+            <a:ext cx="1335819" cy="215444"/>
+          </a:xfrm>
+          <a:prstGeom prst="rect">
+            <a:avLst/>
+          </a:prstGeom>
+          <a:noFill/>
+        </p:spPr>
+        <p:txBody>
+          <a:bodyPr wrap="square" lIns="0" tIns="0" rIns="0" bIns="0" rtlCol="0">
+            <a:spAutoFit/>
+          </a:bodyPr>
+          <a:lstStyle/>
+          <a:p>
+            <a:pPr algn="l"/>
+            <a:r>
+              <a:rPr lang="en-GB" sz="1400" dirty="0">
+                <a:gradFill>
+                  <a:gsLst>
+                    <a:gs pos="2917">
+                      <a:schemeClr val="tx1"/>
+                    </a:gs>
+                    <a:gs pos="30000">
+                      <a:schemeClr val="tx1"/>
+                    </a:gs>
+                  </a:gsLst>
+                  <a:lin ang="5400000" scaled="0"/>
+                </a:gradFill>
+              </a:rPr>
+              <a:t>Folder Structure</a:t>
+            </a:r>
+          </a:p>
+        </p:txBody>
+      </p:sp>
+    </p:spTree>
+    <p:extLst>
+      <p:ext uri="{BB962C8B-B14F-4D97-AF65-F5344CB8AC3E}">
+        <p14:creationId xmlns:p14="http://schemas.microsoft.com/office/powerpoint/2010/main" val="215589784"/>
+      </p:ext>
+    </p:extLst>
+  </p:cSld>
+  <p:clrMapOvr>
+    <a:masterClrMapping/>
+  </p:clrMapOvr>
+  <p:transition>
+    <p:fade/>
+  </p:transition>
+</p:sld>
+</file>
+
+<file path=ppt/slides/slide6.xml><?xml version="1.0" encoding="utf-8"?>
+<p:sld xmlns:a="http://schemas.openxmlformats.org/drawingml/2006/main" xmlns:r="http://schemas.openxmlformats.org/officeDocument/2006/relationships" xmlns:p="http://schemas.openxmlformats.org/presentationml/2006/main">
+  <p:cSld>
+    <p:spTree>
+      <p:nvGrpSpPr>
+        <p:cNvPr id="1" name=""/>
+        <p:cNvGrpSpPr/>
+        <p:nvPr/>
+      </p:nvGrpSpPr>
+      <p:grpSpPr>
+        <a:xfrm>
+          <a:off x="0" y="0"/>
+          <a:ext cx="0" cy="0"/>
+          <a:chOff x="0" y="0"/>
+          <a:chExt cx="0" cy="0"/>
+        </a:xfrm>
+      </p:grpSpPr>
+      <p:sp>
+        <p:nvSpPr>
+          <p:cNvPr id="2" name="Title 1">
+            <a:extLst>
+              <a:ext uri="{FF2B5EF4-FFF2-40B4-BE49-F238E27FC236}">
+                <a16:creationId xmlns:a16="http://schemas.microsoft.com/office/drawing/2014/main" id="{F7512C1C-496C-4C88-863F-2AD7851612F6}"/>
+              </a:ext>
+            </a:extLst>
+          </p:cNvPr>
+          <p:cNvSpPr>
+            <a:spLocks noGrp="1"/>
+          </p:cNvSpPr>
+          <p:nvPr>
+            <p:ph type="title"/>
+          </p:nvPr>
+        </p:nvSpPr>
+        <p:spPr/>
+        <p:txBody>
+          <a:bodyPr/>
+          <a:lstStyle/>
+          <a:p>
+            <a:r>
+              <a:rPr lang="en-GB" dirty="0"/>
+              <a:t>Examples – Folder and File Structures</a:t>
+            </a:r>
+          </a:p>
+        </p:txBody>
+      </p:sp>
+      <p:sp>
+        <p:nvSpPr>
+          <p:cNvPr id="3" name="Text Placeholder 2">
+            <a:extLst>
+              <a:ext uri="{FF2B5EF4-FFF2-40B4-BE49-F238E27FC236}">
+                <a16:creationId xmlns:a16="http://schemas.microsoft.com/office/drawing/2014/main" id="{08FE7AE7-2323-4A30-85BF-9A4D882441DF}"/>
+              </a:ext>
+            </a:extLst>
+          </p:cNvPr>
+          <p:cNvSpPr>
+            <a:spLocks noGrp="1"/>
+          </p:cNvSpPr>
+          <p:nvPr>
+            <p:ph type="body" sz="quarter" idx="10"/>
+          </p:nvPr>
+        </p:nvSpPr>
+        <p:spPr>
+          <a:xfrm>
+            <a:off x="584200" y="1435497"/>
+            <a:ext cx="11018520" cy="1982081"/>
+          </a:xfrm>
+        </p:spPr>
+        <p:txBody>
+          <a:bodyPr/>
+          <a:lstStyle/>
+          <a:p>
+            <a:r>
+              <a:rPr lang="en-GB" dirty="0"/>
+              <a:t>group/company/purpose/system/</a:t>
+            </a:r>
+            <a:r>
+              <a:rPr lang="en-GB" dirty="0" err="1"/>
+              <a:t>yyyy</a:t>
+            </a:r>
+            <a:r>
+              <a:rPr lang="en-GB" dirty="0"/>
+              <a:t>/MM/dd/HH/</a:t>
+            </a:r>
+            <a:r>
+              <a:rPr lang="en-GB" dirty="0">
+                <a:solidFill>
+                  <a:srgbClr val="FF0000"/>
+                </a:solidFill>
+              </a:rPr>
+              <a:t>file.csv</a:t>
+            </a:r>
+          </a:p>
+          <a:p>
+            <a:r>
+              <a:rPr lang="en-GB" dirty="0"/>
+              <a:t>group/company/system/purpose/</a:t>
+            </a:r>
+            <a:r>
+              <a:rPr lang="en-GB" dirty="0" err="1"/>
+              <a:t>yyyy</a:t>
+            </a:r>
+            <a:r>
+              <a:rPr lang="en-GB" dirty="0"/>
+              <a:t>/MM/dd/HH/</a:t>
+            </a:r>
+            <a:r>
+              <a:rPr lang="en-GB" dirty="0">
+                <a:solidFill>
+                  <a:srgbClr val="FF0000"/>
+                </a:solidFill>
+              </a:rPr>
+              <a:t>file.csv</a:t>
+            </a:r>
+          </a:p>
+          <a:p>
+            <a:r>
+              <a:rPr lang="en-GB" dirty="0"/>
+              <a:t>purpose/system/company/</a:t>
+            </a:r>
+            <a:r>
+              <a:rPr lang="en-GB" dirty="0">
+                <a:solidFill>
+                  <a:srgbClr val="FF0000"/>
+                </a:solidFill>
+              </a:rPr>
+              <a:t>yyyyMMddHH.csv</a:t>
+            </a:r>
+          </a:p>
+          <a:p>
+            <a:r>
+              <a:rPr lang="en-GB" dirty="0">
+                <a:solidFill>
+                  <a:schemeClr val="tx1"/>
+                </a:solidFill>
+              </a:rPr>
+              <a:t>purpose/</a:t>
+            </a:r>
+            <a:r>
+              <a:rPr lang="en-GB" dirty="0">
+                <a:solidFill>
+                  <a:srgbClr val="FF0000"/>
+                </a:solidFill>
+              </a:rPr>
+              <a:t>yyyyMMddHHCompanySystemTable.csv</a:t>
+            </a:r>
+          </a:p>
+        </p:txBody>
+      </p:sp>
+    </p:spTree>
+    <p:extLst>
+      <p:ext uri="{BB962C8B-B14F-4D97-AF65-F5344CB8AC3E}">
+        <p14:creationId xmlns:p14="http://schemas.microsoft.com/office/powerpoint/2010/main" val="3988933352"/>
+      </p:ext>
+    </p:extLst>
+  </p:cSld>
+  <p:clrMapOvr>
+    <a:masterClrMapping/>
+  </p:clrMapOvr>
+  <p:transition>
+    <p:fade/>
+  </p:transition>
+</p:sld>
+</file>
+
+<file path=ppt/slides/slide7.xml><?xml version="1.0" encoding="utf-8"?>
+<p:sld xmlns:a="http://schemas.openxmlformats.org/drawingml/2006/main" xmlns:r="http://schemas.openxmlformats.org/officeDocument/2006/relationships" xmlns:p="http://schemas.openxmlformats.org/presentationml/2006/main">
+  <p:cSld>
+    <p:spTree>
+      <p:nvGrpSpPr>
+        <p:cNvPr id="1" name=""/>
+        <p:cNvGrpSpPr/>
+        <p:nvPr/>
+      </p:nvGrpSpPr>
+      <p:grpSpPr>
+        <a:xfrm>
+          <a:off x="0" y="0"/>
+          <a:ext cx="0" cy="0"/>
+          <a:chOff x="0" y="0"/>
+          <a:chExt cx="0" cy="0"/>
+        </a:xfrm>
+      </p:grpSpPr>
+      <p:sp>
+        <p:nvSpPr>
+          <p:cNvPr id="2" name="Title 1">
+            <a:extLst>
+              <a:ext uri="{FF2B5EF4-FFF2-40B4-BE49-F238E27FC236}">
                 <a16:creationId xmlns:a16="http://schemas.microsoft.com/office/drawing/2014/main" id="{6DEAD814-22CF-423F-8F19-731294C9231B}"/>
               </a:ext>
             </a:extLst>
@@ -19707,7 +21397,7 @@
 </p:sld>
 </file>
 
-<file path=ppt/slides/slide6.xml><?xml version="1.0" encoding="utf-8"?>
+<file path=ppt/slides/slide8.xml><?xml version="1.0" encoding="utf-8"?>
 <p:sld xmlns:a="http://schemas.openxmlformats.org/drawingml/2006/main" xmlns:r="http://schemas.openxmlformats.org/officeDocument/2006/relationships" xmlns:p="http://schemas.openxmlformats.org/presentationml/2006/main">
   <p:cSld>
     <p:spTree>
@@ -20943,9 +22633,12 @@
 </file>
 
 <file path=customXml/item1.xml><?xml version="1.0" encoding="utf-8"?>
-<p:properties xmlns:p="http://schemas.microsoft.com/office/2006/metadata/properties" xmlns:xsi="http://www.w3.org/2001/XMLSchema-instance" xmlns:pc="http://schemas.microsoft.com/office/infopath/2007/PartnerControls">
-  <documentManagement/>
-</p:properties>
+<?mso-contentType ?>
+<FormTemplates xmlns="http://schemas.microsoft.com/sharepoint/v3/contenttype/forms">
+  <Display>DocumentLibraryForm</Display>
+  <Edit>DocumentLibraryForm</Edit>
+  <New>DocumentLibraryForm</New>
+</FormTemplates>
 </file>
 
 <file path=customXml/item2.xml><?xml version="1.0" encoding="utf-8"?>
@@ -21103,26 +22796,15 @@
 </file>
 
 <file path=customXml/item3.xml><?xml version="1.0" encoding="utf-8"?>
-<?mso-contentType ?>
-<FormTemplates xmlns="http://schemas.microsoft.com/sharepoint/v3/contenttype/forms">
-  <Display>DocumentLibraryForm</Display>
-  <Edit>DocumentLibraryForm</Edit>
-  <New>DocumentLibraryForm</New>
-</FormTemplates>
+<p:properties xmlns:p="http://schemas.microsoft.com/office/2006/metadata/properties" xmlns:xsi="http://www.w3.org/2001/XMLSchema-instance" xmlns:pc="http://schemas.microsoft.com/office/infopath/2007/PartnerControls">
+  <documentManagement/>
+</p:properties>
 </file>
 
 <file path=customXml/itemProps1.xml><?xml version="1.0" encoding="utf-8"?>
-<ds:datastoreItem xmlns:ds="http://schemas.openxmlformats.org/officeDocument/2006/customXml" ds:itemID="{F990F116-B58F-4255-B05B-DA3808E0E5C6}">
+<ds:datastoreItem xmlns:ds="http://schemas.openxmlformats.org/officeDocument/2006/customXml" ds:itemID="{758FDAC0-319D-4A54-8D8E-1D42CB1F8004}">
   <ds:schemaRefs>
-    <ds:schemaRef ds:uri="http://purl.org/dc/elements/1.1/"/>
-    <ds:schemaRef ds:uri="http://schemas.microsoft.com/office/2006/metadata/properties"/>
-    <ds:schemaRef ds:uri="http://schemas.microsoft.com/office/2006/documentManagement/types"/>
-    <ds:schemaRef ds:uri="http://purl.org/dc/terms/"/>
-    <ds:schemaRef ds:uri="http://schemas.openxmlformats.org/package/2006/metadata/core-properties"/>
-    <ds:schemaRef ds:uri="630a2e83-186a-4a0f-ab27-bee8a8096abc"/>
-    <ds:schemaRef ds:uri="http://purl.org/dc/dcmitype/"/>
-    <ds:schemaRef ds:uri="http://schemas.microsoft.com/office/infopath/2007/PartnerControls"/>
-    <ds:schemaRef ds:uri="http://www.w3.org/XML/1998/namespace"/>
+    <ds:schemaRef ds:uri="http://schemas.microsoft.com/sharepoint/v3/contenttype/forms"/>
   </ds:schemaRefs>
 </ds:datastoreItem>
 </file>
@@ -21146,9 +22828,17 @@
 </file>
 
 <file path=customXml/itemProps3.xml><?xml version="1.0" encoding="utf-8"?>
-<ds:datastoreItem xmlns:ds="http://schemas.openxmlformats.org/officeDocument/2006/customXml" ds:itemID="{758FDAC0-319D-4A54-8D8E-1D42CB1F8004}">
+<ds:datastoreItem xmlns:ds="http://schemas.openxmlformats.org/officeDocument/2006/customXml" ds:itemID="{F990F116-B58F-4255-B05B-DA3808E0E5C6}">
   <ds:schemaRefs>
-    <ds:schemaRef ds:uri="http://schemas.microsoft.com/sharepoint/v3/contenttype/forms"/>
+    <ds:schemaRef ds:uri="http://purl.org/dc/elements/1.1/"/>
+    <ds:schemaRef ds:uri="http://schemas.microsoft.com/office/2006/metadata/properties"/>
+    <ds:schemaRef ds:uri="http://schemas.microsoft.com/office/2006/documentManagement/types"/>
+    <ds:schemaRef ds:uri="http://purl.org/dc/terms/"/>
+    <ds:schemaRef ds:uri="http://schemas.openxmlformats.org/package/2006/metadata/core-properties"/>
+    <ds:schemaRef ds:uri="630a2e83-186a-4a0f-ab27-bee8a8096abc"/>
+    <ds:schemaRef ds:uri="http://purl.org/dc/dcmitype/"/>
+    <ds:schemaRef ds:uri="http://schemas.microsoft.com/office/infopath/2007/PartnerControls"/>
+    <ds:schemaRef ds:uri="http://www.w3.org/XML/1998/namespace"/>
   </ds:schemaRefs>
 </ds:datastoreItem>
 </file>
--- a/Session2/content/OrganisingADataLake.pptx
+++ b/Session2/content/OrganisingADataLake.pptx
@@ -6,20 +6,22 @@
     <p:sldMasterId id="2147484642" r:id="rId5"/>
   </p:sldMasterIdLst>
   <p:notesMasterIdLst>
-    <p:notesMasterId r:id="rId14"/>
+    <p:notesMasterId r:id="rId16"/>
   </p:notesMasterIdLst>
   <p:handoutMasterIdLst>
-    <p:handoutMasterId r:id="rId15"/>
+    <p:handoutMasterId r:id="rId17"/>
   </p:handoutMasterIdLst>
   <p:sldIdLst>
     <p:sldId id="1719" r:id="rId6"/>
-    <p:sldId id="1724" r:id="rId7"/>
-    <p:sldId id="1720" r:id="rId8"/>
-    <p:sldId id="1722" r:id="rId9"/>
-    <p:sldId id="1725" r:id="rId10"/>
-    <p:sldId id="1726" r:id="rId11"/>
-    <p:sldId id="1723" r:id="rId12"/>
-    <p:sldId id="1721" r:id="rId13"/>
+    <p:sldId id="1727" r:id="rId7"/>
+    <p:sldId id="1728" r:id="rId8"/>
+    <p:sldId id="1729" r:id="rId9"/>
+    <p:sldId id="1730" r:id="rId10"/>
+    <p:sldId id="1724" r:id="rId11"/>
+    <p:sldId id="1720" r:id="rId12"/>
+    <p:sldId id="1722" r:id="rId13"/>
+    <p:sldId id="1725" r:id="rId14"/>
+    <p:sldId id="1726" r:id="rId15"/>
   </p:sldIdLst>
   <p:sldSz cx="12192000" cy="6858000"/>
   <p:notesSz cx="6858000" cy="9144000"/>
@@ -126,6 +128,14 @@
             <p14:sldId id="1719"/>
           </p14:sldIdLst>
         </p14:section>
+        <p14:section name="File Formats" id="{6AC05CF3-30AE-439E-BE18-8B1F1212377A}">
+          <p14:sldIdLst>
+            <p14:sldId id="1727"/>
+            <p14:sldId id="1728"/>
+            <p14:sldId id="1729"/>
+            <p14:sldId id="1730"/>
+          </p14:sldIdLst>
+        </p14:section>
         <p14:section name="Organisation" id="{0CBECA37-59C2-4831-92AF-DBCAC36E9891}">
           <p14:sldIdLst>
             <p14:sldId id="1724"/>
@@ -133,13 +143,10 @@
             <p14:sldId id="1722"/>
             <p14:sldId id="1725"/>
             <p14:sldId id="1726"/>
-            <p14:sldId id="1723"/>
           </p14:sldIdLst>
         </p14:section>
         <p14:section name="Security" id="{C1C9F970-B679-4471-879C-E431CC4E90CF}">
-          <p14:sldIdLst>
-            <p14:sldId id="1721"/>
-          </p14:sldIdLst>
+          <p14:sldIdLst/>
         </p14:section>
       </p14:sectionLst>
     </p:ext>
@@ -5425,7 +5432,7 @@
               <a:rPr lang="en-US" smtClean="0">
                 <a:latin typeface="Segoe UI" pitchFamily="34" charset="0"/>
               </a:rPr>
-              <a:t>8/28/2019 11:39 AM</a:t>
+              <a:t>6/4/2020 9:56 AM</a:t>
             </a:fld>
             <a:endParaRPr lang="en-US" dirty="0">
               <a:latin typeface="Segoe UI" pitchFamily="34" charset="0"/>
@@ -5703,7 +5710,7 @@
           <a:p>
             <a:fld id="{386CE63F-9E7F-4C04-9D0D-FCA25A8E9E86}" type="datetime8">
               <a:rPr lang="en-US" smtClean="0"/>
-              <a:t>8/28/2019 11:38 AM</a:t>
+              <a:t>6/4/2020 9:56 AM</a:t>
             </a:fld>
             <a:endParaRPr lang="en-US" dirty="0"/>
           </a:p>
@@ -6070,7 +6077,7 @@
           <a:p>
             <a:fld id="{3619146B-24F9-441E-A368-DB3B5A84C1D4}" type="datetime8">
               <a:rPr lang="en-US" smtClean="0"/>
-              <a:t>8/28/2019 11:38 AM</a:t>
+              <a:t>6/4/2020 9:56 AM</a:t>
             </a:fld>
             <a:endParaRPr lang="en-US" dirty="0"/>
           </a:p>
@@ -20225,7 +20232,3718 @@
 </p:sld>
 </file>
 
+<file path=ppt/slides/slide10.xml><?xml version="1.0" encoding="utf-8"?>
+<p:sld xmlns:a="http://schemas.openxmlformats.org/drawingml/2006/main" xmlns:r="http://schemas.openxmlformats.org/officeDocument/2006/relationships" xmlns:p="http://schemas.openxmlformats.org/presentationml/2006/main">
+  <p:cSld>
+    <p:spTree>
+      <p:nvGrpSpPr>
+        <p:cNvPr id="1" name=""/>
+        <p:cNvGrpSpPr/>
+        <p:nvPr/>
+      </p:nvGrpSpPr>
+      <p:grpSpPr>
+        <a:xfrm>
+          <a:off x="0" y="0"/>
+          <a:ext cx="0" cy="0"/>
+          <a:chOff x="0" y="0"/>
+          <a:chExt cx="0" cy="0"/>
+        </a:xfrm>
+      </p:grpSpPr>
+      <p:sp>
+        <p:nvSpPr>
+          <p:cNvPr id="2" name="Title 1">
+            <a:extLst>
+              <a:ext uri="{FF2B5EF4-FFF2-40B4-BE49-F238E27FC236}">
+                <a16:creationId xmlns:a16="http://schemas.microsoft.com/office/drawing/2014/main" id="{F7512C1C-496C-4C88-863F-2AD7851612F6}"/>
+              </a:ext>
+            </a:extLst>
+          </p:cNvPr>
+          <p:cNvSpPr>
+            <a:spLocks noGrp="1"/>
+          </p:cNvSpPr>
+          <p:nvPr>
+            <p:ph type="title"/>
+          </p:nvPr>
+        </p:nvSpPr>
+        <p:spPr/>
+        <p:txBody>
+          <a:bodyPr/>
+          <a:lstStyle/>
+          <a:p>
+            <a:r>
+              <a:rPr lang="en-GB" dirty="0"/>
+              <a:t>Examples – Folder and File Structures</a:t>
+            </a:r>
+          </a:p>
+        </p:txBody>
+      </p:sp>
+      <p:sp>
+        <p:nvSpPr>
+          <p:cNvPr id="3" name="Text Placeholder 2">
+            <a:extLst>
+              <a:ext uri="{FF2B5EF4-FFF2-40B4-BE49-F238E27FC236}">
+                <a16:creationId xmlns:a16="http://schemas.microsoft.com/office/drawing/2014/main" id="{08FE7AE7-2323-4A30-85BF-9A4D882441DF}"/>
+              </a:ext>
+            </a:extLst>
+          </p:cNvPr>
+          <p:cNvSpPr>
+            <a:spLocks noGrp="1"/>
+          </p:cNvSpPr>
+          <p:nvPr>
+            <p:ph type="body" sz="quarter" idx="10"/>
+          </p:nvPr>
+        </p:nvSpPr>
+        <p:spPr>
+          <a:xfrm>
+            <a:off x="584200" y="1435497"/>
+            <a:ext cx="11018520" cy="1982081"/>
+          </a:xfrm>
+        </p:spPr>
+        <p:txBody>
+          <a:bodyPr/>
+          <a:lstStyle/>
+          <a:p>
+            <a:r>
+              <a:rPr lang="en-GB" dirty="0"/>
+              <a:t>group/company/purpose/system/yyyy/MM/dd/HH/</a:t>
+            </a:r>
+            <a:r>
+              <a:rPr lang="en-GB" dirty="0">
+                <a:solidFill>
+                  <a:srgbClr val="FF0000"/>
+                </a:solidFill>
+              </a:rPr>
+              <a:t>file.csv</a:t>
+            </a:r>
+          </a:p>
+          <a:p>
+            <a:r>
+              <a:rPr lang="en-GB" dirty="0"/>
+              <a:t>group/company/system/purpose/yyyy/MM/dd/HH/</a:t>
+            </a:r>
+            <a:r>
+              <a:rPr lang="en-GB" dirty="0">
+                <a:solidFill>
+                  <a:srgbClr val="FF0000"/>
+                </a:solidFill>
+              </a:rPr>
+              <a:t>file.csv</a:t>
+            </a:r>
+          </a:p>
+          <a:p>
+            <a:r>
+              <a:rPr lang="en-GB" dirty="0"/>
+              <a:t>purpose/system/company/</a:t>
+            </a:r>
+            <a:r>
+              <a:rPr lang="en-GB" dirty="0">
+                <a:solidFill>
+                  <a:srgbClr val="FF0000"/>
+                </a:solidFill>
+              </a:rPr>
+              <a:t>yyyyMMddHH.csv</a:t>
+            </a:r>
+          </a:p>
+          <a:p>
+            <a:r>
+              <a:rPr lang="en-GB" dirty="0">
+                <a:solidFill>
+                  <a:schemeClr val="tx1"/>
+                </a:solidFill>
+              </a:rPr>
+              <a:t>purpose/</a:t>
+            </a:r>
+            <a:r>
+              <a:rPr lang="en-GB" dirty="0">
+                <a:solidFill>
+                  <a:srgbClr val="FF0000"/>
+                </a:solidFill>
+              </a:rPr>
+              <a:t>yyyyMMddHHCompanySystemTable.csv</a:t>
+            </a:r>
+          </a:p>
+        </p:txBody>
+      </p:sp>
+    </p:spTree>
+    <p:extLst>
+      <p:ext uri="{BB962C8B-B14F-4D97-AF65-F5344CB8AC3E}">
+        <p14:creationId xmlns:p14="http://schemas.microsoft.com/office/powerpoint/2010/main" val="3988933352"/>
+      </p:ext>
+    </p:extLst>
+  </p:cSld>
+  <p:clrMapOvr>
+    <a:masterClrMapping/>
+  </p:clrMapOvr>
+  <p:transition>
+    <p:fade/>
+  </p:transition>
+</p:sld>
+</file>
+
 <file path=ppt/slides/slide2.xml><?xml version="1.0" encoding="utf-8"?>
+<p:sld xmlns:a="http://schemas.openxmlformats.org/drawingml/2006/main" xmlns:r="http://schemas.openxmlformats.org/officeDocument/2006/relationships" xmlns:p="http://schemas.openxmlformats.org/presentationml/2006/main">
+  <p:cSld>
+    <p:spTree>
+      <p:nvGrpSpPr>
+        <p:cNvPr id="1" name=""/>
+        <p:cNvGrpSpPr/>
+        <p:nvPr/>
+      </p:nvGrpSpPr>
+      <p:grpSpPr>
+        <a:xfrm>
+          <a:off x="0" y="0"/>
+          <a:ext cx="0" cy="0"/>
+          <a:chOff x="0" y="0"/>
+          <a:chExt cx="0" cy="0"/>
+        </a:xfrm>
+      </p:grpSpPr>
+      <p:sp>
+        <p:nvSpPr>
+          <p:cNvPr id="2" name="Title 1">
+            <a:extLst>
+              <a:ext uri="{FF2B5EF4-FFF2-40B4-BE49-F238E27FC236}">
+                <a16:creationId xmlns:a16="http://schemas.microsoft.com/office/drawing/2014/main" id="{621A5924-971D-4968-8AF0-6ACABFC24D33}"/>
+              </a:ext>
+            </a:extLst>
+          </p:cNvPr>
+          <p:cNvSpPr>
+            <a:spLocks noGrp="1"/>
+          </p:cNvSpPr>
+          <p:nvPr>
+            <p:ph type="title"/>
+          </p:nvPr>
+        </p:nvSpPr>
+        <p:spPr/>
+        <p:txBody>
+          <a:bodyPr/>
+          <a:lstStyle/>
+          <a:p>
+            <a:r>
+              <a:rPr lang="en-GB" dirty="0"/>
+              <a:t>Plain Text Formats</a:t>
+            </a:r>
+          </a:p>
+        </p:txBody>
+      </p:sp>
+      <p:sp>
+        <p:nvSpPr>
+          <p:cNvPr id="3" name="Text Placeholder 2">
+            <a:extLst>
+              <a:ext uri="{FF2B5EF4-FFF2-40B4-BE49-F238E27FC236}">
+                <a16:creationId xmlns:a16="http://schemas.microsoft.com/office/drawing/2014/main" id="{80CA9D01-9E8A-4118-975B-FD537A54A1F7}"/>
+              </a:ext>
+            </a:extLst>
+          </p:cNvPr>
+          <p:cNvSpPr>
+            <a:spLocks noGrp="1"/>
+          </p:cNvSpPr>
+          <p:nvPr>
+            <p:ph type="body" sz="quarter" idx="10"/>
+          </p:nvPr>
+        </p:nvSpPr>
+        <p:spPr>
+          <a:xfrm>
+            <a:off x="584200" y="1435497"/>
+            <a:ext cx="11018520" cy="2499146"/>
+          </a:xfrm>
+        </p:spPr>
+        <p:txBody>
+          <a:bodyPr/>
+          <a:lstStyle/>
+          <a:p>
+            <a:r>
+              <a:rPr lang="en-GB" dirty="0"/>
+              <a:t>CSV, TSV</a:t>
+            </a:r>
+          </a:p>
+          <a:p>
+            <a:r>
+              <a:rPr lang="en-GB" dirty="0"/>
+              <a:t>Ubiquitous</a:t>
+            </a:r>
+          </a:p>
+          <a:p>
+            <a:r>
+              <a:rPr lang="en-GB" dirty="0"/>
+              <a:t>Great for </a:t>
+            </a:r>
+            <a:r>
+              <a:rPr lang="en-GB" b="1" dirty="0"/>
+              <a:t>human readability</a:t>
+            </a:r>
+          </a:p>
+          <a:p>
+            <a:r>
+              <a:rPr lang="en-GB" dirty="0"/>
+              <a:t>Great for </a:t>
+            </a:r>
+            <a:r>
+              <a:rPr lang="en-GB" b="1" dirty="0"/>
+              <a:t>portability</a:t>
+            </a:r>
+          </a:p>
+          <a:p>
+            <a:endParaRPr lang="en-GB" dirty="0"/>
+          </a:p>
+        </p:txBody>
+      </p:sp>
+      <p:sp>
+        <p:nvSpPr>
+          <p:cNvPr id="4" name="TextBox 3">
+            <a:extLst>
+              <a:ext uri="{FF2B5EF4-FFF2-40B4-BE49-F238E27FC236}">
+                <a16:creationId xmlns:a16="http://schemas.microsoft.com/office/drawing/2014/main" id="{1ED14ECC-E329-4CCB-9D37-F8EAE1BDC90C}"/>
+              </a:ext>
+            </a:extLst>
+          </p:cNvPr>
+          <p:cNvSpPr txBox="1"/>
+          <p:nvPr/>
+        </p:nvSpPr>
+        <p:spPr>
+          <a:xfrm>
+            <a:off x="7617351" y="1974106"/>
+            <a:ext cx="3385542" cy="1231106"/>
+          </a:xfrm>
+          <a:prstGeom prst="rect">
+            <a:avLst/>
+          </a:prstGeom>
+          <a:noFill/>
+        </p:spPr>
+        <p:txBody>
+          <a:bodyPr wrap="none" lIns="0" tIns="0" rIns="0" bIns="0" rtlCol="0">
+            <a:spAutoFit/>
+          </a:bodyPr>
+          <a:lstStyle/>
+          <a:p>
+            <a:r>
+              <a:rPr lang="en-GB" sz="2000" dirty="0">
+                <a:gradFill>
+                  <a:gsLst>
+                    <a:gs pos="2917">
+                      <a:schemeClr val="tx1"/>
+                    </a:gs>
+                    <a:gs pos="30000">
+                      <a:schemeClr val="tx1"/>
+                    </a:gs>
+                  </a:gsLst>
+                  <a:lin ang="5400000" scaled="0"/>
+                </a:gradFill>
+                <a:latin typeface="Consolas" panose="020B0609020204030204" pitchFamily="49" charset="0"/>
+              </a:rPr>
+              <a:t>FirstName, LastName, Age</a:t>
+            </a:r>
+          </a:p>
+          <a:p>
+            <a:r>
+              <a:rPr lang="en-GB" sz="2000" dirty="0">
+                <a:gradFill>
+                  <a:gsLst>
+                    <a:gs pos="2917">
+                      <a:schemeClr val="tx1"/>
+                    </a:gs>
+                    <a:gs pos="30000">
+                      <a:schemeClr val="tx1"/>
+                    </a:gs>
+                  </a:gsLst>
+                  <a:lin ang="5400000" scaled="0"/>
+                </a:gradFill>
+                <a:latin typeface="Consolas" panose="020B0609020204030204" pitchFamily="49" charset="0"/>
+              </a:rPr>
+              <a:t>David, Jones, 36</a:t>
+            </a:r>
+          </a:p>
+          <a:p>
+            <a:r>
+              <a:rPr lang="en-GB" sz="2000" dirty="0">
+                <a:gradFill>
+                  <a:gsLst>
+                    <a:gs pos="2917">
+                      <a:schemeClr val="tx1"/>
+                    </a:gs>
+                    <a:gs pos="30000">
+                      <a:schemeClr val="tx1"/>
+                    </a:gs>
+                  </a:gsLst>
+                  <a:lin ang="5400000" scaled="0"/>
+                </a:gradFill>
+                <a:latin typeface="Consolas" panose="020B0609020204030204" pitchFamily="49" charset="0"/>
+              </a:rPr>
+              <a:t>Jodie, Nichols, 45</a:t>
+            </a:r>
+          </a:p>
+          <a:p>
+            <a:r>
+              <a:rPr lang="en-GB" sz="2000" dirty="0">
+                <a:gradFill>
+                  <a:gsLst>
+                    <a:gs pos="2917">
+                      <a:schemeClr val="tx1"/>
+                    </a:gs>
+                    <a:gs pos="30000">
+                      <a:schemeClr val="tx1"/>
+                    </a:gs>
+                  </a:gsLst>
+                  <a:lin ang="5400000" scaled="0"/>
+                </a:gradFill>
+                <a:latin typeface="Consolas" panose="020B0609020204030204" pitchFamily="49" charset="0"/>
+              </a:rPr>
+              <a:t>Adam, Simpson, 22</a:t>
+            </a:r>
+          </a:p>
+        </p:txBody>
+      </p:sp>
+    </p:spTree>
+    <p:extLst>
+      <p:ext uri="{BB962C8B-B14F-4D97-AF65-F5344CB8AC3E}">
+        <p14:creationId xmlns:p14="http://schemas.microsoft.com/office/powerpoint/2010/main" val="639740529"/>
+      </p:ext>
+    </p:extLst>
+  </p:cSld>
+  <p:clrMapOvr>
+    <a:masterClrMapping/>
+  </p:clrMapOvr>
+  <p:transition>
+    <p:fade/>
+  </p:transition>
+</p:sld>
+</file>
+
+<file path=ppt/slides/slide3.xml><?xml version="1.0" encoding="utf-8"?>
+<p:sld xmlns:a="http://schemas.openxmlformats.org/drawingml/2006/main" xmlns:r="http://schemas.openxmlformats.org/officeDocument/2006/relationships" xmlns:p="http://schemas.openxmlformats.org/presentationml/2006/main">
+  <p:cSld>
+    <p:spTree>
+      <p:nvGrpSpPr>
+        <p:cNvPr id="1" name=""/>
+        <p:cNvGrpSpPr/>
+        <p:nvPr/>
+      </p:nvGrpSpPr>
+      <p:grpSpPr>
+        <a:xfrm>
+          <a:off x="0" y="0"/>
+          <a:ext cx="0" cy="0"/>
+          <a:chOff x="0" y="0"/>
+          <a:chExt cx="0" cy="0"/>
+        </a:xfrm>
+      </p:grpSpPr>
+      <p:sp>
+        <p:nvSpPr>
+          <p:cNvPr id="2" name="Title 1">
+            <a:extLst>
+              <a:ext uri="{FF2B5EF4-FFF2-40B4-BE49-F238E27FC236}">
+                <a16:creationId xmlns:a16="http://schemas.microsoft.com/office/drawing/2014/main" id="{96516ABA-B561-4D07-8309-2DAC255119BF}"/>
+              </a:ext>
+            </a:extLst>
+          </p:cNvPr>
+          <p:cNvSpPr>
+            <a:spLocks noGrp="1"/>
+          </p:cNvSpPr>
+          <p:nvPr>
+            <p:ph type="title"/>
+          </p:nvPr>
+        </p:nvSpPr>
+        <p:spPr/>
+        <p:txBody>
+          <a:bodyPr/>
+          <a:lstStyle/>
+          <a:p>
+            <a:r>
+              <a:rPr lang="en-GB" dirty="0"/>
+              <a:t>Structured Text Formats</a:t>
+            </a:r>
+          </a:p>
+        </p:txBody>
+      </p:sp>
+      <p:sp>
+        <p:nvSpPr>
+          <p:cNvPr id="3" name="Text Placeholder 2">
+            <a:extLst>
+              <a:ext uri="{FF2B5EF4-FFF2-40B4-BE49-F238E27FC236}">
+                <a16:creationId xmlns:a16="http://schemas.microsoft.com/office/drawing/2014/main" id="{31C23F79-8A8E-4F89-9653-EAF3B5C1A139}"/>
+              </a:ext>
+            </a:extLst>
+          </p:cNvPr>
+          <p:cNvSpPr>
+            <a:spLocks noGrp="1"/>
+          </p:cNvSpPr>
+          <p:nvPr>
+            <p:ph type="body" sz="quarter" idx="10"/>
+          </p:nvPr>
+        </p:nvSpPr>
+        <p:spPr>
+          <a:xfrm>
+            <a:off x="584200" y="1435497"/>
+            <a:ext cx="11018520" cy="3016210"/>
+          </a:xfrm>
+        </p:spPr>
+        <p:txBody>
+          <a:bodyPr/>
+          <a:lstStyle/>
+          <a:p>
+            <a:r>
+              <a:rPr lang="en-GB" dirty="0"/>
+              <a:t>JSON, XML</a:t>
+            </a:r>
+          </a:p>
+          <a:p>
+            <a:r>
+              <a:rPr lang="en-GB" dirty="0"/>
+              <a:t>Easy to open</a:t>
+            </a:r>
+          </a:p>
+          <a:p>
+            <a:r>
+              <a:rPr lang="en-GB" dirty="0"/>
+              <a:t>Good structure</a:t>
+            </a:r>
+          </a:p>
+          <a:p>
+            <a:r>
+              <a:rPr lang="en-GB" dirty="0"/>
+              <a:t>Allows many to one/many</a:t>
+            </a:r>
+          </a:p>
+          <a:p>
+            <a:r>
+              <a:rPr lang="en-GB" dirty="0"/>
+              <a:t>Great for </a:t>
+            </a:r>
+            <a:r>
+              <a:rPr lang="en-GB" b="1" dirty="0"/>
+              <a:t>portability</a:t>
+            </a:r>
+          </a:p>
+          <a:p>
+            <a:r>
+              <a:rPr lang="en-GB" dirty="0"/>
+              <a:t>Great for </a:t>
+            </a:r>
+            <a:r>
+              <a:rPr lang="en-GB" b="1" dirty="0"/>
+              <a:t>interoperability</a:t>
+            </a:r>
+          </a:p>
+        </p:txBody>
+      </p:sp>
+      <p:sp>
+        <p:nvSpPr>
+          <p:cNvPr id="4" name="TextBox 3">
+            <a:extLst>
+              <a:ext uri="{FF2B5EF4-FFF2-40B4-BE49-F238E27FC236}">
+                <a16:creationId xmlns:a16="http://schemas.microsoft.com/office/drawing/2014/main" id="{22AD14FA-AA4E-490B-BA1C-3C9DCE3CFD61}"/>
+              </a:ext>
+            </a:extLst>
+          </p:cNvPr>
+          <p:cNvSpPr txBox="1"/>
+          <p:nvPr/>
+        </p:nvSpPr>
+        <p:spPr>
+          <a:xfrm>
+            <a:off x="8185860" y="457200"/>
+            <a:ext cx="3366306" cy="2462213"/>
+          </a:xfrm>
+          <a:prstGeom prst="rect">
+            <a:avLst/>
+          </a:prstGeom>
+          <a:noFill/>
+        </p:spPr>
+        <p:txBody>
+          <a:bodyPr wrap="none" lIns="0" tIns="0" rIns="0" bIns="0" rtlCol="0">
+            <a:spAutoFit/>
+          </a:bodyPr>
+          <a:lstStyle/>
+          <a:p>
+            <a:r>
+              <a:rPr lang="en-GB" sz="1600" dirty="0">
+                <a:gradFill>
+                  <a:gsLst>
+                    <a:gs pos="2917">
+                      <a:schemeClr val="tx1"/>
+                    </a:gs>
+                    <a:gs pos="30000">
+                      <a:schemeClr val="tx1"/>
+                    </a:gs>
+                  </a:gsLst>
+                  <a:lin ang="5400000" scaled="0"/>
+                </a:gradFill>
+                <a:latin typeface="Consolas" panose="020B0609020204030204" pitchFamily="49" charset="0"/>
+              </a:rPr>
+              <a:t>&lt;person&gt;</a:t>
+            </a:r>
+          </a:p>
+          <a:p>
+            <a:r>
+              <a:rPr lang="en-GB" sz="1600" dirty="0">
+                <a:gradFill>
+                  <a:gsLst>
+                    <a:gs pos="2917">
+                      <a:schemeClr val="tx1"/>
+                    </a:gs>
+                    <a:gs pos="30000">
+                      <a:schemeClr val="tx1"/>
+                    </a:gs>
+                  </a:gsLst>
+                  <a:lin ang="5400000" scaled="0"/>
+                </a:gradFill>
+                <a:latin typeface="Consolas" panose="020B0609020204030204" pitchFamily="49" charset="0"/>
+              </a:rPr>
+              <a:t>  &lt;FirstName&gt;David&lt;/FirstName&gt;</a:t>
+            </a:r>
+          </a:p>
+          <a:p>
+            <a:r>
+              <a:rPr lang="en-GB" sz="1600" dirty="0">
+                <a:gradFill>
+                  <a:gsLst>
+                    <a:gs pos="2917">
+                      <a:schemeClr val="tx1"/>
+                    </a:gs>
+                    <a:gs pos="30000">
+                      <a:schemeClr val="tx1"/>
+                    </a:gs>
+                  </a:gsLst>
+                  <a:lin ang="5400000" scaled="0"/>
+                </a:gradFill>
+                <a:latin typeface="Consolas" panose="020B0609020204030204" pitchFamily="49" charset="0"/>
+              </a:rPr>
+              <a:t>  &lt;LastName&gt;Jones&lt;/LastName&gt;</a:t>
+            </a:r>
+          </a:p>
+          <a:p>
+            <a:r>
+              <a:rPr lang="en-GB" sz="1600" dirty="0">
+                <a:gradFill>
+                  <a:gsLst>
+                    <a:gs pos="2917">
+                      <a:schemeClr val="tx1"/>
+                    </a:gs>
+                    <a:gs pos="30000">
+                      <a:schemeClr val="tx1"/>
+                    </a:gs>
+                  </a:gsLst>
+                  <a:lin ang="5400000" scaled="0"/>
+                </a:gradFill>
+                <a:latin typeface="Consolas" panose="020B0609020204030204" pitchFamily="49" charset="0"/>
+              </a:rPr>
+              <a:t>  &lt;Age&gt;36&lt;/Age&gt;</a:t>
+            </a:r>
+          </a:p>
+          <a:p>
+            <a:r>
+              <a:rPr lang="en-GB" sz="1600" dirty="0">
+                <a:gradFill>
+                  <a:gsLst>
+                    <a:gs pos="2917">
+                      <a:schemeClr val="tx1"/>
+                    </a:gs>
+                    <a:gs pos="30000">
+                      <a:schemeClr val="tx1"/>
+                    </a:gs>
+                  </a:gsLst>
+                  <a:lin ang="5400000" scaled="0"/>
+                </a:gradFill>
+                <a:latin typeface="Consolas" panose="020B0609020204030204" pitchFamily="49" charset="0"/>
+              </a:rPr>
+              <a:t>&lt;/person&gt;</a:t>
+            </a:r>
+          </a:p>
+          <a:p>
+            <a:r>
+              <a:rPr lang="en-GB" sz="1600" dirty="0">
+                <a:gradFill>
+                  <a:gsLst>
+                    <a:gs pos="2917">
+                      <a:schemeClr val="tx1"/>
+                    </a:gs>
+                    <a:gs pos="30000">
+                      <a:schemeClr val="tx1"/>
+                    </a:gs>
+                  </a:gsLst>
+                  <a:lin ang="5400000" scaled="0"/>
+                </a:gradFill>
+                <a:latin typeface="Consolas" panose="020B0609020204030204" pitchFamily="49" charset="0"/>
+              </a:rPr>
+              <a:t>&lt;person&gt;</a:t>
+            </a:r>
+          </a:p>
+          <a:p>
+            <a:r>
+              <a:rPr lang="en-GB" sz="1600" dirty="0">
+                <a:gradFill>
+                  <a:gsLst>
+                    <a:gs pos="2917">
+                      <a:schemeClr val="tx1"/>
+                    </a:gs>
+                    <a:gs pos="30000">
+                      <a:schemeClr val="tx1"/>
+                    </a:gs>
+                  </a:gsLst>
+                  <a:lin ang="5400000" scaled="0"/>
+                </a:gradFill>
+                <a:latin typeface="Consolas" panose="020B0609020204030204" pitchFamily="49" charset="0"/>
+              </a:rPr>
+              <a:t>  &lt;FirstName&gt;Jodie&lt;/FirstName&gt;</a:t>
+            </a:r>
+          </a:p>
+          <a:p>
+            <a:r>
+              <a:rPr lang="en-GB" sz="1600" dirty="0">
+                <a:gradFill>
+                  <a:gsLst>
+                    <a:gs pos="2917">
+                      <a:schemeClr val="tx1"/>
+                    </a:gs>
+                    <a:gs pos="30000">
+                      <a:schemeClr val="tx1"/>
+                    </a:gs>
+                  </a:gsLst>
+                  <a:lin ang="5400000" scaled="0"/>
+                </a:gradFill>
+                <a:latin typeface="Consolas" panose="020B0609020204030204" pitchFamily="49" charset="0"/>
+              </a:rPr>
+              <a:t>  &lt;LastName&gt;Nichols&lt;/LastName&gt;</a:t>
+            </a:r>
+          </a:p>
+          <a:p>
+            <a:r>
+              <a:rPr lang="en-GB" sz="1600" dirty="0">
+                <a:gradFill>
+                  <a:gsLst>
+                    <a:gs pos="2917">
+                      <a:schemeClr val="tx1"/>
+                    </a:gs>
+                    <a:gs pos="30000">
+                      <a:schemeClr val="tx1"/>
+                    </a:gs>
+                  </a:gsLst>
+                  <a:lin ang="5400000" scaled="0"/>
+                </a:gradFill>
+                <a:latin typeface="Consolas" panose="020B0609020204030204" pitchFamily="49" charset="0"/>
+              </a:rPr>
+              <a:t>  &lt;Age&gt;45&lt;/Age&gt;</a:t>
+            </a:r>
+          </a:p>
+          <a:p>
+            <a:r>
+              <a:rPr lang="en-GB" sz="1600" dirty="0">
+                <a:gradFill>
+                  <a:gsLst>
+                    <a:gs pos="2917">
+                      <a:schemeClr val="tx1"/>
+                    </a:gs>
+                    <a:gs pos="30000">
+                      <a:schemeClr val="tx1"/>
+                    </a:gs>
+                  </a:gsLst>
+                  <a:lin ang="5400000" scaled="0"/>
+                </a:gradFill>
+                <a:latin typeface="Consolas" panose="020B0609020204030204" pitchFamily="49" charset="0"/>
+              </a:rPr>
+              <a:t>&lt;/person&gt;</a:t>
+            </a:r>
+          </a:p>
+        </p:txBody>
+      </p:sp>
+      <p:sp>
+        <p:nvSpPr>
+          <p:cNvPr id="5" name="TextBox 4">
+            <a:extLst>
+              <a:ext uri="{FF2B5EF4-FFF2-40B4-BE49-F238E27FC236}">
+                <a16:creationId xmlns:a16="http://schemas.microsoft.com/office/drawing/2014/main" id="{9D745A50-5425-4FEF-91E2-41A9529915AB}"/>
+              </a:ext>
+            </a:extLst>
+          </p:cNvPr>
+          <p:cNvSpPr txBox="1"/>
+          <p:nvPr/>
+        </p:nvSpPr>
+        <p:spPr>
+          <a:xfrm>
+            <a:off x="8354175" y="3482204"/>
+            <a:ext cx="3029676" cy="2954655"/>
+          </a:xfrm>
+          <a:prstGeom prst="rect">
+            <a:avLst/>
+          </a:prstGeom>
+          <a:noFill/>
+        </p:spPr>
+        <p:txBody>
+          <a:bodyPr wrap="none" lIns="0" tIns="0" rIns="0" bIns="0" rtlCol="0">
+            <a:spAutoFit/>
+          </a:bodyPr>
+          <a:lstStyle/>
+          <a:p>
+            <a:r>
+              <a:rPr lang="en-GB" sz="1600" dirty="0">
+                <a:gradFill>
+                  <a:gsLst>
+                    <a:gs pos="2917">
+                      <a:schemeClr val="tx1"/>
+                    </a:gs>
+                    <a:gs pos="30000">
+                      <a:schemeClr val="tx1"/>
+                    </a:gs>
+                  </a:gsLst>
+                  <a:lin ang="5400000" scaled="0"/>
+                </a:gradFill>
+                <a:latin typeface="Consolas" panose="020B0609020204030204" pitchFamily="49" charset="0"/>
+              </a:rPr>
+              <a:t>People : [</a:t>
+            </a:r>
+          </a:p>
+          <a:p>
+            <a:r>
+              <a:rPr lang="en-GB" sz="1600" dirty="0">
+                <a:gradFill>
+                  <a:gsLst>
+                    <a:gs pos="2917">
+                      <a:schemeClr val="tx1"/>
+                    </a:gs>
+                    <a:gs pos="30000">
+                      <a:schemeClr val="tx1"/>
+                    </a:gs>
+                  </a:gsLst>
+                  <a:lin ang="5400000" scaled="0"/>
+                </a:gradFill>
+                <a:latin typeface="Consolas" panose="020B0609020204030204" pitchFamily="49" charset="0"/>
+              </a:rPr>
+              <a:t>  {</a:t>
+            </a:r>
+          </a:p>
+          <a:p>
+            <a:r>
+              <a:rPr lang="en-GB" sz="1600" dirty="0">
+                <a:gradFill>
+                  <a:gsLst>
+                    <a:gs pos="2917">
+                      <a:schemeClr val="tx1"/>
+                    </a:gs>
+                    <a:gs pos="30000">
+                      <a:schemeClr val="tx1"/>
+                    </a:gs>
+                  </a:gsLst>
+                  <a:lin ang="5400000" scaled="0"/>
+                </a:gradFill>
+                <a:latin typeface="Consolas" panose="020B0609020204030204" pitchFamily="49" charset="0"/>
+              </a:rPr>
+              <a:t>    “FirstName” : “David”,</a:t>
+            </a:r>
+          </a:p>
+          <a:p>
+            <a:r>
+              <a:rPr lang="en-GB" sz="1600" dirty="0">
+                <a:gradFill>
+                  <a:gsLst>
+                    <a:gs pos="2917">
+                      <a:schemeClr val="tx1"/>
+                    </a:gs>
+                    <a:gs pos="30000">
+                      <a:schemeClr val="tx1"/>
+                    </a:gs>
+                  </a:gsLst>
+                  <a:lin ang="5400000" scaled="0"/>
+                </a:gradFill>
+                <a:latin typeface="Consolas" panose="020B0609020204030204" pitchFamily="49" charset="0"/>
+              </a:rPr>
+              <a:t>    “LastName” : “Jones”,</a:t>
+            </a:r>
+          </a:p>
+          <a:p>
+            <a:r>
+              <a:rPr lang="en-GB" sz="1600" dirty="0">
+                <a:gradFill>
+                  <a:gsLst>
+                    <a:gs pos="2917">
+                      <a:schemeClr val="tx1"/>
+                    </a:gs>
+                    <a:gs pos="30000">
+                      <a:schemeClr val="tx1"/>
+                    </a:gs>
+                  </a:gsLst>
+                  <a:lin ang="5400000" scaled="0"/>
+                </a:gradFill>
+                <a:latin typeface="Consolas" panose="020B0609020204030204" pitchFamily="49" charset="0"/>
+              </a:rPr>
+              <a:t>    “Age” : 36</a:t>
+            </a:r>
+          </a:p>
+          <a:p>
+            <a:r>
+              <a:rPr lang="en-GB" sz="1600" dirty="0">
+                <a:gradFill>
+                  <a:gsLst>
+                    <a:gs pos="2917">
+                      <a:schemeClr val="tx1"/>
+                    </a:gs>
+                    <a:gs pos="30000">
+                      <a:schemeClr val="tx1"/>
+                    </a:gs>
+                  </a:gsLst>
+                  <a:lin ang="5400000" scaled="0"/>
+                </a:gradFill>
+                <a:latin typeface="Consolas" panose="020B0609020204030204" pitchFamily="49" charset="0"/>
+              </a:rPr>
+              <a:t>  }</a:t>
+            </a:r>
+          </a:p>
+          <a:p>
+            <a:r>
+              <a:rPr lang="en-GB" sz="1600" dirty="0">
+                <a:gradFill>
+                  <a:gsLst>
+                    <a:gs pos="2917">
+                      <a:schemeClr val="tx1"/>
+                    </a:gs>
+                    <a:gs pos="30000">
+                      <a:schemeClr val="tx1"/>
+                    </a:gs>
+                  </a:gsLst>
+                  <a:lin ang="5400000" scaled="0"/>
+                </a:gradFill>
+                <a:latin typeface="Consolas" panose="020B0609020204030204" pitchFamily="49" charset="0"/>
+              </a:rPr>
+              <a:t>  {</a:t>
+            </a:r>
+          </a:p>
+          <a:p>
+            <a:r>
+              <a:rPr lang="en-GB" sz="1600" dirty="0">
+                <a:gradFill>
+                  <a:gsLst>
+                    <a:gs pos="2917">
+                      <a:schemeClr val="tx1"/>
+                    </a:gs>
+                    <a:gs pos="30000">
+                      <a:schemeClr val="tx1"/>
+                    </a:gs>
+                  </a:gsLst>
+                  <a:lin ang="5400000" scaled="0"/>
+                </a:gradFill>
+                <a:latin typeface="Consolas" panose="020B0609020204030204" pitchFamily="49" charset="0"/>
+              </a:rPr>
+              <a:t>   “FirstName” : “Jodie”,</a:t>
+            </a:r>
+          </a:p>
+          <a:p>
+            <a:r>
+              <a:rPr lang="en-GB" sz="1600" dirty="0">
+                <a:gradFill>
+                  <a:gsLst>
+                    <a:gs pos="2917">
+                      <a:schemeClr val="tx1"/>
+                    </a:gs>
+                    <a:gs pos="30000">
+                      <a:schemeClr val="tx1"/>
+                    </a:gs>
+                  </a:gsLst>
+                  <a:lin ang="5400000" scaled="0"/>
+                </a:gradFill>
+                <a:latin typeface="Consolas" panose="020B0609020204030204" pitchFamily="49" charset="0"/>
+              </a:rPr>
+              <a:t>    “LastName” : “Nichols”,</a:t>
+            </a:r>
+          </a:p>
+          <a:p>
+            <a:r>
+              <a:rPr lang="en-GB" sz="1600" dirty="0">
+                <a:gradFill>
+                  <a:gsLst>
+                    <a:gs pos="2917">
+                      <a:schemeClr val="tx1"/>
+                    </a:gs>
+                    <a:gs pos="30000">
+                      <a:schemeClr val="tx1"/>
+                    </a:gs>
+                  </a:gsLst>
+                  <a:lin ang="5400000" scaled="0"/>
+                </a:gradFill>
+                <a:latin typeface="Consolas" panose="020B0609020204030204" pitchFamily="49" charset="0"/>
+              </a:rPr>
+              <a:t>    “Age” : 45</a:t>
+            </a:r>
+          </a:p>
+          <a:p>
+            <a:r>
+              <a:rPr lang="en-GB" sz="1600" dirty="0">
+                <a:gradFill>
+                  <a:gsLst>
+                    <a:gs pos="2917">
+                      <a:schemeClr val="tx1"/>
+                    </a:gs>
+                    <a:gs pos="30000">
+                      <a:schemeClr val="tx1"/>
+                    </a:gs>
+                  </a:gsLst>
+                  <a:lin ang="5400000" scaled="0"/>
+                </a:gradFill>
+                <a:latin typeface="Consolas" panose="020B0609020204030204" pitchFamily="49" charset="0"/>
+              </a:rPr>
+              <a:t>  }</a:t>
+            </a:r>
+          </a:p>
+          <a:p>
+            <a:r>
+              <a:rPr lang="en-GB" sz="1600" dirty="0">
+                <a:gradFill>
+                  <a:gsLst>
+                    <a:gs pos="2917">
+                      <a:schemeClr val="tx1"/>
+                    </a:gs>
+                    <a:gs pos="30000">
+                      <a:schemeClr val="tx1"/>
+                    </a:gs>
+                  </a:gsLst>
+                  <a:lin ang="5400000" scaled="0"/>
+                </a:gradFill>
+                <a:latin typeface="Consolas" panose="020B0609020204030204" pitchFamily="49" charset="0"/>
+              </a:rPr>
+              <a:t>]</a:t>
+            </a:r>
+          </a:p>
+        </p:txBody>
+      </p:sp>
+    </p:spTree>
+    <p:extLst>
+      <p:ext uri="{BB962C8B-B14F-4D97-AF65-F5344CB8AC3E}">
+        <p14:creationId xmlns:p14="http://schemas.microsoft.com/office/powerpoint/2010/main" val="3242271718"/>
+      </p:ext>
+    </p:extLst>
+  </p:cSld>
+  <p:clrMapOvr>
+    <a:masterClrMapping/>
+  </p:clrMapOvr>
+  <p:transition>
+    <p:fade/>
+  </p:transition>
+</p:sld>
+</file>
+
+<file path=ppt/slides/slide4.xml><?xml version="1.0" encoding="utf-8"?>
+<p:sld xmlns:a="http://schemas.openxmlformats.org/drawingml/2006/main" xmlns:r="http://schemas.openxmlformats.org/officeDocument/2006/relationships" xmlns:p="http://schemas.openxmlformats.org/presentationml/2006/main">
+  <p:cSld>
+    <p:spTree>
+      <p:nvGrpSpPr>
+        <p:cNvPr id="1" name=""/>
+        <p:cNvGrpSpPr/>
+        <p:nvPr/>
+      </p:nvGrpSpPr>
+      <p:grpSpPr>
+        <a:xfrm>
+          <a:off x="0" y="0"/>
+          <a:ext cx="0" cy="0"/>
+          <a:chOff x="0" y="0"/>
+          <a:chExt cx="0" cy="0"/>
+        </a:xfrm>
+      </p:grpSpPr>
+      <p:sp>
+        <p:nvSpPr>
+          <p:cNvPr id="22" name="Rectangle 21">
+            <a:extLst>
+              <a:ext uri="{FF2B5EF4-FFF2-40B4-BE49-F238E27FC236}">
+                <a16:creationId xmlns:a16="http://schemas.microsoft.com/office/drawing/2014/main" id="{5D2C5A09-D17B-42D3-B974-A8E09FCBB12A}"/>
+              </a:ext>
+            </a:extLst>
+          </p:cNvPr>
+          <p:cNvSpPr/>
+          <p:nvPr/>
+        </p:nvSpPr>
+        <p:spPr bwMode="auto">
+          <a:xfrm>
+            <a:off x="6599001" y="514573"/>
+            <a:ext cx="4699221" cy="3442915"/>
+          </a:xfrm>
+          <a:prstGeom prst="rect">
+            <a:avLst/>
+          </a:prstGeom>
+          <a:solidFill>
+            <a:schemeClr val="accent6"/>
+          </a:solidFill>
+          <a:ln>
+            <a:noFill/>
+          </a:ln>
+        </p:spPr>
+        <p:style>
+          <a:lnRef idx="0">
+            <a:scrgbClr r="0" g="0" b="0"/>
+          </a:lnRef>
+          <a:fillRef idx="0">
+            <a:scrgbClr r="0" g="0" b="0"/>
+          </a:fillRef>
+          <a:effectRef idx="0">
+            <a:scrgbClr r="0" g="0" b="0"/>
+          </a:effectRef>
+          <a:fontRef idx="minor">
+            <a:schemeClr val="lt1"/>
+          </a:fontRef>
+        </p:style>
+        <p:txBody>
+          <a:bodyPr rot="0" spcFirstLastPara="0" vertOverflow="overflow" horzOverflow="overflow" vert="horz" wrap="square" lIns="182880" tIns="146304" rIns="182880" bIns="146304" numCol="1" spcCol="0" rtlCol="0" fromWordArt="0" anchor="t" anchorCtr="0" forceAA="0" compatLnSpc="1">
+            <a:prstTxWarp prst="textNoShape">
+              <a:avLst/>
+            </a:prstTxWarp>
+            <a:noAutofit/>
+          </a:bodyPr>
+          <a:lstStyle/>
+          <a:p>
+            <a:pPr algn="ctr" defTabSz="932472" fontAlgn="base">
+              <a:spcBef>
+                <a:spcPct val="0"/>
+              </a:spcBef>
+              <a:spcAft>
+                <a:spcPct val="0"/>
+              </a:spcAft>
+            </a:pPr>
+            <a:r>
+              <a:rPr lang="en-GB" sz="2000" dirty="0">
+                <a:solidFill>
+                  <a:schemeClr val="tx1"/>
+                </a:solidFill>
+                <a:ea typeface="Segoe UI" pitchFamily="34" charset="0"/>
+                <a:cs typeface="Segoe UI" pitchFamily="34" charset="0"/>
+              </a:rPr>
+              <a:t>Compressed File</a:t>
+            </a:r>
+          </a:p>
+        </p:txBody>
+      </p:sp>
+      <p:sp>
+        <p:nvSpPr>
+          <p:cNvPr id="21" name="Rectangle 20">
+            <a:extLst>
+              <a:ext uri="{FF2B5EF4-FFF2-40B4-BE49-F238E27FC236}">
+                <a16:creationId xmlns:a16="http://schemas.microsoft.com/office/drawing/2014/main" id="{E02B26A0-4B31-40B5-AB0E-ED1FF3140EE2}"/>
+              </a:ext>
+            </a:extLst>
+          </p:cNvPr>
+          <p:cNvSpPr/>
+          <p:nvPr/>
+        </p:nvSpPr>
+        <p:spPr bwMode="auto">
+          <a:xfrm>
+            <a:off x="9748722" y="1011198"/>
+            <a:ext cx="1479564" cy="2313614"/>
+          </a:xfrm>
+          <a:prstGeom prst="rect">
+            <a:avLst/>
+          </a:prstGeom>
+          <a:ln>
+            <a:headEnd type="none" w="med" len="med"/>
+            <a:tailEnd type="none" w="med" len="med"/>
+          </a:ln>
+        </p:spPr>
+        <p:style>
+          <a:lnRef idx="2">
+            <a:schemeClr val="accent4"/>
+          </a:lnRef>
+          <a:fillRef idx="1">
+            <a:schemeClr val="lt1"/>
+          </a:fillRef>
+          <a:effectRef idx="0">
+            <a:schemeClr val="accent4"/>
+          </a:effectRef>
+          <a:fontRef idx="minor">
+            <a:schemeClr val="dk1"/>
+          </a:fontRef>
+        </p:style>
+        <p:txBody>
+          <a:bodyPr rot="0" spcFirstLastPara="0" vertOverflow="overflow" horzOverflow="overflow" vert="horz" wrap="square" lIns="182880" tIns="146304" rIns="182880" bIns="146304" numCol="1" spcCol="0" rtlCol="0" fromWordArt="0" anchor="t" anchorCtr="0" forceAA="0" compatLnSpc="1">
+            <a:prstTxWarp prst="textNoShape">
+              <a:avLst/>
+            </a:prstTxWarp>
+            <a:noAutofit/>
+          </a:bodyPr>
+          <a:lstStyle/>
+          <a:p>
+            <a:pPr algn="l" defTabSz="932472" fontAlgn="base">
+              <a:spcBef>
+                <a:spcPct val="0"/>
+              </a:spcBef>
+              <a:spcAft>
+                <a:spcPct val="0"/>
+              </a:spcAft>
+            </a:pPr>
+            <a:endParaRPr lang="en-GB" sz="2000" dirty="0" err="1">
+              <a:gradFill>
+                <a:gsLst>
+                  <a:gs pos="0">
+                    <a:srgbClr val="FFFFFF"/>
+                  </a:gs>
+                  <a:gs pos="100000">
+                    <a:srgbClr val="FFFFFF"/>
+                  </a:gs>
+                </a:gsLst>
+                <a:lin ang="5400000" scaled="0"/>
+              </a:gradFill>
+              <a:ea typeface="Segoe UI" pitchFamily="34" charset="0"/>
+              <a:cs typeface="Segoe UI" pitchFamily="34" charset="0"/>
+            </a:endParaRPr>
+          </a:p>
+        </p:txBody>
+      </p:sp>
+      <p:sp>
+        <p:nvSpPr>
+          <p:cNvPr id="20" name="Rectangle 19">
+            <a:extLst>
+              <a:ext uri="{FF2B5EF4-FFF2-40B4-BE49-F238E27FC236}">
+                <a16:creationId xmlns:a16="http://schemas.microsoft.com/office/drawing/2014/main" id="{B3656B2E-0F64-4994-A211-8927B3CED035}"/>
+              </a:ext>
+            </a:extLst>
+          </p:cNvPr>
+          <p:cNvSpPr/>
+          <p:nvPr/>
+        </p:nvSpPr>
+        <p:spPr bwMode="auto">
+          <a:xfrm>
+            <a:off x="8211947" y="1011199"/>
+            <a:ext cx="1479564" cy="2313614"/>
+          </a:xfrm>
+          <a:prstGeom prst="rect">
+            <a:avLst/>
+          </a:prstGeom>
+          <a:ln>
+            <a:headEnd type="none" w="med" len="med"/>
+            <a:tailEnd type="none" w="med" len="med"/>
+          </a:ln>
+        </p:spPr>
+        <p:style>
+          <a:lnRef idx="2">
+            <a:schemeClr val="accent2"/>
+          </a:lnRef>
+          <a:fillRef idx="1">
+            <a:schemeClr val="lt1"/>
+          </a:fillRef>
+          <a:effectRef idx="0">
+            <a:schemeClr val="accent2"/>
+          </a:effectRef>
+          <a:fontRef idx="minor">
+            <a:schemeClr val="dk1"/>
+          </a:fontRef>
+        </p:style>
+        <p:txBody>
+          <a:bodyPr rot="0" spcFirstLastPara="0" vertOverflow="overflow" horzOverflow="overflow" vert="horz" wrap="square" lIns="182880" tIns="146304" rIns="182880" bIns="146304" numCol="1" spcCol="0" rtlCol="0" fromWordArt="0" anchor="t" anchorCtr="0" forceAA="0" compatLnSpc="1">
+            <a:prstTxWarp prst="textNoShape">
+              <a:avLst/>
+            </a:prstTxWarp>
+            <a:noAutofit/>
+          </a:bodyPr>
+          <a:lstStyle/>
+          <a:p>
+            <a:pPr algn="l" defTabSz="932472" fontAlgn="base">
+              <a:spcBef>
+                <a:spcPct val="0"/>
+              </a:spcBef>
+              <a:spcAft>
+                <a:spcPct val="0"/>
+              </a:spcAft>
+            </a:pPr>
+            <a:endParaRPr lang="en-GB" sz="2000" dirty="0" err="1">
+              <a:gradFill>
+                <a:gsLst>
+                  <a:gs pos="0">
+                    <a:srgbClr val="FFFFFF"/>
+                  </a:gs>
+                  <a:gs pos="100000">
+                    <a:srgbClr val="FFFFFF"/>
+                  </a:gs>
+                </a:gsLst>
+                <a:lin ang="5400000" scaled="0"/>
+              </a:gradFill>
+              <a:ea typeface="Segoe UI" pitchFamily="34" charset="0"/>
+              <a:cs typeface="Segoe UI" pitchFamily="34" charset="0"/>
+            </a:endParaRPr>
+          </a:p>
+        </p:txBody>
+      </p:sp>
+      <p:sp>
+        <p:nvSpPr>
+          <p:cNvPr id="19" name="Rectangle 18">
+            <a:extLst>
+              <a:ext uri="{FF2B5EF4-FFF2-40B4-BE49-F238E27FC236}">
+                <a16:creationId xmlns:a16="http://schemas.microsoft.com/office/drawing/2014/main" id="{EC6BAE6F-649C-4947-AB3B-D335EFF2E1F1}"/>
+              </a:ext>
+            </a:extLst>
+          </p:cNvPr>
+          <p:cNvSpPr/>
+          <p:nvPr/>
+        </p:nvSpPr>
+        <p:spPr bwMode="auto">
+          <a:xfrm>
+            <a:off x="6666734" y="1011197"/>
+            <a:ext cx="1481769" cy="2313616"/>
+          </a:xfrm>
+          <a:prstGeom prst="rect">
+            <a:avLst/>
+          </a:prstGeom>
+          <a:ln>
+            <a:headEnd type="none" w="med" len="med"/>
+            <a:tailEnd type="none" w="med" len="med"/>
+          </a:ln>
+        </p:spPr>
+        <p:style>
+          <a:lnRef idx="2">
+            <a:schemeClr val="accent1"/>
+          </a:lnRef>
+          <a:fillRef idx="1">
+            <a:schemeClr val="lt1"/>
+          </a:fillRef>
+          <a:effectRef idx="0">
+            <a:schemeClr val="accent1"/>
+          </a:effectRef>
+          <a:fontRef idx="minor">
+            <a:schemeClr val="dk1"/>
+          </a:fontRef>
+        </p:style>
+        <p:txBody>
+          <a:bodyPr rot="0" spcFirstLastPara="0" vertOverflow="overflow" horzOverflow="overflow" vert="horz" wrap="square" lIns="182880" tIns="146304" rIns="182880" bIns="146304" numCol="1" spcCol="0" rtlCol="0" fromWordArt="0" anchor="t" anchorCtr="0" forceAA="0" compatLnSpc="1">
+            <a:prstTxWarp prst="textNoShape">
+              <a:avLst/>
+            </a:prstTxWarp>
+            <a:noAutofit/>
+          </a:bodyPr>
+          <a:lstStyle/>
+          <a:p>
+            <a:pPr algn="l" defTabSz="932472" fontAlgn="base">
+              <a:spcBef>
+                <a:spcPct val="0"/>
+              </a:spcBef>
+              <a:spcAft>
+                <a:spcPct val="0"/>
+              </a:spcAft>
+            </a:pPr>
+            <a:endParaRPr lang="en-GB" sz="2000" dirty="0" err="1">
+              <a:gradFill>
+                <a:gsLst>
+                  <a:gs pos="0">
+                    <a:srgbClr val="FFFFFF"/>
+                  </a:gs>
+                  <a:gs pos="100000">
+                    <a:srgbClr val="FFFFFF"/>
+                  </a:gs>
+                </a:gsLst>
+                <a:lin ang="5400000" scaled="0"/>
+              </a:gradFill>
+              <a:ea typeface="Segoe UI" pitchFamily="34" charset="0"/>
+              <a:cs typeface="Segoe UI" pitchFamily="34" charset="0"/>
+            </a:endParaRPr>
+          </a:p>
+        </p:txBody>
+      </p:sp>
+      <p:sp>
+        <p:nvSpPr>
+          <p:cNvPr id="2" name="Title 1">
+            <a:extLst>
+              <a:ext uri="{FF2B5EF4-FFF2-40B4-BE49-F238E27FC236}">
+                <a16:creationId xmlns:a16="http://schemas.microsoft.com/office/drawing/2014/main" id="{958442FC-BA9B-43CA-B9D8-239696220CF0}"/>
+              </a:ext>
+            </a:extLst>
+          </p:cNvPr>
+          <p:cNvSpPr>
+            <a:spLocks noGrp="1"/>
+          </p:cNvSpPr>
+          <p:nvPr>
+            <p:ph type="title"/>
+          </p:nvPr>
+        </p:nvSpPr>
+        <p:spPr/>
+        <p:txBody>
+          <a:bodyPr/>
+          <a:lstStyle/>
+          <a:p>
+            <a:r>
+              <a:rPr lang="en-GB" dirty="0"/>
+              <a:t>Columnar Formats</a:t>
+            </a:r>
+          </a:p>
+        </p:txBody>
+      </p:sp>
+      <p:sp>
+        <p:nvSpPr>
+          <p:cNvPr id="3" name="Text Placeholder 2">
+            <a:extLst>
+              <a:ext uri="{FF2B5EF4-FFF2-40B4-BE49-F238E27FC236}">
+                <a16:creationId xmlns:a16="http://schemas.microsoft.com/office/drawing/2014/main" id="{04B66639-90D1-4A38-B3FB-F2CCA46555FC}"/>
+              </a:ext>
+            </a:extLst>
+          </p:cNvPr>
+          <p:cNvSpPr>
+            <a:spLocks noGrp="1"/>
+          </p:cNvSpPr>
+          <p:nvPr>
+            <p:ph type="body" sz="quarter" idx="10"/>
+          </p:nvPr>
+        </p:nvSpPr>
+        <p:spPr>
+          <a:xfrm>
+            <a:off x="584200" y="1435497"/>
+            <a:ext cx="11018520" cy="3533275"/>
+          </a:xfrm>
+        </p:spPr>
+        <p:txBody>
+          <a:bodyPr/>
+          <a:lstStyle/>
+          <a:p>
+            <a:r>
+              <a:rPr lang="en-GB" dirty="0"/>
+              <a:t>Parquet, ORC</a:t>
+            </a:r>
+          </a:p>
+          <a:p>
+            <a:r>
+              <a:rPr lang="en-GB" dirty="0"/>
+              <a:t>Good compression</a:t>
+            </a:r>
+          </a:p>
+          <a:p>
+            <a:r>
+              <a:rPr lang="en-GB" dirty="0"/>
+              <a:t>Fast to process</a:t>
+            </a:r>
+          </a:p>
+          <a:p>
+            <a:r>
+              <a:rPr lang="en-GB" dirty="0"/>
+              <a:t>Great for </a:t>
+            </a:r>
+            <a:r>
+              <a:rPr lang="en-GB" b="1" dirty="0"/>
+              <a:t>reading</a:t>
+            </a:r>
+          </a:p>
+          <a:p>
+            <a:r>
+              <a:rPr lang="en-GB" dirty="0"/>
+              <a:t>Great for </a:t>
+            </a:r>
+            <a:r>
+              <a:rPr lang="en-GB" b="1" dirty="0"/>
+              <a:t>batch</a:t>
+            </a:r>
+            <a:r>
+              <a:rPr lang="en-GB" dirty="0"/>
+              <a:t> movement</a:t>
+            </a:r>
+          </a:p>
+          <a:p>
+            <a:r>
+              <a:rPr lang="en-GB" dirty="0"/>
+              <a:t>Great for Queries</a:t>
+            </a:r>
+          </a:p>
+          <a:p>
+            <a:r>
+              <a:rPr lang="en-GB" dirty="0"/>
+              <a:t>Poor for individual writes</a:t>
+            </a:r>
+          </a:p>
+        </p:txBody>
+      </p:sp>
+      <p:sp>
+        <p:nvSpPr>
+          <p:cNvPr id="5" name="Rectangle 4">
+            <a:extLst>
+              <a:ext uri="{FF2B5EF4-FFF2-40B4-BE49-F238E27FC236}">
+                <a16:creationId xmlns:a16="http://schemas.microsoft.com/office/drawing/2014/main" id="{DC03A9EF-BDCA-4C20-968E-16AE0DEC85C5}"/>
+              </a:ext>
+            </a:extLst>
+          </p:cNvPr>
+          <p:cNvSpPr/>
+          <p:nvPr/>
+        </p:nvSpPr>
+        <p:spPr bwMode="auto">
+          <a:xfrm>
+            <a:off x="6725552" y="1389660"/>
+            <a:ext cx="1364131" cy="584496"/>
+          </a:xfrm>
+          <a:prstGeom prst="rect">
+            <a:avLst/>
+          </a:prstGeom>
+          <a:solidFill>
+            <a:schemeClr val="accent1"/>
+          </a:solidFill>
+          <a:ln>
+            <a:noFill/>
+            <a:headEnd type="none" w="med" len="med"/>
+            <a:tailEnd type="none" w="med" len="med"/>
+          </a:ln>
+          <a:effectLst/>
+        </p:spPr>
+        <p:style>
+          <a:lnRef idx="1">
+            <a:schemeClr val="accent2"/>
+          </a:lnRef>
+          <a:fillRef idx="3">
+            <a:schemeClr val="accent2"/>
+          </a:fillRef>
+          <a:effectRef idx="2">
+            <a:schemeClr val="accent2"/>
+          </a:effectRef>
+          <a:fontRef idx="minor">
+            <a:schemeClr val="lt1"/>
+          </a:fontRef>
+        </p:style>
+        <p:txBody>
+          <a:bodyPr rot="0" spcFirstLastPara="0" vertOverflow="overflow" horzOverflow="overflow" vert="horz" wrap="square" lIns="182880" tIns="146304" rIns="182880" bIns="146304" numCol="1" spcCol="0" rtlCol="0" fromWordArt="0" anchor="ctr" anchorCtr="0" forceAA="0" compatLnSpc="1">
+            <a:prstTxWarp prst="textNoShape">
+              <a:avLst/>
+            </a:prstTxWarp>
+            <a:noAutofit/>
+          </a:bodyPr>
+          <a:lstStyle/>
+          <a:p>
+            <a:pPr algn="ctr" defTabSz="932472" fontAlgn="base">
+              <a:spcBef>
+                <a:spcPct val="0"/>
+              </a:spcBef>
+              <a:spcAft>
+                <a:spcPct val="0"/>
+              </a:spcAft>
+            </a:pPr>
+            <a:r>
+              <a:rPr lang="en-GB" sz="2000" dirty="0">
+                <a:gradFill>
+                  <a:gsLst>
+                    <a:gs pos="0">
+                      <a:srgbClr val="FFFFFF"/>
+                    </a:gs>
+                    <a:gs pos="100000">
+                      <a:srgbClr val="FFFFFF"/>
+                    </a:gs>
+                  </a:gsLst>
+                  <a:lin ang="5400000" scaled="0"/>
+                </a:gradFill>
+                <a:ea typeface="Segoe UI" pitchFamily="34" charset="0"/>
+                <a:cs typeface="Segoe UI" pitchFamily="34" charset="0"/>
+              </a:rPr>
+              <a:t>David</a:t>
+            </a:r>
+          </a:p>
+        </p:txBody>
+      </p:sp>
+      <p:sp>
+        <p:nvSpPr>
+          <p:cNvPr id="6" name="Rectangle 5">
+            <a:extLst>
+              <a:ext uri="{FF2B5EF4-FFF2-40B4-BE49-F238E27FC236}">
+                <a16:creationId xmlns:a16="http://schemas.microsoft.com/office/drawing/2014/main" id="{2EBCC285-E5E0-45E2-BA41-3F402EA8BA5F}"/>
+              </a:ext>
+            </a:extLst>
+          </p:cNvPr>
+          <p:cNvSpPr/>
+          <p:nvPr/>
+        </p:nvSpPr>
+        <p:spPr bwMode="auto">
+          <a:xfrm>
+            <a:off x="6725551" y="2023769"/>
+            <a:ext cx="1364131" cy="584496"/>
+          </a:xfrm>
+          <a:prstGeom prst="rect">
+            <a:avLst/>
+          </a:prstGeom>
+          <a:solidFill>
+            <a:schemeClr val="accent1"/>
+          </a:solidFill>
+          <a:ln>
+            <a:noFill/>
+            <a:headEnd type="none" w="med" len="med"/>
+            <a:tailEnd type="none" w="med" len="med"/>
+          </a:ln>
+          <a:effectLst/>
+        </p:spPr>
+        <p:style>
+          <a:lnRef idx="1">
+            <a:schemeClr val="accent2"/>
+          </a:lnRef>
+          <a:fillRef idx="3">
+            <a:schemeClr val="accent2"/>
+          </a:fillRef>
+          <a:effectRef idx="2">
+            <a:schemeClr val="accent2"/>
+          </a:effectRef>
+          <a:fontRef idx="minor">
+            <a:schemeClr val="lt1"/>
+          </a:fontRef>
+        </p:style>
+        <p:txBody>
+          <a:bodyPr rot="0" spcFirstLastPara="0" vertOverflow="overflow" horzOverflow="overflow" vert="horz" wrap="square" lIns="182880" tIns="146304" rIns="182880" bIns="146304" numCol="1" spcCol="0" rtlCol="0" fromWordArt="0" anchor="ctr" anchorCtr="0" forceAA="0" compatLnSpc="1">
+            <a:prstTxWarp prst="textNoShape">
+              <a:avLst/>
+            </a:prstTxWarp>
+            <a:noAutofit/>
+          </a:bodyPr>
+          <a:lstStyle/>
+          <a:p>
+            <a:pPr algn="ctr" defTabSz="932472" fontAlgn="base">
+              <a:spcBef>
+                <a:spcPct val="0"/>
+              </a:spcBef>
+              <a:spcAft>
+                <a:spcPct val="0"/>
+              </a:spcAft>
+            </a:pPr>
+            <a:r>
+              <a:rPr lang="en-GB" sz="2000" dirty="0">
+                <a:gradFill>
+                  <a:gsLst>
+                    <a:gs pos="0">
+                      <a:srgbClr val="FFFFFF"/>
+                    </a:gs>
+                    <a:gs pos="100000">
+                      <a:srgbClr val="FFFFFF"/>
+                    </a:gs>
+                  </a:gsLst>
+                  <a:lin ang="5400000" scaled="0"/>
+                </a:gradFill>
+                <a:ea typeface="Segoe UI" pitchFamily="34" charset="0"/>
+                <a:cs typeface="Segoe UI" pitchFamily="34" charset="0"/>
+              </a:rPr>
+              <a:t>Jodie</a:t>
+            </a:r>
+          </a:p>
+        </p:txBody>
+      </p:sp>
+      <p:sp>
+        <p:nvSpPr>
+          <p:cNvPr id="7" name="Rectangle 6">
+            <a:extLst>
+              <a:ext uri="{FF2B5EF4-FFF2-40B4-BE49-F238E27FC236}">
+                <a16:creationId xmlns:a16="http://schemas.microsoft.com/office/drawing/2014/main" id="{6CC5CEC5-4019-4C44-90C7-C209F050F185}"/>
+              </a:ext>
+            </a:extLst>
+          </p:cNvPr>
+          <p:cNvSpPr/>
+          <p:nvPr/>
+        </p:nvSpPr>
+        <p:spPr bwMode="auto">
+          <a:xfrm>
+            <a:off x="6720139" y="2654102"/>
+            <a:ext cx="1364131" cy="584496"/>
+          </a:xfrm>
+          <a:prstGeom prst="rect">
+            <a:avLst/>
+          </a:prstGeom>
+          <a:solidFill>
+            <a:schemeClr val="accent1"/>
+          </a:solidFill>
+          <a:ln>
+            <a:noFill/>
+            <a:headEnd type="none" w="med" len="med"/>
+            <a:tailEnd type="none" w="med" len="med"/>
+          </a:ln>
+          <a:effectLst/>
+        </p:spPr>
+        <p:style>
+          <a:lnRef idx="1">
+            <a:schemeClr val="accent2"/>
+          </a:lnRef>
+          <a:fillRef idx="3">
+            <a:schemeClr val="accent2"/>
+          </a:fillRef>
+          <a:effectRef idx="2">
+            <a:schemeClr val="accent2"/>
+          </a:effectRef>
+          <a:fontRef idx="minor">
+            <a:schemeClr val="lt1"/>
+          </a:fontRef>
+        </p:style>
+        <p:txBody>
+          <a:bodyPr rot="0" spcFirstLastPara="0" vertOverflow="overflow" horzOverflow="overflow" vert="horz" wrap="square" lIns="182880" tIns="146304" rIns="182880" bIns="146304" numCol="1" spcCol="0" rtlCol="0" fromWordArt="0" anchor="ctr" anchorCtr="0" forceAA="0" compatLnSpc="1">
+            <a:prstTxWarp prst="textNoShape">
+              <a:avLst/>
+            </a:prstTxWarp>
+            <a:noAutofit/>
+          </a:bodyPr>
+          <a:lstStyle/>
+          <a:p>
+            <a:pPr algn="ctr" defTabSz="932472" fontAlgn="base">
+              <a:spcBef>
+                <a:spcPct val="0"/>
+              </a:spcBef>
+              <a:spcAft>
+                <a:spcPct val="0"/>
+              </a:spcAft>
+            </a:pPr>
+            <a:r>
+              <a:rPr lang="en-GB" sz="2000" dirty="0">
+                <a:gradFill>
+                  <a:gsLst>
+                    <a:gs pos="0">
+                      <a:srgbClr val="FFFFFF"/>
+                    </a:gs>
+                    <a:gs pos="100000">
+                      <a:srgbClr val="FFFFFF"/>
+                    </a:gs>
+                  </a:gsLst>
+                  <a:lin ang="5400000" scaled="0"/>
+                </a:gradFill>
+                <a:ea typeface="Segoe UI" pitchFamily="34" charset="0"/>
+                <a:cs typeface="Segoe UI" pitchFamily="34" charset="0"/>
+              </a:rPr>
+              <a:t>Adam</a:t>
+            </a:r>
+          </a:p>
+        </p:txBody>
+      </p:sp>
+      <p:sp>
+        <p:nvSpPr>
+          <p:cNvPr id="8" name="Rectangle 7">
+            <a:extLst>
+              <a:ext uri="{FF2B5EF4-FFF2-40B4-BE49-F238E27FC236}">
+                <a16:creationId xmlns:a16="http://schemas.microsoft.com/office/drawing/2014/main" id="{6C86FFCB-6060-4518-82D8-EE189DC902C7}"/>
+              </a:ext>
+            </a:extLst>
+          </p:cNvPr>
+          <p:cNvSpPr/>
+          <p:nvPr/>
+        </p:nvSpPr>
+        <p:spPr bwMode="auto">
+          <a:xfrm>
+            <a:off x="8264199" y="1389660"/>
+            <a:ext cx="1368826" cy="584496"/>
+          </a:xfrm>
+          <a:prstGeom prst="rect">
+            <a:avLst/>
+          </a:prstGeom>
+          <a:solidFill>
+            <a:schemeClr val="accent2"/>
+          </a:solidFill>
+          <a:ln>
+            <a:noFill/>
+          </a:ln>
+        </p:spPr>
+        <p:style>
+          <a:lnRef idx="0">
+            <a:scrgbClr r="0" g="0" b="0"/>
+          </a:lnRef>
+          <a:fillRef idx="0">
+            <a:scrgbClr r="0" g="0" b="0"/>
+          </a:fillRef>
+          <a:effectRef idx="0">
+            <a:scrgbClr r="0" g="0" b="0"/>
+          </a:effectRef>
+          <a:fontRef idx="minor">
+            <a:schemeClr val="lt1"/>
+          </a:fontRef>
+        </p:style>
+        <p:txBody>
+          <a:bodyPr rot="0" spcFirstLastPara="0" vertOverflow="overflow" horzOverflow="overflow" vert="horz" wrap="square" lIns="182880" tIns="146304" rIns="182880" bIns="146304" numCol="1" spcCol="0" rtlCol="0" fromWordArt="0" anchor="ctr" anchorCtr="0" forceAA="0" compatLnSpc="1">
+            <a:prstTxWarp prst="textNoShape">
+              <a:avLst/>
+            </a:prstTxWarp>
+            <a:noAutofit/>
+          </a:bodyPr>
+          <a:lstStyle/>
+          <a:p>
+            <a:pPr algn="ctr" defTabSz="932472" fontAlgn="base">
+              <a:spcBef>
+                <a:spcPct val="0"/>
+              </a:spcBef>
+              <a:spcAft>
+                <a:spcPct val="0"/>
+              </a:spcAft>
+            </a:pPr>
+            <a:r>
+              <a:rPr lang="en-GB" sz="2000" dirty="0">
+                <a:gradFill>
+                  <a:gsLst>
+                    <a:gs pos="0">
+                      <a:srgbClr val="FFFFFF"/>
+                    </a:gs>
+                    <a:gs pos="100000">
+                      <a:srgbClr val="FFFFFF"/>
+                    </a:gs>
+                  </a:gsLst>
+                  <a:lin ang="5400000" scaled="0"/>
+                </a:gradFill>
+                <a:ea typeface="Segoe UI" pitchFamily="34" charset="0"/>
+                <a:cs typeface="Segoe UI" pitchFamily="34" charset="0"/>
+              </a:rPr>
+              <a:t>Jones</a:t>
+            </a:r>
+          </a:p>
+        </p:txBody>
+      </p:sp>
+      <p:sp>
+        <p:nvSpPr>
+          <p:cNvPr id="9" name="Rectangle 8">
+            <a:extLst>
+              <a:ext uri="{FF2B5EF4-FFF2-40B4-BE49-F238E27FC236}">
+                <a16:creationId xmlns:a16="http://schemas.microsoft.com/office/drawing/2014/main" id="{FBAB0F73-A9DF-47DA-967F-1E8E68F49791}"/>
+              </a:ext>
+            </a:extLst>
+          </p:cNvPr>
+          <p:cNvSpPr/>
+          <p:nvPr/>
+        </p:nvSpPr>
+        <p:spPr bwMode="auto">
+          <a:xfrm>
+            <a:off x="8264199" y="2019993"/>
+            <a:ext cx="1368826" cy="584496"/>
+          </a:xfrm>
+          <a:prstGeom prst="rect">
+            <a:avLst/>
+          </a:prstGeom>
+          <a:solidFill>
+            <a:schemeClr val="accent2"/>
+          </a:solidFill>
+          <a:ln>
+            <a:noFill/>
+          </a:ln>
+        </p:spPr>
+        <p:style>
+          <a:lnRef idx="0">
+            <a:scrgbClr r="0" g="0" b="0"/>
+          </a:lnRef>
+          <a:fillRef idx="0">
+            <a:scrgbClr r="0" g="0" b="0"/>
+          </a:fillRef>
+          <a:effectRef idx="0">
+            <a:scrgbClr r="0" g="0" b="0"/>
+          </a:effectRef>
+          <a:fontRef idx="minor">
+            <a:schemeClr val="lt1"/>
+          </a:fontRef>
+        </p:style>
+        <p:txBody>
+          <a:bodyPr rot="0" spcFirstLastPara="0" vertOverflow="overflow" horzOverflow="overflow" vert="horz" wrap="square" lIns="182880" tIns="146304" rIns="182880" bIns="146304" numCol="1" spcCol="0" rtlCol="0" fromWordArt="0" anchor="ctr" anchorCtr="0" forceAA="0" compatLnSpc="1">
+            <a:prstTxWarp prst="textNoShape">
+              <a:avLst/>
+            </a:prstTxWarp>
+            <a:noAutofit/>
+          </a:bodyPr>
+          <a:lstStyle/>
+          <a:p>
+            <a:pPr algn="ctr" defTabSz="932472" fontAlgn="base">
+              <a:spcBef>
+                <a:spcPct val="0"/>
+              </a:spcBef>
+              <a:spcAft>
+                <a:spcPct val="0"/>
+              </a:spcAft>
+            </a:pPr>
+            <a:r>
+              <a:rPr lang="en-GB" sz="2000" dirty="0">
+                <a:gradFill>
+                  <a:gsLst>
+                    <a:gs pos="0">
+                      <a:srgbClr val="FFFFFF"/>
+                    </a:gs>
+                    <a:gs pos="100000">
+                      <a:srgbClr val="FFFFFF"/>
+                    </a:gs>
+                  </a:gsLst>
+                  <a:lin ang="5400000" scaled="0"/>
+                </a:gradFill>
+                <a:ea typeface="Segoe UI" pitchFamily="34" charset="0"/>
+                <a:cs typeface="Segoe UI" pitchFamily="34" charset="0"/>
+              </a:rPr>
+              <a:t>Nichols</a:t>
+            </a:r>
+          </a:p>
+        </p:txBody>
+      </p:sp>
+      <p:sp>
+        <p:nvSpPr>
+          <p:cNvPr id="10" name="Rectangle 9">
+            <a:extLst>
+              <a:ext uri="{FF2B5EF4-FFF2-40B4-BE49-F238E27FC236}">
+                <a16:creationId xmlns:a16="http://schemas.microsoft.com/office/drawing/2014/main" id="{27187BA0-3D88-48B2-9BC5-0EBC268E8839}"/>
+              </a:ext>
+            </a:extLst>
+          </p:cNvPr>
+          <p:cNvSpPr/>
+          <p:nvPr/>
+        </p:nvSpPr>
+        <p:spPr bwMode="auto">
+          <a:xfrm>
+            <a:off x="8264199" y="2650326"/>
+            <a:ext cx="1368827" cy="584496"/>
+          </a:xfrm>
+          <a:prstGeom prst="rect">
+            <a:avLst/>
+          </a:prstGeom>
+          <a:solidFill>
+            <a:schemeClr val="accent2"/>
+          </a:solidFill>
+          <a:ln>
+            <a:noFill/>
+          </a:ln>
+        </p:spPr>
+        <p:style>
+          <a:lnRef idx="0">
+            <a:scrgbClr r="0" g="0" b="0"/>
+          </a:lnRef>
+          <a:fillRef idx="0">
+            <a:scrgbClr r="0" g="0" b="0"/>
+          </a:fillRef>
+          <a:effectRef idx="0">
+            <a:scrgbClr r="0" g="0" b="0"/>
+          </a:effectRef>
+          <a:fontRef idx="minor">
+            <a:schemeClr val="lt1"/>
+          </a:fontRef>
+        </p:style>
+        <p:txBody>
+          <a:bodyPr rot="0" spcFirstLastPara="0" vertOverflow="overflow" horzOverflow="overflow" vert="horz" wrap="square" lIns="182880" tIns="146304" rIns="182880" bIns="146304" numCol="1" spcCol="0" rtlCol="0" fromWordArt="0" anchor="ctr" anchorCtr="0" forceAA="0" compatLnSpc="1">
+            <a:prstTxWarp prst="textNoShape">
+              <a:avLst/>
+            </a:prstTxWarp>
+            <a:noAutofit/>
+          </a:bodyPr>
+          <a:lstStyle/>
+          <a:p>
+            <a:pPr algn="ctr" defTabSz="932472" fontAlgn="base">
+              <a:spcBef>
+                <a:spcPct val="0"/>
+              </a:spcBef>
+              <a:spcAft>
+                <a:spcPct val="0"/>
+              </a:spcAft>
+            </a:pPr>
+            <a:r>
+              <a:rPr lang="en-GB" sz="2000" dirty="0">
+                <a:gradFill>
+                  <a:gsLst>
+                    <a:gs pos="0">
+                      <a:srgbClr val="FFFFFF"/>
+                    </a:gs>
+                    <a:gs pos="100000">
+                      <a:srgbClr val="FFFFFF"/>
+                    </a:gs>
+                  </a:gsLst>
+                  <a:lin ang="5400000" scaled="0"/>
+                </a:gradFill>
+                <a:ea typeface="Segoe UI" pitchFamily="34" charset="0"/>
+                <a:cs typeface="Segoe UI" pitchFamily="34" charset="0"/>
+              </a:rPr>
+              <a:t>Simpson</a:t>
+            </a:r>
+          </a:p>
+        </p:txBody>
+      </p:sp>
+      <p:sp>
+        <p:nvSpPr>
+          <p:cNvPr id="11" name="Rectangle 10">
+            <a:extLst>
+              <a:ext uri="{FF2B5EF4-FFF2-40B4-BE49-F238E27FC236}">
+                <a16:creationId xmlns:a16="http://schemas.microsoft.com/office/drawing/2014/main" id="{E005211A-37FF-47B5-9072-8C63C66FC299}"/>
+              </a:ext>
+            </a:extLst>
+          </p:cNvPr>
+          <p:cNvSpPr/>
+          <p:nvPr/>
+        </p:nvSpPr>
+        <p:spPr bwMode="auto">
+          <a:xfrm>
+            <a:off x="9814562" y="1389660"/>
+            <a:ext cx="1368825" cy="584496"/>
+          </a:xfrm>
+          <a:prstGeom prst="rect">
+            <a:avLst/>
+          </a:prstGeom>
+          <a:solidFill>
+            <a:schemeClr val="accent4"/>
+          </a:solidFill>
+          <a:ln>
+            <a:noFill/>
+          </a:ln>
+        </p:spPr>
+        <p:style>
+          <a:lnRef idx="0">
+            <a:scrgbClr r="0" g="0" b="0"/>
+          </a:lnRef>
+          <a:fillRef idx="0">
+            <a:scrgbClr r="0" g="0" b="0"/>
+          </a:fillRef>
+          <a:effectRef idx="0">
+            <a:scrgbClr r="0" g="0" b="0"/>
+          </a:effectRef>
+          <a:fontRef idx="minor">
+            <a:schemeClr val="lt1"/>
+          </a:fontRef>
+        </p:style>
+        <p:txBody>
+          <a:bodyPr rot="0" spcFirstLastPara="0" vertOverflow="overflow" horzOverflow="overflow" vert="horz" wrap="square" lIns="182880" tIns="146304" rIns="182880" bIns="146304" numCol="1" spcCol="0" rtlCol="0" fromWordArt="0" anchor="ctr" anchorCtr="0" forceAA="0" compatLnSpc="1">
+            <a:prstTxWarp prst="textNoShape">
+              <a:avLst/>
+            </a:prstTxWarp>
+            <a:noAutofit/>
+          </a:bodyPr>
+          <a:lstStyle/>
+          <a:p>
+            <a:pPr algn="ctr" defTabSz="932472" fontAlgn="base">
+              <a:spcBef>
+                <a:spcPct val="0"/>
+              </a:spcBef>
+              <a:spcAft>
+                <a:spcPct val="0"/>
+              </a:spcAft>
+            </a:pPr>
+            <a:r>
+              <a:rPr lang="en-GB" sz="2000" dirty="0">
+                <a:gradFill>
+                  <a:gsLst>
+                    <a:gs pos="0">
+                      <a:srgbClr val="FFFFFF"/>
+                    </a:gs>
+                    <a:gs pos="100000">
+                      <a:srgbClr val="FFFFFF"/>
+                    </a:gs>
+                  </a:gsLst>
+                  <a:lin ang="5400000" scaled="0"/>
+                </a:gradFill>
+                <a:ea typeface="Segoe UI" pitchFamily="34" charset="0"/>
+                <a:cs typeface="Segoe UI" pitchFamily="34" charset="0"/>
+              </a:rPr>
+              <a:t>36</a:t>
+            </a:r>
+          </a:p>
+        </p:txBody>
+      </p:sp>
+      <p:sp>
+        <p:nvSpPr>
+          <p:cNvPr id="12" name="Rectangle 11">
+            <a:extLst>
+              <a:ext uri="{FF2B5EF4-FFF2-40B4-BE49-F238E27FC236}">
+                <a16:creationId xmlns:a16="http://schemas.microsoft.com/office/drawing/2014/main" id="{C64AE7C2-C1E6-4EAA-A708-B757097682DD}"/>
+              </a:ext>
+            </a:extLst>
+          </p:cNvPr>
+          <p:cNvSpPr/>
+          <p:nvPr/>
+        </p:nvSpPr>
+        <p:spPr bwMode="auto">
+          <a:xfrm>
+            <a:off x="9814561" y="2029003"/>
+            <a:ext cx="1368825" cy="584496"/>
+          </a:xfrm>
+          <a:prstGeom prst="rect">
+            <a:avLst/>
+          </a:prstGeom>
+          <a:solidFill>
+            <a:schemeClr val="accent4"/>
+          </a:solidFill>
+          <a:ln>
+            <a:noFill/>
+          </a:ln>
+        </p:spPr>
+        <p:style>
+          <a:lnRef idx="0">
+            <a:scrgbClr r="0" g="0" b="0"/>
+          </a:lnRef>
+          <a:fillRef idx="0">
+            <a:scrgbClr r="0" g="0" b="0"/>
+          </a:fillRef>
+          <a:effectRef idx="0">
+            <a:scrgbClr r="0" g="0" b="0"/>
+          </a:effectRef>
+          <a:fontRef idx="minor">
+            <a:schemeClr val="lt1"/>
+          </a:fontRef>
+        </p:style>
+        <p:txBody>
+          <a:bodyPr rot="0" spcFirstLastPara="0" vertOverflow="overflow" horzOverflow="overflow" vert="horz" wrap="square" lIns="182880" tIns="146304" rIns="182880" bIns="146304" numCol="1" spcCol="0" rtlCol="0" fromWordArt="0" anchor="ctr" anchorCtr="0" forceAA="0" compatLnSpc="1">
+            <a:prstTxWarp prst="textNoShape">
+              <a:avLst/>
+            </a:prstTxWarp>
+            <a:noAutofit/>
+          </a:bodyPr>
+          <a:lstStyle/>
+          <a:p>
+            <a:pPr algn="ctr" defTabSz="932472" fontAlgn="base">
+              <a:spcBef>
+                <a:spcPct val="0"/>
+              </a:spcBef>
+              <a:spcAft>
+                <a:spcPct val="0"/>
+              </a:spcAft>
+            </a:pPr>
+            <a:r>
+              <a:rPr lang="en-GB" sz="2000" dirty="0">
+                <a:gradFill>
+                  <a:gsLst>
+                    <a:gs pos="0">
+                      <a:srgbClr val="FFFFFF"/>
+                    </a:gs>
+                    <a:gs pos="100000">
+                      <a:srgbClr val="FFFFFF"/>
+                    </a:gs>
+                  </a:gsLst>
+                  <a:lin ang="5400000" scaled="0"/>
+                </a:gradFill>
+                <a:ea typeface="Segoe UI" pitchFamily="34" charset="0"/>
+                <a:cs typeface="Segoe UI" pitchFamily="34" charset="0"/>
+              </a:rPr>
+              <a:t>45</a:t>
+            </a:r>
+          </a:p>
+        </p:txBody>
+      </p:sp>
+      <p:sp>
+        <p:nvSpPr>
+          <p:cNvPr id="13" name="Rectangle 12">
+            <a:extLst>
+              <a:ext uri="{FF2B5EF4-FFF2-40B4-BE49-F238E27FC236}">
+                <a16:creationId xmlns:a16="http://schemas.microsoft.com/office/drawing/2014/main" id="{335B8DF3-92E2-49D1-8AF0-806299A58646}"/>
+              </a:ext>
+            </a:extLst>
+          </p:cNvPr>
+          <p:cNvSpPr/>
+          <p:nvPr/>
+        </p:nvSpPr>
+        <p:spPr bwMode="auto">
+          <a:xfrm>
+            <a:off x="9814561" y="2668346"/>
+            <a:ext cx="1368824" cy="584496"/>
+          </a:xfrm>
+          <a:prstGeom prst="rect">
+            <a:avLst/>
+          </a:prstGeom>
+          <a:solidFill>
+            <a:schemeClr val="accent4"/>
+          </a:solidFill>
+          <a:ln>
+            <a:noFill/>
+          </a:ln>
+        </p:spPr>
+        <p:style>
+          <a:lnRef idx="0">
+            <a:scrgbClr r="0" g="0" b="0"/>
+          </a:lnRef>
+          <a:fillRef idx="0">
+            <a:scrgbClr r="0" g="0" b="0"/>
+          </a:fillRef>
+          <a:effectRef idx="0">
+            <a:scrgbClr r="0" g="0" b="0"/>
+          </a:effectRef>
+          <a:fontRef idx="minor">
+            <a:schemeClr val="lt1"/>
+          </a:fontRef>
+        </p:style>
+        <p:txBody>
+          <a:bodyPr rot="0" spcFirstLastPara="0" vertOverflow="overflow" horzOverflow="overflow" vert="horz" wrap="square" lIns="182880" tIns="146304" rIns="182880" bIns="146304" numCol="1" spcCol="0" rtlCol="0" fromWordArt="0" anchor="ctr" anchorCtr="0" forceAA="0" compatLnSpc="1">
+            <a:prstTxWarp prst="textNoShape">
+              <a:avLst/>
+            </a:prstTxWarp>
+            <a:noAutofit/>
+          </a:bodyPr>
+          <a:lstStyle/>
+          <a:p>
+            <a:pPr algn="ctr" defTabSz="932472" fontAlgn="base">
+              <a:spcBef>
+                <a:spcPct val="0"/>
+              </a:spcBef>
+              <a:spcAft>
+                <a:spcPct val="0"/>
+              </a:spcAft>
+            </a:pPr>
+            <a:r>
+              <a:rPr lang="en-GB" sz="2000" dirty="0">
+                <a:gradFill>
+                  <a:gsLst>
+                    <a:gs pos="0">
+                      <a:srgbClr val="FFFFFF"/>
+                    </a:gs>
+                    <a:gs pos="100000">
+                      <a:srgbClr val="FFFFFF"/>
+                    </a:gs>
+                  </a:gsLst>
+                  <a:lin ang="5400000" scaled="0"/>
+                </a:gradFill>
+                <a:ea typeface="Segoe UI" pitchFamily="34" charset="0"/>
+                <a:cs typeface="Segoe UI" pitchFamily="34" charset="0"/>
+              </a:rPr>
+              <a:t>22</a:t>
+            </a:r>
+          </a:p>
+        </p:txBody>
+      </p:sp>
+      <p:sp>
+        <p:nvSpPr>
+          <p:cNvPr id="14" name="TextBox 13">
+            <a:extLst>
+              <a:ext uri="{FF2B5EF4-FFF2-40B4-BE49-F238E27FC236}">
+                <a16:creationId xmlns:a16="http://schemas.microsoft.com/office/drawing/2014/main" id="{8063434B-2337-41E7-A489-D1E4B410B8E3}"/>
+              </a:ext>
+            </a:extLst>
+          </p:cNvPr>
+          <p:cNvSpPr txBox="1"/>
+          <p:nvPr/>
+        </p:nvSpPr>
+        <p:spPr>
+          <a:xfrm>
+            <a:off x="6666734" y="1024715"/>
+            <a:ext cx="1481768" cy="307777"/>
+          </a:xfrm>
+          <a:prstGeom prst="rect">
+            <a:avLst/>
+          </a:prstGeom>
+          <a:noFill/>
+        </p:spPr>
+        <p:txBody>
+          <a:bodyPr wrap="square" lIns="0" tIns="0" rIns="0" bIns="0" rtlCol="0">
+            <a:spAutoFit/>
+          </a:bodyPr>
+          <a:lstStyle/>
+          <a:p>
+            <a:pPr algn="ctr"/>
+            <a:r>
+              <a:rPr lang="en-GB" sz="2000" dirty="0">
+                <a:gradFill>
+                  <a:gsLst>
+                    <a:gs pos="2917">
+                      <a:schemeClr val="tx1"/>
+                    </a:gs>
+                    <a:gs pos="30000">
+                      <a:schemeClr val="tx1"/>
+                    </a:gs>
+                  </a:gsLst>
+                  <a:lin ang="5400000" scaled="0"/>
+                </a:gradFill>
+              </a:rPr>
+              <a:t>FirstName</a:t>
+            </a:r>
+          </a:p>
+        </p:txBody>
+      </p:sp>
+      <p:sp>
+        <p:nvSpPr>
+          <p:cNvPr id="15" name="TextBox 14">
+            <a:extLst>
+              <a:ext uri="{FF2B5EF4-FFF2-40B4-BE49-F238E27FC236}">
+                <a16:creationId xmlns:a16="http://schemas.microsoft.com/office/drawing/2014/main" id="{A858D42C-F409-4D51-9857-8FB2AEB64B17}"/>
+              </a:ext>
+            </a:extLst>
+          </p:cNvPr>
+          <p:cNvSpPr txBox="1"/>
+          <p:nvPr/>
+        </p:nvSpPr>
+        <p:spPr>
+          <a:xfrm>
+            <a:off x="8205713" y="1024715"/>
+            <a:ext cx="1485798" cy="307777"/>
+          </a:xfrm>
+          <a:prstGeom prst="rect">
+            <a:avLst/>
+          </a:prstGeom>
+          <a:noFill/>
+        </p:spPr>
+        <p:txBody>
+          <a:bodyPr wrap="square" lIns="0" tIns="0" rIns="0" bIns="0" rtlCol="0">
+            <a:spAutoFit/>
+          </a:bodyPr>
+          <a:lstStyle/>
+          <a:p>
+            <a:pPr algn="ctr"/>
+            <a:r>
+              <a:rPr lang="en-GB" sz="2000" dirty="0">
+                <a:gradFill>
+                  <a:gsLst>
+                    <a:gs pos="2917">
+                      <a:schemeClr val="tx1"/>
+                    </a:gs>
+                    <a:gs pos="30000">
+                      <a:schemeClr val="tx1"/>
+                    </a:gs>
+                  </a:gsLst>
+                  <a:lin ang="5400000" scaled="0"/>
+                </a:gradFill>
+              </a:rPr>
+              <a:t>LastName</a:t>
+            </a:r>
+          </a:p>
+        </p:txBody>
+      </p:sp>
+      <p:sp>
+        <p:nvSpPr>
+          <p:cNvPr id="16" name="TextBox 15">
+            <a:extLst>
+              <a:ext uri="{FF2B5EF4-FFF2-40B4-BE49-F238E27FC236}">
+                <a16:creationId xmlns:a16="http://schemas.microsoft.com/office/drawing/2014/main" id="{62F95428-DC57-432A-8432-8823697D35F1}"/>
+              </a:ext>
+            </a:extLst>
+          </p:cNvPr>
+          <p:cNvSpPr txBox="1"/>
+          <p:nvPr/>
+        </p:nvSpPr>
+        <p:spPr>
+          <a:xfrm>
+            <a:off x="9748722" y="1027036"/>
+            <a:ext cx="1468562" cy="307777"/>
+          </a:xfrm>
+          <a:prstGeom prst="rect">
+            <a:avLst/>
+          </a:prstGeom>
+          <a:noFill/>
+        </p:spPr>
+        <p:txBody>
+          <a:bodyPr wrap="square" lIns="0" tIns="0" rIns="0" bIns="0" rtlCol="0">
+            <a:spAutoFit/>
+          </a:bodyPr>
+          <a:lstStyle/>
+          <a:p>
+            <a:pPr algn="ctr"/>
+            <a:r>
+              <a:rPr lang="en-GB" sz="2000" dirty="0">
+                <a:gradFill>
+                  <a:gsLst>
+                    <a:gs pos="2917">
+                      <a:schemeClr val="tx1"/>
+                    </a:gs>
+                    <a:gs pos="30000">
+                      <a:schemeClr val="tx1"/>
+                    </a:gs>
+                  </a:gsLst>
+                  <a:lin ang="5400000" scaled="0"/>
+                </a:gradFill>
+              </a:rPr>
+              <a:t>Age</a:t>
+            </a:r>
+          </a:p>
+        </p:txBody>
+      </p:sp>
+      <p:sp>
+        <p:nvSpPr>
+          <p:cNvPr id="17" name="Rectangle 16">
+            <a:extLst>
+              <a:ext uri="{FF2B5EF4-FFF2-40B4-BE49-F238E27FC236}">
+                <a16:creationId xmlns:a16="http://schemas.microsoft.com/office/drawing/2014/main" id="{F5A06DC0-BE15-41CA-B695-76171165B425}"/>
+              </a:ext>
+            </a:extLst>
+          </p:cNvPr>
+          <p:cNvSpPr/>
+          <p:nvPr/>
+        </p:nvSpPr>
+        <p:spPr bwMode="auto">
+          <a:xfrm>
+            <a:off x="6720139" y="3411995"/>
+            <a:ext cx="4463246" cy="407323"/>
+          </a:xfrm>
+          <a:prstGeom prst="rect">
+            <a:avLst/>
+          </a:prstGeom>
+          <a:solidFill>
+            <a:schemeClr val="accent5"/>
+          </a:solidFill>
+          <a:ln>
+            <a:noFill/>
+          </a:ln>
+        </p:spPr>
+        <p:style>
+          <a:lnRef idx="0">
+            <a:scrgbClr r="0" g="0" b="0"/>
+          </a:lnRef>
+          <a:fillRef idx="0">
+            <a:scrgbClr r="0" g="0" b="0"/>
+          </a:fillRef>
+          <a:effectRef idx="0">
+            <a:scrgbClr r="0" g="0" b="0"/>
+          </a:effectRef>
+          <a:fontRef idx="minor">
+            <a:schemeClr val="lt1"/>
+          </a:fontRef>
+        </p:style>
+        <p:txBody>
+          <a:bodyPr rot="0" spcFirstLastPara="0" vertOverflow="overflow" horzOverflow="overflow" vert="horz" wrap="square" lIns="182880" tIns="146304" rIns="182880" bIns="146304" numCol="1" spcCol="0" rtlCol="0" fromWordArt="0" anchor="ctr" anchorCtr="0" forceAA="0" compatLnSpc="1">
+            <a:prstTxWarp prst="textNoShape">
+              <a:avLst/>
+            </a:prstTxWarp>
+            <a:noAutofit/>
+          </a:bodyPr>
+          <a:lstStyle/>
+          <a:p>
+            <a:pPr algn="ctr" defTabSz="932472" fontAlgn="base">
+              <a:spcBef>
+                <a:spcPct val="0"/>
+              </a:spcBef>
+              <a:spcAft>
+                <a:spcPct val="0"/>
+              </a:spcAft>
+            </a:pPr>
+            <a:r>
+              <a:rPr lang="en-GB" sz="2000" dirty="0">
+                <a:gradFill>
+                  <a:gsLst>
+                    <a:gs pos="0">
+                      <a:srgbClr val="FFFFFF"/>
+                    </a:gs>
+                    <a:gs pos="100000">
+                      <a:srgbClr val="FFFFFF"/>
+                    </a:gs>
+                  </a:gsLst>
+                  <a:lin ang="5400000" scaled="0"/>
+                </a:gradFill>
+                <a:ea typeface="Segoe UI" pitchFamily="34" charset="0"/>
+                <a:cs typeface="Segoe UI" pitchFamily="34" charset="0"/>
+              </a:rPr>
+              <a:t>Schema/Metadata</a:t>
+            </a:r>
+          </a:p>
+        </p:txBody>
+      </p:sp>
+    </p:spTree>
+    <p:extLst>
+      <p:ext uri="{BB962C8B-B14F-4D97-AF65-F5344CB8AC3E}">
+        <p14:creationId xmlns:p14="http://schemas.microsoft.com/office/powerpoint/2010/main" val="2287376448"/>
+      </p:ext>
+    </p:extLst>
+  </p:cSld>
+  <p:clrMapOvr>
+    <a:masterClrMapping/>
+  </p:clrMapOvr>
+  <p:transition>
+    <p:fade/>
+  </p:transition>
+</p:sld>
+</file>
+
+<file path=ppt/slides/slide5.xml><?xml version="1.0" encoding="utf-8"?>
+<p:sld xmlns:a="http://schemas.openxmlformats.org/drawingml/2006/main" xmlns:r="http://schemas.openxmlformats.org/officeDocument/2006/relationships" xmlns:p="http://schemas.openxmlformats.org/presentationml/2006/main">
+  <p:cSld>
+    <p:spTree>
+      <p:nvGrpSpPr>
+        <p:cNvPr id="1" name=""/>
+        <p:cNvGrpSpPr/>
+        <p:nvPr/>
+      </p:nvGrpSpPr>
+      <p:grpSpPr>
+        <a:xfrm>
+          <a:off x="0" y="0"/>
+          <a:ext cx="0" cy="0"/>
+          <a:chOff x="0" y="0"/>
+          <a:chExt cx="0" cy="0"/>
+        </a:xfrm>
+      </p:grpSpPr>
+      <p:sp>
+        <p:nvSpPr>
+          <p:cNvPr id="4" name="Rectangle 3">
+            <a:extLst>
+              <a:ext uri="{FF2B5EF4-FFF2-40B4-BE49-F238E27FC236}">
+                <a16:creationId xmlns:a16="http://schemas.microsoft.com/office/drawing/2014/main" id="{7074F9AB-F1F2-493D-B9B3-127E0C8B1D61}"/>
+              </a:ext>
+            </a:extLst>
+          </p:cNvPr>
+          <p:cNvSpPr/>
+          <p:nvPr/>
+        </p:nvSpPr>
+        <p:spPr bwMode="auto">
+          <a:xfrm>
+            <a:off x="6599001" y="514573"/>
+            <a:ext cx="4699221" cy="3442915"/>
+          </a:xfrm>
+          <a:prstGeom prst="rect">
+            <a:avLst/>
+          </a:prstGeom>
+          <a:solidFill>
+            <a:schemeClr val="accent6"/>
+          </a:solidFill>
+          <a:ln>
+            <a:noFill/>
+          </a:ln>
+        </p:spPr>
+        <p:style>
+          <a:lnRef idx="0">
+            <a:scrgbClr r="0" g="0" b="0"/>
+          </a:lnRef>
+          <a:fillRef idx="0">
+            <a:scrgbClr r="0" g="0" b="0"/>
+          </a:fillRef>
+          <a:effectRef idx="0">
+            <a:scrgbClr r="0" g="0" b="0"/>
+          </a:effectRef>
+          <a:fontRef idx="minor">
+            <a:schemeClr val="lt1"/>
+          </a:fontRef>
+        </p:style>
+        <p:txBody>
+          <a:bodyPr rot="0" spcFirstLastPara="0" vertOverflow="overflow" horzOverflow="overflow" vert="horz" wrap="square" lIns="182880" tIns="146304" rIns="182880" bIns="146304" numCol="1" spcCol="0" rtlCol="0" fromWordArt="0" anchor="t" anchorCtr="0" forceAA="0" compatLnSpc="1">
+            <a:prstTxWarp prst="textNoShape">
+              <a:avLst/>
+            </a:prstTxWarp>
+            <a:noAutofit/>
+          </a:bodyPr>
+          <a:lstStyle/>
+          <a:p>
+            <a:pPr algn="ctr" defTabSz="932472" fontAlgn="base">
+              <a:spcBef>
+                <a:spcPct val="0"/>
+              </a:spcBef>
+              <a:spcAft>
+                <a:spcPct val="0"/>
+              </a:spcAft>
+            </a:pPr>
+            <a:r>
+              <a:rPr lang="en-GB" sz="2000" dirty="0">
+                <a:solidFill>
+                  <a:schemeClr val="tx1"/>
+                </a:solidFill>
+                <a:ea typeface="Segoe UI" pitchFamily="34" charset="0"/>
+                <a:cs typeface="Segoe UI" pitchFamily="34" charset="0"/>
+              </a:rPr>
+              <a:t>Binary File</a:t>
+            </a:r>
+          </a:p>
+        </p:txBody>
+      </p:sp>
+      <p:sp>
+        <p:nvSpPr>
+          <p:cNvPr id="20" name="Rectangle 19">
+            <a:extLst>
+              <a:ext uri="{FF2B5EF4-FFF2-40B4-BE49-F238E27FC236}">
+                <a16:creationId xmlns:a16="http://schemas.microsoft.com/office/drawing/2014/main" id="{74C8EE05-6BB5-4668-B21B-C7B5F762C4E8}"/>
+              </a:ext>
+            </a:extLst>
+          </p:cNvPr>
+          <p:cNvSpPr/>
+          <p:nvPr/>
+        </p:nvSpPr>
+        <p:spPr bwMode="auto">
+          <a:xfrm>
+            <a:off x="6716988" y="973327"/>
+            <a:ext cx="4463246" cy="407323"/>
+          </a:xfrm>
+          <a:prstGeom prst="rect">
+            <a:avLst/>
+          </a:prstGeom>
+          <a:solidFill>
+            <a:schemeClr val="accent5"/>
+          </a:solidFill>
+          <a:ln>
+            <a:noFill/>
+          </a:ln>
+        </p:spPr>
+        <p:style>
+          <a:lnRef idx="0">
+            <a:scrgbClr r="0" g="0" b="0"/>
+          </a:lnRef>
+          <a:fillRef idx="0">
+            <a:scrgbClr r="0" g="0" b="0"/>
+          </a:fillRef>
+          <a:effectRef idx="0">
+            <a:scrgbClr r="0" g="0" b="0"/>
+          </a:effectRef>
+          <a:fontRef idx="minor">
+            <a:schemeClr val="lt1"/>
+          </a:fontRef>
+        </p:style>
+        <p:txBody>
+          <a:bodyPr rot="0" spcFirstLastPara="0" vertOverflow="overflow" horzOverflow="overflow" vert="horz" wrap="square" lIns="182880" tIns="146304" rIns="182880" bIns="146304" numCol="1" spcCol="0" rtlCol="0" fromWordArt="0" anchor="ctr" anchorCtr="0" forceAA="0" compatLnSpc="1">
+            <a:prstTxWarp prst="textNoShape">
+              <a:avLst/>
+            </a:prstTxWarp>
+            <a:noAutofit/>
+          </a:bodyPr>
+          <a:lstStyle/>
+          <a:p>
+            <a:pPr algn="ctr" defTabSz="932472" fontAlgn="base">
+              <a:spcBef>
+                <a:spcPct val="0"/>
+              </a:spcBef>
+              <a:spcAft>
+                <a:spcPct val="0"/>
+              </a:spcAft>
+            </a:pPr>
+            <a:endParaRPr lang="en-GB" sz="2000" dirty="0">
+              <a:gradFill>
+                <a:gsLst>
+                  <a:gs pos="0">
+                    <a:srgbClr val="FFFFFF"/>
+                  </a:gs>
+                  <a:gs pos="100000">
+                    <a:srgbClr val="FFFFFF"/>
+                  </a:gs>
+                </a:gsLst>
+                <a:lin ang="5400000" scaled="0"/>
+              </a:gradFill>
+              <a:ea typeface="Segoe UI" pitchFamily="34" charset="0"/>
+              <a:cs typeface="Segoe UI" pitchFamily="34" charset="0"/>
+            </a:endParaRPr>
+          </a:p>
+        </p:txBody>
+      </p:sp>
+      <p:sp>
+        <p:nvSpPr>
+          <p:cNvPr id="2" name="Title 1">
+            <a:extLst>
+              <a:ext uri="{FF2B5EF4-FFF2-40B4-BE49-F238E27FC236}">
+                <a16:creationId xmlns:a16="http://schemas.microsoft.com/office/drawing/2014/main" id="{14B698F9-AE2A-48FC-81C3-189582DA74C8}"/>
+              </a:ext>
+            </a:extLst>
+          </p:cNvPr>
+          <p:cNvSpPr>
+            <a:spLocks noGrp="1"/>
+          </p:cNvSpPr>
+          <p:nvPr>
+            <p:ph type="title"/>
+          </p:nvPr>
+        </p:nvSpPr>
+        <p:spPr/>
+        <p:txBody>
+          <a:bodyPr/>
+          <a:lstStyle/>
+          <a:p>
+            <a:r>
+              <a:rPr lang="en-GB" dirty="0"/>
+              <a:t>Row based formats</a:t>
+            </a:r>
+          </a:p>
+        </p:txBody>
+      </p:sp>
+      <p:sp>
+        <p:nvSpPr>
+          <p:cNvPr id="3" name="Text Placeholder 2">
+            <a:extLst>
+              <a:ext uri="{FF2B5EF4-FFF2-40B4-BE49-F238E27FC236}">
+                <a16:creationId xmlns:a16="http://schemas.microsoft.com/office/drawing/2014/main" id="{08B39F3D-0713-4843-95F6-07CC71CF7D4D}"/>
+              </a:ext>
+            </a:extLst>
+          </p:cNvPr>
+          <p:cNvSpPr>
+            <a:spLocks noGrp="1"/>
+          </p:cNvSpPr>
+          <p:nvPr>
+            <p:ph type="body" sz="quarter" idx="10"/>
+          </p:nvPr>
+        </p:nvSpPr>
+        <p:spPr>
+          <a:xfrm>
+            <a:off x="584200" y="1435497"/>
+            <a:ext cx="11018520" cy="2499146"/>
+          </a:xfrm>
+        </p:spPr>
+        <p:txBody>
+          <a:bodyPr/>
+          <a:lstStyle/>
+          <a:p>
+            <a:r>
+              <a:rPr lang="en-GB" dirty="0"/>
+              <a:t>AVRO</a:t>
+            </a:r>
+          </a:p>
+          <a:p>
+            <a:r>
+              <a:rPr lang="en-GB" dirty="0"/>
+              <a:t>Fast appends</a:t>
+            </a:r>
+          </a:p>
+          <a:p>
+            <a:r>
+              <a:rPr lang="en-GB" dirty="0"/>
+              <a:t>Great for </a:t>
+            </a:r>
+            <a:r>
+              <a:rPr lang="en-GB" b="1" dirty="0"/>
+              <a:t>writing</a:t>
+            </a:r>
+            <a:r>
+              <a:rPr lang="en-GB" dirty="0"/>
+              <a:t> </a:t>
+            </a:r>
+            <a:r>
+              <a:rPr lang="en-GB" b="1" dirty="0"/>
+              <a:t>event</a:t>
+            </a:r>
+            <a:r>
+              <a:rPr lang="en-GB" dirty="0"/>
+              <a:t> data</a:t>
+            </a:r>
+          </a:p>
+          <a:p>
+            <a:r>
+              <a:rPr lang="en-GB" dirty="0"/>
+              <a:t>Poor for reading</a:t>
+            </a:r>
+          </a:p>
+          <a:p>
+            <a:endParaRPr lang="en-GB" dirty="0"/>
+          </a:p>
+        </p:txBody>
+      </p:sp>
+      <p:sp>
+        <p:nvSpPr>
+          <p:cNvPr id="5" name="Rectangle 4">
+            <a:extLst>
+              <a:ext uri="{FF2B5EF4-FFF2-40B4-BE49-F238E27FC236}">
+                <a16:creationId xmlns:a16="http://schemas.microsoft.com/office/drawing/2014/main" id="{24BE2A80-F42C-450D-9BDA-563312359188}"/>
+              </a:ext>
+            </a:extLst>
+          </p:cNvPr>
+          <p:cNvSpPr/>
+          <p:nvPr/>
+        </p:nvSpPr>
+        <p:spPr bwMode="auto">
+          <a:xfrm>
+            <a:off x="6666734" y="3108960"/>
+            <a:ext cx="4561552" cy="747423"/>
+          </a:xfrm>
+          <a:prstGeom prst="rect">
+            <a:avLst/>
+          </a:prstGeom>
+          <a:ln>
+            <a:headEnd type="none" w="med" len="med"/>
+            <a:tailEnd type="none" w="med" len="med"/>
+          </a:ln>
+        </p:spPr>
+        <p:style>
+          <a:lnRef idx="2">
+            <a:schemeClr val="accent4"/>
+          </a:lnRef>
+          <a:fillRef idx="1">
+            <a:schemeClr val="lt1"/>
+          </a:fillRef>
+          <a:effectRef idx="0">
+            <a:schemeClr val="accent4"/>
+          </a:effectRef>
+          <a:fontRef idx="minor">
+            <a:schemeClr val="dk1"/>
+          </a:fontRef>
+        </p:style>
+        <p:txBody>
+          <a:bodyPr rot="0" spcFirstLastPara="0" vertOverflow="overflow" horzOverflow="overflow" vert="horz" wrap="square" lIns="182880" tIns="146304" rIns="182880" bIns="146304" numCol="1" spcCol="0" rtlCol="0" fromWordArt="0" anchor="t" anchorCtr="0" forceAA="0" compatLnSpc="1">
+            <a:prstTxWarp prst="textNoShape">
+              <a:avLst/>
+            </a:prstTxWarp>
+            <a:noAutofit/>
+          </a:bodyPr>
+          <a:lstStyle/>
+          <a:p>
+            <a:pPr algn="l" defTabSz="932472" fontAlgn="base">
+              <a:spcBef>
+                <a:spcPct val="0"/>
+              </a:spcBef>
+              <a:spcAft>
+                <a:spcPct val="0"/>
+              </a:spcAft>
+            </a:pPr>
+            <a:endParaRPr lang="en-GB" sz="2000" dirty="0" err="1">
+              <a:gradFill>
+                <a:gsLst>
+                  <a:gs pos="0">
+                    <a:srgbClr val="FFFFFF"/>
+                  </a:gs>
+                  <a:gs pos="100000">
+                    <a:srgbClr val="FFFFFF"/>
+                  </a:gs>
+                </a:gsLst>
+                <a:lin ang="5400000" scaled="0"/>
+              </a:gradFill>
+              <a:ea typeface="Segoe UI" pitchFamily="34" charset="0"/>
+              <a:cs typeface="Segoe UI" pitchFamily="34" charset="0"/>
+            </a:endParaRPr>
+          </a:p>
+        </p:txBody>
+      </p:sp>
+      <p:sp>
+        <p:nvSpPr>
+          <p:cNvPr id="6" name="Rectangle 5">
+            <a:extLst>
+              <a:ext uri="{FF2B5EF4-FFF2-40B4-BE49-F238E27FC236}">
+                <a16:creationId xmlns:a16="http://schemas.microsoft.com/office/drawing/2014/main" id="{D0D4E537-C50C-431E-96CB-C182AB96ACD2}"/>
+              </a:ext>
+            </a:extLst>
+          </p:cNvPr>
+          <p:cNvSpPr/>
+          <p:nvPr/>
+        </p:nvSpPr>
+        <p:spPr bwMode="auto">
+          <a:xfrm>
+            <a:off x="6666734" y="2283707"/>
+            <a:ext cx="4561552" cy="747423"/>
+          </a:xfrm>
+          <a:prstGeom prst="rect">
+            <a:avLst/>
+          </a:prstGeom>
+          <a:ln>
+            <a:headEnd type="none" w="med" len="med"/>
+            <a:tailEnd type="none" w="med" len="med"/>
+          </a:ln>
+        </p:spPr>
+        <p:style>
+          <a:lnRef idx="2">
+            <a:schemeClr val="accent2"/>
+          </a:lnRef>
+          <a:fillRef idx="1">
+            <a:schemeClr val="lt1"/>
+          </a:fillRef>
+          <a:effectRef idx="0">
+            <a:schemeClr val="accent2"/>
+          </a:effectRef>
+          <a:fontRef idx="minor">
+            <a:schemeClr val="dk1"/>
+          </a:fontRef>
+        </p:style>
+        <p:txBody>
+          <a:bodyPr rot="0" spcFirstLastPara="0" vertOverflow="overflow" horzOverflow="overflow" vert="horz" wrap="square" lIns="182880" tIns="146304" rIns="182880" bIns="146304" numCol="1" spcCol="0" rtlCol="0" fromWordArt="0" anchor="t" anchorCtr="0" forceAA="0" compatLnSpc="1">
+            <a:prstTxWarp prst="textNoShape">
+              <a:avLst/>
+            </a:prstTxWarp>
+            <a:noAutofit/>
+          </a:bodyPr>
+          <a:lstStyle/>
+          <a:p>
+            <a:pPr algn="l" defTabSz="932472" fontAlgn="base">
+              <a:spcBef>
+                <a:spcPct val="0"/>
+              </a:spcBef>
+              <a:spcAft>
+                <a:spcPct val="0"/>
+              </a:spcAft>
+            </a:pPr>
+            <a:endParaRPr lang="en-GB" sz="2000" dirty="0" err="1">
+              <a:gradFill>
+                <a:gsLst>
+                  <a:gs pos="0">
+                    <a:srgbClr val="FFFFFF"/>
+                  </a:gs>
+                  <a:gs pos="100000">
+                    <a:srgbClr val="FFFFFF"/>
+                  </a:gs>
+                </a:gsLst>
+                <a:lin ang="5400000" scaled="0"/>
+              </a:gradFill>
+              <a:ea typeface="Segoe UI" pitchFamily="34" charset="0"/>
+              <a:cs typeface="Segoe UI" pitchFamily="34" charset="0"/>
+            </a:endParaRPr>
+          </a:p>
+        </p:txBody>
+      </p:sp>
+      <p:sp>
+        <p:nvSpPr>
+          <p:cNvPr id="7" name="Rectangle 6">
+            <a:extLst>
+              <a:ext uri="{FF2B5EF4-FFF2-40B4-BE49-F238E27FC236}">
+                <a16:creationId xmlns:a16="http://schemas.microsoft.com/office/drawing/2014/main" id="{A0593EDD-20EF-4A84-BEC2-F757B178B72B}"/>
+              </a:ext>
+            </a:extLst>
+          </p:cNvPr>
+          <p:cNvSpPr/>
+          <p:nvPr/>
+        </p:nvSpPr>
+        <p:spPr bwMode="auto">
+          <a:xfrm>
+            <a:off x="6666734" y="1433176"/>
+            <a:ext cx="4561552" cy="747526"/>
+          </a:xfrm>
+          <a:prstGeom prst="rect">
+            <a:avLst/>
+          </a:prstGeom>
+          <a:ln>
+            <a:headEnd type="none" w="med" len="med"/>
+            <a:tailEnd type="none" w="med" len="med"/>
+          </a:ln>
+        </p:spPr>
+        <p:style>
+          <a:lnRef idx="2">
+            <a:schemeClr val="accent1"/>
+          </a:lnRef>
+          <a:fillRef idx="1">
+            <a:schemeClr val="lt1"/>
+          </a:fillRef>
+          <a:effectRef idx="0">
+            <a:schemeClr val="accent1"/>
+          </a:effectRef>
+          <a:fontRef idx="minor">
+            <a:schemeClr val="dk1"/>
+          </a:fontRef>
+        </p:style>
+        <p:txBody>
+          <a:bodyPr rot="0" spcFirstLastPara="0" vertOverflow="overflow" horzOverflow="overflow" vert="horz" wrap="square" lIns="182880" tIns="146304" rIns="182880" bIns="146304" numCol="1" spcCol="0" rtlCol="0" fromWordArt="0" anchor="t" anchorCtr="0" forceAA="0" compatLnSpc="1">
+            <a:prstTxWarp prst="textNoShape">
+              <a:avLst/>
+            </a:prstTxWarp>
+            <a:noAutofit/>
+          </a:bodyPr>
+          <a:lstStyle/>
+          <a:p>
+            <a:pPr algn="l" defTabSz="932472" fontAlgn="base">
+              <a:spcBef>
+                <a:spcPct val="0"/>
+              </a:spcBef>
+              <a:spcAft>
+                <a:spcPct val="0"/>
+              </a:spcAft>
+            </a:pPr>
+            <a:endParaRPr lang="en-GB" sz="2000" dirty="0" err="1">
+              <a:gradFill>
+                <a:gsLst>
+                  <a:gs pos="0">
+                    <a:srgbClr val="FFFFFF"/>
+                  </a:gs>
+                  <a:gs pos="100000">
+                    <a:srgbClr val="FFFFFF"/>
+                  </a:gs>
+                </a:gsLst>
+                <a:lin ang="5400000" scaled="0"/>
+              </a:gradFill>
+              <a:ea typeface="Segoe UI" pitchFamily="34" charset="0"/>
+              <a:cs typeface="Segoe UI" pitchFamily="34" charset="0"/>
+            </a:endParaRPr>
+          </a:p>
+        </p:txBody>
+      </p:sp>
+      <p:sp>
+        <p:nvSpPr>
+          <p:cNvPr id="8" name="Rectangle 7">
+            <a:extLst>
+              <a:ext uri="{FF2B5EF4-FFF2-40B4-BE49-F238E27FC236}">
+                <a16:creationId xmlns:a16="http://schemas.microsoft.com/office/drawing/2014/main" id="{2441D4C6-1104-4C51-920B-9D1598416BED}"/>
+              </a:ext>
+            </a:extLst>
+          </p:cNvPr>
+          <p:cNvSpPr/>
+          <p:nvPr/>
+        </p:nvSpPr>
+        <p:spPr bwMode="auto">
+          <a:xfrm>
+            <a:off x="6725552" y="1508932"/>
+            <a:ext cx="1364131" cy="584496"/>
+          </a:xfrm>
+          <a:prstGeom prst="rect">
+            <a:avLst/>
+          </a:prstGeom>
+          <a:ln>
+            <a:headEnd type="none" w="med" len="med"/>
+            <a:tailEnd type="none" w="med" len="med"/>
+          </a:ln>
+        </p:spPr>
+        <p:style>
+          <a:lnRef idx="2">
+            <a:schemeClr val="accent1">
+              <a:shade val="50000"/>
+            </a:schemeClr>
+          </a:lnRef>
+          <a:fillRef idx="1">
+            <a:schemeClr val="accent1"/>
+          </a:fillRef>
+          <a:effectRef idx="0">
+            <a:schemeClr val="accent1"/>
+          </a:effectRef>
+          <a:fontRef idx="minor">
+            <a:schemeClr val="lt1"/>
+          </a:fontRef>
+        </p:style>
+        <p:txBody>
+          <a:bodyPr rot="0" spcFirstLastPara="0" vertOverflow="overflow" horzOverflow="overflow" vert="horz" wrap="square" lIns="182880" tIns="146304" rIns="182880" bIns="146304" numCol="1" spcCol="0" rtlCol="0" fromWordArt="0" anchor="ctr" anchorCtr="0" forceAA="0" compatLnSpc="1">
+            <a:prstTxWarp prst="textNoShape">
+              <a:avLst/>
+            </a:prstTxWarp>
+            <a:noAutofit/>
+          </a:bodyPr>
+          <a:lstStyle/>
+          <a:p>
+            <a:pPr algn="ctr" defTabSz="932472" fontAlgn="base">
+              <a:spcBef>
+                <a:spcPct val="0"/>
+              </a:spcBef>
+              <a:spcAft>
+                <a:spcPct val="0"/>
+              </a:spcAft>
+            </a:pPr>
+            <a:r>
+              <a:rPr lang="en-GB" sz="2000" dirty="0">
+                <a:gradFill>
+                  <a:gsLst>
+                    <a:gs pos="0">
+                      <a:srgbClr val="FFFFFF"/>
+                    </a:gs>
+                    <a:gs pos="100000">
+                      <a:srgbClr val="FFFFFF"/>
+                    </a:gs>
+                  </a:gsLst>
+                  <a:lin ang="5400000" scaled="0"/>
+                </a:gradFill>
+                <a:ea typeface="Segoe UI" pitchFamily="34" charset="0"/>
+                <a:cs typeface="Segoe UI" pitchFamily="34" charset="0"/>
+              </a:rPr>
+              <a:t>David</a:t>
+            </a:r>
+          </a:p>
+        </p:txBody>
+      </p:sp>
+      <p:sp>
+        <p:nvSpPr>
+          <p:cNvPr id="9" name="Rectangle 8">
+            <a:extLst>
+              <a:ext uri="{FF2B5EF4-FFF2-40B4-BE49-F238E27FC236}">
+                <a16:creationId xmlns:a16="http://schemas.microsoft.com/office/drawing/2014/main" id="{D795073B-0E45-47F3-AF64-89A8638A454E}"/>
+              </a:ext>
+            </a:extLst>
+          </p:cNvPr>
+          <p:cNvSpPr/>
+          <p:nvPr/>
+        </p:nvSpPr>
+        <p:spPr bwMode="auto">
+          <a:xfrm>
+            <a:off x="6725551" y="2369648"/>
+            <a:ext cx="1364131" cy="584496"/>
+          </a:xfrm>
+          <a:prstGeom prst="rect">
+            <a:avLst/>
+          </a:prstGeom>
+          <a:solidFill>
+            <a:schemeClr val="accent2"/>
+          </a:solidFill>
+          <a:ln>
+            <a:noFill/>
+          </a:ln>
+        </p:spPr>
+        <p:style>
+          <a:lnRef idx="0">
+            <a:scrgbClr r="0" g="0" b="0"/>
+          </a:lnRef>
+          <a:fillRef idx="0">
+            <a:scrgbClr r="0" g="0" b="0"/>
+          </a:fillRef>
+          <a:effectRef idx="0">
+            <a:scrgbClr r="0" g="0" b="0"/>
+          </a:effectRef>
+          <a:fontRef idx="minor">
+            <a:schemeClr val="lt1"/>
+          </a:fontRef>
+        </p:style>
+        <p:txBody>
+          <a:bodyPr rot="0" spcFirstLastPara="0" vertOverflow="overflow" horzOverflow="overflow" vert="horz" wrap="square" lIns="182880" tIns="146304" rIns="182880" bIns="146304" numCol="1" spcCol="0" rtlCol="0" fromWordArt="0" anchor="ctr" anchorCtr="0" forceAA="0" compatLnSpc="1">
+            <a:prstTxWarp prst="textNoShape">
+              <a:avLst/>
+            </a:prstTxWarp>
+            <a:noAutofit/>
+          </a:bodyPr>
+          <a:lstStyle/>
+          <a:p>
+            <a:pPr algn="ctr" defTabSz="932472" fontAlgn="base">
+              <a:spcBef>
+                <a:spcPct val="0"/>
+              </a:spcBef>
+              <a:spcAft>
+                <a:spcPct val="0"/>
+              </a:spcAft>
+            </a:pPr>
+            <a:r>
+              <a:rPr lang="en-GB" sz="2000" dirty="0">
+                <a:gradFill>
+                  <a:gsLst>
+                    <a:gs pos="0">
+                      <a:srgbClr val="FFFFFF"/>
+                    </a:gs>
+                    <a:gs pos="100000">
+                      <a:srgbClr val="FFFFFF"/>
+                    </a:gs>
+                  </a:gsLst>
+                  <a:lin ang="5400000" scaled="0"/>
+                </a:gradFill>
+                <a:ea typeface="Segoe UI" pitchFamily="34" charset="0"/>
+                <a:cs typeface="Segoe UI" pitchFamily="34" charset="0"/>
+              </a:rPr>
+              <a:t>Jodie</a:t>
+            </a:r>
+          </a:p>
+        </p:txBody>
+      </p:sp>
+      <p:sp>
+        <p:nvSpPr>
+          <p:cNvPr id="10" name="Rectangle 9">
+            <a:extLst>
+              <a:ext uri="{FF2B5EF4-FFF2-40B4-BE49-F238E27FC236}">
+                <a16:creationId xmlns:a16="http://schemas.microsoft.com/office/drawing/2014/main" id="{F2665A62-335C-428F-BC1F-3E0FE2B19366}"/>
+              </a:ext>
+            </a:extLst>
+          </p:cNvPr>
+          <p:cNvSpPr/>
+          <p:nvPr/>
+        </p:nvSpPr>
+        <p:spPr bwMode="auto">
+          <a:xfrm>
+            <a:off x="6720139" y="3198775"/>
+            <a:ext cx="1364131" cy="584496"/>
+          </a:xfrm>
+          <a:prstGeom prst="rect">
+            <a:avLst/>
+          </a:prstGeom>
+          <a:solidFill>
+            <a:schemeClr val="accent4"/>
+          </a:solidFill>
+          <a:ln>
+            <a:noFill/>
+          </a:ln>
+        </p:spPr>
+        <p:style>
+          <a:lnRef idx="0">
+            <a:scrgbClr r="0" g="0" b="0"/>
+          </a:lnRef>
+          <a:fillRef idx="0">
+            <a:scrgbClr r="0" g="0" b="0"/>
+          </a:fillRef>
+          <a:effectRef idx="0">
+            <a:scrgbClr r="0" g="0" b="0"/>
+          </a:effectRef>
+          <a:fontRef idx="minor">
+            <a:schemeClr val="lt1"/>
+          </a:fontRef>
+        </p:style>
+        <p:txBody>
+          <a:bodyPr rot="0" spcFirstLastPara="0" vertOverflow="overflow" horzOverflow="overflow" vert="horz" wrap="square" lIns="182880" tIns="146304" rIns="182880" bIns="146304" numCol="1" spcCol="0" rtlCol="0" fromWordArt="0" anchor="ctr" anchorCtr="0" forceAA="0" compatLnSpc="1">
+            <a:prstTxWarp prst="textNoShape">
+              <a:avLst/>
+            </a:prstTxWarp>
+            <a:noAutofit/>
+          </a:bodyPr>
+          <a:lstStyle/>
+          <a:p>
+            <a:pPr algn="ctr" defTabSz="932472" fontAlgn="base">
+              <a:spcBef>
+                <a:spcPct val="0"/>
+              </a:spcBef>
+              <a:spcAft>
+                <a:spcPct val="0"/>
+              </a:spcAft>
+            </a:pPr>
+            <a:r>
+              <a:rPr lang="en-GB" sz="2000" dirty="0">
+                <a:gradFill>
+                  <a:gsLst>
+                    <a:gs pos="0">
+                      <a:srgbClr val="FFFFFF"/>
+                    </a:gs>
+                    <a:gs pos="100000">
+                      <a:srgbClr val="FFFFFF"/>
+                    </a:gs>
+                  </a:gsLst>
+                  <a:lin ang="5400000" scaled="0"/>
+                </a:gradFill>
+                <a:ea typeface="Segoe UI" pitchFamily="34" charset="0"/>
+                <a:cs typeface="Segoe UI" pitchFamily="34" charset="0"/>
+              </a:rPr>
+              <a:t>Adam</a:t>
+            </a:r>
+          </a:p>
+        </p:txBody>
+      </p:sp>
+      <p:sp>
+        <p:nvSpPr>
+          <p:cNvPr id="11" name="Rectangle 10">
+            <a:extLst>
+              <a:ext uri="{FF2B5EF4-FFF2-40B4-BE49-F238E27FC236}">
+                <a16:creationId xmlns:a16="http://schemas.microsoft.com/office/drawing/2014/main" id="{0547D13F-C9B1-42EB-97F1-49901EB0A087}"/>
+              </a:ext>
+            </a:extLst>
+          </p:cNvPr>
+          <p:cNvSpPr/>
+          <p:nvPr/>
+        </p:nvSpPr>
+        <p:spPr bwMode="auto">
+          <a:xfrm>
+            <a:off x="8264199" y="1508932"/>
+            <a:ext cx="1368826" cy="584496"/>
+          </a:xfrm>
+          <a:prstGeom prst="rect">
+            <a:avLst/>
+          </a:prstGeom>
+          <a:ln/>
+        </p:spPr>
+        <p:style>
+          <a:lnRef idx="2">
+            <a:schemeClr val="accent1">
+              <a:shade val="50000"/>
+            </a:schemeClr>
+          </a:lnRef>
+          <a:fillRef idx="1">
+            <a:schemeClr val="accent1"/>
+          </a:fillRef>
+          <a:effectRef idx="0">
+            <a:schemeClr val="accent1"/>
+          </a:effectRef>
+          <a:fontRef idx="minor">
+            <a:schemeClr val="lt1"/>
+          </a:fontRef>
+        </p:style>
+        <p:txBody>
+          <a:bodyPr rot="0" spcFirstLastPara="0" vertOverflow="overflow" horzOverflow="overflow" vert="horz" wrap="square" lIns="182880" tIns="146304" rIns="182880" bIns="146304" numCol="1" spcCol="0" rtlCol="0" fromWordArt="0" anchor="ctr" anchorCtr="0" forceAA="0" compatLnSpc="1">
+            <a:prstTxWarp prst="textNoShape">
+              <a:avLst/>
+            </a:prstTxWarp>
+            <a:noAutofit/>
+          </a:bodyPr>
+          <a:lstStyle/>
+          <a:p>
+            <a:pPr algn="ctr" defTabSz="932472" fontAlgn="base">
+              <a:spcBef>
+                <a:spcPct val="0"/>
+              </a:spcBef>
+              <a:spcAft>
+                <a:spcPct val="0"/>
+              </a:spcAft>
+            </a:pPr>
+            <a:r>
+              <a:rPr lang="en-GB" sz="2000" dirty="0">
+                <a:gradFill>
+                  <a:gsLst>
+                    <a:gs pos="0">
+                      <a:srgbClr val="FFFFFF"/>
+                    </a:gs>
+                    <a:gs pos="100000">
+                      <a:srgbClr val="FFFFFF"/>
+                    </a:gs>
+                  </a:gsLst>
+                  <a:lin ang="5400000" scaled="0"/>
+                </a:gradFill>
+                <a:ea typeface="Segoe UI" pitchFamily="34" charset="0"/>
+                <a:cs typeface="Segoe UI" pitchFamily="34" charset="0"/>
+              </a:rPr>
+              <a:t>Jones</a:t>
+            </a:r>
+          </a:p>
+        </p:txBody>
+      </p:sp>
+      <p:sp>
+        <p:nvSpPr>
+          <p:cNvPr id="12" name="Rectangle 11">
+            <a:extLst>
+              <a:ext uri="{FF2B5EF4-FFF2-40B4-BE49-F238E27FC236}">
+                <a16:creationId xmlns:a16="http://schemas.microsoft.com/office/drawing/2014/main" id="{127F037F-68F8-4511-B82F-60796F91A0A2}"/>
+              </a:ext>
+            </a:extLst>
+          </p:cNvPr>
+          <p:cNvSpPr/>
+          <p:nvPr/>
+        </p:nvSpPr>
+        <p:spPr bwMode="auto">
+          <a:xfrm>
+            <a:off x="8264199" y="2365872"/>
+            <a:ext cx="1368826" cy="584496"/>
+          </a:xfrm>
+          <a:prstGeom prst="rect">
+            <a:avLst/>
+          </a:prstGeom>
+          <a:solidFill>
+            <a:schemeClr val="accent2"/>
+          </a:solidFill>
+          <a:ln>
+            <a:noFill/>
+          </a:ln>
+        </p:spPr>
+        <p:style>
+          <a:lnRef idx="0">
+            <a:scrgbClr r="0" g="0" b="0"/>
+          </a:lnRef>
+          <a:fillRef idx="0">
+            <a:scrgbClr r="0" g="0" b="0"/>
+          </a:fillRef>
+          <a:effectRef idx="0">
+            <a:scrgbClr r="0" g="0" b="0"/>
+          </a:effectRef>
+          <a:fontRef idx="minor">
+            <a:schemeClr val="lt1"/>
+          </a:fontRef>
+        </p:style>
+        <p:txBody>
+          <a:bodyPr rot="0" spcFirstLastPara="0" vertOverflow="overflow" horzOverflow="overflow" vert="horz" wrap="square" lIns="182880" tIns="146304" rIns="182880" bIns="146304" numCol="1" spcCol="0" rtlCol="0" fromWordArt="0" anchor="ctr" anchorCtr="0" forceAA="0" compatLnSpc="1">
+            <a:prstTxWarp prst="textNoShape">
+              <a:avLst/>
+            </a:prstTxWarp>
+            <a:noAutofit/>
+          </a:bodyPr>
+          <a:lstStyle/>
+          <a:p>
+            <a:pPr algn="ctr" defTabSz="932472" fontAlgn="base">
+              <a:spcBef>
+                <a:spcPct val="0"/>
+              </a:spcBef>
+              <a:spcAft>
+                <a:spcPct val="0"/>
+              </a:spcAft>
+            </a:pPr>
+            <a:r>
+              <a:rPr lang="en-GB" sz="2000" dirty="0">
+                <a:gradFill>
+                  <a:gsLst>
+                    <a:gs pos="0">
+                      <a:srgbClr val="FFFFFF"/>
+                    </a:gs>
+                    <a:gs pos="100000">
+                      <a:srgbClr val="FFFFFF"/>
+                    </a:gs>
+                  </a:gsLst>
+                  <a:lin ang="5400000" scaled="0"/>
+                </a:gradFill>
+                <a:ea typeface="Segoe UI" pitchFamily="34" charset="0"/>
+                <a:cs typeface="Segoe UI" pitchFamily="34" charset="0"/>
+              </a:rPr>
+              <a:t>Nichols</a:t>
+            </a:r>
+          </a:p>
+        </p:txBody>
+      </p:sp>
+      <p:sp>
+        <p:nvSpPr>
+          <p:cNvPr id="13" name="Rectangle 12">
+            <a:extLst>
+              <a:ext uri="{FF2B5EF4-FFF2-40B4-BE49-F238E27FC236}">
+                <a16:creationId xmlns:a16="http://schemas.microsoft.com/office/drawing/2014/main" id="{781F9928-FF00-4519-9F2D-579A4E92B582}"/>
+              </a:ext>
+            </a:extLst>
+          </p:cNvPr>
+          <p:cNvSpPr/>
+          <p:nvPr/>
+        </p:nvSpPr>
+        <p:spPr bwMode="auto">
+          <a:xfrm>
+            <a:off x="8264199" y="3194999"/>
+            <a:ext cx="1368827" cy="584496"/>
+          </a:xfrm>
+          <a:prstGeom prst="rect">
+            <a:avLst/>
+          </a:prstGeom>
+          <a:solidFill>
+            <a:schemeClr val="accent4"/>
+          </a:solidFill>
+          <a:ln>
+            <a:noFill/>
+          </a:ln>
+        </p:spPr>
+        <p:style>
+          <a:lnRef idx="0">
+            <a:scrgbClr r="0" g="0" b="0"/>
+          </a:lnRef>
+          <a:fillRef idx="0">
+            <a:scrgbClr r="0" g="0" b="0"/>
+          </a:fillRef>
+          <a:effectRef idx="0">
+            <a:scrgbClr r="0" g="0" b="0"/>
+          </a:effectRef>
+          <a:fontRef idx="minor">
+            <a:schemeClr val="lt1"/>
+          </a:fontRef>
+        </p:style>
+        <p:txBody>
+          <a:bodyPr rot="0" spcFirstLastPara="0" vertOverflow="overflow" horzOverflow="overflow" vert="horz" wrap="square" lIns="182880" tIns="146304" rIns="182880" bIns="146304" numCol="1" spcCol="0" rtlCol="0" fromWordArt="0" anchor="ctr" anchorCtr="0" forceAA="0" compatLnSpc="1">
+            <a:prstTxWarp prst="textNoShape">
+              <a:avLst/>
+            </a:prstTxWarp>
+            <a:noAutofit/>
+          </a:bodyPr>
+          <a:lstStyle/>
+          <a:p>
+            <a:pPr algn="ctr" defTabSz="932472" fontAlgn="base">
+              <a:spcBef>
+                <a:spcPct val="0"/>
+              </a:spcBef>
+              <a:spcAft>
+                <a:spcPct val="0"/>
+              </a:spcAft>
+            </a:pPr>
+            <a:r>
+              <a:rPr lang="en-GB" sz="2000" dirty="0">
+                <a:gradFill>
+                  <a:gsLst>
+                    <a:gs pos="0">
+                      <a:srgbClr val="FFFFFF"/>
+                    </a:gs>
+                    <a:gs pos="100000">
+                      <a:srgbClr val="FFFFFF"/>
+                    </a:gs>
+                  </a:gsLst>
+                  <a:lin ang="5400000" scaled="0"/>
+                </a:gradFill>
+                <a:ea typeface="Segoe UI" pitchFamily="34" charset="0"/>
+                <a:cs typeface="Segoe UI" pitchFamily="34" charset="0"/>
+              </a:rPr>
+              <a:t>Simpson</a:t>
+            </a:r>
+          </a:p>
+        </p:txBody>
+      </p:sp>
+      <p:sp>
+        <p:nvSpPr>
+          <p:cNvPr id="14" name="Rectangle 13">
+            <a:extLst>
+              <a:ext uri="{FF2B5EF4-FFF2-40B4-BE49-F238E27FC236}">
+                <a16:creationId xmlns:a16="http://schemas.microsoft.com/office/drawing/2014/main" id="{A134578B-8C0B-4751-AB6C-8909189F8FE1}"/>
+              </a:ext>
+            </a:extLst>
+          </p:cNvPr>
+          <p:cNvSpPr/>
+          <p:nvPr/>
+        </p:nvSpPr>
+        <p:spPr bwMode="auto">
+          <a:xfrm>
+            <a:off x="9814562" y="1508932"/>
+            <a:ext cx="1368825" cy="584496"/>
+          </a:xfrm>
+          <a:prstGeom prst="rect">
+            <a:avLst/>
+          </a:prstGeom>
+          <a:ln/>
+        </p:spPr>
+        <p:style>
+          <a:lnRef idx="2">
+            <a:schemeClr val="accent1">
+              <a:shade val="50000"/>
+            </a:schemeClr>
+          </a:lnRef>
+          <a:fillRef idx="1">
+            <a:schemeClr val="accent1"/>
+          </a:fillRef>
+          <a:effectRef idx="0">
+            <a:schemeClr val="accent1"/>
+          </a:effectRef>
+          <a:fontRef idx="minor">
+            <a:schemeClr val="lt1"/>
+          </a:fontRef>
+        </p:style>
+        <p:txBody>
+          <a:bodyPr rot="0" spcFirstLastPara="0" vertOverflow="overflow" horzOverflow="overflow" vert="horz" wrap="square" lIns="182880" tIns="146304" rIns="182880" bIns="146304" numCol="1" spcCol="0" rtlCol="0" fromWordArt="0" anchor="ctr" anchorCtr="0" forceAA="0" compatLnSpc="1">
+            <a:prstTxWarp prst="textNoShape">
+              <a:avLst/>
+            </a:prstTxWarp>
+            <a:noAutofit/>
+          </a:bodyPr>
+          <a:lstStyle/>
+          <a:p>
+            <a:pPr algn="ctr" defTabSz="932472" fontAlgn="base">
+              <a:spcBef>
+                <a:spcPct val="0"/>
+              </a:spcBef>
+              <a:spcAft>
+                <a:spcPct val="0"/>
+              </a:spcAft>
+            </a:pPr>
+            <a:r>
+              <a:rPr lang="en-GB" sz="2000" dirty="0">
+                <a:gradFill>
+                  <a:gsLst>
+                    <a:gs pos="0">
+                      <a:srgbClr val="FFFFFF"/>
+                    </a:gs>
+                    <a:gs pos="100000">
+                      <a:srgbClr val="FFFFFF"/>
+                    </a:gs>
+                  </a:gsLst>
+                  <a:lin ang="5400000" scaled="0"/>
+                </a:gradFill>
+                <a:ea typeface="Segoe UI" pitchFamily="34" charset="0"/>
+                <a:cs typeface="Segoe UI" pitchFamily="34" charset="0"/>
+              </a:rPr>
+              <a:t>36</a:t>
+            </a:r>
+          </a:p>
+        </p:txBody>
+      </p:sp>
+      <p:sp>
+        <p:nvSpPr>
+          <p:cNvPr id="15" name="Rectangle 14">
+            <a:extLst>
+              <a:ext uri="{FF2B5EF4-FFF2-40B4-BE49-F238E27FC236}">
+                <a16:creationId xmlns:a16="http://schemas.microsoft.com/office/drawing/2014/main" id="{930B8349-578A-4A8F-B2C3-D9069E4EDF0C}"/>
+              </a:ext>
+            </a:extLst>
+          </p:cNvPr>
+          <p:cNvSpPr/>
+          <p:nvPr/>
+        </p:nvSpPr>
+        <p:spPr bwMode="auto">
+          <a:xfrm>
+            <a:off x="9814561" y="2374882"/>
+            <a:ext cx="1368825" cy="584496"/>
+          </a:xfrm>
+          <a:prstGeom prst="rect">
+            <a:avLst/>
+          </a:prstGeom>
+          <a:solidFill>
+            <a:schemeClr val="accent2"/>
+          </a:solidFill>
+          <a:ln>
+            <a:noFill/>
+          </a:ln>
+        </p:spPr>
+        <p:style>
+          <a:lnRef idx="0">
+            <a:scrgbClr r="0" g="0" b="0"/>
+          </a:lnRef>
+          <a:fillRef idx="0">
+            <a:scrgbClr r="0" g="0" b="0"/>
+          </a:fillRef>
+          <a:effectRef idx="0">
+            <a:scrgbClr r="0" g="0" b="0"/>
+          </a:effectRef>
+          <a:fontRef idx="minor">
+            <a:schemeClr val="lt1"/>
+          </a:fontRef>
+        </p:style>
+        <p:txBody>
+          <a:bodyPr rot="0" spcFirstLastPara="0" vertOverflow="overflow" horzOverflow="overflow" vert="horz" wrap="square" lIns="182880" tIns="146304" rIns="182880" bIns="146304" numCol="1" spcCol="0" rtlCol="0" fromWordArt="0" anchor="ctr" anchorCtr="0" forceAA="0" compatLnSpc="1">
+            <a:prstTxWarp prst="textNoShape">
+              <a:avLst/>
+            </a:prstTxWarp>
+            <a:noAutofit/>
+          </a:bodyPr>
+          <a:lstStyle/>
+          <a:p>
+            <a:pPr algn="ctr" defTabSz="932472" fontAlgn="base">
+              <a:spcBef>
+                <a:spcPct val="0"/>
+              </a:spcBef>
+              <a:spcAft>
+                <a:spcPct val="0"/>
+              </a:spcAft>
+            </a:pPr>
+            <a:r>
+              <a:rPr lang="en-GB" sz="2000" dirty="0">
+                <a:gradFill>
+                  <a:gsLst>
+                    <a:gs pos="0">
+                      <a:srgbClr val="FFFFFF"/>
+                    </a:gs>
+                    <a:gs pos="100000">
+                      <a:srgbClr val="FFFFFF"/>
+                    </a:gs>
+                  </a:gsLst>
+                  <a:lin ang="5400000" scaled="0"/>
+                </a:gradFill>
+                <a:ea typeface="Segoe UI" pitchFamily="34" charset="0"/>
+                <a:cs typeface="Segoe UI" pitchFamily="34" charset="0"/>
+              </a:rPr>
+              <a:t>45</a:t>
+            </a:r>
+          </a:p>
+        </p:txBody>
+      </p:sp>
+      <p:sp>
+        <p:nvSpPr>
+          <p:cNvPr id="16" name="Rectangle 15">
+            <a:extLst>
+              <a:ext uri="{FF2B5EF4-FFF2-40B4-BE49-F238E27FC236}">
+                <a16:creationId xmlns:a16="http://schemas.microsoft.com/office/drawing/2014/main" id="{58C0F276-D4A1-4334-933C-378851C2F5B3}"/>
+              </a:ext>
+            </a:extLst>
+          </p:cNvPr>
+          <p:cNvSpPr/>
+          <p:nvPr/>
+        </p:nvSpPr>
+        <p:spPr bwMode="auto">
+          <a:xfrm>
+            <a:off x="9814561" y="3213019"/>
+            <a:ext cx="1368824" cy="584496"/>
+          </a:xfrm>
+          <a:prstGeom prst="rect">
+            <a:avLst/>
+          </a:prstGeom>
+          <a:solidFill>
+            <a:schemeClr val="accent4"/>
+          </a:solidFill>
+          <a:ln>
+            <a:noFill/>
+          </a:ln>
+        </p:spPr>
+        <p:style>
+          <a:lnRef idx="0">
+            <a:scrgbClr r="0" g="0" b="0"/>
+          </a:lnRef>
+          <a:fillRef idx="0">
+            <a:scrgbClr r="0" g="0" b="0"/>
+          </a:fillRef>
+          <a:effectRef idx="0">
+            <a:scrgbClr r="0" g="0" b="0"/>
+          </a:effectRef>
+          <a:fontRef idx="minor">
+            <a:schemeClr val="lt1"/>
+          </a:fontRef>
+        </p:style>
+        <p:txBody>
+          <a:bodyPr rot="0" spcFirstLastPara="0" vertOverflow="overflow" horzOverflow="overflow" vert="horz" wrap="square" lIns="182880" tIns="146304" rIns="182880" bIns="146304" numCol="1" spcCol="0" rtlCol="0" fromWordArt="0" anchor="ctr" anchorCtr="0" forceAA="0" compatLnSpc="1">
+            <a:prstTxWarp prst="textNoShape">
+              <a:avLst/>
+            </a:prstTxWarp>
+            <a:noAutofit/>
+          </a:bodyPr>
+          <a:lstStyle/>
+          <a:p>
+            <a:pPr algn="ctr" defTabSz="932472" fontAlgn="base">
+              <a:spcBef>
+                <a:spcPct val="0"/>
+              </a:spcBef>
+              <a:spcAft>
+                <a:spcPct val="0"/>
+              </a:spcAft>
+            </a:pPr>
+            <a:r>
+              <a:rPr lang="en-GB" sz="2000" dirty="0">
+                <a:gradFill>
+                  <a:gsLst>
+                    <a:gs pos="0">
+                      <a:srgbClr val="FFFFFF"/>
+                    </a:gs>
+                    <a:gs pos="100000">
+                      <a:srgbClr val="FFFFFF"/>
+                    </a:gs>
+                  </a:gsLst>
+                  <a:lin ang="5400000" scaled="0"/>
+                </a:gradFill>
+                <a:ea typeface="Segoe UI" pitchFamily="34" charset="0"/>
+                <a:cs typeface="Segoe UI" pitchFamily="34" charset="0"/>
+              </a:rPr>
+              <a:t>22</a:t>
+            </a:r>
+          </a:p>
+        </p:txBody>
+      </p:sp>
+      <p:sp>
+        <p:nvSpPr>
+          <p:cNvPr id="17" name="TextBox 16">
+            <a:extLst>
+              <a:ext uri="{FF2B5EF4-FFF2-40B4-BE49-F238E27FC236}">
+                <a16:creationId xmlns:a16="http://schemas.microsoft.com/office/drawing/2014/main" id="{1BEED47E-837E-4DCB-BDD0-7D41CFE69BF8}"/>
+              </a:ext>
+            </a:extLst>
+          </p:cNvPr>
+          <p:cNvSpPr txBox="1"/>
+          <p:nvPr/>
+        </p:nvSpPr>
+        <p:spPr>
+          <a:xfrm>
+            <a:off x="6666734" y="1024715"/>
+            <a:ext cx="1481768" cy="307777"/>
+          </a:xfrm>
+          <a:prstGeom prst="rect">
+            <a:avLst/>
+          </a:prstGeom>
+          <a:noFill/>
+        </p:spPr>
+        <p:txBody>
+          <a:bodyPr wrap="square" lIns="0" tIns="0" rIns="0" bIns="0" rtlCol="0">
+            <a:spAutoFit/>
+          </a:bodyPr>
+          <a:lstStyle/>
+          <a:p>
+            <a:pPr algn="ctr"/>
+            <a:r>
+              <a:rPr lang="en-GB" sz="2000" dirty="0">
+                <a:gradFill>
+                  <a:gsLst>
+                    <a:gs pos="2917">
+                      <a:schemeClr val="tx1"/>
+                    </a:gs>
+                    <a:gs pos="30000">
+                      <a:schemeClr val="tx1"/>
+                    </a:gs>
+                  </a:gsLst>
+                  <a:lin ang="5400000" scaled="0"/>
+                </a:gradFill>
+              </a:rPr>
+              <a:t>FirstName</a:t>
+            </a:r>
+          </a:p>
+        </p:txBody>
+      </p:sp>
+      <p:sp>
+        <p:nvSpPr>
+          <p:cNvPr id="18" name="TextBox 17">
+            <a:extLst>
+              <a:ext uri="{FF2B5EF4-FFF2-40B4-BE49-F238E27FC236}">
+                <a16:creationId xmlns:a16="http://schemas.microsoft.com/office/drawing/2014/main" id="{15D63087-89A8-4F5E-B913-873481A75E8C}"/>
+              </a:ext>
+            </a:extLst>
+          </p:cNvPr>
+          <p:cNvSpPr txBox="1"/>
+          <p:nvPr/>
+        </p:nvSpPr>
+        <p:spPr>
+          <a:xfrm>
+            <a:off x="8205713" y="1024715"/>
+            <a:ext cx="1485798" cy="307777"/>
+          </a:xfrm>
+          <a:prstGeom prst="rect">
+            <a:avLst/>
+          </a:prstGeom>
+          <a:noFill/>
+        </p:spPr>
+        <p:txBody>
+          <a:bodyPr wrap="square" lIns="0" tIns="0" rIns="0" bIns="0" rtlCol="0">
+            <a:spAutoFit/>
+          </a:bodyPr>
+          <a:lstStyle/>
+          <a:p>
+            <a:pPr algn="ctr"/>
+            <a:r>
+              <a:rPr lang="en-GB" sz="2000" dirty="0">
+                <a:gradFill>
+                  <a:gsLst>
+                    <a:gs pos="2917">
+                      <a:schemeClr val="tx1"/>
+                    </a:gs>
+                    <a:gs pos="30000">
+                      <a:schemeClr val="tx1"/>
+                    </a:gs>
+                  </a:gsLst>
+                  <a:lin ang="5400000" scaled="0"/>
+                </a:gradFill>
+              </a:rPr>
+              <a:t>LastName</a:t>
+            </a:r>
+          </a:p>
+        </p:txBody>
+      </p:sp>
+      <p:sp>
+        <p:nvSpPr>
+          <p:cNvPr id="19" name="TextBox 18">
+            <a:extLst>
+              <a:ext uri="{FF2B5EF4-FFF2-40B4-BE49-F238E27FC236}">
+                <a16:creationId xmlns:a16="http://schemas.microsoft.com/office/drawing/2014/main" id="{25AE1A28-914D-4905-A3D0-0FEC7A62702A}"/>
+              </a:ext>
+            </a:extLst>
+          </p:cNvPr>
+          <p:cNvSpPr txBox="1"/>
+          <p:nvPr/>
+        </p:nvSpPr>
+        <p:spPr>
+          <a:xfrm>
+            <a:off x="9748722" y="1027036"/>
+            <a:ext cx="1468562" cy="307777"/>
+          </a:xfrm>
+          <a:prstGeom prst="rect">
+            <a:avLst/>
+          </a:prstGeom>
+          <a:noFill/>
+        </p:spPr>
+        <p:txBody>
+          <a:bodyPr wrap="square" lIns="0" tIns="0" rIns="0" bIns="0" rtlCol="0">
+            <a:spAutoFit/>
+          </a:bodyPr>
+          <a:lstStyle/>
+          <a:p>
+            <a:pPr algn="ctr"/>
+            <a:r>
+              <a:rPr lang="en-GB" sz="2000" dirty="0">
+                <a:gradFill>
+                  <a:gsLst>
+                    <a:gs pos="2917">
+                      <a:schemeClr val="tx1"/>
+                    </a:gs>
+                    <a:gs pos="30000">
+                      <a:schemeClr val="tx1"/>
+                    </a:gs>
+                  </a:gsLst>
+                  <a:lin ang="5400000" scaled="0"/>
+                </a:gradFill>
+              </a:rPr>
+              <a:t>Age</a:t>
+            </a:r>
+          </a:p>
+        </p:txBody>
+      </p:sp>
+    </p:spTree>
+    <p:extLst>
+      <p:ext uri="{BB962C8B-B14F-4D97-AF65-F5344CB8AC3E}">
+        <p14:creationId xmlns:p14="http://schemas.microsoft.com/office/powerpoint/2010/main" val="3516800934"/>
+      </p:ext>
+    </p:extLst>
+  </p:cSld>
+  <p:clrMapOvr>
+    <a:masterClrMapping/>
+  </p:clrMapOvr>
+  <p:transition>
+    <p:fade/>
+  </p:transition>
+</p:sld>
+</file>
+
+<file path=ppt/slides/slide6.xml><?xml version="1.0" encoding="utf-8"?>
 <p:sld xmlns:a="http://schemas.openxmlformats.org/drawingml/2006/main" xmlns:r="http://schemas.openxmlformats.org/officeDocument/2006/relationships" xmlns:p="http://schemas.openxmlformats.org/presentationml/2006/main">
   <p:cSld>
     <p:spTree>
@@ -20314,7 +24032,7 @@
 </p:sld>
 </file>
 
-<file path=ppt/slides/slide3.xml><?xml version="1.0" encoding="utf-8"?>
+<file path=ppt/slides/slide7.xml><?xml version="1.0" encoding="utf-8"?>
 <p:sld xmlns:a="http://schemas.openxmlformats.org/drawingml/2006/main" xmlns:r="http://schemas.openxmlformats.org/officeDocument/2006/relationships" xmlns:p="http://schemas.openxmlformats.org/presentationml/2006/main">
   <p:cSld>
     <p:spTree>
@@ -20462,7 +24180,7 @@
 </p:sld>
 </file>
 
-<file path=ppt/slides/slide4.xml><?xml version="1.0" encoding="utf-8"?>
+<file path=ppt/slides/slide8.xml><?xml version="1.0" encoding="utf-8"?>
 <p:sld xmlns:a="http://schemas.openxmlformats.org/drawingml/2006/main" xmlns:r="http://schemas.openxmlformats.org/officeDocument/2006/relationships" xmlns:p="http://schemas.openxmlformats.org/presentationml/2006/main">
   <p:cSld>
     <p:spTree>
@@ -20592,7 +24310,7 @@
 </p:sld>
 </file>
 
-<file path=ppt/slides/slide5.xml><?xml version="1.0" encoding="utf-8"?>
+<file path=ppt/slides/slide9.xml><?xml version="1.0" encoding="utf-8"?>
 <p:sld xmlns:a="http://schemas.openxmlformats.org/drawingml/2006/main" xmlns:r="http://schemas.openxmlformats.org/officeDocument/2006/relationships" xmlns:p="http://schemas.openxmlformats.org/presentationml/2006/main">
   <p:cSld>
     <p:spTree>
@@ -21109,365 +24827,6 @@
     <p:extLst>
       <p:ext uri="{BB962C8B-B14F-4D97-AF65-F5344CB8AC3E}">
         <p14:creationId xmlns:p14="http://schemas.microsoft.com/office/powerpoint/2010/main" val="215589784"/>
-      </p:ext>
-    </p:extLst>
-  </p:cSld>
-  <p:clrMapOvr>
-    <a:masterClrMapping/>
-  </p:clrMapOvr>
-  <p:transition>
-    <p:fade/>
-  </p:transition>
-</p:sld>
-</file>
-
-<file path=ppt/slides/slide6.xml><?xml version="1.0" encoding="utf-8"?>
-<p:sld xmlns:a="http://schemas.openxmlformats.org/drawingml/2006/main" xmlns:r="http://schemas.openxmlformats.org/officeDocument/2006/relationships" xmlns:p="http://schemas.openxmlformats.org/presentationml/2006/main">
-  <p:cSld>
-    <p:spTree>
-      <p:nvGrpSpPr>
-        <p:cNvPr id="1" name=""/>
-        <p:cNvGrpSpPr/>
-        <p:nvPr/>
-      </p:nvGrpSpPr>
-      <p:grpSpPr>
-        <a:xfrm>
-          <a:off x="0" y="0"/>
-          <a:ext cx="0" cy="0"/>
-          <a:chOff x="0" y="0"/>
-          <a:chExt cx="0" cy="0"/>
-        </a:xfrm>
-      </p:grpSpPr>
-      <p:sp>
-        <p:nvSpPr>
-          <p:cNvPr id="2" name="Title 1">
-            <a:extLst>
-              <a:ext uri="{FF2B5EF4-FFF2-40B4-BE49-F238E27FC236}">
-                <a16:creationId xmlns:a16="http://schemas.microsoft.com/office/drawing/2014/main" id="{F7512C1C-496C-4C88-863F-2AD7851612F6}"/>
-              </a:ext>
-            </a:extLst>
-          </p:cNvPr>
-          <p:cNvSpPr>
-            <a:spLocks noGrp="1"/>
-          </p:cNvSpPr>
-          <p:nvPr>
-            <p:ph type="title"/>
-          </p:nvPr>
-        </p:nvSpPr>
-        <p:spPr/>
-        <p:txBody>
-          <a:bodyPr/>
-          <a:lstStyle/>
-          <a:p>
-            <a:r>
-              <a:rPr lang="en-GB" dirty="0"/>
-              <a:t>Examples – Folder and File Structures</a:t>
-            </a:r>
-          </a:p>
-        </p:txBody>
-      </p:sp>
-      <p:sp>
-        <p:nvSpPr>
-          <p:cNvPr id="3" name="Text Placeholder 2">
-            <a:extLst>
-              <a:ext uri="{FF2B5EF4-FFF2-40B4-BE49-F238E27FC236}">
-                <a16:creationId xmlns:a16="http://schemas.microsoft.com/office/drawing/2014/main" id="{08FE7AE7-2323-4A30-85BF-9A4D882441DF}"/>
-              </a:ext>
-            </a:extLst>
-          </p:cNvPr>
-          <p:cNvSpPr>
-            <a:spLocks noGrp="1"/>
-          </p:cNvSpPr>
-          <p:nvPr>
-            <p:ph type="body" sz="quarter" idx="10"/>
-          </p:nvPr>
-        </p:nvSpPr>
-        <p:spPr>
-          <a:xfrm>
-            <a:off x="584200" y="1435497"/>
-            <a:ext cx="11018520" cy="1982081"/>
-          </a:xfrm>
-        </p:spPr>
-        <p:txBody>
-          <a:bodyPr/>
-          <a:lstStyle/>
-          <a:p>
-            <a:r>
-              <a:rPr lang="en-GB" dirty="0"/>
-              <a:t>group/company/purpose/system/</a:t>
-            </a:r>
-            <a:r>
-              <a:rPr lang="en-GB" dirty="0" err="1"/>
-              <a:t>yyyy</a:t>
-            </a:r>
-            <a:r>
-              <a:rPr lang="en-GB" dirty="0"/>
-              <a:t>/MM/dd/HH/</a:t>
-            </a:r>
-            <a:r>
-              <a:rPr lang="en-GB" dirty="0">
-                <a:solidFill>
-                  <a:srgbClr val="FF0000"/>
-                </a:solidFill>
-              </a:rPr>
-              <a:t>file.csv</a:t>
-            </a:r>
-          </a:p>
-          <a:p>
-            <a:r>
-              <a:rPr lang="en-GB" dirty="0"/>
-              <a:t>group/company/system/purpose/</a:t>
-            </a:r>
-            <a:r>
-              <a:rPr lang="en-GB" dirty="0" err="1"/>
-              <a:t>yyyy</a:t>
-            </a:r>
-            <a:r>
-              <a:rPr lang="en-GB" dirty="0"/>
-              <a:t>/MM/dd/HH/</a:t>
-            </a:r>
-            <a:r>
-              <a:rPr lang="en-GB" dirty="0">
-                <a:solidFill>
-                  <a:srgbClr val="FF0000"/>
-                </a:solidFill>
-              </a:rPr>
-              <a:t>file.csv</a:t>
-            </a:r>
-          </a:p>
-          <a:p>
-            <a:r>
-              <a:rPr lang="en-GB" dirty="0"/>
-              <a:t>purpose/system/company/</a:t>
-            </a:r>
-            <a:r>
-              <a:rPr lang="en-GB" dirty="0">
-                <a:solidFill>
-                  <a:srgbClr val="FF0000"/>
-                </a:solidFill>
-              </a:rPr>
-              <a:t>yyyyMMddHH.csv</a:t>
-            </a:r>
-          </a:p>
-          <a:p>
-            <a:r>
-              <a:rPr lang="en-GB" dirty="0">
-                <a:solidFill>
-                  <a:schemeClr val="tx1"/>
-                </a:solidFill>
-              </a:rPr>
-              <a:t>purpose/</a:t>
-            </a:r>
-            <a:r>
-              <a:rPr lang="en-GB" dirty="0">
-                <a:solidFill>
-                  <a:srgbClr val="FF0000"/>
-                </a:solidFill>
-              </a:rPr>
-              <a:t>yyyyMMddHHCompanySystemTable.csv</a:t>
-            </a:r>
-          </a:p>
-        </p:txBody>
-      </p:sp>
-    </p:spTree>
-    <p:extLst>
-      <p:ext uri="{BB962C8B-B14F-4D97-AF65-F5344CB8AC3E}">
-        <p14:creationId xmlns:p14="http://schemas.microsoft.com/office/powerpoint/2010/main" val="3988933352"/>
-      </p:ext>
-    </p:extLst>
-  </p:cSld>
-  <p:clrMapOvr>
-    <a:masterClrMapping/>
-  </p:clrMapOvr>
-  <p:transition>
-    <p:fade/>
-  </p:transition>
-</p:sld>
-</file>
-
-<file path=ppt/slides/slide7.xml><?xml version="1.0" encoding="utf-8"?>
-<p:sld xmlns:a="http://schemas.openxmlformats.org/drawingml/2006/main" xmlns:r="http://schemas.openxmlformats.org/officeDocument/2006/relationships" xmlns:p="http://schemas.openxmlformats.org/presentationml/2006/main">
-  <p:cSld>
-    <p:spTree>
-      <p:nvGrpSpPr>
-        <p:cNvPr id="1" name=""/>
-        <p:cNvGrpSpPr/>
-        <p:nvPr/>
-      </p:nvGrpSpPr>
-      <p:grpSpPr>
-        <a:xfrm>
-          <a:off x="0" y="0"/>
-          <a:ext cx="0" cy="0"/>
-          <a:chOff x="0" y="0"/>
-          <a:chExt cx="0" cy="0"/>
-        </a:xfrm>
-      </p:grpSpPr>
-      <p:sp>
-        <p:nvSpPr>
-          <p:cNvPr id="2" name="Title 1">
-            <a:extLst>
-              <a:ext uri="{FF2B5EF4-FFF2-40B4-BE49-F238E27FC236}">
-                <a16:creationId xmlns:a16="http://schemas.microsoft.com/office/drawing/2014/main" id="{6DEAD814-22CF-423F-8F19-731294C9231B}"/>
-              </a:ext>
-            </a:extLst>
-          </p:cNvPr>
-          <p:cNvSpPr>
-            <a:spLocks noGrp="1"/>
-          </p:cNvSpPr>
-          <p:nvPr>
-            <p:ph type="title"/>
-          </p:nvPr>
-        </p:nvSpPr>
-        <p:spPr/>
-        <p:txBody>
-          <a:bodyPr/>
-          <a:lstStyle/>
-          <a:p>
-            <a:r>
-              <a:rPr lang="en-GB" dirty="0"/>
-              <a:t>File Formats</a:t>
-            </a:r>
-          </a:p>
-        </p:txBody>
-      </p:sp>
-      <p:sp>
-        <p:nvSpPr>
-          <p:cNvPr id="3" name="Text Placeholder 2">
-            <a:extLst>
-              <a:ext uri="{FF2B5EF4-FFF2-40B4-BE49-F238E27FC236}">
-                <a16:creationId xmlns:a16="http://schemas.microsoft.com/office/drawing/2014/main" id="{4CF7C928-37CE-4F19-94BD-549A1A7713B7}"/>
-              </a:ext>
-            </a:extLst>
-          </p:cNvPr>
-          <p:cNvSpPr>
-            <a:spLocks noGrp="1"/>
-          </p:cNvSpPr>
-          <p:nvPr>
-            <p:ph type="body" sz="quarter" idx="10"/>
-          </p:nvPr>
-        </p:nvSpPr>
-        <p:spPr>
-          <a:xfrm>
-            <a:off x="584200" y="1435497"/>
-            <a:ext cx="11018520" cy="1982081"/>
-          </a:xfrm>
-        </p:spPr>
-        <p:txBody>
-          <a:bodyPr/>
-          <a:lstStyle/>
-          <a:p>
-            <a:r>
-              <a:rPr lang="en-GB" dirty="0"/>
-              <a:t>CSV</a:t>
-            </a:r>
-          </a:p>
-          <a:p>
-            <a:r>
-              <a:rPr lang="en-GB" dirty="0"/>
-              <a:t>JSON</a:t>
-            </a:r>
-          </a:p>
-          <a:p>
-            <a:r>
-              <a:rPr lang="en-GB" dirty="0"/>
-              <a:t>AVRO</a:t>
-            </a:r>
-          </a:p>
-          <a:p>
-            <a:r>
-              <a:rPr lang="en-GB" dirty="0"/>
-              <a:t>Parquet</a:t>
-            </a:r>
-          </a:p>
-        </p:txBody>
-      </p:sp>
-    </p:spTree>
-    <p:extLst>
-      <p:ext uri="{BB962C8B-B14F-4D97-AF65-F5344CB8AC3E}">
-        <p14:creationId xmlns:p14="http://schemas.microsoft.com/office/powerpoint/2010/main" val="3463063880"/>
-      </p:ext>
-    </p:extLst>
-  </p:cSld>
-  <p:clrMapOvr>
-    <a:masterClrMapping/>
-  </p:clrMapOvr>
-  <p:transition>
-    <p:fade/>
-  </p:transition>
-</p:sld>
-</file>
-
-<file path=ppt/slides/slide8.xml><?xml version="1.0" encoding="utf-8"?>
-<p:sld xmlns:a="http://schemas.openxmlformats.org/drawingml/2006/main" xmlns:r="http://schemas.openxmlformats.org/officeDocument/2006/relationships" xmlns:p="http://schemas.openxmlformats.org/presentationml/2006/main">
-  <p:cSld>
-    <p:spTree>
-      <p:nvGrpSpPr>
-        <p:cNvPr id="1" name=""/>
-        <p:cNvGrpSpPr/>
-        <p:nvPr/>
-      </p:nvGrpSpPr>
-      <p:grpSpPr>
-        <a:xfrm>
-          <a:off x="0" y="0"/>
-          <a:ext cx="0" cy="0"/>
-          <a:chOff x="0" y="0"/>
-          <a:chExt cx="0" cy="0"/>
-        </a:xfrm>
-      </p:grpSpPr>
-      <p:sp>
-        <p:nvSpPr>
-          <p:cNvPr id="2" name="Title 1">
-            <a:extLst>
-              <a:ext uri="{FF2B5EF4-FFF2-40B4-BE49-F238E27FC236}">
-                <a16:creationId xmlns:a16="http://schemas.microsoft.com/office/drawing/2014/main" id="{92FA699C-C2D8-42CD-9ED1-4FADB47D8B58}"/>
-              </a:ext>
-            </a:extLst>
-          </p:cNvPr>
-          <p:cNvSpPr>
-            <a:spLocks noGrp="1"/>
-          </p:cNvSpPr>
-          <p:nvPr>
-            <p:ph type="title"/>
-          </p:nvPr>
-        </p:nvSpPr>
-        <p:spPr/>
-        <p:txBody>
-          <a:bodyPr/>
-          <a:lstStyle/>
-          <a:p>
-            <a:endParaRPr lang="en-GB"/>
-          </a:p>
-        </p:txBody>
-      </p:sp>
-      <p:sp>
-        <p:nvSpPr>
-          <p:cNvPr id="3" name="Text Placeholder 2">
-            <a:extLst>
-              <a:ext uri="{FF2B5EF4-FFF2-40B4-BE49-F238E27FC236}">
-                <a16:creationId xmlns:a16="http://schemas.microsoft.com/office/drawing/2014/main" id="{FFE1200B-DC9A-4B97-A35E-8EAE69FE7741}"/>
-              </a:ext>
-            </a:extLst>
-          </p:cNvPr>
-          <p:cNvSpPr>
-            <a:spLocks noGrp="1"/>
-          </p:cNvSpPr>
-          <p:nvPr>
-            <p:ph type="body" sz="quarter" idx="10"/>
-          </p:nvPr>
-        </p:nvSpPr>
-        <p:spPr/>
-        <p:txBody>
-          <a:bodyPr/>
-          <a:lstStyle/>
-          <a:p>
-            <a:endParaRPr lang="en-GB"/>
-          </a:p>
-        </p:txBody>
-      </p:sp>
-    </p:spTree>
-    <p:extLst>
-      <p:ext uri="{BB962C8B-B14F-4D97-AF65-F5344CB8AC3E}">
-        <p14:creationId xmlns:p14="http://schemas.microsoft.com/office/powerpoint/2010/main" val="2910060502"/>
       </p:ext>
     </p:extLst>
   </p:cSld>
@@ -22633,12 +25992,9 @@
 </file>
 
 <file path=customXml/item1.xml><?xml version="1.0" encoding="utf-8"?>
-<?mso-contentType ?>
-<FormTemplates xmlns="http://schemas.microsoft.com/sharepoint/v3/contenttype/forms">
-  <Display>DocumentLibraryForm</Display>
-  <Edit>DocumentLibraryForm</Edit>
-  <New>DocumentLibraryForm</New>
-</FormTemplates>
+<p:properties xmlns:p="http://schemas.microsoft.com/office/2006/metadata/properties" xmlns:xsi="http://www.w3.org/2001/XMLSchema-instance" xmlns:pc="http://schemas.microsoft.com/office/infopath/2007/PartnerControls">
+  <documentManagement/>
+</p:properties>
 </file>
 
 <file path=customXml/item2.xml><?xml version="1.0" encoding="utf-8"?>
@@ -22796,15 +26152,26 @@
 </file>
 
 <file path=customXml/item3.xml><?xml version="1.0" encoding="utf-8"?>
-<p:properties xmlns:p="http://schemas.microsoft.com/office/2006/metadata/properties" xmlns:xsi="http://www.w3.org/2001/XMLSchema-instance" xmlns:pc="http://schemas.microsoft.com/office/infopath/2007/PartnerControls">
-  <documentManagement/>
-</p:properties>
+<?mso-contentType ?>
+<FormTemplates xmlns="http://schemas.microsoft.com/sharepoint/v3/contenttype/forms">
+  <Display>DocumentLibraryForm</Display>
+  <Edit>DocumentLibraryForm</Edit>
+  <New>DocumentLibraryForm</New>
+</FormTemplates>
 </file>
 
 <file path=customXml/itemProps1.xml><?xml version="1.0" encoding="utf-8"?>
-<ds:datastoreItem xmlns:ds="http://schemas.openxmlformats.org/officeDocument/2006/customXml" ds:itemID="{758FDAC0-319D-4A54-8D8E-1D42CB1F8004}">
+<ds:datastoreItem xmlns:ds="http://schemas.openxmlformats.org/officeDocument/2006/customXml" ds:itemID="{F990F116-B58F-4255-B05B-DA3808E0E5C6}">
   <ds:schemaRefs>
-    <ds:schemaRef ds:uri="http://schemas.microsoft.com/sharepoint/v3/contenttype/forms"/>
+    <ds:schemaRef ds:uri="http://purl.org/dc/elements/1.1/"/>
+    <ds:schemaRef ds:uri="http://schemas.microsoft.com/office/2006/metadata/properties"/>
+    <ds:schemaRef ds:uri="http://schemas.microsoft.com/office/2006/documentManagement/types"/>
+    <ds:schemaRef ds:uri="http://purl.org/dc/terms/"/>
+    <ds:schemaRef ds:uri="http://schemas.openxmlformats.org/package/2006/metadata/core-properties"/>
+    <ds:schemaRef ds:uri="630a2e83-186a-4a0f-ab27-bee8a8096abc"/>
+    <ds:schemaRef ds:uri="http://purl.org/dc/dcmitype/"/>
+    <ds:schemaRef ds:uri="http://schemas.microsoft.com/office/infopath/2007/PartnerControls"/>
+    <ds:schemaRef ds:uri="http://www.w3.org/XML/1998/namespace"/>
   </ds:schemaRefs>
 </ds:datastoreItem>
 </file>
@@ -22828,17 +26195,9 @@
 </file>
 
 <file path=customXml/itemProps3.xml><?xml version="1.0" encoding="utf-8"?>
-<ds:datastoreItem xmlns:ds="http://schemas.openxmlformats.org/officeDocument/2006/customXml" ds:itemID="{F990F116-B58F-4255-B05B-DA3808E0E5C6}">
+<ds:datastoreItem xmlns:ds="http://schemas.openxmlformats.org/officeDocument/2006/customXml" ds:itemID="{758FDAC0-319D-4A54-8D8E-1D42CB1F8004}">
   <ds:schemaRefs>
-    <ds:schemaRef ds:uri="http://purl.org/dc/elements/1.1/"/>
-    <ds:schemaRef ds:uri="http://schemas.microsoft.com/office/2006/metadata/properties"/>
-    <ds:schemaRef ds:uri="http://schemas.microsoft.com/office/2006/documentManagement/types"/>
-    <ds:schemaRef ds:uri="http://purl.org/dc/terms/"/>
-    <ds:schemaRef ds:uri="http://schemas.openxmlformats.org/package/2006/metadata/core-properties"/>
-    <ds:schemaRef ds:uri="630a2e83-186a-4a0f-ab27-bee8a8096abc"/>
-    <ds:schemaRef ds:uri="http://purl.org/dc/dcmitype/"/>
-    <ds:schemaRef ds:uri="http://schemas.microsoft.com/office/infopath/2007/PartnerControls"/>
-    <ds:schemaRef ds:uri="http://www.w3.org/XML/1998/namespace"/>
+    <ds:schemaRef ds:uri="http://schemas.microsoft.com/sharepoint/v3/contenttype/forms"/>
   </ds:schemaRefs>
 </ds:datastoreItem>
 </file>